--- a/Documentation/Presentation.pptx
+++ b/Documentation/Presentation.pptx
@@ -16831,7 +16831,7 @@
           <a:blip r:embed="rId3">
             <a:extLst>
               <a:ext uri="{28A0092B-C50C-407E-A947-70E740481C1C}">
-                <a14:useLocalDpi xmlns:a14="http://schemas.microsoft.com/office/drawing/2010/main" val="0"/>
+                <a14:useLocalDpi xmlns:a14="http://schemas.microsoft.com/office/drawing/2010/main"/>
               </a:ext>
             </a:extLst>
           </a:blip>
@@ -17075,10 +17075,10 @@
           <p:nvPr/>
         </p:nvPicPr>
         <p:blipFill>
-          <a:blip r:embed="rId4">
+          <a:blip r:embed="rId4" cstate="print">
             <a:extLst>
               <a:ext uri="{28A0092B-C50C-407E-A947-70E740481C1C}">
-                <a14:useLocalDpi xmlns:a14="http://schemas.microsoft.com/office/drawing/2010/main" val="0"/>
+                <a14:useLocalDpi xmlns:a14="http://schemas.microsoft.com/office/drawing/2010/main"/>
               </a:ext>
             </a:extLst>
           </a:blip>
@@ -17135,60 +17135,6 @@
       </p:grpSpPr>
       <p:sp>
         <p:nvSpPr>
-          <p:cNvPr id="7" name="Shape 322"/>
-          <p:cNvSpPr/>
-          <p:nvPr/>
-        </p:nvSpPr>
-        <p:spPr>
-          <a:xfrm>
-            <a:off x="-1677" y="0"/>
-            <a:ext cx="6103714" cy="6858000"/>
-          </a:xfrm>
-          <a:prstGeom prst="rect">
-            <a:avLst/>
-          </a:prstGeom>
-          <a:solidFill>
-            <a:srgbClr val="AAE4D5"/>
-          </a:solidFill>
-          <a:ln w="12700" cap="flat" cmpd="sng">
-            <a:solidFill>
-              <a:srgbClr val="AAE4D5"/>
-            </a:solidFill>
-            <a:prstDash val="solid"/>
-            <a:miter lim="800000"/>
-            <a:headEnd type="none" w="sm" len="sm"/>
-            <a:tailEnd type="none" w="sm" len="sm"/>
-          </a:ln>
-        </p:spPr>
-        <p:txBody>
-          <a:bodyPr spcFirstLastPara="1" wrap="square" lIns="91425" tIns="45700" rIns="91425" bIns="45700" anchor="ctr" anchorCtr="0">
-            <a:noAutofit/>
-          </a:bodyPr>
-          <a:lstStyle/>
-          <a:p>
-            <a:pPr marL="0" marR="0" lvl="0" indent="0" algn="ctr" rtl="0">
-              <a:spcBef>
-                <a:spcPts val="0"/>
-              </a:spcBef>
-              <a:spcAft>
-                <a:spcPts val="0"/>
-              </a:spcAft>
-              <a:buNone/>
-            </a:pPr>
-            <a:endParaRPr sz="1800">
-              <a:solidFill>
-                <a:schemeClr val="lt1"/>
-              </a:solidFill>
-              <a:latin typeface="Playfair Display"/>
-              <a:ea typeface="Playfair Display"/>
-              <a:cs typeface="Playfair Display"/>
-              <a:sym typeface="Playfair Display"/>
-            </a:endParaRPr>
-          </a:p>
-        </p:txBody>
-      </p:sp>
-      <p:sp>
-        <p:nvSpPr>
           <p:cNvPr id="107" name="Shape 107"/>
           <p:cNvSpPr txBox="1"/>
           <p:nvPr/>
@@ -17251,7 +17197,7 @@
           <a:blip r:embed="rId3">
             <a:extLst>
               <a:ext uri="{28A0092B-C50C-407E-A947-70E740481C1C}">
-                <a14:useLocalDpi xmlns:a14="http://schemas.microsoft.com/office/drawing/2010/main" val="0"/>
+                <a14:useLocalDpi xmlns:a14="http://schemas.microsoft.com/office/drawing/2010/main"/>
               </a:ext>
             </a:extLst>
           </a:blip>
@@ -17289,10 +17235,10 @@
           <p:nvPr/>
         </p:nvPicPr>
         <p:blipFill>
-          <a:blip r:embed="rId4">
+          <a:blip r:embed="rId4" cstate="print">
             <a:extLst>
               <a:ext uri="{28A0092B-C50C-407E-A947-70E740481C1C}">
-                <a14:useLocalDpi xmlns:a14="http://schemas.microsoft.com/office/drawing/2010/main" val="0"/>
+                <a14:useLocalDpi xmlns:a14="http://schemas.microsoft.com/office/drawing/2010/main"/>
               </a:ext>
             </a:extLst>
           </a:blip>
@@ -17406,7 +17352,7 @@
           <a:blip r:embed="rId3">
             <a:extLst>
               <a:ext uri="{28A0092B-C50C-407E-A947-70E740481C1C}">
-                <a14:useLocalDpi xmlns:a14="http://schemas.microsoft.com/office/drawing/2010/main" val="0"/>
+                <a14:useLocalDpi xmlns:a14="http://schemas.microsoft.com/office/drawing/2010/main"/>
               </a:ext>
             </a:extLst>
           </a:blip>
@@ -17444,10 +17390,10 @@
           <p:nvPr/>
         </p:nvPicPr>
         <p:blipFill>
-          <a:blip r:embed="rId4">
+          <a:blip r:embed="rId4" cstate="print">
             <a:extLst>
               <a:ext uri="{28A0092B-C50C-407E-A947-70E740481C1C}">
-                <a14:useLocalDpi xmlns:a14="http://schemas.microsoft.com/office/drawing/2010/main" val="0"/>
+                <a14:useLocalDpi xmlns:a14="http://schemas.microsoft.com/office/drawing/2010/main"/>
               </a:ext>
             </a:extLst>
           </a:blip>
@@ -17793,7 +17739,7 @@
           <a:blip r:embed="rId3">
             <a:extLst>
               <a:ext uri="{28A0092B-C50C-407E-A947-70E740481C1C}">
-                <a14:useLocalDpi xmlns:a14="http://schemas.microsoft.com/office/drawing/2010/main" val="0"/>
+                <a14:useLocalDpi xmlns:a14="http://schemas.microsoft.com/office/drawing/2010/main"/>
               </a:ext>
             </a:extLst>
           </a:blip>
@@ -17831,10 +17777,10 @@
           <p:nvPr/>
         </p:nvPicPr>
         <p:blipFill>
-          <a:blip r:embed="rId4">
+          <a:blip r:embed="rId4" cstate="print">
             <a:extLst>
               <a:ext uri="{28A0092B-C50C-407E-A947-70E740481C1C}">
-                <a14:useLocalDpi xmlns:a14="http://schemas.microsoft.com/office/drawing/2010/main" val="0"/>
+                <a14:useLocalDpi xmlns:a14="http://schemas.microsoft.com/office/drawing/2010/main"/>
               </a:ext>
             </a:extLst>
           </a:blip>
@@ -18116,7 +18062,7 @@
           <a:blip r:embed="rId3">
             <a:extLst>
               <a:ext uri="{28A0092B-C50C-407E-A947-70E740481C1C}">
-                <a14:useLocalDpi xmlns:a14="http://schemas.microsoft.com/office/drawing/2010/main" val="0"/>
+                <a14:useLocalDpi xmlns:a14="http://schemas.microsoft.com/office/drawing/2010/main"/>
               </a:ext>
             </a:extLst>
           </a:blip>
@@ -18154,10 +18100,10 @@
           <p:nvPr/>
         </p:nvPicPr>
         <p:blipFill>
-          <a:blip r:embed="rId4">
+          <a:blip r:embed="rId4" cstate="print">
             <a:extLst>
               <a:ext uri="{28A0092B-C50C-407E-A947-70E740481C1C}">
-                <a14:useLocalDpi xmlns:a14="http://schemas.microsoft.com/office/drawing/2010/main" val="0"/>
+                <a14:useLocalDpi xmlns:a14="http://schemas.microsoft.com/office/drawing/2010/main"/>
               </a:ext>
             </a:extLst>
           </a:blip>
@@ -18346,7 +18292,7 @@
           <a:blip r:embed="rId3">
             <a:extLst>
               <a:ext uri="{28A0092B-C50C-407E-A947-70E740481C1C}">
-                <a14:useLocalDpi xmlns:a14="http://schemas.microsoft.com/office/drawing/2010/main" val="0"/>
+                <a14:useLocalDpi xmlns:a14="http://schemas.microsoft.com/office/drawing/2010/main"/>
               </a:ext>
             </a:extLst>
           </a:blip>
@@ -18384,10 +18330,10 @@
           <p:nvPr/>
         </p:nvPicPr>
         <p:blipFill>
-          <a:blip r:embed="rId4">
+          <a:blip r:embed="rId4" cstate="print">
             <a:extLst>
               <a:ext uri="{28A0092B-C50C-407E-A947-70E740481C1C}">
-                <a14:useLocalDpi xmlns:a14="http://schemas.microsoft.com/office/drawing/2010/main" val="0"/>
+                <a14:useLocalDpi xmlns:a14="http://schemas.microsoft.com/office/drawing/2010/main"/>
               </a:ext>
             </a:extLst>
           </a:blip>
@@ -18441,7 +18387,7 @@
           <a:blip r:embed="rId5">
             <a:extLst>
               <a:ext uri="{28A0092B-C50C-407E-A947-70E740481C1C}">
-                <a14:useLocalDpi xmlns:a14="http://schemas.microsoft.com/office/drawing/2010/main" val="0"/>
+                <a14:useLocalDpi xmlns:a14="http://schemas.microsoft.com/office/drawing/2010/main"/>
               </a:ext>
             </a:extLst>
           </a:blip>
@@ -18505,10 +18451,10 @@
           <p:nvPr/>
         </p:nvPicPr>
         <p:blipFill rotWithShape="1">
-          <a:blip r:embed="rId3">
+          <a:blip r:embed="rId3" cstate="print">
             <a:extLst>
               <a:ext uri="{28A0092B-C50C-407E-A947-70E740481C1C}">
-                <a14:useLocalDpi xmlns:a14="http://schemas.microsoft.com/office/drawing/2010/main" val="0"/>
+                <a14:useLocalDpi xmlns:a14="http://schemas.microsoft.com/office/drawing/2010/main"/>
               </a:ext>
             </a:extLst>
           </a:blip>
@@ -18605,7 +18551,7 @@
           <a:blip r:embed="rId4">
             <a:extLst>
               <a:ext uri="{28A0092B-C50C-407E-A947-70E740481C1C}">
-                <a14:useLocalDpi xmlns:a14="http://schemas.microsoft.com/office/drawing/2010/main" val="0"/>
+                <a14:useLocalDpi xmlns:a14="http://schemas.microsoft.com/office/drawing/2010/main"/>
               </a:ext>
             </a:extLst>
           </a:blip>
@@ -18643,10 +18589,10 @@
           <p:nvPr/>
         </p:nvPicPr>
         <p:blipFill>
-          <a:blip r:embed="rId5">
+          <a:blip r:embed="rId5" cstate="print">
             <a:extLst>
               <a:ext uri="{28A0092B-C50C-407E-A947-70E740481C1C}">
-                <a14:useLocalDpi xmlns:a14="http://schemas.microsoft.com/office/drawing/2010/main" val="0"/>
+                <a14:useLocalDpi xmlns:a14="http://schemas.microsoft.com/office/drawing/2010/main"/>
               </a:ext>
             </a:extLst>
           </a:blip>
@@ -18795,14 +18741,14 @@
           <p:nvPr/>
         </p:nvPicPr>
         <p:blipFill rotWithShape="1">
-          <a:blip r:embed="rId6">
+          <a:blip r:embed="rId6" cstate="print">
             <a:extLst>
               <a:ext uri="{28A0092B-C50C-407E-A947-70E740481C1C}">
-                <a14:useLocalDpi xmlns:a14="http://schemas.microsoft.com/office/drawing/2010/main" val="0"/>
+                <a14:useLocalDpi xmlns:a14="http://schemas.microsoft.com/office/drawing/2010/main"/>
               </a:ext>
             </a:extLst>
           </a:blip>
-          <a:srcRect l="29630" t="23604" r="31648" b="8062"/>
+          <a:srcRect/>
           <a:stretch/>
         </p:blipFill>
         <p:spPr>
@@ -18934,10 +18880,10 @@
           <p:nvPr/>
         </p:nvPicPr>
         <p:blipFill>
-          <a:blip r:embed="rId7">
+          <a:blip r:embed="rId7" cstate="print">
             <a:extLst>
               <a:ext uri="{28A0092B-C50C-407E-A947-70E740481C1C}">
-                <a14:useLocalDpi xmlns:a14="http://schemas.microsoft.com/office/drawing/2010/main" val="0"/>
+                <a14:useLocalDpi xmlns:a14="http://schemas.microsoft.com/office/drawing/2010/main"/>
               </a:ext>
             </a:extLst>
           </a:blip>
@@ -19149,7 +19095,7 @@
           <a:blip r:embed="rId8">
             <a:extLst>
               <a:ext uri="{28A0092B-C50C-407E-A947-70E740481C1C}">
-                <a14:useLocalDpi xmlns:a14="http://schemas.microsoft.com/office/drawing/2010/main" val="0"/>
+                <a14:useLocalDpi xmlns:a14="http://schemas.microsoft.com/office/drawing/2010/main"/>
               </a:ext>
             </a:extLst>
           </a:blip>
@@ -19176,14 +19122,14 @@
           <p:nvPr/>
         </p:nvPicPr>
         <p:blipFill rotWithShape="1">
-          <a:blip r:embed="rId9">
+          <a:blip r:embed="rId9" cstate="print">
             <a:extLst>
               <a:ext uri="{28A0092B-C50C-407E-A947-70E740481C1C}">
-                <a14:useLocalDpi xmlns:a14="http://schemas.microsoft.com/office/drawing/2010/main" val="0"/>
+                <a14:useLocalDpi xmlns:a14="http://schemas.microsoft.com/office/drawing/2010/main"/>
               </a:ext>
             </a:extLst>
           </a:blip>
-          <a:srcRect l="9234" t="3362" r="11299" b="3106"/>
+          <a:srcRect/>
           <a:stretch/>
         </p:blipFill>
         <p:spPr>
@@ -19205,14 +19151,14 @@
           <p:nvPr/>
         </p:nvPicPr>
         <p:blipFill rotWithShape="1">
-          <a:blip r:embed="rId10">
+          <a:blip r:embed="rId10" cstate="print">
             <a:extLst>
               <a:ext uri="{28A0092B-C50C-407E-A947-70E740481C1C}">
-                <a14:useLocalDpi xmlns:a14="http://schemas.microsoft.com/office/drawing/2010/main" val="0"/>
+                <a14:useLocalDpi xmlns:a14="http://schemas.microsoft.com/office/drawing/2010/main"/>
               </a:ext>
             </a:extLst>
           </a:blip>
-          <a:srcRect l="5009" t="11292" r="6162" b="8416"/>
+          <a:srcRect/>
           <a:stretch/>
         </p:blipFill>
         <p:spPr>
@@ -19876,10 +19822,10 @@
           <p:nvPr/>
         </p:nvPicPr>
         <p:blipFill rotWithShape="1">
-          <a:blip r:embed="rId3">
+          <a:blip r:embed="rId3" cstate="print">
             <a:extLst>
               <a:ext uri="{28A0092B-C50C-407E-A947-70E740481C1C}">
-                <a14:useLocalDpi xmlns:a14="http://schemas.microsoft.com/office/drawing/2010/main" val="0"/>
+                <a14:useLocalDpi xmlns:a14="http://schemas.microsoft.com/office/drawing/2010/main"/>
               </a:ext>
             </a:extLst>
           </a:blip>
@@ -19976,7 +19922,7 @@
           <a:blip r:embed="rId4">
             <a:extLst>
               <a:ext uri="{28A0092B-C50C-407E-A947-70E740481C1C}">
-                <a14:useLocalDpi xmlns:a14="http://schemas.microsoft.com/office/drawing/2010/main" val="0"/>
+                <a14:useLocalDpi xmlns:a14="http://schemas.microsoft.com/office/drawing/2010/main"/>
               </a:ext>
             </a:extLst>
           </a:blip>
@@ -20014,10 +19960,10 @@
           <p:nvPr/>
         </p:nvPicPr>
         <p:blipFill>
-          <a:blip r:embed="rId5">
+          <a:blip r:embed="rId5" cstate="print">
             <a:extLst>
               <a:ext uri="{28A0092B-C50C-407E-A947-70E740481C1C}">
-                <a14:useLocalDpi xmlns:a14="http://schemas.microsoft.com/office/drawing/2010/main" val="0"/>
+                <a14:useLocalDpi xmlns:a14="http://schemas.microsoft.com/office/drawing/2010/main"/>
               </a:ext>
             </a:extLst>
           </a:blip>
@@ -20154,10 +20100,10 @@
           <p:nvPr/>
         </p:nvPicPr>
         <p:blipFill rotWithShape="1">
-          <a:blip r:embed="rId6">
+          <a:blip r:embed="rId6" cstate="print">
             <a:extLst>
               <a:ext uri="{28A0092B-C50C-407E-A947-70E740481C1C}">
-                <a14:useLocalDpi xmlns:a14="http://schemas.microsoft.com/office/drawing/2010/main" val="0"/>
+                <a14:useLocalDpi xmlns:a14="http://schemas.microsoft.com/office/drawing/2010/main"/>
               </a:ext>
             </a:extLst>
           </a:blip>
@@ -20389,14 +20335,14 @@
           <p:nvPr/>
         </p:nvPicPr>
         <p:blipFill rotWithShape="1">
-          <a:blip r:embed="rId7">
+          <a:blip r:embed="rId7" cstate="print">
             <a:extLst>
               <a:ext uri="{28A0092B-C50C-407E-A947-70E740481C1C}">
-                <a14:useLocalDpi xmlns:a14="http://schemas.microsoft.com/office/drawing/2010/main" val="0"/>
+                <a14:useLocalDpi xmlns:a14="http://schemas.microsoft.com/office/drawing/2010/main"/>
               </a:ext>
             </a:extLst>
           </a:blip>
-          <a:srcRect l="3108" t="11803" r="3742" b="10732"/>
+          <a:srcRect/>
           <a:stretch/>
         </p:blipFill>
         <p:spPr>
@@ -20418,14 +20364,14 @@
           <p:nvPr/>
         </p:nvPicPr>
         <p:blipFill rotWithShape="1">
-          <a:blip r:embed="rId8">
+          <a:blip r:embed="rId8" cstate="print">
             <a:extLst>
               <a:ext uri="{28A0092B-C50C-407E-A947-70E740481C1C}">
-                <a14:useLocalDpi xmlns:a14="http://schemas.microsoft.com/office/drawing/2010/main" val="0"/>
+                <a14:useLocalDpi xmlns:a14="http://schemas.microsoft.com/office/drawing/2010/main"/>
               </a:ext>
             </a:extLst>
           </a:blip>
-          <a:srcRect l="7491" t="4234" r="10924" b="3885"/>
+          <a:srcRect/>
           <a:stretch/>
         </p:blipFill>
         <p:spPr>
@@ -21111,7 +21057,7 @@
           <a:blip r:embed="rId3">
             <a:extLst>
               <a:ext uri="{28A0092B-C50C-407E-A947-70E740481C1C}">
-                <a14:useLocalDpi xmlns:a14="http://schemas.microsoft.com/office/drawing/2010/main" val="0"/>
+                <a14:useLocalDpi xmlns:a14="http://schemas.microsoft.com/office/drawing/2010/main"/>
               </a:ext>
             </a:extLst>
           </a:blip>
@@ -21149,10 +21095,10 @@
           <p:nvPr/>
         </p:nvPicPr>
         <p:blipFill>
-          <a:blip r:embed="rId4">
+          <a:blip r:embed="rId4" cstate="print">
             <a:extLst>
               <a:ext uri="{28A0092B-C50C-407E-A947-70E740481C1C}">
-                <a14:useLocalDpi xmlns:a14="http://schemas.microsoft.com/office/drawing/2010/main" val="0"/>
+                <a14:useLocalDpi xmlns:a14="http://schemas.microsoft.com/office/drawing/2010/main"/>
               </a:ext>
             </a:extLst>
           </a:blip>
@@ -21483,7 +21429,7 @@
           <a:blip r:embed="rId3">
             <a:extLst>
               <a:ext uri="{28A0092B-C50C-407E-A947-70E740481C1C}">
-                <a14:useLocalDpi xmlns:a14="http://schemas.microsoft.com/office/drawing/2010/main" val="0"/>
+                <a14:useLocalDpi xmlns:a14="http://schemas.microsoft.com/office/drawing/2010/main"/>
               </a:ext>
             </a:extLst>
           </a:blip>
@@ -21521,10 +21467,10 @@
           <p:nvPr/>
         </p:nvPicPr>
         <p:blipFill>
-          <a:blip r:embed="rId4">
+          <a:blip r:embed="rId4" cstate="print">
             <a:extLst>
               <a:ext uri="{28A0092B-C50C-407E-A947-70E740481C1C}">
-                <a14:useLocalDpi xmlns:a14="http://schemas.microsoft.com/office/drawing/2010/main" val="0"/>
+                <a14:useLocalDpi xmlns:a14="http://schemas.microsoft.com/office/drawing/2010/main"/>
               </a:ext>
             </a:extLst>
           </a:blip>
@@ -21637,6 +21583,14 @@
 <file path=ppt/slides/slide9.xml><?xml version="1.0" encoding="utf-8"?>
 <p:sld xmlns:a="http://schemas.openxmlformats.org/drawingml/2006/main" xmlns:r="http://schemas.openxmlformats.org/officeDocument/2006/relationships" xmlns:p="http://schemas.openxmlformats.org/presentationml/2006/main">
   <p:cSld>
+    <p:bg>
+      <p:bgPr>
+        <a:solidFill>
+          <a:srgbClr val="AAE4D5"/>
+        </a:solidFill>
+        <a:effectLst/>
+      </p:bgPr>
+    </p:bg>
     <p:spTree>
       <p:nvGrpSpPr>
         <p:cNvPr id="1" name="Shape 102"/>
@@ -21651,114 +21605,6 @@
           <a:chExt cx="0" cy="0"/>
         </a:xfrm>
       </p:grpSpPr>
-      <p:sp>
-        <p:nvSpPr>
-          <p:cNvPr id="6" name="Shape 322"/>
-          <p:cNvSpPr/>
-          <p:nvPr/>
-        </p:nvSpPr>
-        <p:spPr>
-          <a:xfrm>
-            <a:off x="6074795" y="0"/>
-            <a:ext cx="6103714" cy="6858000"/>
-          </a:xfrm>
-          <a:prstGeom prst="rect">
-            <a:avLst/>
-          </a:prstGeom>
-          <a:solidFill>
-            <a:srgbClr val="AAE4D5"/>
-          </a:solidFill>
-          <a:ln w="12700" cap="flat" cmpd="sng">
-            <a:solidFill>
-              <a:srgbClr val="AAE4D5"/>
-            </a:solidFill>
-            <a:prstDash val="solid"/>
-            <a:miter lim="800000"/>
-            <a:headEnd type="none" w="sm" len="sm"/>
-            <a:tailEnd type="none" w="sm" len="sm"/>
-          </a:ln>
-        </p:spPr>
-        <p:txBody>
-          <a:bodyPr spcFirstLastPara="1" wrap="square" lIns="91425" tIns="45700" rIns="91425" bIns="45700" anchor="ctr" anchorCtr="0">
-            <a:noAutofit/>
-          </a:bodyPr>
-          <a:lstStyle/>
-          <a:p>
-            <a:pPr marL="0" marR="0" lvl="0" indent="0" algn="ctr" rtl="0">
-              <a:spcBef>
-                <a:spcPts val="0"/>
-              </a:spcBef>
-              <a:spcAft>
-                <a:spcPts val="0"/>
-              </a:spcAft>
-              <a:buNone/>
-            </a:pPr>
-            <a:endParaRPr sz="1800">
-              <a:solidFill>
-                <a:schemeClr val="lt1"/>
-              </a:solidFill>
-              <a:latin typeface="Playfair Display"/>
-              <a:ea typeface="Playfair Display"/>
-              <a:cs typeface="Playfair Display"/>
-              <a:sym typeface="Playfair Display"/>
-            </a:endParaRPr>
-          </a:p>
-        </p:txBody>
-      </p:sp>
-      <p:sp>
-        <p:nvSpPr>
-          <p:cNvPr id="7" name="Shape 322"/>
-          <p:cNvSpPr/>
-          <p:nvPr/>
-        </p:nvSpPr>
-        <p:spPr>
-          <a:xfrm>
-            <a:off x="-1677" y="0"/>
-            <a:ext cx="6103714" cy="6858000"/>
-          </a:xfrm>
-          <a:prstGeom prst="rect">
-            <a:avLst/>
-          </a:prstGeom>
-          <a:solidFill>
-            <a:srgbClr val="AAE4D5"/>
-          </a:solidFill>
-          <a:ln w="12700" cap="flat" cmpd="sng">
-            <a:solidFill>
-              <a:srgbClr val="AAE4D5"/>
-            </a:solidFill>
-            <a:prstDash val="solid"/>
-            <a:miter lim="800000"/>
-            <a:headEnd type="none" w="sm" len="sm"/>
-            <a:tailEnd type="none" w="sm" len="sm"/>
-          </a:ln>
-        </p:spPr>
-        <p:txBody>
-          <a:bodyPr spcFirstLastPara="1" wrap="square" lIns="91425" tIns="45700" rIns="91425" bIns="45700" anchor="ctr" anchorCtr="0">
-            <a:noAutofit/>
-          </a:bodyPr>
-          <a:lstStyle/>
-          <a:p>
-            <a:pPr marL="0" marR="0" lvl="0" indent="0" algn="ctr" rtl="0">
-              <a:spcBef>
-                <a:spcPts val="0"/>
-              </a:spcBef>
-              <a:spcAft>
-                <a:spcPts val="0"/>
-              </a:spcAft>
-              <a:buNone/>
-            </a:pPr>
-            <a:endParaRPr sz="1800">
-              <a:solidFill>
-                <a:schemeClr val="lt1"/>
-              </a:solidFill>
-              <a:latin typeface="Playfair Display"/>
-              <a:ea typeface="Playfair Display"/>
-              <a:cs typeface="Playfair Display"/>
-              <a:sym typeface="Playfair Display"/>
-            </a:endParaRPr>
-          </a:p>
-        </p:txBody>
-      </p:sp>
       <p:sp>
         <p:nvSpPr>
           <p:cNvPr id="107" name="Shape 107"/>
@@ -21823,7 +21669,7 @@
           <a:blip r:embed="rId3">
             <a:extLst>
               <a:ext uri="{28A0092B-C50C-407E-A947-70E740481C1C}">
-                <a14:useLocalDpi xmlns:a14="http://schemas.microsoft.com/office/drawing/2010/main" val="0"/>
+                <a14:useLocalDpi xmlns:a14="http://schemas.microsoft.com/office/drawing/2010/main"/>
               </a:ext>
             </a:extLst>
           </a:blip>
@@ -21861,10 +21707,10 @@
           <p:nvPr/>
         </p:nvPicPr>
         <p:blipFill>
-          <a:blip r:embed="rId4">
+          <a:blip r:embed="rId4" cstate="print">
             <a:extLst>
               <a:ext uri="{28A0092B-C50C-407E-A947-70E740481C1C}">
-                <a14:useLocalDpi xmlns:a14="http://schemas.microsoft.com/office/drawing/2010/main" val="0"/>
+                <a14:useLocalDpi xmlns:a14="http://schemas.microsoft.com/office/drawing/2010/main"/>
               </a:ext>
             </a:extLst>
           </a:blip>

--- a/Documentation/Presentation.pptx
+++ b/Documentation/Presentation.pptx
@@ -5,51 +5,54 @@
     <p:sldMasterId id="2147483662" r:id="rId1"/>
   </p:sldMasterIdLst>
   <p:notesMasterIdLst>
-    <p:notesMasterId r:id="rId13"/>
+    <p:notesMasterId r:id="rId16"/>
   </p:notesMasterIdLst>
   <p:sldIdLst>
     <p:sldId id="270" r:id="rId2"/>
     <p:sldId id="271" r:id="rId3"/>
     <p:sldId id="279" r:id="rId4"/>
     <p:sldId id="278" r:id="rId5"/>
-    <p:sldId id="275" r:id="rId6"/>
-    <p:sldId id="276" r:id="rId7"/>
-    <p:sldId id="274" r:id="rId8"/>
-    <p:sldId id="273" r:id="rId9"/>
-    <p:sldId id="277" r:id="rId10"/>
-    <p:sldId id="257" r:id="rId11"/>
-    <p:sldId id="272" r:id="rId12"/>
+    <p:sldId id="280" r:id="rId6"/>
+    <p:sldId id="281" r:id="rId7"/>
+    <p:sldId id="282" r:id="rId8"/>
+    <p:sldId id="275" r:id="rId9"/>
+    <p:sldId id="276" r:id="rId10"/>
+    <p:sldId id="277" r:id="rId11"/>
+    <p:sldId id="274" r:id="rId12"/>
+    <p:sldId id="273" r:id="rId13"/>
+    <p:sldId id="257" r:id="rId14"/>
+    <p:sldId id="272" r:id="rId15"/>
   </p:sldIdLst>
   <p:sldSz cx="12192000" cy="6858000"/>
   <p:notesSz cx="6858000" cy="9144000"/>
   <p:embeddedFontLst>
     <p:embeddedFont>
       <p:font typeface="Playfair Display" panose="020B0604020202020204" charset="0"/>
-      <p:regular r:id="rId14"/>
-      <p:bold r:id="rId15"/>
-      <p:italic r:id="rId16"/>
-      <p:boldItalic r:id="rId17"/>
+      <p:regular r:id="rId17"/>
+      <p:bold r:id="rId18"/>
+      <p:italic r:id="rId19"/>
+      <p:boldItalic r:id="rId20"/>
     </p:embeddedFont>
     <p:embeddedFont>
       <p:font typeface="Montserrat" panose="020B0604020202020204" charset="0"/>
-      <p:regular r:id="rId18"/>
-      <p:bold r:id="rId19"/>
-      <p:italic r:id="rId20"/>
-      <p:boldItalic r:id="rId21"/>
+      <p:regular r:id="rId21"/>
+      <p:bold r:id="rId22"/>
+      <p:italic r:id="rId23"/>
+      <p:boldItalic r:id="rId24"/>
     </p:embeddedFont>
     <p:embeddedFont>
       <p:font typeface="Calibri" panose="020F0502020204030204" pitchFamily="34" charset="0"/>
-      <p:regular r:id="rId22"/>
-      <p:bold r:id="rId23"/>
-      <p:italic r:id="rId24"/>
-      <p:boldItalic r:id="rId25"/>
+      <p:regular r:id="rId25"/>
+      <p:bold r:id="rId26"/>
+      <p:italic r:id="rId27"/>
+      <p:boldItalic r:id="rId28"/>
     </p:embeddedFont>
     <p:embeddedFont>
       <p:font typeface="Lato Light" panose="020B0604020202020204" charset="0"/>
-      <p:regular r:id="rId26"/>
-      <p:bold r:id="rId27"/>
-      <p:italic r:id="rId28"/>
-      <p:boldItalic r:id="rId29"/>
+      <p:regular r:id="rId29"/>
+      <p:bold r:id="rId30"/>
+      <p:italic r:id="rId31"/>
+      <p:boldItalic r:id="rId32"/>
     </p:embeddedFont>
   </p:embeddedFontLst>
   <p:defaultTextStyle>
@@ -1695,6 +1698,345 @@
     </p:spTree>
     <p:extLst>
       <p:ext uri="{BB962C8B-B14F-4D97-AF65-F5344CB8AC3E}">
+        <p14:creationId xmlns:p14="http://schemas.microsoft.com/office/powerpoint/2010/main" val="1653768091"/>
+      </p:ext>
+    </p:extLst>
+  </p:cSld>
+  <p:clrMapOvr>
+    <a:masterClrMapping/>
+  </p:clrMapOvr>
+</p:notes>
+</file>
+
+<file path=ppt/notesSlides/notesSlide11.xml><?xml version="1.0" encoding="utf-8"?>
+<p:notes xmlns:a="http://schemas.openxmlformats.org/drawingml/2006/main" xmlns:r="http://schemas.openxmlformats.org/officeDocument/2006/relationships" xmlns:p="http://schemas.openxmlformats.org/presentationml/2006/main" showMasterSp="0" showMasterPhAnim="0">
+  <p:cSld>
+    <p:spTree>
+      <p:nvGrpSpPr>
+        <p:cNvPr id="1" name="Shape 108"/>
+        <p:cNvGrpSpPr/>
+        <p:nvPr/>
+      </p:nvGrpSpPr>
+      <p:grpSpPr>
+        <a:xfrm>
+          <a:off x="0" y="0"/>
+          <a:ext cx="0" cy="0"/>
+          <a:chOff x="0" y="0"/>
+          <a:chExt cx="0" cy="0"/>
+        </a:xfrm>
+      </p:grpSpPr>
+      <p:sp>
+        <p:nvSpPr>
+          <p:cNvPr id="109" name="Shape 109"/>
+          <p:cNvSpPr txBox="1">
+            <a:spLocks noGrp="1"/>
+          </p:cNvSpPr>
+          <p:nvPr>
+            <p:ph type="body" idx="1"/>
+          </p:nvPr>
+        </p:nvSpPr>
+        <p:spPr>
+          <a:xfrm>
+            <a:off x="685800" y="4400550"/>
+            <a:ext cx="5486400" cy="3600450"/>
+          </a:xfrm>
+          <a:prstGeom prst="rect">
+            <a:avLst/>
+          </a:prstGeom>
+          <a:noFill/>
+          <a:ln>
+            <a:noFill/>
+          </a:ln>
+        </p:spPr>
+        <p:txBody>
+          <a:bodyPr spcFirstLastPara="1" wrap="square" lIns="91425" tIns="91425" rIns="91425" bIns="91425" anchor="ctr" anchorCtr="0">
+            <a:noAutofit/>
+          </a:bodyPr>
+          <a:lstStyle/>
+          <a:p>
+            <a:pPr marL="0" lvl="0" indent="0">
+              <a:spcBef>
+                <a:spcPts val="0"/>
+              </a:spcBef>
+              <a:spcAft>
+                <a:spcPts val="0"/>
+              </a:spcAft>
+              <a:buNone/>
+            </a:pPr>
+            <a:endParaRPr/>
+          </a:p>
+        </p:txBody>
+      </p:sp>
+      <p:sp>
+        <p:nvSpPr>
+          <p:cNvPr id="110" name="Shape 110"/>
+          <p:cNvSpPr>
+            <a:spLocks noGrp="1" noRot="1" noChangeAspect="1"/>
+          </p:cNvSpPr>
+          <p:nvPr>
+            <p:ph type="sldImg" idx="2"/>
+          </p:nvPr>
+        </p:nvSpPr>
+        <p:spPr>
+          <a:xfrm>
+            <a:off x="685800" y="1143000"/>
+            <a:ext cx="5486400" cy="3086100"/>
+          </a:xfrm>
+          <a:custGeom>
+            <a:avLst/>
+            <a:gdLst/>
+            <a:ahLst/>
+            <a:cxnLst/>
+            <a:rect l="0" t="0" r="0" b="0"/>
+            <a:pathLst>
+              <a:path w="120000" h="120000" extrusionOk="0">
+                <a:moveTo>
+                  <a:pt x="0" y="0"/>
+                </a:moveTo>
+                <a:lnTo>
+                  <a:pt x="120000" y="0"/>
+                </a:lnTo>
+                <a:lnTo>
+                  <a:pt x="120000" y="120000"/>
+                </a:lnTo>
+                <a:lnTo>
+                  <a:pt x="0" y="120000"/>
+                </a:lnTo>
+                <a:close/>
+              </a:path>
+            </a:pathLst>
+          </a:custGeom>
+        </p:spPr>
+      </p:sp>
+    </p:spTree>
+    <p:extLst>
+      <p:ext uri="{BB962C8B-B14F-4D97-AF65-F5344CB8AC3E}">
+        <p14:creationId xmlns:p14="http://schemas.microsoft.com/office/powerpoint/2010/main" val="1084191489"/>
+      </p:ext>
+    </p:extLst>
+  </p:cSld>
+  <p:clrMapOvr>
+    <a:masterClrMapping/>
+  </p:clrMapOvr>
+</p:notes>
+</file>
+
+<file path=ppt/notesSlides/notesSlide12.xml><?xml version="1.0" encoding="utf-8"?>
+<p:notes xmlns:a="http://schemas.openxmlformats.org/drawingml/2006/main" xmlns:r="http://schemas.openxmlformats.org/officeDocument/2006/relationships" xmlns:p="http://schemas.openxmlformats.org/presentationml/2006/main" showMasterSp="0" showMasterPhAnim="0">
+  <p:cSld>
+    <p:spTree>
+      <p:nvGrpSpPr>
+        <p:cNvPr id="1" name="Shape 108"/>
+        <p:cNvGrpSpPr/>
+        <p:nvPr/>
+      </p:nvGrpSpPr>
+      <p:grpSpPr>
+        <a:xfrm>
+          <a:off x="0" y="0"/>
+          <a:ext cx="0" cy="0"/>
+          <a:chOff x="0" y="0"/>
+          <a:chExt cx="0" cy="0"/>
+        </a:xfrm>
+      </p:grpSpPr>
+      <p:sp>
+        <p:nvSpPr>
+          <p:cNvPr id="109" name="Shape 109"/>
+          <p:cNvSpPr txBox="1">
+            <a:spLocks noGrp="1"/>
+          </p:cNvSpPr>
+          <p:nvPr>
+            <p:ph type="body" idx="1"/>
+          </p:nvPr>
+        </p:nvSpPr>
+        <p:spPr>
+          <a:xfrm>
+            <a:off x="685800" y="4400550"/>
+            <a:ext cx="5486400" cy="3600450"/>
+          </a:xfrm>
+          <a:prstGeom prst="rect">
+            <a:avLst/>
+          </a:prstGeom>
+          <a:noFill/>
+          <a:ln>
+            <a:noFill/>
+          </a:ln>
+        </p:spPr>
+        <p:txBody>
+          <a:bodyPr spcFirstLastPara="1" wrap="square" lIns="91425" tIns="91425" rIns="91425" bIns="91425" anchor="ctr" anchorCtr="0">
+            <a:noAutofit/>
+          </a:bodyPr>
+          <a:lstStyle/>
+          <a:p>
+            <a:pPr marL="0" lvl="0" indent="0">
+              <a:spcBef>
+                <a:spcPts val="0"/>
+              </a:spcBef>
+              <a:spcAft>
+                <a:spcPts val="0"/>
+              </a:spcAft>
+              <a:buNone/>
+            </a:pPr>
+            <a:endParaRPr/>
+          </a:p>
+        </p:txBody>
+      </p:sp>
+      <p:sp>
+        <p:nvSpPr>
+          <p:cNvPr id="110" name="Shape 110"/>
+          <p:cNvSpPr>
+            <a:spLocks noGrp="1" noRot="1" noChangeAspect="1"/>
+          </p:cNvSpPr>
+          <p:nvPr>
+            <p:ph type="sldImg" idx="2"/>
+          </p:nvPr>
+        </p:nvSpPr>
+        <p:spPr>
+          <a:xfrm>
+            <a:off x="685800" y="1143000"/>
+            <a:ext cx="5486400" cy="3086100"/>
+          </a:xfrm>
+          <a:custGeom>
+            <a:avLst/>
+            <a:gdLst/>
+            <a:ahLst/>
+            <a:cxnLst/>
+            <a:rect l="0" t="0" r="0" b="0"/>
+            <a:pathLst>
+              <a:path w="120000" h="120000" extrusionOk="0">
+                <a:moveTo>
+                  <a:pt x="0" y="0"/>
+                </a:moveTo>
+                <a:lnTo>
+                  <a:pt x="120000" y="0"/>
+                </a:lnTo>
+                <a:lnTo>
+                  <a:pt x="120000" y="120000"/>
+                </a:lnTo>
+                <a:lnTo>
+                  <a:pt x="0" y="120000"/>
+                </a:lnTo>
+                <a:close/>
+              </a:path>
+            </a:pathLst>
+          </a:custGeom>
+        </p:spPr>
+      </p:sp>
+    </p:spTree>
+    <p:extLst>
+      <p:ext uri="{BB962C8B-B14F-4D97-AF65-F5344CB8AC3E}">
+        <p14:creationId xmlns:p14="http://schemas.microsoft.com/office/powerpoint/2010/main" val="1919531824"/>
+      </p:ext>
+    </p:extLst>
+  </p:cSld>
+  <p:clrMapOvr>
+    <a:masterClrMapping/>
+  </p:clrMapOvr>
+</p:notes>
+</file>
+
+<file path=ppt/notesSlides/notesSlide13.xml><?xml version="1.0" encoding="utf-8"?>
+<p:notes xmlns:a="http://schemas.openxmlformats.org/drawingml/2006/main" xmlns:r="http://schemas.openxmlformats.org/officeDocument/2006/relationships" xmlns:p="http://schemas.openxmlformats.org/presentationml/2006/main" showMasterSp="0" showMasterPhAnim="0">
+  <p:cSld>
+    <p:spTree>
+      <p:nvGrpSpPr>
+        <p:cNvPr id="1" name="Shape 99"/>
+        <p:cNvGrpSpPr/>
+        <p:nvPr/>
+      </p:nvGrpSpPr>
+      <p:grpSpPr>
+        <a:xfrm>
+          <a:off x="0" y="0"/>
+          <a:ext cx="0" cy="0"/>
+          <a:chOff x="0" y="0"/>
+          <a:chExt cx="0" cy="0"/>
+        </a:xfrm>
+      </p:grpSpPr>
+      <p:sp>
+        <p:nvSpPr>
+          <p:cNvPr id="100" name="Shape 100"/>
+          <p:cNvSpPr txBox="1">
+            <a:spLocks noGrp="1"/>
+          </p:cNvSpPr>
+          <p:nvPr>
+            <p:ph type="body" idx="1"/>
+          </p:nvPr>
+        </p:nvSpPr>
+        <p:spPr>
+          <a:xfrm>
+            <a:off x="685800" y="4400550"/>
+            <a:ext cx="5486400" cy="3600450"/>
+          </a:xfrm>
+          <a:prstGeom prst="rect">
+            <a:avLst/>
+          </a:prstGeom>
+          <a:noFill/>
+          <a:ln>
+            <a:noFill/>
+          </a:ln>
+        </p:spPr>
+        <p:txBody>
+          <a:bodyPr spcFirstLastPara="1" wrap="square" lIns="91425" tIns="91425" rIns="91425" bIns="91425" anchor="ctr" anchorCtr="0">
+            <a:noAutofit/>
+          </a:bodyPr>
+          <a:lstStyle/>
+          <a:p>
+            <a:pPr marL="0" lvl="0" indent="0">
+              <a:spcBef>
+                <a:spcPts val="0"/>
+              </a:spcBef>
+              <a:spcAft>
+                <a:spcPts val="0"/>
+              </a:spcAft>
+              <a:buNone/>
+            </a:pPr>
+            <a:endParaRPr/>
+          </a:p>
+        </p:txBody>
+      </p:sp>
+      <p:sp>
+        <p:nvSpPr>
+          <p:cNvPr id="101" name="Shape 101"/>
+          <p:cNvSpPr>
+            <a:spLocks noGrp="1" noRot="1" noChangeAspect="1"/>
+          </p:cNvSpPr>
+          <p:nvPr>
+            <p:ph type="sldImg" idx="2"/>
+          </p:nvPr>
+        </p:nvSpPr>
+        <p:spPr>
+          <a:xfrm>
+            <a:off x="685800" y="1143000"/>
+            <a:ext cx="5486400" cy="3086100"/>
+          </a:xfrm>
+          <a:custGeom>
+            <a:avLst/>
+            <a:gdLst/>
+            <a:ahLst/>
+            <a:cxnLst/>
+            <a:rect l="0" t="0" r="0" b="0"/>
+            <a:pathLst>
+              <a:path w="120000" h="120000" extrusionOk="0">
+                <a:moveTo>
+                  <a:pt x="0" y="0"/>
+                </a:moveTo>
+                <a:lnTo>
+                  <a:pt x="120000" y="0"/>
+                </a:lnTo>
+                <a:lnTo>
+                  <a:pt x="120000" y="120000"/>
+                </a:lnTo>
+                <a:lnTo>
+                  <a:pt x="0" y="120000"/>
+                </a:lnTo>
+                <a:close/>
+              </a:path>
+            </a:pathLst>
+          </a:custGeom>
+        </p:spPr>
+      </p:sp>
+    </p:spTree>
+    <p:extLst>
+      <p:ext uri="{BB962C8B-B14F-4D97-AF65-F5344CB8AC3E}">
         <p14:creationId xmlns:p14="http://schemas.microsoft.com/office/powerpoint/2010/main" val="449664752"/>
       </p:ext>
     </p:extLst>
@@ -1705,7 +2047,7 @@
 </p:notes>
 </file>
 
-<file path=ppt/notesSlides/notesSlide11.xml><?xml version="1.0" encoding="utf-8"?>
+<file path=ppt/notesSlides/notesSlide14.xml><?xml version="1.0" encoding="utf-8"?>
 <p:notes xmlns:a="http://schemas.openxmlformats.org/drawingml/2006/main" xmlns:r="http://schemas.openxmlformats.org/officeDocument/2006/relationships" xmlns:p="http://schemas.openxmlformats.org/presentationml/2006/main" showMasterSp="0" showMasterPhAnim="0">
   <p:cSld>
     <p:spTree>
@@ -2260,7 +2602,7 @@
     </p:spTree>
     <p:extLst>
       <p:ext uri="{BB962C8B-B14F-4D97-AF65-F5344CB8AC3E}">
-        <p14:creationId xmlns:p14="http://schemas.microsoft.com/office/powerpoint/2010/main" val="3083195908"/>
+        <p14:creationId xmlns:p14="http://schemas.microsoft.com/office/powerpoint/2010/main" val="3245004046"/>
       </p:ext>
     </p:extLst>
   </p:cSld>
@@ -2373,7 +2715,7 @@
     </p:spTree>
     <p:extLst>
       <p:ext uri="{BB962C8B-B14F-4D97-AF65-F5344CB8AC3E}">
-        <p14:creationId xmlns:p14="http://schemas.microsoft.com/office/powerpoint/2010/main" val="259770977"/>
+        <p14:creationId xmlns:p14="http://schemas.microsoft.com/office/powerpoint/2010/main" val="2907908070"/>
       </p:ext>
     </p:extLst>
   </p:cSld>
@@ -2486,7 +2828,7 @@
     </p:spTree>
     <p:extLst>
       <p:ext uri="{BB962C8B-B14F-4D97-AF65-F5344CB8AC3E}">
-        <p14:creationId xmlns:p14="http://schemas.microsoft.com/office/powerpoint/2010/main" val="1084191489"/>
+        <p14:creationId xmlns:p14="http://schemas.microsoft.com/office/powerpoint/2010/main" val="2191473176"/>
       </p:ext>
     </p:extLst>
   </p:cSld>
@@ -2599,7 +2941,7 @@
     </p:spTree>
     <p:extLst>
       <p:ext uri="{BB962C8B-B14F-4D97-AF65-F5344CB8AC3E}">
-        <p14:creationId xmlns:p14="http://schemas.microsoft.com/office/powerpoint/2010/main" val="1919531824"/>
+        <p14:creationId xmlns:p14="http://schemas.microsoft.com/office/powerpoint/2010/main" val="3083195908"/>
       </p:ext>
     </p:extLst>
   </p:cSld>
@@ -2614,7 +2956,7 @@
   <p:cSld>
     <p:spTree>
       <p:nvGrpSpPr>
-        <p:cNvPr id="1" name="Shape 99"/>
+        <p:cNvPr id="1" name="Shape 108"/>
         <p:cNvGrpSpPr/>
         <p:nvPr/>
       </p:nvGrpSpPr>
@@ -2628,7 +2970,7 @@
       </p:grpSpPr>
       <p:sp>
         <p:nvSpPr>
-          <p:cNvPr id="100" name="Shape 100"/>
+          <p:cNvPr id="109" name="Shape 109"/>
           <p:cNvSpPr txBox="1">
             <a:spLocks noGrp="1"/>
           </p:cNvSpPr>
@@ -2670,7 +3012,7 @@
       </p:sp>
       <p:sp>
         <p:nvSpPr>
-          <p:cNvPr id="101" name="Shape 101"/>
+          <p:cNvPr id="110" name="Shape 110"/>
           <p:cNvSpPr>
             <a:spLocks noGrp="1" noRot="1" noChangeAspect="1"/>
           </p:cNvSpPr>
@@ -2712,7 +3054,7 @@
     </p:spTree>
     <p:extLst>
       <p:ext uri="{BB962C8B-B14F-4D97-AF65-F5344CB8AC3E}">
-        <p14:creationId xmlns:p14="http://schemas.microsoft.com/office/powerpoint/2010/main" val="1653768091"/>
+        <p14:creationId xmlns:p14="http://schemas.microsoft.com/office/powerpoint/2010/main" val="259770977"/>
       </p:ext>
     </p:extLst>
   </p:cSld>
@@ -17039,7 +17381,77 @@
                 <a:latin typeface="Montserrat"/>
                 <a:sym typeface="Montserrat"/>
               </a:rPr>
-              <a:t>Universitatea Alexandru Ioan Cuza Iași</a:t>
+              <a:t>Universitatea </a:t>
+            </a:r>
+            <a:r>
+              <a:rPr lang="en-US" sz="2800" dirty="0" smtClean="0">
+                <a:solidFill>
+                  <a:schemeClr val="dk1"/>
+                </a:solidFill>
+                <a:latin typeface="Montserrat"/>
+                <a:sym typeface="Montserrat"/>
+              </a:rPr>
+              <a:t>“</a:t>
+            </a:r>
+            <a:r>
+              <a:rPr lang="ro-RO" sz="2800" dirty="0" smtClean="0">
+                <a:solidFill>
+                  <a:schemeClr val="dk1"/>
+                </a:solidFill>
+                <a:latin typeface="Montserrat"/>
+                <a:sym typeface="Montserrat"/>
+              </a:rPr>
+              <a:t>Alexandru </a:t>
+            </a:r>
+            <a:r>
+              <a:rPr lang="ro-RO" sz="2800" dirty="0" smtClean="0">
+                <a:solidFill>
+                  <a:schemeClr val="dk1"/>
+                </a:solidFill>
+                <a:latin typeface="Montserrat"/>
+                <a:sym typeface="Montserrat"/>
+              </a:rPr>
+              <a:t>Ioan </a:t>
+            </a:r>
+            <a:r>
+              <a:rPr lang="ro-RO" sz="2800" dirty="0" smtClean="0">
+                <a:solidFill>
+                  <a:schemeClr val="dk1"/>
+                </a:solidFill>
+                <a:latin typeface="Montserrat"/>
+                <a:sym typeface="Montserrat"/>
+              </a:rPr>
+              <a:t>Cuza</a:t>
+            </a:r>
+            <a:r>
+              <a:rPr lang="en-US" sz="2800" dirty="0" smtClean="0">
+                <a:solidFill>
+                  <a:schemeClr val="dk1"/>
+                </a:solidFill>
+                <a:latin typeface="Montserrat"/>
+                <a:sym typeface="Montserrat"/>
+              </a:rPr>
+              <a:t>”</a:t>
+            </a:r>
+            <a:r>
+              <a:rPr lang="ro-RO" sz="2800" dirty="0" smtClean="0">
+                <a:solidFill>
+                  <a:schemeClr val="dk1"/>
+                </a:solidFill>
+                <a:latin typeface="Montserrat"/>
+                <a:sym typeface="Montserrat"/>
+              </a:rPr>
+              <a:t> </a:t>
+            </a:r>
+            <a:r>
+              <a:rPr lang="ro-RO" sz="2800" dirty="0" smtClean="0">
+                <a:solidFill>
+                  <a:schemeClr val="dk1"/>
+                </a:solidFill>
+                <a:latin typeface="Montserrat"/>
+                <a:sym typeface="Montserrat"/>
+              </a:rPr>
+              <a:t>Iași</a:t>
             </a:r>
           </a:p>
           <a:p>
@@ -17119,6 +17531,1017 @@
 <file path=ppt/slides/slide10.xml><?xml version="1.0" encoding="utf-8"?>
 <p:sld xmlns:a="http://schemas.openxmlformats.org/drawingml/2006/main" xmlns:r="http://schemas.openxmlformats.org/officeDocument/2006/relationships" xmlns:p="http://schemas.openxmlformats.org/presentationml/2006/main">
   <p:cSld>
+    <p:bg>
+      <p:bgPr>
+        <a:solidFill>
+          <a:srgbClr val="AAE4D5"/>
+        </a:solidFill>
+        <a:effectLst/>
+      </p:bgPr>
+    </p:bg>
+    <p:spTree>
+      <p:nvGrpSpPr>
+        <p:cNvPr id="1" name="Shape 102"/>
+        <p:cNvGrpSpPr/>
+        <p:nvPr/>
+      </p:nvGrpSpPr>
+      <p:grpSpPr>
+        <a:xfrm>
+          <a:off x="0" y="0"/>
+          <a:ext cx="0" cy="0"/>
+          <a:chOff x="0" y="0"/>
+          <a:chExt cx="0" cy="0"/>
+        </a:xfrm>
+      </p:grpSpPr>
+      <p:sp>
+        <p:nvSpPr>
+          <p:cNvPr id="107" name="Shape 107"/>
+          <p:cNvSpPr txBox="1"/>
+          <p:nvPr/>
+        </p:nvSpPr>
+        <p:spPr>
+          <a:xfrm>
+            <a:off x="0" y="2837154"/>
+            <a:ext cx="12191999" cy="1364759"/>
+          </a:xfrm>
+          <a:prstGeom prst="rect">
+            <a:avLst/>
+          </a:prstGeom>
+          <a:noFill/>
+          <a:ln>
+            <a:noFill/>
+          </a:ln>
+        </p:spPr>
+        <p:txBody>
+          <a:bodyPr spcFirstLastPara="1" wrap="square" lIns="91425" tIns="45700" rIns="91425" bIns="45700" anchor="t" anchorCtr="0">
+            <a:noAutofit/>
+          </a:bodyPr>
+          <a:lstStyle/>
+          <a:p>
+            <a:pPr marL="0" marR="0" lvl="0" indent="0" algn="ctr" rtl="0">
+              <a:spcBef>
+                <a:spcPts val="0"/>
+              </a:spcBef>
+              <a:spcAft>
+                <a:spcPts val="0"/>
+              </a:spcAft>
+              <a:buNone/>
+            </a:pPr>
+            <a:r>
+              <a:rPr lang="ro-RO" sz="7200" dirty="0" smtClean="0">
+                <a:solidFill>
+                  <a:schemeClr val="tx1"/>
+                </a:solidFill>
+                <a:latin typeface="Montserrat"/>
+                <a:sym typeface="Montserrat"/>
+              </a:rPr>
+              <a:t>Demo</a:t>
+            </a:r>
+            <a:endParaRPr sz="2400" dirty="0">
+              <a:solidFill>
+                <a:schemeClr val="tx1"/>
+              </a:solidFill>
+            </a:endParaRPr>
+          </a:p>
+        </p:txBody>
+      </p:sp>
+      <p:pic>
+        <p:nvPicPr>
+          <p:cNvPr id="8" name="Picture 7" descr="C:\Users\dlargu\Desktop\FiiLogo.png"/>
+          <p:cNvPicPr>
+            <a:picLocks noChangeAspect="1" noChangeArrowheads="1"/>
+          </p:cNvPicPr>
+          <p:nvPr/>
+        </p:nvPicPr>
+        <p:blipFill>
+          <a:blip r:embed="rId3">
+            <a:extLst>
+              <a:ext uri="{28A0092B-C50C-407E-A947-70E740481C1C}">
+                <a14:useLocalDpi xmlns:a14="http://schemas.microsoft.com/office/drawing/2010/main"/>
+              </a:ext>
+            </a:extLst>
+          </a:blip>
+          <a:srcRect/>
+          <a:stretch>
+            <a:fillRect/>
+          </a:stretch>
+        </p:blipFill>
+        <p:spPr bwMode="auto">
+          <a:xfrm>
+            <a:off x="11235349" y="149280"/>
+            <a:ext cx="826365" cy="763675"/>
+          </a:xfrm>
+          <a:prstGeom prst="rect">
+            <a:avLst/>
+          </a:prstGeom>
+          <a:noFill/>
+          <a:extLst>
+            <a:ext uri="{909E8E84-426E-40DD-AFC4-6F175D3DCCD1}">
+              <a14:hiddenFill xmlns:a14="http://schemas.microsoft.com/office/drawing/2010/main">
+                <a:solidFill>
+                  <a:srgbClr val="FFFFFF"/>
+                </a:solidFill>
+              </a14:hiddenFill>
+            </a:ext>
+          </a:extLst>
+        </p:spPr>
+      </p:pic>
+      <p:pic>
+        <p:nvPicPr>
+          <p:cNvPr id="9" name="Picture 8"/>
+          <p:cNvPicPr>
+            <a:picLocks noChangeAspect="1"/>
+          </p:cNvPicPr>
+          <p:nvPr/>
+        </p:nvPicPr>
+        <p:blipFill>
+          <a:blip r:embed="rId4" cstate="print">
+            <a:extLst>
+              <a:ext uri="{28A0092B-C50C-407E-A947-70E740481C1C}">
+                <a14:useLocalDpi xmlns:a14="http://schemas.microsoft.com/office/drawing/2010/main"/>
+              </a:ext>
+            </a:extLst>
+          </a:blip>
+          <a:stretch>
+            <a:fillRect/>
+          </a:stretch>
+        </p:blipFill>
+        <p:spPr>
+          <a:xfrm>
+            <a:off x="9983713" y="84817"/>
+            <a:ext cx="910102" cy="892600"/>
+          </a:xfrm>
+          <a:prstGeom prst="rect">
+            <a:avLst/>
+          </a:prstGeom>
+        </p:spPr>
+      </p:pic>
+    </p:spTree>
+    <p:extLst>
+      <p:ext uri="{BB962C8B-B14F-4D97-AF65-F5344CB8AC3E}">
+        <p14:creationId xmlns:p14="http://schemas.microsoft.com/office/powerpoint/2010/main" val="3867347921"/>
+      </p:ext>
+    </p:extLst>
+  </p:cSld>
+  <p:clrMapOvr>
+    <a:masterClrMapping/>
+  </p:clrMapOvr>
+  <p:timing>
+    <p:tnLst>
+      <p:par>
+        <p:cTn id="1" dur="indefinite" restart="never" nodeType="tmRoot"/>
+      </p:par>
+    </p:tnLst>
+  </p:timing>
+</p:sld>
+</file>
+
+<file path=ppt/slides/slide11.xml><?xml version="1.0" encoding="utf-8"?>
+<p:sld xmlns:a="http://schemas.openxmlformats.org/drawingml/2006/main" xmlns:r="http://schemas.openxmlformats.org/officeDocument/2006/relationships" xmlns:p="http://schemas.openxmlformats.org/presentationml/2006/main">
+  <p:cSld>
+    <p:spTree>
+      <p:nvGrpSpPr>
+        <p:cNvPr id="1" name="Shape 111"/>
+        <p:cNvGrpSpPr/>
+        <p:nvPr/>
+      </p:nvGrpSpPr>
+      <p:grpSpPr>
+        <a:xfrm>
+          <a:off x="0" y="0"/>
+          <a:ext cx="0" cy="0"/>
+          <a:chOff x="0" y="0"/>
+          <a:chExt cx="0" cy="0"/>
+        </a:xfrm>
+      </p:grpSpPr>
+      <p:sp>
+        <p:nvSpPr>
+          <p:cNvPr id="113" name="Shape 113"/>
+          <p:cNvSpPr txBox="1"/>
+          <p:nvPr/>
+        </p:nvSpPr>
+        <p:spPr>
+          <a:xfrm>
+            <a:off x="660904" y="1611516"/>
+            <a:ext cx="8652428" cy="4693075"/>
+          </a:xfrm>
+          <a:prstGeom prst="rect">
+            <a:avLst/>
+          </a:prstGeom>
+          <a:noFill/>
+          <a:ln>
+            <a:noFill/>
+          </a:ln>
+        </p:spPr>
+        <p:txBody>
+          <a:bodyPr spcFirstLastPara="1" wrap="square" lIns="91425" tIns="45700" rIns="91425" bIns="45700" anchor="t" anchorCtr="0">
+            <a:noAutofit/>
+          </a:bodyPr>
+          <a:lstStyle/>
+          <a:p>
+            <a:pPr marL="342900" marR="0" lvl="0" indent="-342900" algn="l" rtl="0">
+              <a:spcBef>
+                <a:spcPts val="0"/>
+              </a:spcBef>
+              <a:spcAft>
+                <a:spcPts val="0"/>
+              </a:spcAft>
+              <a:buFontTx/>
+              <a:buChar char="-"/>
+            </a:pPr>
+            <a:r>
+              <a:rPr lang="ro-RO" sz="2400" dirty="0" smtClean="0">
+                <a:solidFill>
+                  <a:schemeClr val="tx1"/>
+                </a:solidFill>
+                <a:latin typeface="Times New Roman" panose="02020603050405020304" pitchFamily="18" charset="0"/>
+                <a:cs typeface="Times New Roman" panose="02020603050405020304" pitchFamily="18" charset="0"/>
+                <a:sym typeface="Lato Light"/>
+              </a:rPr>
+              <a:t>Creșterea numărului de dispo</a:t>
+            </a:r>
+            <a:r>
+              <a:rPr lang="en-US" sz="2400" dirty="0" smtClean="0">
+                <a:solidFill>
+                  <a:schemeClr val="tx1"/>
+                </a:solidFill>
+                <a:latin typeface="Times New Roman" panose="02020603050405020304" pitchFamily="18" charset="0"/>
+                <a:cs typeface="Times New Roman" panose="02020603050405020304" pitchFamily="18" charset="0"/>
+                <a:sym typeface="Lato Light"/>
+              </a:rPr>
+              <a:t>z</a:t>
+            </a:r>
+            <a:r>
+              <a:rPr lang="ro-RO" sz="2400" dirty="0" smtClean="0">
+                <a:solidFill>
+                  <a:schemeClr val="tx1"/>
+                </a:solidFill>
+                <a:latin typeface="Times New Roman" panose="02020603050405020304" pitchFamily="18" charset="0"/>
+                <a:cs typeface="Times New Roman" panose="02020603050405020304" pitchFamily="18" charset="0"/>
+                <a:sym typeface="Lato Light"/>
+              </a:rPr>
+              <a:t>itive</a:t>
+            </a:r>
+            <a:r>
+              <a:rPr lang="en-US" sz="2400" dirty="0" smtClean="0">
+                <a:solidFill>
+                  <a:schemeClr val="tx1"/>
+                </a:solidFill>
+                <a:latin typeface="Times New Roman" panose="02020603050405020304" pitchFamily="18" charset="0"/>
+                <a:cs typeface="Times New Roman" panose="02020603050405020304" pitchFamily="18" charset="0"/>
+                <a:sym typeface="Lato Light"/>
+              </a:rPr>
+              <a:t>;</a:t>
+            </a:r>
+          </a:p>
+          <a:p>
+            <a:pPr marL="342900" marR="0" lvl="0" indent="-342900" algn="l" rtl="0">
+              <a:spcBef>
+                <a:spcPts val="0"/>
+              </a:spcBef>
+              <a:spcAft>
+                <a:spcPts val="0"/>
+              </a:spcAft>
+              <a:buFontTx/>
+              <a:buChar char="-"/>
+            </a:pPr>
+            <a:r>
+              <a:rPr lang="en-US" sz="2400" dirty="0" err="1" smtClean="0">
+                <a:solidFill>
+                  <a:schemeClr val="tx1"/>
+                </a:solidFill>
+                <a:latin typeface="Times New Roman" panose="02020603050405020304" pitchFamily="18" charset="0"/>
+                <a:cs typeface="Times New Roman" panose="02020603050405020304" pitchFamily="18" charset="0"/>
+                <a:sym typeface="Lato Light"/>
+              </a:rPr>
+              <a:t>Creare</a:t>
+            </a:r>
+            <a:r>
+              <a:rPr lang="en-US" sz="2400" dirty="0" smtClean="0">
+                <a:solidFill>
+                  <a:schemeClr val="tx1"/>
+                </a:solidFill>
+                <a:latin typeface="Times New Roman" panose="02020603050405020304" pitchFamily="18" charset="0"/>
+                <a:cs typeface="Times New Roman" panose="02020603050405020304" pitchFamily="18" charset="0"/>
+                <a:sym typeface="Lato Light"/>
+              </a:rPr>
+              <a:t> a </a:t>
+            </a:r>
+            <a:r>
+              <a:rPr lang="en-US" sz="2400" dirty="0" err="1" smtClean="0">
+                <a:solidFill>
+                  <a:schemeClr val="tx1"/>
+                </a:solidFill>
+                <a:latin typeface="Times New Roman" panose="02020603050405020304" pitchFamily="18" charset="0"/>
+                <a:cs typeface="Times New Roman" panose="02020603050405020304" pitchFamily="18" charset="0"/>
+                <a:sym typeface="Lato Light"/>
+              </a:rPr>
+              <a:t>grupuri</a:t>
+            </a:r>
+            <a:r>
+              <a:rPr lang="en-US" sz="2400" dirty="0" smtClean="0">
+                <a:solidFill>
+                  <a:schemeClr val="tx1"/>
+                </a:solidFill>
+                <a:latin typeface="Times New Roman" panose="02020603050405020304" pitchFamily="18" charset="0"/>
+                <a:cs typeface="Times New Roman" panose="02020603050405020304" pitchFamily="18" charset="0"/>
+                <a:sym typeface="Lato Light"/>
+              </a:rPr>
+              <a:t> de </a:t>
+            </a:r>
+            <a:r>
+              <a:rPr lang="en-US" sz="2400" dirty="0" err="1" smtClean="0">
+                <a:solidFill>
+                  <a:schemeClr val="tx1"/>
+                </a:solidFill>
+                <a:latin typeface="Times New Roman" panose="02020603050405020304" pitchFamily="18" charset="0"/>
+                <a:cs typeface="Times New Roman" panose="02020603050405020304" pitchFamily="18" charset="0"/>
+                <a:sym typeface="Lato Light"/>
+              </a:rPr>
+              <a:t>utilizatori</a:t>
+            </a:r>
+            <a:r>
+              <a:rPr lang="en-US" sz="2400" dirty="0" smtClean="0">
+                <a:solidFill>
+                  <a:schemeClr val="tx1"/>
+                </a:solidFill>
+                <a:latin typeface="Times New Roman" panose="02020603050405020304" pitchFamily="18" charset="0"/>
+                <a:cs typeface="Times New Roman" panose="02020603050405020304" pitchFamily="18" charset="0"/>
+                <a:sym typeface="Lato Light"/>
+              </a:rPr>
+              <a:t>;</a:t>
+            </a:r>
+          </a:p>
+          <a:p>
+            <a:pPr marL="342900" marR="0" lvl="0" indent="-342900" algn="l" rtl="0">
+              <a:spcBef>
+                <a:spcPts val="0"/>
+              </a:spcBef>
+              <a:spcAft>
+                <a:spcPts val="0"/>
+              </a:spcAft>
+              <a:buFontTx/>
+              <a:buChar char="-"/>
+            </a:pPr>
+            <a:r>
+              <a:rPr lang="ro-RO" sz="2400" dirty="0" smtClean="0">
+                <a:solidFill>
+                  <a:schemeClr val="tx1"/>
+                </a:solidFill>
+                <a:latin typeface="Times New Roman" panose="02020603050405020304" pitchFamily="18" charset="0"/>
+                <a:cs typeface="Times New Roman" panose="02020603050405020304" pitchFamily="18" charset="0"/>
+                <a:sym typeface="Lato Light"/>
+              </a:rPr>
+              <a:t>Înlocuirea serverului Java cu o arhitectură bazată pe microservicii</a:t>
+            </a:r>
+            <a:r>
+              <a:rPr lang="en-US" sz="2400" dirty="0">
+                <a:solidFill>
+                  <a:schemeClr val="tx1"/>
+                </a:solidFill>
+                <a:latin typeface="Times New Roman" panose="02020603050405020304" pitchFamily="18" charset="0"/>
+                <a:cs typeface="Times New Roman" panose="02020603050405020304" pitchFamily="18" charset="0"/>
+                <a:sym typeface="Lato Light"/>
+              </a:rPr>
+              <a:t>;</a:t>
+            </a:r>
+            <a:endParaRPr lang="ro-RO" sz="2400" dirty="0" smtClean="0">
+              <a:solidFill>
+                <a:schemeClr val="tx1"/>
+              </a:solidFill>
+              <a:latin typeface="Times New Roman" panose="02020603050405020304" pitchFamily="18" charset="0"/>
+              <a:cs typeface="Times New Roman" panose="02020603050405020304" pitchFamily="18" charset="0"/>
+              <a:sym typeface="Lato Light"/>
+            </a:endParaRPr>
+          </a:p>
+          <a:p>
+            <a:pPr marL="342900" marR="0" lvl="0" indent="-342900" algn="l" rtl="0">
+              <a:spcBef>
+                <a:spcPts val="0"/>
+              </a:spcBef>
+              <a:spcAft>
+                <a:spcPts val="0"/>
+              </a:spcAft>
+              <a:buFontTx/>
+              <a:buChar char="-"/>
+            </a:pPr>
+            <a:r>
+              <a:rPr lang="en-US" sz="2400" dirty="0" err="1" smtClean="0">
+                <a:solidFill>
+                  <a:schemeClr val="tx1"/>
+                </a:solidFill>
+                <a:latin typeface="Times New Roman" panose="02020603050405020304" pitchFamily="18" charset="0"/>
+                <a:cs typeface="Times New Roman" panose="02020603050405020304" pitchFamily="18" charset="0"/>
+                <a:sym typeface="Lato Light"/>
+              </a:rPr>
+              <a:t>Folosire</a:t>
+            </a:r>
+            <a:r>
+              <a:rPr lang="en-US" sz="2400" dirty="0" err="1" smtClean="0">
+                <a:solidFill>
+                  <a:schemeClr val="tx1"/>
+                </a:solidFill>
+                <a:latin typeface="Times New Roman" panose="02020603050405020304" pitchFamily="18" charset="0"/>
+                <a:cs typeface="Times New Roman" panose="02020603050405020304" pitchFamily="18" charset="0"/>
+                <a:sym typeface="Lato Light"/>
+              </a:rPr>
+              <a:t>a</a:t>
+            </a:r>
+            <a:r>
+              <a:rPr lang="en-US" sz="2400" dirty="0" smtClean="0">
+                <a:solidFill>
+                  <a:schemeClr val="tx1"/>
+                </a:solidFill>
+                <a:latin typeface="Times New Roman" panose="02020603050405020304" pitchFamily="18" charset="0"/>
+                <a:cs typeface="Times New Roman" panose="02020603050405020304" pitchFamily="18" charset="0"/>
+                <a:sym typeface="Lato Light"/>
+              </a:rPr>
+              <a:t> </a:t>
+            </a:r>
+            <a:r>
+              <a:rPr lang="en-US" sz="2400" dirty="0" err="1" smtClean="0">
+                <a:solidFill>
+                  <a:schemeClr val="tx1"/>
+                </a:solidFill>
+                <a:latin typeface="Times New Roman" panose="02020603050405020304" pitchFamily="18" charset="0"/>
+                <a:cs typeface="Times New Roman" panose="02020603050405020304" pitchFamily="18" charset="0"/>
+                <a:sym typeface="Lato Light"/>
+              </a:rPr>
+              <a:t>protocolului</a:t>
+            </a:r>
+            <a:r>
+              <a:rPr lang="en-US" sz="2400" dirty="0" smtClean="0">
+                <a:solidFill>
+                  <a:schemeClr val="tx1"/>
+                </a:solidFill>
+                <a:latin typeface="Times New Roman" panose="02020603050405020304" pitchFamily="18" charset="0"/>
+                <a:cs typeface="Times New Roman" panose="02020603050405020304" pitchFamily="18" charset="0"/>
+                <a:sym typeface="Lato Light"/>
+              </a:rPr>
+              <a:t> HTTPS </a:t>
+            </a:r>
+            <a:r>
+              <a:rPr lang="ro-RO" sz="2400" dirty="0">
+                <a:solidFill>
+                  <a:schemeClr val="tx1"/>
+                </a:solidFill>
+                <a:latin typeface="Times New Roman" panose="02020603050405020304" pitchFamily="18" charset="0"/>
+                <a:cs typeface="Times New Roman" panose="02020603050405020304" pitchFamily="18" charset="0"/>
+                <a:sym typeface="Lato Light"/>
+              </a:rPr>
+              <a:t>î</a:t>
+            </a:r>
+            <a:r>
+              <a:rPr lang="ro-RO" sz="2400" dirty="0" smtClean="0">
+                <a:solidFill>
+                  <a:schemeClr val="tx1"/>
+                </a:solidFill>
+                <a:latin typeface="Times New Roman" panose="02020603050405020304" pitchFamily="18" charset="0"/>
+                <a:cs typeface="Times New Roman" panose="02020603050405020304" pitchFamily="18" charset="0"/>
+                <a:sym typeface="Lato Light"/>
+              </a:rPr>
+              <a:t>ntre server și client</a:t>
+            </a:r>
+            <a:r>
+              <a:rPr lang="en-US" sz="2400" dirty="0" smtClean="0">
+                <a:solidFill>
+                  <a:schemeClr val="tx1"/>
+                </a:solidFill>
+                <a:latin typeface="Times New Roman" panose="02020603050405020304" pitchFamily="18" charset="0"/>
+                <a:cs typeface="Times New Roman" panose="02020603050405020304" pitchFamily="18" charset="0"/>
+                <a:sym typeface="Lato Light"/>
+              </a:rPr>
+              <a:t>.</a:t>
+            </a:r>
+            <a:endParaRPr lang="ro-RO" sz="2400" dirty="0" smtClean="0">
+              <a:solidFill>
+                <a:schemeClr val="tx1"/>
+              </a:solidFill>
+              <a:latin typeface="Times New Roman" panose="02020603050405020304" pitchFamily="18" charset="0"/>
+              <a:cs typeface="Times New Roman" panose="02020603050405020304" pitchFamily="18" charset="0"/>
+              <a:sym typeface="Lato Light"/>
+            </a:endParaRPr>
+          </a:p>
+          <a:p>
+            <a:pPr marL="342900" marR="0" lvl="0" indent="-342900" algn="l" rtl="0">
+              <a:spcBef>
+                <a:spcPts val="0"/>
+              </a:spcBef>
+              <a:spcAft>
+                <a:spcPts val="0"/>
+              </a:spcAft>
+              <a:buFontTx/>
+              <a:buChar char="-"/>
+            </a:pPr>
+            <a:endParaRPr lang="ro-RO" sz="2400" dirty="0" smtClean="0">
+              <a:solidFill>
+                <a:schemeClr val="tx1"/>
+              </a:solidFill>
+              <a:latin typeface="Times New Roman" panose="02020603050405020304" pitchFamily="18" charset="0"/>
+              <a:cs typeface="Times New Roman" panose="02020603050405020304" pitchFamily="18" charset="0"/>
+              <a:sym typeface="Lato Light"/>
+            </a:endParaRPr>
+          </a:p>
+        </p:txBody>
+      </p:sp>
+      <p:sp>
+        <p:nvSpPr>
+          <p:cNvPr id="112" name="Shape 112"/>
+          <p:cNvSpPr txBox="1"/>
+          <p:nvPr/>
+        </p:nvSpPr>
+        <p:spPr>
+          <a:xfrm>
+            <a:off x="774194" y="222898"/>
+            <a:ext cx="8958280" cy="830997"/>
+          </a:xfrm>
+          <a:prstGeom prst="rect">
+            <a:avLst/>
+          </a:prstGeom>
+          <a:noFill/>
+          <a:ln>
+            <a:noFill/>
+          </a:ln>
+        </p:spPr>
+        <p:txBody>
+          <a:bodyPr spcFirstLastPara="1" wrap="square" lIns="91425" tIns="45700" rIns="91425" bIns="45700" anchor="t" anchorCtr="0">
+            <a:noAutofit/>
+          </a:bodyPr>
+          <a:lstStyle/>
+          <a:p>
+            <a:pPr marL="0" marR="0" lvl="0" indent="0" algn="l" rtl="0">
+              <a:spcBef>
+                <a:spcPts val="0"/>
+              </a:spcBef>
+              <a:spcAft>
+                <a:spcPts val="0"/>
+              </a:spcAft>
+              <a:buNone/>
+            </a:pPr>
+            <a:r>
+              <a:rPr lang="ro-RO" sz="4800" dirty="0" smtClean="0">
+                <a:solidFill>
+                  <a:schemeClr val="dk1"/>
+                </a:solidFill>
+                <a:latin typeface="Montserrat"/>
+                <a:sym typeface="Montserrat"/>
+              </a:rPr>
+              <a:t>7. Direcții de dezvoltare</a:t>
+            </a:r>
+            <a:endParaRPr dirty="0"/>
+          </a:p>
+        </p:txBody>
+      </p:sp>
+      <p:pic>
+        <p:nvPicPr>
+          <p:cNvPr id="9" name="Picture 8" descr="C:\Users\dlargu\Desktop\FiiLogo.png"/>
+          <p:cNvPicPr>
+            <a:picLocks noChangeAspect="1" noChangeArrowheads="1"/>
+          </p:cNvPicPr>
+          <p:nvPr/>
+        </p:nvPicPr>
+        <p:blipFill>
+          <a:blip r:embed="rId3">
+            <a:extLst>
+              <a:ext uri="{28A0092B-C50C-407E-A947-70E740481C1C}">
+                <a14:useLocalDpi xmlns:a14="http://schemas.microsoft.com/office/drawing/2010/main"/>
+              </a:ext>
+            </a:extLst>
+          </a:blip>
+          <a:srcRect/>
+          <a:stretch>
+            <a:fillRect/>
+          </a:stretch>
+        </p:blipFill>
+        <p:spPr bwMode="auto">
+          <a:xfrm>
+            <a:off x="11235349" y="149280"/>
+            <a:ext cx="826365" cy="763675"/>
+          </a:xfrm>
+          <a:prstGeom prst="rect">
+            <a:avLst/>
+          </a:prstGeom>
+          <a:noFill/>
+          <a:extLst>
+            <a:ext uri="{909E8E84-426E-40DD-AFC4-6F175D3DCCD1}">
+              <a14:hiddenFill xmlns:a14="http://schemas.microsoft.com/office/drawing/2010/main">
+                <a:solidFill>
+                  <a:srgbClr val="FFFFFF"/>
+                </a:solidFill>
+              </a14:hiddenFill>
+            </a:ext>
+          </a:extLst>
+        </p:spPr>
+      </p:pic>
+      <p:pic>
+        <p:nvPicPr>
+          <p:cNvPr id="10" name="Picture 9"/>
+          <p:cNvPicPr>
+            <a:picLocks noChangeAspect="1"/>
+          </p:cNvPicPr>
+          <p:nvPr/>
+        </p:nvPicPr>
+        <p:blipFill>
+          <a:blip r:embed="rId4" cstate="print">
+            <a:extLst>
+              <a:ext uri="{28A0092B-C50C-407E-A947-70E740481C1C}">
+                <a14:useLocalDpi xmlns:a14="http://schemas.microsoft.com/office/drawing/2010/main"/>
+              </a:ext>
+            </a:extLst>
+          </a:blip>
+          <a:stretch>
+            <a:fillRect/>
+          </a:stretch>
+        </p:blipFill>
+        <p:spPr>
+          <a:xfrm>
+            <a:off x="9983713" y="84817"/>
+            <a:ext cx="910102" cy="892600"/>
+          </a:xfrm>
+          <a:prstGeom prst="rect">
+            <a:avLst/>
+          </a:prstGeom>
+        </p:spPr>
+      </p:pic>
+      <p:sp>
+        <p:nvSpPr>
+          <p:cNvPr id="5" name="Slide Number Placeholder 4"/>
+          <p:cNvSpPr>
+            <a:spLocks noGrp="1"/>
+          </p:cNvSpPr>
+          <p:nvPr>
+            <p:ph type="sldNum" idx="12"/>
+          </p:nvPr>
+        </p:nvSpPr>
+        <p:spPr/>
+        <p:txBody>
+          <a:bodyPr/>
+          <a:lstStyle/>
+          <a:p>
+            <a:fld id="{00000000-1234-1234-1234-123412341234}" type="slidenum">
+              <a:rPr lang="en-PH" smtClean="0"/>
+              <a:pPr/>
+              <a:t>11</a:t>
+            </a:fld>
+            <a:endParaRPr lang="en-PH" dirty="0"/>
+          </a:p>
+        </p:txBody>
+      </p:sp>
+      <p:sp>
+        <p:nvSpPr>
+          <p:cNvPr id="11" name="Shape 114"/>
+          <p:cNvSpPr/>
+          <p:nvPr/>
+        </p:nvSpPr>
+        <p:spPr>
+          <a:xfrm>
+            <a:off x="878557" y="1053895"/>
+            <a:ext cx="8853917" cy="51759"/>
+          </a:xfrm>
+          <a:prstGeom prst="rect">
+            <a:avLst/>
+          </a:prstGeom>
+          <a:solidFill>
+            <a:srgbClr val="AAE4D5"/>
+          </a:solidFill>
+          <a:ln>
+            <a:noFill/>
+          </a:ln>
+        </p:spPr>
+        <p:txBody>
+          <a:bodyPr spcFirstLastPara="1" wrap="square" lIns="91425" tIns="45700" rIns="91425" bIns="45700" anchor="ctr" anchorCtr="0">
+            <a:noAutofit/>
+          </a:bodyPr>
+          <a:lstStyle/>
+          <a:p>
+            <a:pPr marL="0" marR="0" lvl="0" indent="0" algn="ctr" rtl="0">
+              <a:spcBef>
+                <a:spcPts val="0"/>
+              </a:spcBef>
+              <a:spcAft>
+                <a:spcPts val="0"/>
+              </a:spcAft>
+              <a:buNone/>
+            </a:pPr>
+            <a:endParaRPr sz="1800">
+              <a:solidFill>
+                <a:schemeClr val="lt1"/>
+              </a:solidFill>
+              <a:latin typeface="Playfair Display"/>
+              <a:ea typeface="Playfair Display"/>
+              <a:cs typeface="Playfair Display"/>
+              <a:sym typeface="Playfair Display"/>
+            </a:endParaRPr>
+          </a:p>
+        </p:txBody>
+      </p:sp>
+    </p:spTree>
+    <p:extLst>
+      <p:ext uri="{BB962C8B-B14F-4D97-AF65-F5344CB8AC3E}">
+        <p14:creationId xmlns:p14="http://schemas.microsoft.com/office/powerpoint/2010/main" val="912383895"/>
+      </p:ext>
+    </p:extLst>
+  </p:cSld>
+  <p:clrMapOvr>
+    <a:masterClrMapping/>
+  </p:clrMapOvr>
+  <p:timing>
+    <p:tnLst>
+      <p:par>
+        <p:cTn id="1" dur="indefinite" restart="never" nodeType="tmRoot"/>
+      </p:par>
+    </p:tnLst>
+  </p:timing>
+</p:sld>
+</file>
+
+<file path=ppt/slides/slide12.xml><?xml version="1.0" encoding="utf-8"?>
+<p:sld xmlns:a="http://schemas.openxmlformats.org/drawingml/2006/main" xmlns:r="http://schemas.openxmlformats.org/officeDocument/2006/relationships" xmlns:p="http://schemas.openxmlformats.org/presentationml/2006/main">
+  <p:cSld>
+    <p:spTree>
+      <p:nvGrpSpPr>
+        <p:cNvPr id="1" name="Shape 111"/>
+        <p:cNvGrpSpPr/>
+        <p:nvPr/>
+      </p:nvGrpSpPr>
+      <p:grpSpPr>
+        <a:xfrm>
+          <a:off x="0" y="0"/>
+          <a:ext cx="0" cy="0"/>
+          <a:chOff x="0" y="0"/>
+          <a:chExt cx="0" cy="0"/>
+        </a:xfrm>
+      </p:grpSpPr>
+      <p:sp>
+        <p:nvSpPr>
+          <p:cNvPr id="112" name="Shape 112"/>
+          <p:cNvSpPr txBox="1"/>
+          <p:nvPr/>
+        </p:nvSpPr>
+        <p:spPr>
+          <a:xfrm>
+            <a:off x="774194" y="222898"/>
+            <a:ext cx="8958280" cy="830997"/>
+          </a:xfrm>
+          <a:prstGeom prst="rect">
+            <a:avLst/>
+          </a:prstGeom>
+          <a:noFill/>
+          <a:ln>
+            <a:noFill/>
+          </a:ln>
+        </p:spPr>
+        <p:txBody>
+          <a:bodyPr spcFirstLastPara="1" wrap="square" lIns="91425" tIns="45700" rIns="91425" bIns="45700" anchor="t" anchorCtr="0">
+            <a:noAutofit/>
+          </a:bodyPr>
+          <a:lstStyle/>
+          <a:p>
+            <a:pPr marL="0" marR="0" lvl="0" indent="0" algn="l" rtl="0">
+              <a:spcBef>
+                <a:spcPts val="0"/>
+              </a:spcBef>
+              <a:spcAft>
+                <a:spcPts val="0"/>
+              </a:spcAft>
+              <a:buNone/>
+            </a:pPr>
+            <a:r>
+              <a:rPr lang="ro-RO" sz="4800" dirty="0" smtClean="0">
+                <a:solidFill>
+                  <a:schemeClr val="dk1"/>
+                </a:solidFill>
+                <a:latin typeface="Montserrat"/>
+                <a:sym typeface="Montserrat"/>
+              </a:rPr>
+              <a:t>8.Concluzii</a:t>
+            </a:r>
+            <a:endParaRPr dirty="0"/>
+          </a:p>
+        </p:txBody>
+      </p:sp>
+      <p:pic>
+        <p:nvPicPr>
+          <p:cNvPr id="9" name="Picture 8" descr="C:\Users\dlargu\Desktop\FiiLogo.png"/>
+          <p:cNvPicPr>
+            <a:picLocks noChangeAspect="1" noChangeArrowheads="1"/>
+          </p:cNvPicPr>
+          <p:nvPr/>
+        </p:nvPicPr>
+        <p:blipFill>
+          <a:blip r:embed="rId3">
+            <a:extLst>
+              <a:ext uri="{28A0092B-C50C-407E-A947-70E740481C1C}">
+                <a14:useLocalDpi xmlns:a14="http://schemas.microsoft.com/office/drawing/2010/main"/>
+              </a:ext>
+            </a:extLst>
+          </a:blip>
+          <a:srcRect/>
+          <a:stretch>
+            <a:fillRect/>
+          </a:stretch>
+        </p:blipFill>
+        <p:spPr bwMode="auto">
+          <a:xfrm>
+            <a:off x="11235349" y="149280"/>
+            <a:ext cx="826365" cy="763675"/>
+          </a:xfrm>
+          <a:prstGeom prst="rect">
+            <a:avLst/>
+          </a:prstGeom>
+          <a:noFill/>
+          <a:extLst>
+            <a:ext uri="{909E8E84-426E-40DD-AFC4-6F175D3DCCD1}">
+              <a14:hiddenFill xmlns:a14="http://schemas.microsoft.com/office/drawing/2010/main">
+                <a:solidFill>
+                  <a:srgbClr val="FFFFFF"/>
+                </a:solidFill>
+              </a14:hiddenFill>
+            </a:ext>
+          </a:extLst>
+        </p:spPr>
+      </p:pic>
+      <p:pic>
+        <p:nvPicPr>
+          <p:cNvPr id="10" name="Picture 9"/>
+          <p:cNvPicPr>
+            <a:picLocks noChangeAspect="1"/>
+          </p:cNvPicPr>
+          <p:nvPr/>
+        </p:nvPicPr>
+        <p:blipFill>
+          <a:blip r:embed="rId4" cstate="print">
+            <a:extLst>
+              <a:ext uri="{28A0092B-C50C-407E-A947-70E740481C1C}">
+                <a14:useLocalDpi xmlns:a14="http://schemas.microsoft.com/office/drawing/2010/main"/>
+              </a:ext>
+            </a:extLst>
+          </a:blip>
+          <a:stretch>
+            <a:fillRect/>
+          </a:stretch>
+        </p:blipFill>
+        <p:spPr>
+          <a:xfrm>
+            <a:off x="9983713" y="84817"/>
+            <a:ext cx="910102" cy="892600"/>
+          </a:xfrm>
+          <a:prstGeom prst="rect">
+            <a:avLst/>
+          </a:prstGeom>
+        </p:spPr>
+      </p:pic>
+      <p:sp>
+        <p:nvSpPr>
+          <p:cNvPr id="5" name="Slide Number Placeholder 4"/>
+          <p:cNvSpPr>
+            <a:spLocks noGrp="1"/>
+          </p:cNvSpPr>
+          <p:nvPr>
+            <p:ph type="sldNum" idx="12"/>
+          </p:nvPr>
+        </p:nvSpPr>
+        <p:spPr/>
+        <p:txBody>
+          <a:bodyPr/>
+          <a:lstStyle/>
+          <a:p>
+            <a:fld id="{00000000-1234-1234-1234-123412341234}" type="slidenum">
+              <a:rPr lang="en-PH" smtClean="0"/>
+              <a:pPr/>
+              <a:t>12</a:t>
+            </a:fld>
+            <a:endParaRPr lang="en-PH" dirty="0"/>
+          </a:p>
+        </p:txBody>
+      </p:sp>
+      <p:sp>
+        <p:nvSpPr>
+          <p:cNvPr id="11" name="Shape 114"/>
+          <p:cNvSpPr/>
+          <p:nvPr/>
+        </p:nvSpPr>
+        <p:spPr>
+          <a:xfrm>
+            <a:off x="878557" y="1053895"/>
+            <a:ext cx="8853917" cy="51759"/>
+          </a:xfrm>
+          <a:prstGeom prst="rect">
+            <a:avLst/>
+          </a:prstGeom>
+          <a:solidFill>
+            <a:srgbClr val="AAE4D5"/>
+          </a:solidFill>
+          <a:ln>
+            <a:noFill/>
+          </a:ln>
+        </p:spPr>
+        <p:txBody>
+          <a:bodyPr spcFirstLastPara="1" wrap="square" lIns="91425" tIns="45700" rIns="91425" bIns="45700" anchor="ctr" anchorCtr="0">
+            <a:noAutofit/>
+          </a:bodyPr>
+          <a:lstStyle/>
+          <a:p>
+            <a:pPr marL="0" marR="0" lvl="0" indent="0" algn="ctr" rtl="0">
+              <a:spcBef>
+                <a:spcPts val="0"/>
+              </a:spcBef>
+              <a:spcAft>
+                <a:spcPts val="0"/>
+              </a:spcAft>
+              <a:buNone/>
+            </a:pPr>
+            <a:endParaRPr sz="1800">
+              <a:solidFill>
+                <a:schemeClr val="lt1"/>
+              </a:solidFill>
+              <a:latin typeface="Playfair Display"/>
+              <a:ea typeface="Playfair Display"/>
+              <a:cs typeface="Playfair Display"/>
+              <a:sym typeface="Playfair Display"/>
+            </a:endParaRPr>
+          </a:p>
+        </p:txBody>
+      </p:sp>
+      <p:sp>
+        <p:nvSpPr>
+          <p:cNvPr id="12" name="Shape 113"/>
+          <p:cNvSpPr txBox="1"/>
+          <p:nvPr/>
+        </p:nvSpPr>
+        <p:spPr>
+          <a:xfrm>
+            <a:off x="660904" y="1611516"/>
+            <a:ext cx="8652428" cy="4693075"/>
+          </a:xfrm>
+          <a:prstGeom prst="rect">
+            <a:avLst/>
+          </a:prstGeom>
+          <a:noFill/>
+          <a:ln>
+            <a:noFill/>
+          </a:ln>
+        </p:spPr>
+        <p:txBody>
+          <a:bodyPr spcFirstLastPara="1" wrap="square" lIns="91425" tIns="45700" rIns="91425" bIns="45700" anchor="t" anchorCtr="0">
+            <a:noAutofit/>
+          </a:bodyPr>
+          <a:lstStyle/>
+          <a:p>
+            <a:pPr marL="342900" marR="0" lvl="0" indent="-342900" algn="l" rtl="0">
+              <a:spcBef>
+                <a:spcPts val="0"/>
+              </a:spcBef>
+              <a:spcAft>
+                <a:spcPts val="0"/>
+              </a:spcAft>
+              <a:buFontTx/>
+              <a:buChar char="-"/>
+            </a:pPr>
+            <a:r>
+              <a:rPr lang="ro-RO" sz="2400" dirty="0" smtClean="0">
+                <a:solidFill>
+                  <a:schemeClr val="tx1"/>
+                </a:solidFill>
+                <a:latin typeface="Times New Roman" panose="02020603050405020304" pitchFamily="18" charset="0"/>
+                <a:cs typeface="Times New Roman" panose="02020603050405020304" pitchFamily="18" charset="0"/>
+                <a:sym typeface="Lato Light"/>
+              </a:rPr>
+              <a:t>concluzie</a:t>
+            </a:r>
+            <a:endParaRPr lang="ro-RO" sz="2400" dirty="0" smtClean="0">
+              <a:solidFill>
+                <a:schemeClr val="tx1"/>
+              </a:solidFill>
+              <a:latin typeface="Times New Roman" panose="02020603050405020304" pitchFamily="18" charset="0"/>
+              <a:cs typeface="Times New Roman" panose="02020603050405020304" pitchFamily="18" charset="0"/>
+              <a:sym typeface="Lato Light"/>
+            </a:endParaRPr>
+          </a:p>
+        </p:txBody>
+      </p:sp>
+    </p:spTree>
+    <p:extLst>
+      <p:ext uri="{BB962C8B-B14F-4D97-AF65-F5344CB8AC3E}">
+        <p14:creationId xmlns:p14="http://schemas.microsoft.com/office/powerpoint/2010/main" val="3418714155"/>
+      </p:ext>
+    </p:extLst>
+  </p:cSld>
+  <p:clrMapOvr>
+    <a:masterClrMapping/>
+  </p:clrMapOvr>
+  <p:timing>
+    <p:tnLst>
+      <p:par>
+        <p:cTn id="1" dur="indefinite" restart="never" nodeType="tmRoot"/>
+      </p:par>
+    </p:tnLst>
+  </p:timing>
+</p:sld>
+</file>
+
+<file path=ppt/slides/slide13.xml><?xml version="1.0" encoding="utf-8"?>
+<p:sld xmlns:a="http://schemas.openxmlformats.org/drawingml/2006/main" xmlns:r="http://schemas.openxmlformats.org/officeDocument/2006/relationships" xmlns:p="http://schemas.openxmlformats.org/presentationml/2006/main">
+  <p:cSld>
     <p:spTree>
       <p:nvGrpSpPr>
         <p:cNvPr id="1" name="Shape 102"/>
@@ -17271,7 +18694,7 @@
 </p:sld>
 </file>
 
-<file path=ppt/slides/slide11.xml><?xml version="1.0" encoding="utf-8"?>
+<file path=ppt/slides/slide14.xml><?xml version="1.0" encoding="utf-8"?>
 <p:sld xmlns:a="http://schemas.openxmlformats.org/drawingml/2006/main" xmlns:r="http://schemas.openxmlformats.org/officeDocument/2006/relationships" xmlns:p="http://schemas.openxmlformats.org/presentationml/2006/main">
   <p:cSld>
     <p:spTree>
@@ -17573,6 +18996,13 @@
               </a:rPr>
               <a:t>. Arhitectura sistemului</a:t>
             </a:r>
+            <a:endParaRPr lang="en-US" sz="2800" dirty="0" smtClean="0">
+              <a:solidFill>
+                <a:schemeClr val="tx1"/>
+              </a:solidFill>
+              <a:latin typeface="Lato Light"/>
+              <a:sym typeface="Lato Light"/>
+            </a:endParaRPr>
           </a:p>
           <a:p>
             <a:pPr marR="0" lvl="0" algn="l" rtl="0">
@@ -17584,14 +19014,34 @@
               </a:spcAft>
             </a:pPr>
             <a:r>
-              <a:rPr lang="ro-RO" sz="2800" dirty="0" smtClean="0">
+              <a:rPr lang="en-US" sz="2800" dirty="0" smtClean="0">
                 <a:solidFill>
                   <a:schemeClr val="tx1"/>
                 </a:solidFill>
                 <a:latin typeface="Lato Light"/>
                 <a:sym typeface="Lato Light"/>
               </a:rPr>
-              <a:t>3. Dispozitive implementate</a:t>
+              <a:t>3. </a:t>
+            </a:r>
+            <a:r>
+              <a:rPr lang="en-US" sz="2800" dirty="0" err="1" smtClean="0">
+                <a:solidFill>
+                  <a:schemeClr val="tx1"/>
+                </a:solidFill>
+                <a:latin typeface="Lato Light"/>
+                <a:sym typeface="Lato Light"/>
+              </a:rPr>
+              <a:t>Aplica</a:t>
+            </a:r>
+            <a:r>
+              <a:rPr lang="ro-RO" sz="2800" dirty="0" smtClean="0">
+                <a:solidFill>
+                  <a:schemeClr val="tx1"/>
+                </a:solidFill>
+                <a:latin typeface="Lato Light"/>
+                <a:sym typeface="Lato Light"/>
+              </a:rPr>
+              <a:t>ția web</a:t>
             </a:r>
             <a:endParaRPr lang="ro-RO" sz="2800" dirty="0" smtClean="0">
               <a:solidFill>
@@ -17611,14 +19061,14 @@
               </a:spcAft>
             </a:pPr>
             <a:r>
-              <a:rPr lang="ro-RO" sz="2800" dirty="0" smtClean="0">
+              <a:rPr lang="ro-RO" sz="2800" dirty="0">
                 <a:solidFill>
                   <a:schemeClr val="tx1"/>
                 </a:solidFill>
                 <a:latin typeface="Lato Light"/>
                 <a:sym typeface="Lato Light"/>
               </a:rPr>
-              <a:t>3. </a:t>
+              <a:t>4</a:t>
             </a:r>
             <a:r>
               <a:rPr lang="ro-RO" sz="2800" dirty="0" smtClean="0">
@@ -17628,7 +19078,84 @@
                 <a:latin typeface="Lato Light"/>
                 <a:sym typeface="Lato Light"/>
               </a:rPr>
-              <a:t>Direcții </a:t>
+              <a:t>. Server REST Java</a:t>
+            </a:r>
+          </a:p>
+          <a:p>
+            <a:pPr marR="0" lvl="0" algn="l" rtl="0">
+              <a:spcBef>
+                <a:spcPts val="0"/>
+              </a:spcBef>
+              <a:spcAft>
+                <a:spcPts val="0"/>
+              </a:spcAft>
+            </a:pPr>
+            <a:r>
+              <a:rPr lang="ro-RO" sz="2800" dirty="0" smtClean="0">
+                <a:solidFill>
+                  <a:schemeClr val="tx1"/>
+                </a:solidFill>
+                <a:latin typeface="Lato Light"/>
+                <a:sym typeface="Lato Light"/>
+              </a:rPr>
+              <a:t>5. Dispozitive inteligente</a:t>
+            </a:r>
+          </a:p>
+          <a:p>
+            <a:pPr marR="0" lvl="0" algn="l" rtl="0">
+              <a:spcBef>
+                <a:spcPts val="0"/>
+              </a:spcBef>
+              <a:spcAft>
+                <a:spcPts val="0"/>
+              </a:spcAft>
+            </a:pPr>
+            <a:r>
+              <a:rPr lang="ro-RO" sz="2800" dirty="0" smtClean="0">
+                <a:solidFill>
+                  <a:schemeClr val="tx1"/>
+                </a:solidFill>
+                <a:latin typeface="Lato Light"/>
+                <a:sym typeface="Lato Light"/>
+              </a:rPr>
+              <a:t>6. Dispozitive implementate</a:t>
+            </a:r>
+            <a:endParaRPr lang="ro-RO" sz="2800" dirty="0" smtClean="0">
+              <a:solidFill>
+                <a:schemeClr val="tx1"/>
+              </a:solidFill>
+              <a:latin typeface="Lato Light"/>
+              <a:sym typeface="Lato Light"/>
+            </a:endParaRPr>
+          </a:p>
+          <a:p>
+            <a:pPr marR="0" lvl="0" algn="l" rtl="0">
+              <a:spcBef>
+                <a:spcPts val="0"/>
+              </a:spcBef>
+              <a:spcAft>
+                <a:spcPts val="0"/>
+              </a:spcAft>
+            </a:pPr>
+            <a:r>
+              <a:rPr lang="ro-RO" sz="2800" dirty="0">
+                <a:solidFill>
+                  <a:schemeClr val="tx1"/>
+                </a:solidFill>
+                <a:latin typeface="Lato Light"/>
+                <a:sym typeface="Lato Light"/>
+              </a:rPr>
+              <a:t>7</a:t>
+            </a:r>
+            <a:r>
+              <a:rPr lang="ro-RO" sz="2800" dirty="0" smtClean="0">
+                <a:solidFill>
+                  <a:schemeClr val="tx1"/>
+                </a:solidFill>
+                <a:latin typeface="Lato Light"/>
+                <a:sym typeface="Lato Light"/>
+              </a:rPr>
+              <a:t>. Direcții </a:t>
             </a:r>
             <a:r>
               <a:rPr lang="ro-RO" sz="2800" dirty="0" smtClean="0">
@@ -17651,14 +19178,34 @@
               </a:spcAft>
             </a:pPr>
             <a:r>
-              <a:rPr lang="ro-RO" sz="2800" dirty="0" smtClean="0">
+              <a:rPr lang="ro-RO" sz="2800" dirty="0">
                 <a:solidFill>
                   <a:schemeClr val="tx1"/>
                 </a:solidFill>
                 <a:latin typeface="Lato Light"/>
                 <a:sym typeface="Lato Light"/>
               </a:rPr>
-              <a:t>3. Concluzii</a:t>
+              <a:t>8</a:t>
+            </a:r>
+            <a:r>
+              <a:rPr lang="ro-RO" sz="2800" dirty="0" smtClean="0">
+                <a:solidFill>
+                  <a:schemeClr val="tx1"/>
+                </a:solidFill>
+                <a:latin typeface="Lato Light"/>
+                <a:sym typeface="Lato Light"/>
+              </a:rPr>
+              <a:t>. </a:t>
+            </a:r>
+            <a:r>
+              <a:rPr lang="ro-RO" sz="2800" dirty="0" smtClean="0">
+                <a:solidFill>
+                  <a:schemeClr val="tx1"/>
+                </a:solidFill>
+                <a:latin typeface="Lato Light"/>
+                <a:sym typeface="Lato Light"/>
+              </a:rPr>
+              <a:t>Concluzii</a:t>
             </a:r>
           </a:p>
           <a:p>
@@ -17903,7 +19450,7 @@
                 <a:cs typeface="Montserrat"/>
                 <a:sym typeface="Montserrat"/>
               </a:rPr>
-              <a:t>Introducere</a:t>
+              <a:t>1. Introducere</a:t>
             </a:r>
             <a:endParaRPr dirty="0"/>
           </a:p>
@@ -18226,7 +19773,7 @@
                 <a:cs typeface="Montserrat"/>
                 <a:sym typeface="Montserrat"/>
               </a:rPr>
-              <a:t>Arhitectura sistemului</a:t>
+              <a:t>2. Arhitectura sistemului</a:t>
             </a:r>
             <a:endParaRPr dirty="0"/>
           </a:p>
@@ -18442,6 +19989,1446 @@
           <a:chExt cx="0" cy="0"/>
         </a:xfrm>
       </p:grpSpPr>
+      <p:sp>
+        <p:nvSpPr>
+          <p:cNvPr id="112" name="Shape 112"/>
+          <p:cNvSpPr txBox="1"/>
+          <p:nvPr/>
+        </p:nvSpPr>
+        <p:spPr>
+          <a:xfrm>
+            <a:off x="774194" y="222898"/>
+            <a:ext cx="8958280" cy="830997"/>
+          </a:xfrm>
+          <a:prstGeom prst="rect">
+            <a:avLst/>
+          </a:prstGeom>
+          <a:noFill/>
+          <a:ln>
+            <a:noFill/>
+          </a:ln>
+        </p:spPr>
+        <p:txBody>
+          <a:bodyPr spcFirstLastPara="1" wrap="square" lIns="91425" tIns="45700" rIns="91425" bIns="45700" anchor="t" anchorCtr="0">
+            <a:noAutofit/>
+          </a:bodyPr>
+          <a:lstStyle/>
+          <a:p>
+            <a:pPr marL="0" marR="0" lvl="0" indent="0" algn="l" rtl="0">
+              <a:spcBef>
+                <a:spcPts val="0"/>
+              </a:spcBef>
+              <a:spcAft>
+                <a:spcPts val="0"/>
+              </a:spcAft>
+              <a:buNone/>
+            </a:pPr>
+            <a:r>
+              <a:rPr lang="ro-RO" sz="4800" b="0" i="0" u="none" strike="noStrike" cap="none" dirty="0" smtClean="0">
+                <a:solidFill>
+                  <a:schemeClr val="dk1"/>
+                </a:solidFill>
+                <a:latin typeface="Montserrat"/>
+                <a:ea typeface="Montserrat"/>
+                <a:cs typeface="Montserrat"/>
+                <a:sym typeface="Montserrat"/>
+              </a:rPr>
+              <a:t>3. Aplicația web</a:t>
+            </a:r>
+            <a:endParaRPr dirty="0"/>
+          </a:p>
+        </p:txBody>
+      </p:sp>
+      <p:sp>
+        <p:nvSpPr>
+          <p:cNvPr id="114" name="Shape 114"/>
+          <p:cNvSpPr/>
+          <p:nvPr/>
+        </p:nvSpPr>
+        <p:spPr>
+          <a:xfrm>
+            <a:off x="878557" y="1053895"/>
+            <a:ext cx="8853917" cy="51759"/>
+          </a:xfrm>
+          <a:prstGeom prst="rect">
+            <a:avLst/>
+          </a:prstGeom>
+          <a:solidFill>
+            <a:srgbClr val="AAE4D5"/>
+          </a:solidFill>
+          <a:ln>
+            <a:noFill/>
+          </a:ln>
+        </p:spPr>
+        <p:txBody>
+          <a:bodyPr spcFirstLastPara="1" wrap="square" lIns="91425" tIns="45700" rIns="91425" bIns="45700" anchor="ctr" anchorCtr="0">
+            <a:noAutofit/>
+          </a:bodyPr>
+          <a:lstStyle/>
+          <a:p>
+            <a:pPr marL="0" marR="0" lvl="0" indent="0" algn="ctr" rtl="0">
+              <a:spcBef>
+                <a:spcPts val="0"/>
+              </a:spcBef>
+              <a:spcAft>
+                <a:spcPts val="0"/>
+              </a:spcAft>
+              <a:buNone/>
+            </a:pPr>
+            <a:endParaRPr sz="1800">
+              <a:solidFill>
+                <a:schemeClr val="lt1"/>
+              </a:solidFill>
+              <a:latin typeface="Playfair Display"/>
+              <a:ea typeface="Playfair Display"/>
+              <a:cs typeface="Playfair Display"/>
+              <a:sym typeface="Playfair Display"/>
+            </a:endParaRPr>
+          </a:p>
+        </p:txBody>
+      </p:sp>
+      <p:pic>
+        <p:nvPicPr>
+          <p:cNvPr id="9" name="Picture 8" descr="C:\Users\dlargu\Desktop\FiiLogo.png"/>
+          <p:cNvPicPr>
+            <a:picLocks noChangeAspect="1" noChangeArrowheads="1"/>
+          </p:cNvPicPr>
+          <p:nvPr/>
+        </p:nvPicPr>
+        <p:blipFill>
+          <a:blip r:embed="rId3">
+            <a:extLst>
+              <a:ext uri="{28A0092B-C50C-407E-A947-70E740481C1C}">
+                <a14:useLocalDpi xmlns:a14="http://schemas.microsoft.com/office/drawing/2010/main"/>
+              </a:ext>
+            </a:extLst>
+          </a:blip>
+          <a:srcRect/>
+          <a:stretch>
+            <a:fillRect/>
+          </a:stretch>
+        </p:blipFill>
+        <p:spPr bwMode="auto">
+          <a:xfrm>
+            <a:off x="11235349" y="149280"/>
+            <a:ext cx="826365" cy="763675"/>
+          </a:xfrm>
+          <a:prstGeom prst="rect">
+            <a:avLst/>
+          </a:prstGeom>
+          <a:noFill/>
+          <a:extLst>
+            <a:ext uri="{909E8E84-426E-40DD-AFC4-6F175D3DCCD1}">
+              <a14:hiddenFill xmlns:a14="http://schemas.microsoft.com/office/drawing/2010/main">
+                <a:solidFill>
+                  <a:srgbClr val="FFFFFF"/>
+                </a:solidFill>
+              </a14:hiddenFill>
+            </a:ext>
+          </a:extLst>
+        </p:spPr>
+      </p:pic>
+      <p:pic>
+        <p:nvPicPr>
+          <p:cNvPr id="10" name="Picture 9"/>
+          <p:cNvPicPr>
+            <a:picLocks noChangeAspect="1"/>
+          </p:cNvPicPr>
+          <p:nvPr/>
+        </p:nvPicPr>
+        <p:blipFill>
+          <a:blip r:embed="rId4" cstate="print">
+            <a:extLst>
+              <a:ext uri="{28A0092B-C50C-407E-A947-70E740481C1C}">
+                <a14:useLocalDpi xmlns:a14="http://schemas.microsoft.com/office/drawing/2010/main"/>
+              </a:ext>
+            </a:extLst>
+          </a:blip>
+          <a:stretch>
+            <a:fillRect/>
+          </a:stretch>
+        </p:blipFill>
+        <p:spPr>
+          <a:xfrm>
+            <a:off x="9983713" y="84817"/>
+            <a:ext cx="910102" cy="892600"/>
+          </a:xfrm>
+          <a:prstGeom prst="rect">
+            <a:avLst/>
+          </a:prstGeom>
+        </p:spPr>
+      </p:pic>
+      <p:sp>
+        <p:nvSpPr>
+          <p:cNvPr id="5" name="Slide Number Placeholder 4"/>
+          <p:cNvSpPr>
+            <a:spLocks noGrp="1"/>
+          </p:cNvSpPr>
+          <p:nvPr>
+            <p:ph type="sldNum" idx="12"/>
+          </p:nvPr>
+        </p:nvSpPr>
+        <p:spPr/>
+        <p:txBody>
+          <a:bodyPr/>
+          <a:lstStyle/>
+          <a:p>
+            <a:fld id="{00000000-1234-1234-1234-123412341234}" type="slidenum">
+              <a:rPr lang="en-PH" smtClean="0"/>
+              <a:pPr/>
+              <a:t>5</a:t>
+            </a:fld>
+            <a:endParaRPr lang="en-PH" dirty="0"/>
+          </a:p>
+        </p:txBody>
+      </p:sp>
+      <p:sp>
+        <p:nvSpPr>
+          <p:cNvPr id="3" name="Rounded Rectangle 2"/>
+          <p:cNvSpPr/>
+          <p:nvPr/>
+        </p:nvSpPr>
+        <p:spPr>
+          <a:xfrm>
+            <a:off x="6558415" y="1181100"/>
+            <a:ext cx="852036" cy="428625"/>
+          </a:xfrm>
+          <a:prstGeom prst="roundRect">
+            <a:avLst/>
+          </a:prstGeom>
+        </p:spPr>
+        <p:style>
+          <a:lnRef idx="2">
+            <a:schemeClr val="accent5">
+              <a:shade val="50000"/>
+            </a:schemeClr>
+          </a:lnRef>
+          <a:fillRef idx="1">
+            <a:schemeClr val="accent5"/>
+          </a:fillRef>
+          <a:effectRef idx="0">
+            <a:schemeClr val="accent5"/>
+          </a:effectRef>
+          <a:fontRef idx="minor">
+            <a:schemeClr val="lt1"/>
+          </a:fontRef>
+        </p:style>
+        <p:txBody>
+          <a:bodyPr rtlCol="0" anchor="ctr"/>
+          <a:lstStyle/>
+          <a:p>
+            <a:pPr algn="ctr"/>
+            <a:r>
+              <a:rPr lang="ro-RO" sz="1800" dirty="0" smtClean="0"/>
+              <a:t>HTML</a:t>
+            </a:r>
+            <a:endParaRPr lang="en-US" sz="1800" dirty="0"/>
+          </a:p>
+        </p:txBody>
+      </p:sp>
+      <p:sp>
+        <p:nvSpPr>
+          <p:cNvPr id="11" name="Rounded Rectangle 10"/>
+          <p:cNvSpPr/>
+          <p:nvPr/>
+        </p:nvSpPr>
+        <p:spPr>
+          <a:xfrm>
+            <a:off x="7542142" y="1181100"/>
+            <a:ext cx="758050" cy="428625"/>
+          </a:xfrm>
+          <a:prstGeom prst="roundRect">
+            <a:avLst/>
+          </a:prstGeom>
+        </p:spPr>
+        <p:style>
+          <a:lnRef idx="2">
+            <a:schemeClr val="accent5">
+              <a:shade val="50000"/>
+            </a:schemeClr>
+          </a:lnRef>
+          <a:fillRef idx="1">
+            <a:schemeClr val="accent5"/>
+          </a:fillRef>
+          <a:effectRef idx="0">
+            <a:schemeClr val="accent5"/>
+          </a:effectRef>
+          <a:fontRef idx="minor">
+            <a:schemeClr val="lt1"/>
+          </a:fontRef>
+        </p:style>
+        <p:txBody>
+          <a:bodyPr rtlCol="0" anchor="ctr"/>
+          <a:lstStyle/>
+          <a:p>
+            <a:pPr algn="ctr"/>
+            <a:r>
+              <a:rPr lang="ro-RO" sz="1800" dirty="0" smtClean="0"/>
+              <a:t>CSS</a:t>
+            </a:r>
+            <a:endParaRPr lang="en-US" sz="1800" dirty="0"/>
+          </a:p>
+        </p:txBody>
+      </p:sp>
+      <p:sp>
+        <p:nvSpPr>
+          <p:cNvPr id="14" name="Rounded Rectangular Callout 13"/>
+          <p:cNvSpPr/>
+          <p:nvPr/>
+        </p:nvSpPr>
+        <p:spPr>
+          <a:xfrm>
+            <a:off x="10019666" y="1181100"/>
+            <a:ext cx="876295" cy="428624"/>
+          </a:xfrm>
+          <a:prstGeom prst="wedgeRoundRectCallout">
+            <a:avLst>
+              <a:gd name="adj1" fmla="val -69343"/>
+              <a:gd name="adj2" fmla="val 4278"/>
+              <a:gd name="adj3" fmla="val 16667"/>
+            </a:avLst>
+          </a:prstGeom>
+        </p:spPr>
+        <p:style>
+          <a:lnRef idx="1">
+            <a:schemeClr val="accent2"/>
+          </a:lnRef>
+          <a:fillRef idx="2">
+            <a:schemeClr val="accent2"/>
+          </a:fillRef>
+          <a:effectRef idx="1">
+            <a:schemeClr val="accent2"/>
+          </a:effectRef>
+          <a:fontRef idx="minor">
+            <a:schemeClr val="dk1"/>
+          </a:fontRef>
+        </p:style>
+        <p:txBody>
+          <a:bodyPr rtlCol="0" anchor="ctr"/>
+          <a:lstStyle/>
+          <a:p>
+            <a:pPr algn="ctr"/>
+            <a:r>
+              <a:rPr lang="ro-RO" dirty="0">
+                <a:latin typeface="Montserrat" panose="020B0604020202020204" charset="0"/>
+              </a:rPr>
+              <a:t>cuvinte </a:t>
+            </a:r>
+            <a:r>
+              <a:rPr lang="ro-RO" dirty="0" smtClean="0">
+                <a:latin typeface="Montserrat" panose="020B0604020202020204" charset="0"/>
+              </a:rPr>
+              <a:t>cheie</a:t>
+            </a:r>
+            <a:endParaRPr lang="en-US" dirty="0">
+              <a:latin typeface="Montserrat" panose="020B0604020202020204" charset="0"/>
+            </a:endParaRPr>
+          </a:p>
+        </p:txBody>
+      </p:sp>
+      <p:sp>
+        <p:nvSpPr>
+          <p:cNvPr id="15" name="Rounded Rectangle 14"/>
+          <p:cNvSpPr/>
+          <p:nvPr/>
+        </p:nvSpPr>
+        <p:spPr>
+          <a:xfrm>
+            <a:off x="3664619" y="1181100"/>
+            <a:ext cx="1255315" cy="428625"/>
+          </a:xfrm>
+          <a:prstGeom prst="roundRect">
+            <a:avLst/>
+          </a:prstGeom>
+        </p:spPr>
+        <p:style>
+          <a:lnRef idx="2">
+            <a:schemeClr val="accent5">
+              <a:shade val="50000"/>
+            </a:schemeClr>
+          </a:lnRef>
+          <a:fillRef idx="1">
+            <a:schemeClr val="accent5"/>
+          </a:fillRef>
+          <a:effectRef idx="0">
+            <a:schemeClr val="accent5"/>
+          </a:effectRef>
+          <a:fontRef idx="minor">
+            <a:schemeClr val="lt1"/>
+          </a:fontRef>
+        </p:style>
+        <p:txBody>
+          <a:bodyPr rtlCol="0" anchor="ctr"/>
+          <a:lstStyle/>
+          <a:p>
+            <a:pPr algn="ctr"/>
+            <a:r>
+              <a:rPr lang="ro-RO" sz="1800" dirty="0" smtClean="0"/>
+              <a:t>Angular 5</a:t>
+            </a:r>
+            <a:endParaRPr lang="en-US" sz="1800" dirty="0"/>
+          </a:p>
+        </p:txBody>
+      </p:sp>
+      <p:sp>
+        <p:nvSpPr>
+          <p:cNvPr id="16" name="Rounded Rectangle 15"/>
+          <p:cNvSpPr/>
+          <p:nvPr/>
+        </p:nvSpPr>
+        <p:spPr>
+          <a:xfrm>
+            <a:off x="5051625" y="1181100"/>
+            <a:ext cx="1375099" cy="428625"/>
+          </a:xfrm>
+          <a:prstGeom prst="roundRect">
+            <a:avLst/>
+          </a:prstGeom>
+        </p:spPr>
+        <p:style>
+          <a:lnRef idx="2">
+            <a:schemeClr val="accent5">
+              <a:shade val="50000"/>
+            </a:schemeClr>
+          </a:lnRef>
+          <a:fillRef idx="1">
+            <a:schemeClr val="accent5"/>
+          </a:fillRef>
+          <a:effectRef idx="0">
+            <a:schemeClr val="accent5"/>
+          </a:effectRef>
+          <a:fontRef idx="minor">
+            <a:schemeClr val="lt1"/>
+          </a:fontRef>
+        </p:style>
+        <p:txBody>
+          <a:bodyPr rtlCol="0" anchor="ctr"/>
+          <a:lstStyle/>
+          <a:p>
+            <a:pPr algn="ctr"/>
+            <a:r>
+              <a:rPr lang="ro-RO" sz="1800" dirty="0" smtClean="0"/>
+              <a:t>Boostrap 4</a:t>
+            </a:r>
+            <a:endParaRPr lang="en-US" sz="1800" dirty="0"/>
+          </a:p>
+        </p:txBody>
+      </p:sp>
+      <p:sp>
+        <p:nvSpPr>
+          <p:cNvPr id="17" name="Rounded Rectangle 16"/>
+          <p:cNvSpPr/>
+          <p:nvPr/>
+        </p:nvSpPr>
+        <p:spPr>
+          <a:xfrm>
+            <a:off x="8431883" y="1181100"/>
+            <a:ext cx="1291066" cy="428625"/>
+          </a:xfrm>
+          <a:prstGeom prst="roundRect">
+            <a:avLst/>
+          </a:prstGeom>
+        </p:spPr>
+        <p:style>
+          <a:lnRef idx="2">
+            <a:schemeClr val="accent5">
+              <a:shade val="50000"/>
+            </a:schemeClr>
+          </a:lnRef>
+          <a:fillRef idx="1">
+            <a:schemeClr val="accent5"/>
+          </a:fillRef>
+          <a:effectRef idx="0">
+            <a:schemeClr val="accent5"/>
+          </a:effectRef>
+          <a:fontRef idx="minor">
+            <a:schemeClr val="lt1"/>
+          </a:fontRef>
+        </p:style>
+        <p:txBody>
+          <a:bodyPr rtlCol="0" anchor="ctr"/>
+          <a:lstStyle/>
+          <a:p>
+            <a:pPr algn="ctr"/>
+            <a:r>
+              <a:rPr lang="ro-RO" sz="1800" dirty="0" smtClean="0"/>
+              <a:t>Typescript</a:t>
+            </a:r>
+            <a:endParaRPr lang="en-US" sz="1800" dirty="0"/>
+          </a:p>
+        </p:txBody>
+      </p:sp>
+    </p:spTree>
+    <p:extLst>
+      <p:ext uri="{BB962C8B-B14F-4D97-AF65-F5344CB8AC3E}">
+        <p14:creationId xmlns:p14="http://schemas.microsoft.com/office/powerpoint/2010/main" val="151961846"/>
+      </p:ext>
+    </p:extLst>
+  </p:cSld>
+  <p:clrMapOvr>
+    <a:masterClrMapping/>
+  </p:clrMapOvr>
+  <p:timing>
+    <p:tnLst>
+      <p:par>
+        <p:cTn id="1" dur="indefinite" restart="never" nodeType="tmRoot"/>
+      </p:par>
+    </p:tnLst>
+  </p:timing>
+</p:sld>
+</file>
+
+<file path=ppt/slides/slide6.xml><?xml version="1.0" encoding="utf-8"?>
+<p:sld xmlns:a="http://schemas.openxmlformats.org/drawingml/2006/main" xmlns:r="http://schemas.openxmlformats.org/officeDocument/2006/relationships" xmlns:p="http://schemas.openxmlformats.org/presentationml/2006/main">
+  <p:cSld>
+    <p:spTree>
+      <p:nvGrpSpPr>
+        <p:cNvPr id="1" name="Shape 111"/>
+        <p:cNvGrpSpPr/>
+        <p:nvPr/>
+      </p:nvGrpSpPr>
+      <p:grpSpPr>
+        <a:xfrm>
+          <a:off x="0" y="0"/>
+          <a:ext cx="0" cy="0"/>
+          <a:chOff x="0" y="0"/>
+          <a:chExt cx="0" cy="0"/>
+        </a:xfrm>
+      </p:grpSpPr>
+      <p:sp>
+        <p:nvSpPr>
+          <p:cNvPr id="112" name="Shape 112"/>
+          <p:cNvSpPr txBox="1"/>
+          <p:nvPr/>
+        </p:nvSpPr>
+        <p:spPr>
+          <a:xfrm>
+            <a:off x="774194" y="222898"/>
+            <a:ext cx="8958280" cy="830997"/>
+          </a:xfrm>
+          <a:prstGeom prst="rect">
+            <a:avLst/>
+          </a:prstGeom>
+          <a:noFill/>
+          <a:ln>
+            <a:noFill/>
+          </a:ln>
+        </p:spPr>
+        <p:txBody>
+          <a:bodyPr spcFirstLastPara="1" wrap="square" lIns="91425" tIns="45700" rIns="91425" bIns="45700" anchor="t" anchorCtr="0">
+            <a:noAutofit/>
+          </a:bodyPr>
+          <a:lstStyle/>
+          <a:p>
+            <a:pPr marL="0" marR="0" lvl="0" indent="0" algn="l" rtl="0">
+              <a:spcBef>
+                <a:spcPts val="0"/>
+              </a:spcBef>
+              <a:spcAft>
+                <a:spcPts val="0"/>
+              </a:spcAft>
+              <a:buNone/>
+            </a:pPr>
+            <a:r>
+              <a:rPr lang="ro-RO" sz="4800" b="0" i="0" u="none" strike="noStrike" cap="none" dirty="0" smtClean="0">
+                <a:solidFill>
+                  <a:schemeClr val="dk1"/>
+                </a:solidFill>
+                <a:latin typeface="Montserrat"/>
+                <a:ea typeface="Montserrat"/>
+                <a:cs typeface="Montserrat"/>
+                <a:sym typeface="Montserrat"/>
+              </a:rPr>
+              <a:t>4. Server REST Java</a:t>
+            </a:r>
+            <a:endParaRPr dirty="0"/>
+          </a:p>
+        </p:txBody>
+      </p:sp>
+      <p:sp>
+        <p:nvSpPr>
+          <p:cNvPr id="114" name="Shape 114"/>
+          <p:cNvSpPr/>
+          <p:nvPr/>
+        </p:nvSpPr>
+        <p:spPr>
+          <a:xfrm>
+            <a:off x="878557" y="1053895"/>
+            <a:ext cx="8853917" cy="51759"/>
+          </a:xfrm>
+          <a:prstGeom prst="rect">
+            <a:avLst/>
+          </a:prstGeom>
+          <a:solidFill>
+            <a:srgbClr val="AAE4D5"/>
+          </a:solidFill>
+          <a:ln>
+            <a:noFill/>
+          </a:ln>
+        </p:spPr>
+        <p:txBody>
+          <a:bodyPr spcFirstLastPara="1" wrap="square" lIns="91425" tIns="45700" rIns="91425" bIns="45700" anchor="ctr" anchorCtr="0">
+            <a:noAutofit/>
+          </a:bodyPr>
+          <a:lstStyle/>
+          <a:p>
+            <a:pPr marL="0" marR="0" lvl="0" indent="0" algn="ctr" rtl="0">
+              <a:spcBef>
+                <a:spcPts val="0"/>
+              </a:spcBef>
+              <a:spcAft>
+                <a:spcPts val="0"/>
+              </a:spcAft>
+              <a:buNone/>
+            </a:pPr>
+            <a:endParaRPr sz="1800">
+              <a:solidFill>
+                <a:schemeClr val="lt1"/>
+              </a:solidFill>
+              <a:latin typeface="Playfair Display"/>
+              <a:ea typeface="Playfair Display"/>
+              <a:cs typeface="Playfair Display"/>
+              <a:sym typeface="Playfair Display"/>
+            </a:endParaRPr>
+          </a:p>
+        </p:txBody>
+      </p:sp>
+      <p:pic>
+        <p:nvPicPr>
+          <p:cNvPr id="9" name="Picture 8" descr="C:\Users\dlargu\Desktop\FiiLogo.png"/>
+          <p:cNvPicPr>
+            <a:picLocks noChangeAspect="1" noChangeArrowheads="1"/>
+          </p:cNvPicPr>
+          <p:nvPr/>
+        </p:nvPicPr>
+        <p:blipFill>
+          <a:blip r:embed="rId3">
+            <a:extLst>
+              <a:ext uri="{28A0092B-C50C-407E-A947-70E740481C1C}">
+                <a14:useLocalDpi xmlns:a14="http://schemas.microsoft.com/office/drawing/2010/main"/>
+              </a:ext>
+            </a:extLst>
+          </a:blip>
+          <a:srcRect/>
+          <a:stretch>
+            <a:fillRect/>
+          </a:stretch>
+        </p:blipFill>
+        <p:spPr bwMode="auto">
+          <a:xfrm>
+            <a:off x="11235349" y="149280"/>
+            <a:ext cx="826365" cy="763675"/>
+          </a:xfrm>
+          <a:prstGeom prst="rect">
+            <a:avLst/>
+          </a:prstGeom>
+          <a:noFill/>
+          <a:extLst>
+            <a:ext uri="{909E8E84-426E-40DD-AFC4-6F175D3DCCD1}">
+              <a14:hiddenFill xmlns:a14="http://schemas.microsoft.com/office/drawing/2010/main">
+                <a:solidFill>
+                  <a:srgbClr val="FFFFFF"/>
+                </a:solidFill>
+              </a14:hiddenFill>
+            </a:ext>
+          </a:extLst>
+        </p:spPr>
+      </p:pic>
+      <p:pic>
+        <p:nvPicPr>
+          <p:cNvPr id="10" name="Picture 9"/>
+          <p:cNvPicPr>
+            <a:picLocks noChangeAspect="1"/>
+          </p:cNvPicPr>
+          <p:nvPr/>
+        </p:nvPicPr>
+        <p:blipFill>
+          <a:blip r:embed="rId4" cstate="print">
+            <a:extLst>
+              <a:ext uri="{28A0092B-C50C-407E-A947-70E740481C1C}">
+                <a14:useLocalDpi xmlns:a14="http://schemas.microsoft.com/office/drawing/2010/main"/>
+              </a:ext>
+            </a:extLst>
+          </a:blip>
+          <a:stretch>
+            <a:fillRect/>
+          </a:stretch>
+        </p:blipFill>
+        <p:spPr>
+          <a:xfrm>
+            <a:off x="9983713" y="84817"/>
+            <a:ext cx="910102" cy="892600"/>
+          </a:xfrm>
+          <a:prstGeom prst="rect">
+            <a:avLst/>
+          </a:prstGeom>
+        </p:spPr>
+      </p:pic>
+      <p:sp>
+        <p:nvSpPr>
+          <p:cNvPr id="5" name="Slide Number Placeholder 4"/>
+          <p:cNvSpPr>
+            <a:spLocks noGrp="1"/>
+          </p:cNvSpPr>
+          <p:nvPr>
+            <p:ph type="sldNum" idx="12"/>
+          </p:nvPr>
+        </p:nvSpPr>
+        <p:spPr/>
+        <p:txBody>
+          <a:bodyPr/>
+          <a:lstStyle/>
+          <a:p>
+            <a:fld id="{00000000-1234-1234-1234-123412341234}" type="slidenum">
+              <a:rPr lang="en-PH" smtClean="0"/>
+              <a:pPr/>
+              <a:t>6</a:t>
+            </a:fld>
+            <a:endParaRPr lang="en-PH" dirty="0"/>
+          </a:p>
+        </p:txBody>
+      </p:sp>
+      <p:sp>
+        <p:nvSpPr>
+          <p:cNvPr id="7" name="Rounded Rectangle 6"/>
+          <p:cNvSpPr/>
+          <p:nvPr/>
+        </p:nvSpPr>
+        <p:spPr>
+          <a:xfrm>
+            <a:off x="8979998" y="1181099"/>
+            <a:ext cx="745027" cy="428625"/>
+          </a:xfrm>
+          <a:prstGeom prst="roundRect">
+            <a:avLst/>
+          </a:prstGeom>
+        </p:spPr>
+        <p:style>
+          <a:lnRef idx="2">
+            <a:schemeClr val="accent6">
+              <a:shade val="50000"/>
+            </a:schemeClr>
+          </a:lnRef>
+          <a:fillRef idx="1">
+            <a:schemeClr val="accent6"/>
+          </a:fillRef>
+          <a:effectRef idx="0">
+            <a:schemeClr val="accent6"/>
+          </a:effectRef>
+          <a:fontRef idx="minor">
+            <a:schemeClr val="lt1"/>
+          </a:fontRef>
+        </p:style>
+        <p:txBody>
+          <a:bodyPr rtlCol="0" anchor="ctr"/>
+          <a:lstStyle/>
+          <a:p>
+            <a:pPr algn="ctr"/>
+            <a:r>
+              <a:rPr lang="ro-RO" sz="1800" dirty="0" smtClean="0"/>
+              <a:t>Java</a:t>
+            </a:r>
+            <a:endParaRPr lang="en-US" sz="1800" dirty="0"/>
+          </a:p>
+        </p:txBody>
+      </p:sp>
+      <p:sp>
+        <p:nvSpPr>
+          <p:cNvPr id="8" name="Rounded Rectangle 7"/>
+          <p:cNvSpPr/>
+          <p:nvPr/>
+        </p:nvSpPr>
+        <p:spPr>
+          <a:xfrm>
+            <a:off x="6221229" y="1181099"/>
+            <a:ext cx="1328646" cy="428625"/>
+          </a:xfrm>
+          <a:prstGeom prst="roundRect">
+            <a:avLst/>
+          </a:prstGeom>
+        </p:spPr>
+        <p:style>
+          <a:lnRef idx="2">
+            <a:schemeClr val="accent6">
+              <a:shade val="50000"/>
+            </a:schemeClr>
+          </a:lnRef>
+          <a:fillRef idx="1">
+            <a:schemeClr val="accent6"/>
+          </a:fillRef>
+          <a:effectRef idx="0">
+            <a:schemeClr val="accent6"/>
+          </a:effectRef>
+          <a:fontRef idx="minor">
+            <a:schemeClr val="lt1"/>
+          </a:fontRef>
+        </p:style>
+        <p:txBody>
+          <a:bodyPr rtlCol="0" anchor="ctr"/>
+          <a:lstStyle/>
+          <a:p>
+            <a:pPr algn="ctr"/>
+            <a:r>
+              <a:rPr lang="ro-RO" sz="1800" dirty="0" smtClean="0"/>
+              <a:t>API REST</a:t>
+            </a:r>
+          </a:p>
+        </p:txBody>
+      </p:sp>
+      <p:sp>
+        <p:nvSpPr>
+          <p:cNvPr id="11" name="Rounded Rectangle 10"/>
+          <p:cNvSpPr/>
+          <p:nvPr/>
+        </p:nvSpPr>
+        <p:spPr>
+          <a:xfrm>
+            <a:off x="7692398" y="1181099"/>
+            <a:ext cx="1145077" cy="428625"/>
+          </a:xfrm>
+          <a:prstGeom prst="roundRect">
+            <a:avLst/>
+          </a:prstGeom>
+        </p:spPr>
+        <p:style>
+          <a:lnRef idx="2">
+            <a:schemeClr val="accent6">
+              <a:shade val="50000"/>
+            </a:schemeClr>
+          </a:lnRef>
+          <a:fillRef idx="1">
+            <a:schemeClr val="accent6"/>
+          </a:fillRef>
+          <a:effectRef idx="0">
+            <a:schemeClr val="accent6"/>
+          </a:effectRef>
+          <a:fontRef idx="minor">
+            <a:schemeClr val="lt1"/>
+          </a:fontRef>
+        </p:style>
+        <p:txBody>
+          <a:bodyPr rtlCol="0" anchor="ctr"/>
+          <a:lstStyle/>
+          <a:p>
+            <a:pPr algn="ctr"/>
+            <a:r>
+              <a:rPr lang="ro-RO" sz="1800" dirty="0" smtClean="0"/>
+              <a:t>SSL/TLS</a:t>
+            </a:r>
+            <a:endParaRPr lang="en-US" sz="1800" dirty="0"/>
+          </a:p>
+        </p:txBody>
+      </p:sp>
+      <p:sp>
+        <p:nvSpPr>
+          <p:cNvPr id="18" name="Rounded Rectangular Callout 17"/>
+          <p:cNvSpPr/>
+          <p:nvPr/>
+        </p:nvSpPr>
+        <p:spPr>
+          <a:xfrm>
+            <a:off x="10017520" y="1181099"/>
+            <a:ext cx="876295" cy="428624"/>
+          </a:xfrm>
+          <a:prstGeom prst="wedgeRoundRectCallout">
+            <a:avLst>
+              <a:gd name="adj1" fmla="val -69343"/>
+              <a:gd name="adj2" fmla="val 4278"/>
+              <a:gd name="adj3" fmla="val 16667"/>
+            </a:avLst>
+          </a:prstGeom>
+        </p:spPr>
+        <p:style>
+          <a:lnRef idx="1">
+            <a:schemeClr val="accent2"/>
+          </a:lnRef>
+          <a:fillRef idx="2">
+            <a:schemeClr val="accent2"/>
+          </a:fillRef>
+          <a:effectRef idx="1">
+            <a:schemeClr val="accent2"/>
+          </a:effectRef>
+          <a:fontRef idx="minor">
+            <a:schemeClr val="dk1"/>
+          </a:fontRef>
+        </p:style>
+        <p:txBody>
+          <a:bodyPr rtlCol="0" anchor="ctr"/>
+          <a:lstStyle/>
+          <a:p>
+            <a:pPr algn="ctr"/>
+            <a:r>
+              <a:rPr lang="ro-RO" dirty="0">
+                <a:latin typeface="Montserrat" panose="020B0604020202020204" charset="0"/>
+              </a:rPr>
+              <a:t>cuvinte </a:t>
+            </a:r>
+            <a:r>
+              <a:rPr lang="ro-RO" dirty="0" smtClean="0">
+                <a:latin typeface="Montserrat" panose="020B0604020202020204" charset="0"/>
+              </a:rPr>
+              <a:t>cheie</a:t>
+            </a:r>
+            <a:endParaRPr lang="en-US" dirty="0">
+              <a:latin typeface="Montserrat" panose="020B0604020202020204" charset="0"/>
+            </a:endParaRPr>
+          </a:p>
+        </p:txBody>
+      </p:sp>
+    </p:spTree>
+    <p:extLst>
+      <p:ext uri="{BB962C8B-B14F-4D97-AF65-F5344CB8AC3E}">
+        <p14:creationId xmlns:p14="http://schemas.microsoft.com/office/powerpoint/2010/main" val="4164723923"/>
+      </p:ext>
+    </p:extLst>
+  </p:cSld>
+  <p:clrMapOvr>
+    <a:masterClrMapping/>
+  </p:clrMapOvr>
+  <p:timing>
+    <p:tnLst>
+      <p:par>
+        <p:cTn id="1" dur="indefinite" restart="never" nodeType="tmRoot"/>
+      </p:par>
+    </p:tnLst>
+  </p:timing>
+</p:sld>
+</file>
+
+<file path=ppt/slides/slide7.xml><?xml version="1.0" encoding="utf-8"?>
+<p:sld xmlns:a="http://schemas.openxmlformats.org/drawingml/2006/main" xmlns:r="http://schemas.openxmlformats.org/officeDocument/2006/relationships" xmlns:p="http://schemas.openxmlformats.org/presentationml/2006/main">
+  <p:cSld>
+    <p:spTree>
+      <p:nvGrpSpPr>
+        <p:cNvPr id="1" name="Shape 111"/>
+        <p:cNvGrpSpPr/>
+        <p:nvPr/>
+      </p:nvGrpSpPr>
+      <p:grpSpPr>
+        <a:xfrm>
+          <a:off x="0" y="0"/>
+          <a:ext cx="0" cy="0"/>
+          <a:chOff x="0" y="0"/>
+          <a:chExt cx="0" cy="0"/>
+        </a:xfrm>
+      </p:grpSpPr>
+      <p:sp>
+        <p:nvSpPr>
+          <p:cNvPr id="112" name="Shape 112"/>
+          <p:cNvSpPr txBox="1"/>
+          <p:nvPr/>
+        </p:nvSpPr>
+        <p:spPr>
+          <a:xfrm>
+            <a:off x="774194" y="222898"/>
+            <a:ext cx="8958280" cy="830997"/>
+          </a:xfrm>
+          <a:prstGeom prst="rect">
+            <a:avLst/>
+          </a:prstGeom>
+          <a:noFill/>
+          <a:ln>
+            <a:noFill/>
+          </a:ln>
+        </p:spPr>
+        <p:txBody>
+          <a:bodyPr spcFirstLastPara="1" wrap="square" lIns="91425" tIns="45700" rIns="91425" bIns="45700" anchor="t" anchorCtr="0">
+            <a:noAutofit/>
+          </a:bodyPr>
+          <a:lstStyle/>
+          <a:p>
+            <a:pPr marL="0" marR="0" lvl="0" indent="0" algn="l" rtl="0">
+              <a:spcBef>
+                <a:spcPts val="0"/>
+              </a:spcBef>
+              <a:spcAft>
+                <a:spcPts val="0"/>
+              </a:spcAft>
+              <a:buNone/>
+            </a:pPr>
+            <a:r>
+              <a:rPr lang="ro-RO" sz="4800" dirty="0" smtClean="0">
+                <a:solidFill>
+                  <a:schemeClr val="dk1"/>
+                </a:solidFill>
+                <a:latin typeface="Montserrat"/>
+                <a:ea typeface="Montserrat"/>
+                <a:cs typeface="Montserrat"/>
+                <a:sym typeface="Montserrat"/>
+              </a:rPr>
+              <a:t>5.</a:t>
+            </a:r>
+            <a:r>
+              <a:rPr lang="ro-RO" sz="4800" b="0" i="0" u="none" strike="noStrike" cap="none" dirty="0" smtClean="0">
+                <a:solidFill>
+                  <a:schemeClr val="dk1"/>
+                </a:solidFill>
+                <a:latin typeface="Montserrat"/>
+                <a:ea typeface="Montserrat"/>
+                <a:cs typeface="Montserrat"/>
+                <a:sym typeface="Montserrat"/>
+              </a:rPr>
+              <a:t>Dispozitive inteligente</a:t>
+            </a:r>
+            <a:endParaRPr dirty="0"/>
+          </a:p>
+        </p:txBody>
+      </p:sp>
+      <p:sp>
+        <p:nvSpPr>
+          <p:cNvPr id="114" name="Shape 114"/>
+          <p:cNvSpPr/>
+          <p:nvPr/>
+        </p:nvSpPr>
+        <p:spPr>
+          <a:xfrm>
+            <a:off x="878557" y="1053895"/>
+            <a:ext cx="8853917" cy="51759"/>
+          </a:xfrm>
+          <a:prstGeom prst="rect">
+            <a:avLst/>
+          </a:prstGeom>
+          <a:solidFill>
+            <a:srgbClr val="AAE4D5"/>
+          </a:solidFill>
+          <a:ln>
+            <a:noFill/>
+          </a:ln>
+        </p:spPr>
+        <p:txBody>
+          <a:bodyPr spcFirstLastPara="1" wrap="square" lIns="91425" tIns="45700" rIns="91425" bIns="45700" anchor="ctr" anchorCtr="0">
+            <a:noAutofit/>
+          </a:bodyPr>
+          <a:lstStyle/>
+          <a:p>
+            <a:pPr marL="0" marR="0" lvl="0" indent="0" algn="ctr" rtl="0">
+              <a:spcBef>
+                <a:spcPts val="0"/>
+              </a:spcBef>
+              <a:spcAft>
+                <a:spcPts val="0"/>
+              </a:spcAft>
+              <a:buNone/>
+            </a:pPr>
+            <a:endParaRPr sz="1800">
+              <a:solidFill>
+                <a:schemeClr val="lt1"/>
+              </a:solidFill>
+              <a:latin typeface="Playfair Display"/>
+              <a:ea typeface="Playfair Display"/>
+              <a:cs typeface="Playfair Display"/>
+              <a:sym typeface="Playfair Display"/>
+            </a:endParaRPr>
+          </a:p>
+        </p:txBody>
+      </p:sp>
+      <p:pic>
+        <p:nvPicPr>
+          <p:cNvPr id="9" name="Picture 8" descr="C:\Users\dlargu\Desktop\FiiLogo.png"/>
+          <p:cNvPicPr>
+            <a:picLocks noChangeAspect="1" noChangeArrowheads="1"/>
+          </p:cNvPicPr>
+          <p:nvPr/>
+        </p:nvPicPr>
+        <p:blipFill>
+          <a:blip r:embed="rId3">
+            <a:extLst>
+              <a:ext uri="{28A0092B-C50C-407E-A947-70E740481C1C}">
+                <a14:useLocalDpi xmlns:a14="http://schemas.microsoft.com/office/drawing/2010/main"/>
+              </a:ext>
+            </a:extLst>
+          </a:blip>
+          <a:srcRect/>
+          <a:stretch>
+            <a:fillRect/>
+          </a:stretch>
+        </p:blipFill>
+        <p:spPr bwMode="auto">
+          <a:xfrm>
+            <a:off x="11235349" y="149280"/>
+            <a:ext cx="826365" cy="763675"/>
+          </a:xfrm>
+          <a:prstGeom prst="rect">
+            <a:avLst/>
+          </a:prstGeom>
+          <a:noFill/>
+          <a:extLst>
+            <a:ext uri="{909E8E84-426E-40DD-AFC4-6F175D3DCCD1}">
+              <a14:hiddenFill xmlns:a14="http://schemas.microsoft.com/office/drawing/2010/main">
+                <a:solidFill>
+                  <a:srgbClr val="FFFFFF"/>
+                </a:solidFill>
+              </a14:hiddenFill>
+            </a:ext>
+          </a:extLst>
+        </p:spPr>
+      </p:pic>
+      <p:pic>
+        <p:nvPicPr>
+          <p:cNvPr id="10" name="Picture 9"/>
+          <p:cNvPicPr>
+            <a:picLocks noChangeAspect="1"/>
+          </p:cNvPicPr>
+          <p:nvPr/>
+        </p:nvPicPr>
+        <p:blipFill>
+          <a:blip r:embed="rId4" cstate="print">
+            <a:extLst>
+              <a:ext uri="{28A0092B-C50C-407E-A947-70E740481C1C}">
+                <a14:useLocalDpi xmlns:a14="http://schemas.microsoft.com/office/drawing/2010/main"/>
+              </a:ext>
+            </a:extLst>
+          </a:blip>
+          <a:stretch>
+            <a:fillRect/>
+          </a:stretch>
+        </p:blipFill>
+        <p:spPr>
+          <a:xfrm>
+            <a:off x="9983713" y="84817"/>
+            <a:ext cx="910102" cy="892600"/>
+          </a:xfrm>
+          <a:prstGeom prst="rect">
+            <a:avLst/>
+          </a:prstGeom>
+        </p:spPr>
+      </p:pic>
+      <p:sp>
+        <p:nvSpPr>
+          <p:cNvPr id="5" name="Slide Number Placeholder 4"/>
+          <p:cNvSpPr>
+            <a:spLocks noGrp="1"/>
+          </p:cNvSpPr>
+          <p:nvPr>
+            <p:ph type="sldNum" idx="12"/>
+          </p:nvPr>
+        </p:nvSpPr>
+        <p:spPr/>
+        <p:txBody>
+          <a:bodyPr/>
+          <a:lstStyle/>
+          <a:p>
+            <a:fld id="{00000000-1234-1234-1234-123412341234}" type="slidenum">
+              <a:rPr lang="en-PH" smtClean="0"/>
+              <a:pPr/>
+              <a:t>7</a:t>
+            </a:fld>
+            <a:endParaRPr lang="en-PH" dirty="0"/>
+          </a:p>
+        </p:txBody>
+      </p:sp>
+      <p:sp>
+        <p:nvSpPr>
+          <p:cNvPr id="7" name="Rounded Rectangle 6"/>
+          <p:cNvSpPr/>
+          <p:nvPr/>
+        </p:nvSpPr>
+        <p:spPr>
+          <a:xfrm>
+            <a:off x="8994853" y="1181099"/>
+            <a:ext cx="716452" cy="400048"/>
+          </a:xfrm>
+          <a:prstGeom prst="roundRect">
+            <a:avLst/>
+          </a:prstGeom>
+        </p:spPr>
+        <p:style>
+          <a:lnRef idx="2">
+            <a:schemeClr val="accent3">
+              <a:shade val="50000"/>
+            </a:schemeClr>
+          </a:lnRef>
+          <a:fillRef idx="1">
+            <a:schemeClr val="accent3"/>
+          </a:fillRef>
+          <a:effectRef idx="0">
+            <a:schemeClr val="accent3"/>
+          </a:effectRef>
+          <a:fontRef idx="minor">
+            <a:schemeClr val="lt1"/>
+          </a:fontRef>
+        </p:style>
+        <p:txBody>
+          <a:bodyPr rtlCol="0" anchor="ctr"/>
+          <a:lstStyle/>
+          <a:p>
+            <a:pPr algn="ctr"/>
+            <a:r>
+              <a:rPr lang="ro-RO" sz="1800" dirty="0" smtClean="0"/>
+              <a:t>Java</a:t>
+            </a:r>
+            <a:endParaRPr lang="en-US" sz="1800" dirty="0"/>
+          </a:p>
+        </p:txBody>
+      </p:sp>
+      <p:sp>
+        <p:nvSpPr>
+          <p:cNvPr id="8" name="Rounded Rectangle 7"/>
+          <p:cNvSpPr/>
+          <p:nvPr/>
+        </p:nvSpPr>
+        <p:spPr>
+          <a:xfrm>
+            <a:off x="6824054" y="1181099"/>
+            <a:ext cx="722673" cy="400048"/>
+          </a:xfrm>
+          <a:prstGeom prst="roundRect">
+            <a:avLst/>
+          </a:prstGeom>
+        </p:spPr>
+        <p:style>
+          <a:lnRef idx="2">
+            <a:schemeClr val="accent3">
+              <a:shade val="50000"/>
+            </a:schemeClr>
+          </a:lnRef>
+          <a:fillRef idx="1">
+            <a:schemeClr val="accent3"/>
+          </a:fillRef>
+          <a:effectRef idx="0">
+            <a:schemeClr val="accent3"/>
+          </a:effectRef>
+          <a:fontRef idx="minor">
+            <a:schemeClr val="lt1"/>
+          </a:fontRef>
+        </p:style>
+        <p:txBody>
+          <a:bodyPr rtlCol="0" anchor="ctr"/>
+          <a:lstStyle/>
+          <a:p>
+            <a:pPr algn="ctr"/>
+            <a:r>
+              <a:rPr lang="ro-RO" sz="1800" dirty="0" smtClean="0"/>
+              <a:t>PI4J</a:t>
+            </a:r>
+          </a:p>
+        </p:txBody>
+      </p:sp>
+      <p:sp>
+        <p:nvSpPr>
+          <p:cNvPr id="11" name="Rounded Rectangle 10"/>
+          <p:cNvSpPr/>
+          <p:nvPr/>
+        </p:nvSpPr>
+        <p:spPr>
+          <a:xfrm>
+            <a:off x="7696668" y="1185862"/>
+            <a:ext cx="1145077" cy="400048"/>
+          </a:xfrm>
+          <a:prstGeom prst="roundRect">
+            <a:avLst/>
+          </a:prstGeom>
+        </p:spPr>
+        <p:style>
+          <a:lnRef idx="2">
+            <a:schemeClr val="accent3">
+              <a:shade val="50000"/>
+            </a:schemeClr>
+          </a:lnRef>
+          <a:fillRef idx="1">
+            <a:schemeClr val="accent3"/>
+          </a:fillRef>
+          <a:effectRef idx="0">
+            <a:schemeClr val="accent3"/>
+          </a:effectRef>
+          <a:fontRef idx="minor">
+            <a:schemeClr val="lt1"/>
+          </a:fontRef>
+        </p:style>
+        <p:txBody>
+          <a:bodyPr rtlCol="0" anchor="ctr"/>
+          <a:lstStyle/>
+          <a:p>
+            <a:pPr algn="ctr"/>
+            <a:r>
+              <a:rPr lang="ro-RO" sz="1800" dirty="0" smtClean="0"/>
+              <a:t>SSL/TLS</a:t>
+            </a:r>
+            <a:endParaRPr lang="en-US" sz="1800" dirty="0"/>
+          </a:p>
+        </p:txBody>
+      </p:sp>
+      <p:sp>
+        <p:nvSpPr>
+          <p:cNvPr id="12" name="Rounded Rectangle 11"/>
+          <p:cNvSpPr/>
+          <p:nvPr/>
+        </p:nvSpPr>
+        <p:spPr>
+          <a:xfrm>
+            <a:off x="3933780" y="1181099"/>
+            <a:ext cx="1554652" cy="400048"/>
+          </a:xfrm>
+          <a:prstGeom prst="roundRect">
+            <a:avLst/>
+          </a:prstGeom>
+        </p:spPr>
+        <p:style>
+          <a:lnRef idx="2">
+            <a:schemeClr val="accent3">
+              <a:shade val="50000"/>
+            </a:schemeClr>
+          </a:lnRef>
+          <a:fillRef idx="1">
+            <a:schemeClr val="accent3"/>
+          </a:fillRef>
+          <a:effectRef idx="0">
+            <a:schemeClr val="accent3"/>
+          </a:effectRef>
+          <a:fontRef idx="minor">
+            <a:schemeClr val="lt1"/>
+          </a:fontRef>
+        </p:style>
+        <p:txBody>
+          <a:bodyPr rtlCol="0" anchor="ctr"/>
+          <a:lstStyle/>
+          <a:p>
+            <a:pPr algn="ctr"/>
+            <a:r>
+              <a:rPr lang="ro-RO" sz="1800" dirty="0" smtClean="0"/>
+              <a:t>Raspberry Pi</a:t>
+            </a:r>
+            <a:endParaRPr lang="en-US" sz="1800" dirty="0"/>
+          </a:p>
+        </p:txBody>
+      </p:sp>
+      <p:sp>
+        <p:nvSpPr>
+          <p:cNvPr id="13" name="Rounded Rectangle 12"/>
+          <p:cNvSpPr/>
+          <p:nvPr/>
+        </p:nvSpPr>
+        <p:spPr>
+          <a:xfrm>
+            <a:off x="5640168" y="1181099"/>
+            <a:ext cx="1030778" cy="400048"/>
+          </a:xfrm>
+          <a:prstGeom prst="roundRect">
+            <a:avLst/>
+          </a:prstGeom>
+        </p:spPr>
+        <p:style>
+          <a:lnRef idx="2">
+            <a:schemeClr val="accent3">
+              <a:shade val="50000"/>
+            </a:schemeClr>
+          </a:lnRef>
+          <a:fillRef idx="1">
+            <a:schemeClr val="accent3"/>
+          </a:fillRef>
+          <a:effectRef idx="0">
+            <a:schemeClr val="accent3"/>
+          </a:effectRef>
+          <a:fontRef idx="minor">
+            <a:schemeClr val="lt1"/>
+          </a:fontRef>
+        </p:style>
+        <p:txBody>
+          <a:bodyPr rtlCol="0" anchor="ctr"/>
+          <a:lstStyle/>
+          <a:p>
+            <a:pPr algn="ctr"/>
+            <a:r>
+              <a:rPr lang="ro-RO" sz="1800" dirty="0" smtClean="0"/>
+              <a:t>Arduino</a:t>
+            </a:r>
+            <a:endParaRPr lang="en-US" sz="1800" dirty="0"/>
+          </a:p>
+        </p:txBody>
+      </p:sp>
+      <p:sp>
+        <p:nvSpPr>
+          <p:cNvPr id="24" name="Rounded Rectangular Callout 23"/>
+          <p:cNvSpPr/>
+          <p:nvPr/>
+        </p:nvSpPr>
+        <p:spPr>
+          <a:xfrm>
+            <a:off x="10017520" y="1181099"/>
+            <a:ext cx="876295" cy="428624"/>
+          </a:xfrm>
+          <a:prstGeom prst="wedgeRoundRectCallout">
+            <a:avLst>
+              <a:gd name="adj1" fmla="val -69343"/>
+              <a:gd name="adj2" fmla="val 4278"/>
+              <a:gd name="adj3" fmla="val 16667"/>
+            </a:avLst>
+          </a:prstGeom>
+        </p:spPr>
+        <p:style>
+          <a:lnRef idx="1">
+            <a:schemeClr val="accent2"/>
+          </a:lnRef>
+          <a:fillRef idx="2">
+            <a:schemeClr val="accent2"/>
+          </a:fillRef>
+          <a:effectRef idx="1">
+            <a:schemeClr val="accent2"/>
+          </a:effectRef>
+          <a:fontRef idx="minor">
+            <a:schemeClr val="dk1"/>
+          </a:fontRef>
+        </p:style>
+        <p:txBody>
+          <a:bodyPr rtlCol="0" anchor="ctr"/>
+          <a:lstStyle/>
+          <a:p>
+            <a:pPr algn="ctr"/>
+            <a:r>
+              <a:rPr lang="ro-RO" dirty="0">
+                <a:latin typeface="Montserrat" panose="020B0604020202020204" charset="0"/>
+              </a:rPr>
+              <a:t>cuvinte </a:t>
+            </a:r>
+            <a:r>
+              <a:rPr lang="ro-RO" dirty="0" smtClean="0">
+                <a:latin typeface="Montserrat" panose="020B0604020202020204" charset="0"/>
+              </a:rPr>
+              <a:t>cheie</a:t>
+            </a:r>
+            <a:endParaRPr lang="en-US" dirty="0">
+              <a:latin typeface="Montserrat" panose="020B0604020202020204" charset="0"/>
+            </a:endParaRPr>
+          </a:p>
+        </p:txBody>
+      </p:sp>
+    </p:spTree>
+    <p:extLst>
+      <p:ext uri="{BB962C8B-B14F-4D97-AF65-F5344CB8AC3E}">
+        <p14:creationId xmlns:p14="http://schemas.microsoft.com/office/powerpoint/2010/main" val="1885431833"/>
+      </p:ext>
+    </p:extLst>
+  </p:cSld>
+  <p:clrMapOvr>
+    <a:masterClrMapping/>
+  </p:clrMapOvr>
+  <p:timing>
+    <p:tnLst>
+      <p:par>
+        <p:cTn id="1" dur="indefinite" restart="never" nodeType="tmRoot"/>
+      </p:par>
+    </p:tnLst>
+  </p:timing>
+</p:sld>
+</file>
+
+<file path=ppt/slides/slide8.xml><?xml version="1.0" encoding="utf-8"?>
+<p:sld xmlns:a="http://schemas.openxmlformats.org/drawingml/2006/main" xmlns:r="http://schemas.openxmlformats.org/officeDocument/2006/relationships" xmlns:p="http://schemas.openxmlformats.org/presentationml/2006/main">
+  <p:cSld>
+    <p:spTree>
+      <p:nvGrpSpPr>
+        <p:cNvPr id="1" name="Shape 111"/>
+        <p:cNvGrpSpPr/>
+        <p:nvPr/>
+      </p:nvGrpSpPr>
+      <p:grpSpPr>
+        <a:xfrm>
+          <a:off x="0" y="0"/>
+          <a:ext cx="0" cy="0"/>
+          <a:chOff x="0" y="0"/>
+          <a:chExt cx="0" cy="0"/>
+        </a:xfrm>
+      </p:grpSpPr>
       <p:pic>
         <p:nvPicPr>
           <p:cNvPr id="2" name="Picture 1"/>
@@ -18480,7 +21467,7 @@
         <p:spPr>
           <a:xfrm>
             <a:off x="774194" y="222898"/>
-            <a:ext cx="8016721" cy="830997"/>
+            <a:ext cx="8958280" cy="830997"/>
           </a:xfrm>
           <a:prstGeom prst="rect">
             <a:avLst/>
@@ -18505,6 +21492,16 @@
               </a:spcAft>
               <a:buNone/>
             </a:pPr>
+            <a:r>
+              <a:rPr lang="ro-RO" sz="4800" dirty="0" smtClean="0">
+                <a:solidFill>
+                  <a:schemeClr val="dk1"/>
+                </a:solidFill>
+                <a:latin typeface="Montserrat"/>
+                <a:sym typeface="Montserrat"/>
+              </a:rPr>
+              <a:t>6. </a:t>
+            </a:r>
             <a:r>
               <a:rPr lang="en-US" sz="4800" dirty="0" err="1" smtClean="0">
                 <a:solidFill>
@@ -19029,7 +22026,7 @@
             <a:fld id="{00000000-1234-1234-1234-123412341234}" type="slidenum">
               <a:rPr lang="en-PH" smtClean="0"/>
               <a:pPr/>
-              <a:t>5</a:t>
+              <a:t>8</a:t>
             </a:fld>
             <a:endParaRPr lang="en-PH" dirty="0"/>
           </a:p>
@@ -19796,7 +22793,7 @@
 </p:sld>
 </file>
 
-<file path=ppt/slides/slide6.xml><?xml version="1.0" encoding="utf-8"?>
+<file path=ppt/slides/slide9.xml><?xml version="1.0" encoding="utf-8"?>
 <p:sld xmlns:a="http://schemas.openxmlformats.org/drawingml/2006/main" xmlns:r="http://schemas.openxmlformats.org/officeDocument/2006/relationships" xmlns:p="http://schemas.openxmlformats.org/presentationml/2006/main">
   <p:cSld>
     <p:spTree>
@@ -19876,6 +22873,16 @@
               </a:spcAft>
               <a:buNone/>
             </a:pPr>
+            <a:r>
+              <a:rPr lang="ro-RO" sz="4800" dirty="0" smtClean="0">
+                <a:solidFill>
+                  <a:schemeClr val="dk1"/>
+                </a:solidFill>
+                <a:latin typeface="Montserrat"/>
+                <a:sym typeface="Montserrat"/>
+              </a:rPr>
+              <a:t>6. </a:t>
+            </a:r>
             <a:r>
               <a:rPr lang="en-US" sz="4800" dirty="0" err="1" smtClean="0">
                 <a:solidFill>
@@ -20272,7 +23279,7 @@
             <a:fld id="{00000000-1234-1234-1234-123412341234}" type="slidenum">
               <a:rPr lang="en-PH" smtClean="0"/>
               <a:pPr/>
-              <a:t>6</a:t>
+              <a:t>9</a:t>
             </a:fld>
             <a:endParaRPr lang="en-PH" dirty="0"/>
           </a:p>
@@ -20819,919 +23826,6 @@
     <p:extLst>
       <p:ext uri="{BB962C8B-B14F-4D97-AF65-F5344CB8AC3E}">
         <p14:creationId xmlns:p14="http://schemas.microsoft.com/office/powerpoint/2010/main" val="3092600264"/>
-      </p:ext>
-    </p:extLst>
-  </p:cSld>
-  <p:clrMapOvr>
-    <a:masterClrMapping/>
-  </p:clrMapOvr>
-  <p:timing>
-    <p:tnLst>
-      <p:par>
-        <p:cTn id="1" dur="indefinite" restart="never" nodeType="tmRoot"/>
-      </p:par>
-    </p:tnLst>
-  </p:timing>
-</p:sld>
-</file>
-
-<file path=ppt/slides/slide7.xml><?xml version="1.0" encoding="utf-8"?>
-<p:sld xmlns:a="http://schemas.openxmlformats.org/drawingml/2006/main" xmlns:r="http://schemas.openxmlformats.org/officeDocument/2006/relationships" xmlns:p="http://schemas.openxmlformats.org/presentationml/2006/main">
-  <p:cSld>
-    <p:spTree>
-      <p:nvGrpSpPr>
-        <p:cNvPr id="1" name="Shape 111"/>
-        <p:cNvGrpSpPr/>
-        <p:nvPr/>
-      </p:nvGrpSpPr>
-      <p:grpSpPr>
-        <a:xfrm>
-          <a:off x="0" y="0"/>
-          <a:ext cx="0" cy="0"/>
-          <a:chOff x="0" y="0"/>
-          <a:chExt cx="0" cy="0"/>
-        </a:xfrm>
-      </p:grpSpPr>
-      <p:sp>
-        <p:nvSpPr>
-          <p:cNvPr id="112" name="Shape 112"/>
-          <p:cNvSpPr txBox="1"/>
-          <p:nvPr/>
-        </p:nvSpPr>
-        <p:spPr>
-          <a:xfrm>
-            <a:off x="774194" y="222898"/>
-            <a:ext cx="8958280" cy="830997"/>
-          </a:xfrm>
-          <a:prstGeom prst="rect">
-            <a:avLst/>
-          </a:prstGeom>
-          <a:noFill/>
-          <a:ln>
-            <a:noFill/>
-          </a:ln>
-        </p:spPr>
-        <p:txBody>
-          <a:bodyPr spcFirstLastPara="1" wrap="square" lIns="91425" tIns="45700" rIns="91425" bIns="45700" anchor="t" anchorCtr="0">
-            <a:noAutofit/>
-          </a:bodyPr>
-          <a:lstStyle/>
-          <a:p>
-            <a:pPr marL="0" marR="0" lvl="0" indent="0" algn="l" rtl="0">
-              <a:spcBef>
-                <a:spcPts val="0"/>
-              </a:spcBef>
-              <a:spcAft>
-                <a:spcPts val="0"/>
-              </a:spcAft>
-              <a:buNone/>
-            </a:pPr>
-            <a:r>
-              <a:rPr lang="ro-RO" sz="4800" dirty="0" smtClean="0">
-                <a:solidFill>
-                  <a:schemeClr val="dk1"/>
-                </a:solidFill>
-                <a:latin typeface="Montserrat"/>
-                <a:sym typeface="Montserrat"/>
-              </a:rPr>
-              <a:t>Direcții de dezvoltare</a:t>
-            </a:r>
-            <a:endParaRPr dirty="0"/>
-          </a:p>
-        </p:txBody>
-      </p:sp>
-      <p:sp>
-        <p:nvSpPr>
-          <p:cNvPr id="113" name="Shape 113"/>
-          <p:cNvSpPr txBox="1"/>
-          <p:nvPr/>
-        </p:nvSpPr>
-        <p:spPr>
-          <a:xfrm>
-            <a:off x="660903" y="1611516"/>
-            <a:ext cx="9322809" cy="4245660"/>
-          </a:xfrm>
-          <a:prstGeom prst="rect">
-            <a:avLst/>
-          </a:prstGeom>
-          <a:noFill/>
-          <a:ln>
-            <a:noFill/>
-          </a:ln>
-        </p:spPr>
-        <p:txBody>
-          <a:bodyPr spcFirstLastPara="1" wrap="square" lIns="91425" tIns="45700" rIns="91425" bIns="45700" anchor="t" anchorCtr="0">
-            <a:noAutofit/>
-          </a:bodyPr>
-          <a:lstStyle/>
-          <a:p>
-            <a:pPr marR="0" lvl="0" algn="l" rtl="0">
-              <a:spcBef>
-                <a:spcPts val="0"/>
-              </a:spcBef>
-              <a:spcAft>
-                <a:spcPts val="0"/>
-              </a:spcAft>
-            </a:pPr>
-            <a:r>
-              <a:rPr lang="ro-RO" sz="2800" dirty="0" smtClean="0">
-                <a:solidFill>
-                  <a:schemeClr val="tx1"/>
-                </a:solidFill>
-                <a:latin typeface="Lato Light"/>
-                <a:ea typeface="Lato Light"/>
-                <a:cs typeface="Lato Light"/>
-                <a:sym typeface="Lato Light"/>
-              </a:rPr>
-              <a:t>1. Introducere</a:t>
-            </a:r>
-          </a:p>
-          <a:p>
-            <a:pPr marR="0" lvl="0" algn="l" rtl="0">
-              <a:spcBef>
-                <a:spcPts val="0"/>
-              </a:spcBef>
-              <a:spcAft>
-                <a:spcPts val="0"/>
-              </a:spcAft>
-            </a:pPr>
-            <a:r>
-              <a:rPr lang="ro-RO" sz="2800" dirty="0" smtClean="0">
-                <a:solidFill>
-                  <a:schemeClr val="tx1"/>
-                </a:solidFill>
-                <a:latin typeface="Lato Light"/>
-                <a:sym typeface="Lato Light"/>
-              </a:rPr>
-              <a:t>2. Motivație</a:t>
-            </a:r>
-          </a:p>
-          <a:p>
-            <a:pPr marR="0" lvl="0" algn="l" rtl="0">
-              <a:spcBef>
-                <a:spcPts val="0"/>
-              </a:spcBef>
-              <a:spcAft>
-                <a:spcPts val="0"/>
-              </a:spcAft>
-            </a:pPr>
-            <a:r>
-              <a:rPr lang="ro-RO" sz="2800" dirty="0" smtClean="0">
-                <a:solidFill>
-                  <a:schemeClr val="tx1"/>
-                </a:solidFill>
-                <a:latin typeface="Lato Light"/>
-                <a:sym typeface="Lato Light"/>
-              </a:rPr>
-              <a:t>3. </a:t>
-            </a:r>
-            <a:r>
-              <a:rPr lang="ro-RO" sz="2800" dirty="0" smtClean="0">
-                <a:solidFill>
-                  <a:schemeClr val="tx1"/>
-                </a:solidFill>
-                <a:latin typeface="Lato Light"/>
-                <a:sym typeface="Lato Light"/>
-              </a:rPr>
-              <a:t>Direcții </a:t>
-            </a:r>
-            <a:r>
-              <a:rPr lang="ro-RO" sz="2800" dirty="0" smtClean="0">
-                <a:solidFill>
-                  <a:schemeClr val="tx1"/>
-                </a:solidFill>
-                <a:latin typeface="Lato Light"/>
-                <a:sym typeface="Lato Light"/>
-              </a:rPr>
-              <a:t>de dezvoltare</a:t>
-            </a:r>
-          </a:p>
-          <a:p>
-            <a:pPr marR="0" lvl="0" algn="l" rtl="0">
-              <a:spcBef>
-                <a:spcPts val="0"/>
-              </a:spcBef>
-              <a:spcAft>
-                <a:spcPts val="0"/>
-              </a:spcAft>
-            </a:pPr>
-            <a:r>
-              <a:rPr lang="ro-RO" sz="2800" dirty="0" smtClean="0">
-                <a:solidFill>
-                  <a:schemeClr val="tx1"/>
-                </a:solidFill>
-                <a:latin typeface="Lato Light"/>
-                <a:sym typeface="Lato Light"/>
-              </a:rPr>
-              <a:t>3. </a:t>
-            </a:r>
-            <a:r>
-              <a:rPr lang="ro-RO" sz="2800" dirty="0" smtClean="0">
-                <a:solidFill>
-                  <a:schemeClr val="tx1"/>
-                </a:solidFill>
-                <a:latin typeface="Lato Light"/>
-                <a:sym typeface="Lato Light"/>
-              </a:rPr>
-              <a:t>Concluzii</a:t>
-            </a:r>
-            <a:endParaRPr lang="ro-RO" sz="2800" dirty="0" smtClean="0">
-              <a:solidFill>
-                <a:schemeClr val="tx1"/>
-              </a:solidFill>
-              <a:latin typeface="Lato Light"/>
-              <a:sym typeface="Lato Light"/>
-            </a:endParaRPr>
-          </a:p>
-        </p:txBody>
-      </p:sp>
-      <p:pic>
-        <p:nvPicPr>
-          <p:cNvPr id="9" name="Picture 8" descr="C:\Users\dlargu\Desktop\FiiLogo.png"/>
-          <p:cNvPicPr>
-            <a:picLocks noChangeAspect="1" noChangeArrowheads="1"/>
-          </p:cNvPicPr>
-          <p:nvPr/>
-        </p:nvPicPr>
-        <p:blipFill>
-          <a:blip r:embed="rId3">
-            <a:extLst>
-              <a:ext uri="{28A0092B-C50C-407E-A947-70E740481C1C}">
-                <a14:useLocalDpi xmlns:a14="http://schemas.microsoft.com/office/drawing/2010/main"/>
-              </a:ext>
-            </a:extLst>
-          </a:blip>
-          <a:srcRect/>
-          <a:stretch>
-            <a:fillRect/>
-          </a:stretch>
-        </p:blipFill>
-        <p:spPr bwMode="auto">
-          <a:xfrm>
-            <a:off x="11235349" y="149280"/>
-            <a:ext cx="826365" cy="763675"/>
-          </a:xfrm>
-          <a:prstGeom prst="rect">
-            <a:avLst/>
-          </a:prstGeom>
-          <a:noFill/>
-          <a:extLst>
-            <a:ext uri="{909E8E84-426E-40DD-AFC4-6F175D3DCCD1}">
-              <a14:hiddenFill xmlns:a14="http://schemas.microsoft.com/office/drawing/2010/main">
-                <a:solidFill>
-                  <a:srgbClr val="FFFFFF"/>
-                </a:solidFill>
-              </a14:hiddenFill>
-            </a:ext>
-          </a:extLst>
-        </p:spPr>
-      </p:pic>
-      <p:pic>
-        <p:nvPicPr>
-          <p:cNvPr id="10" name="Picture 9"/>
-          <p:cNvPicPr>
-            <a:picLocks noChangeAspect="1"/>
-          </p:cNvPicPr>
-          <p:nvPr/>
-        </p:nvPicPr>
-        <p:blipFill>
-          <a:blip r:embed="rId4" cstate="print">
-            <a:extLst>
-              <a:ext uri="{28A0092B-C50C-407E-A947-70E740481C1C}">
-                <a14:useLocalDpi xmlns:a14="http://schemas.microsoft.com/office/drawing/2010/main"/>
-              </a:ext>
-            </a:extLst>
-          </a:blip>
-          <a:stretch>
-            <a:fillRect/>
-          </a:stretch>
-        </p:blipFill>
-        <p:spPr>
-          <a:xfrm>
-            <a:off x="9983713" y="84817"/>
-            <a:ext cx="910102" cy="892600"/>
-          </a:xfrm>
-          <a:prstGeom prst="rect">
-            <a:avLst/>
-          </a:prstGeom>
-        </p:spPr>
-      </p:pic>
-      <p:sp>
-        <p:nvSpPr>
-          <p:cNvPr id="5" name="Slide Number Placeholder 4"/>
-          <p:cNvSpPr>
-            <a:spLocks noGrp="1"/>
-          </p:cNvSpPr>
-          <p:nvPr>
-            <p:ph type="sldNum" idx="12"/>
-          </p:nvPr>
-        </p:nvSpPr>
-        <p:spPr/>
-        <p:txBody>
-          <a:bodyPr/>
-          <a:lstStyle/>
-          <a:p>
-            <a:fld id="{00000000-1234-1234-1234-123412341234}" type="slidenum">
-              <a:rPr lang="en-PH" smtClean="0"/>
-              <a:pPr/>
-              <a:t>7</a:t>
-            </a:fld>
-            <a:endParaRPr lang="en-PH" dirty="0"/>
-          </a:p>
-        </p:txBody>
-      </p:sp>
-      <p:sp>
-        <p:nvSpPr>
-          <p:cNvPr id="11" name="Shape 114"/>
-          <p:cNvSpPr/>
-          <p:nvPr/>
-        </p:nvSpPr>
-        <p:spPr>
-          <a:xfrm>
-            <a:off x="878557" y="1053895"/>
-            <a:ext cx="8853917" cy="51759"/>
-          </a:xfrm>
-          <a:prstGeom prst="rect">
-            <a:avLst/>
-          </a:prstGeom>
-          <a:solidFill>
-            <a:srgbClr val="AAE4D5"/>
-          </a:solidFill>
-          <a:ln>
-            <a:noFill/>
-          </a:ln>
-        </p:spPr>
-        <p:txBody>
-          <a:bodyPr spcFirstLastPara="1" wrap="square" lIns="91425" tIns="45700" rIns="91425" bIns="45700" anchor="ctr" anchorCtr="0">
-            <a:noAutofit/>
-          </a:bodyPr>
-          <a:lstStyle/>
-          <a:p>
-            <a:pPr marL="0" marR="0" lvl="0" indent="0" algn="ctr" rtl="0">
-              <a:spcBef>
-                <a:spcPts val="0"/>
-              </a:spcBef>
-              <a:spcAft>
-                <a:spcPts val="0"/>
-              </a:spcAft>
-              <a:buNone/>
-            </a:pPr>
-            <a:endParaRPr sz="1800">
-              <a:solidFill>
-                <a:schemeClr val="lt1"/>
-              </a:solidFill>
-              <a:latin typeface="Playfair Display"/>
-              <a:ea typeface="Playfair Display"/>
-              <a:cs typeface="Playfair Display"/>
-              <a:sym typeface="Playfair Display"/>
-            </a:endParaRPr>
-          </a:p>
-        </p:txBody>
-      </p:sp>
-    </p:spTree>
-    <p:extLst>
-      <p:ext uri="{BB962C8B-B14F-4D97-AF65-F5344CB8AC3E}">
-        <p14:creationId xmlns:p14="http://schemas.microsoft.com/office/powerpoint/2010/main" val="912383895"/>
-      </p:ext>
-    </p:extLst>
-  </p:cSld>
-  <p:clrMapOvr>
-    <a:masterClrMapping/>
-  </p:clrMapOvr>
-  <p:timing>
-    <p:tnLst>
-      <p:par>
-        <p:cTn id="1" dur="indefinite" restart="never" nodeType="tmRoot"/>
-      </p:par>
-    </p:tnLst>
-  </p:timing>
-</p:sld>
-</file>
-
-<file path=ppt/slides/slide8.xml><?xml version="1.0" encoding="utf-8"?>
-<p:sld xmlns:a="http://schemas.openxmlformats.org/drawingml/2006/main" xmlns:r="http://schemas.openxmlformats.org/officeDocument/2006/relationships" xmlns:p="http://schemas.openxmlformats.org/presentationml/2006/main">
-  <p:cSld>
-    <p:spTree>
-      <p:nvGrpSpPr>
-        <p:cNvPr id="1" name="Shape 111"/>
-        <p:cNvGrpSpPr/>
-        <p:nvPr/>
-      </p:nvGrpSpPr>
-      <p:grpSpPr>
-        <a:xfrm>
-          <a:off x="0" y="0"/>
-          <a:ext cx="0" cy="0"/>
-          <a:chOff x="0" y="0"/>
-          <a:chExt cx="0" cy="0"/>
-        </a:xfrm>
-      </p:grpSpPr>
-      <p:sp>
-        <p:nvSpPr>
-          <p:cNvPr id="112" name="Shape 112"/>
-          <p:cNvSpPr txBox="1"/>
-          <p:nvPr/>
-        </p:nvSpPr>
-        <p:spPr>
-          <a:xfrm>
-            <a:off x="774194" y="222898"/>
-            <a:ext cx="8958280" cy="830997"/>
-          </a:xfrm>
-          <a:prstGeom prst="rect">
-            <a:avLst/>
-          </a:prstGeom>
-          <a:noFill/>
-          <a:ln>
-            <a:noFill/>
-          </a:ln>
-        </p:spPr>
-        <p:txBody>
-          <a:bodyPr spcFirstLastPara="1" wrap="square" lIns="91425" tIns="45700" rIns="91425" bIns="45700" anchor="t" anchorCtr="0">
-            <a:noAutofit/>
-          </a:bodyPr>
-          <a:lstStyle/>
-          <a:p>
-            <a:pPr marL="0" marR="0" lvl="0" indent="0" algn="l" rtl="0">
-              <a:spcBef>
-                <a:spcPts val="0"/>
-              </a:spcBef>
-              <a:spcAft>
-                <a:spcPts val="0"/>
-              </a:spcAft>
-              <a:buNone/>
-            </a:pPr>
-            <a:r>
-              <a:rPr lang="ro-RO" sz="4800" dirty="0" smtClean="0">
-                <a:solidFill>
-                  <a:schemeClr val="dk1"/>
-                </a:solidFill>
-                <a:latin typeface="Montserrat"/>
-                <a:sym typeface="Montserrat"/>
-              </a:rPr>
-              <a:t>Concluzii</a:t>
-            </a:r>
-            <a:endParaRPr dirty="0"/>
-          </a:p>
-        </p:txBody>
-      </p:sp>
-      <p:sp>
-        <p:nvSpPr>
-          <p:cNvPr id="113" name="Shape 113"/>
-          <p:cNvSpPr txBox="1"/>
-          <p:nvPr/>
-        </p:nvSpPr>
-        <p:spPr>
-          <a:xfrm>
-            <a:off x="660903" y="1611516"/>
-            <a:ext cx="9322809" cy="4245660"/>
-          </a:xfrm>
-          <a:prstGeom prst="rect">
-            <a:avLst/>
-          </a:prstGeom>
-          <a:noFill/>
-          <a:ln>
-            <a:noFill/>
-          </a:ln>
-        </p:spPr>
-        <p:txBody>
-          <a:bodyPr spcFirstLastPara="1" wrap="square" lIns="91425" tIns="45700" rIns="91425" bIns="45700" anchor="t" anchorCtr="0">
-            <a:noAutofit/>
-          </a:bodyPr>
-          <a:lstStyle/>
-          <a:p>
-            <a:pPr marR="0" lvl="0" algn="l" rtl="0">
-              <a:spcBef>
-                <a:spcPts val="0"/>
-              </a:spcBef>
-              <a:spcAft>
-                <a:spcPts val="0"/>
-              </a:spcAft>
-            </a:pPr>
-            <a:r>
-              <a:rPr lang="ro-RO" sz="2800" dirty="0" smtClean="0">
-                <a:solidFill>
-                  <a:schemeClr val="tx1"/>
-                </a:solidFill>
-                <a:latin typeface="Lato Light"/>
-                <a:ea typeface="Lato Light"/>
-                <a:cs typeface="Lato Light"/>
-                <a:sym typeface="Lato Light"/>
-              </a:rPr>
-              <a:t>1. Introducere</a:t>
-            </a:r>
-          </a:p>
-          <a:p>
-            <a:pPr marR="0" lvl="0" algn="l" rtl="0">
-              <a:spcBef>
-                <a:spcPts val="0"/>
-              </a:spcBef>
-              <a:spcAft>
-                <a:spcPts val="0"/>
-              </a:spcAft>
-            </a:pPr>
-            <a:r>
-              <a:rPr lang="ro-RO" sz="2800" dirty="0" smtClean="0">
-                <a:solidFill>
-                  <a:schemeClr val="tx1"/>
-                </a:solidFill>
-                <a:latin typeface="Lato Light"/>
-                <a:sym typeface="Lato Light"/>
-              </a:rPr>
-              <a:t>2. Motivație</a:t>
-            </a:r>
-          </a:p>
-          <a:p>
-            <a:pPr marR="0" lvl="0" algn="l" rtl="0">
-              <a:spcBef>
-                <a:spcPts val="0"/>
-              </a:spcBef>
-              <a:spcAft>
-                <a:spcPts val="0"/>
-              </a:spcAft>
-            </a:pPr>
-            <a:r>
-              <a:rPr lang="ro-RO" sz="2800" dirty="0" smtClean="0">
-                <a:solidFill>
-                  <a:schemeClr val="tx1"/>
-                </a:solidFill>
-                <a:latin typeface="Lato Light"/>
-                <a:sym typeface="Lato Light"/>
-              </a:rPr>
-              <a:t>3. </a:t>
-            </a:r>
-            <a:r>
-              <a:rPr lang="ro-RO" sz="2800" dirty="0" smtClean="0">
-                <a:solidFill>
-                  <a:schemeClr val="tx1"/>
-                </a:solidFill>
-                <a:latin typeface="Lato Light"/>
-                <a:sym typeface="Lato Light"/>
-              </a:rPr>
-              <a:t>Direcții </a:t>
-            </a:r>
-            <a:r>
-              <a:rPr lang="ro-RO" sz="2800" dirty="0" smtClean="0">
-                <a:solidFill>
-                  <a:schemeClr val="tx1"/>
-                </a:solidFill>
-                <a:latin typeface="Lato Light"/>
-                <a:sym typeface="Lato Light"/>
-              </a:rPr>
-              <a:t>de dezvoltare</a:t>
-            </a:r>
-          </a:p>
-          <a:p>
-            <a:pPr marR="0" lvl="0" algn="l" rtl="0">
-              <a:spcBef>
-                <a:spcPts val="0"/>
-              </a:spcBef>
-              <a:spcAft>
-                <a:spcPts val="0"/>
-              </a:spcAft>
-            </a:pPr>
-            <a:r>
-              <a:rPr lang="ro-RO" sz="2800" dirty="0" smtClean="0">
-                <a:solidFill>
-                  <a:schemeClr val="tx1"/>
-                </a:solidFill>
-                <a:latin typeface="Lato Light"/>
-                <a:sym typeface="Lato Light"/>
-              </a:rPr>
-              <a:t>3. Concluzii</a:t>
-            </a:r>
-          </a:p>
-          <a:p>
-            <a:pPr marL="342900" marR="0" lvl="0" indent="-342900" algn="l" rtl="0">
-              <a:spcBef>
-                <a:spcPts val="0"/>
-              </a:spcBef>
-              <a:spcAft>
-                <a:spcPts val="0"/>
-              </a:spcAft>
-              <a:buAutoNum type="arabicPeriod"/>
-            </a:pPr>
-            <a:endParaRPr sz="3200" dirty="0">
-              <a:solidFill>
-                <a:schemeClr val="tx1"/>
-              </a:solidFill>
-            </a:endParaRPr>
-          </a:p>
-        </p:txBody>
-      </p:sp>
-      <p:pic>
-        <p:nvPicPr>
-          <p:cNvPr id="9" name="Picture 8" descr="C:\Users\dlargu\Desktop\FiiLogo.png"/>
-          <p:cNvPicPr>
-            <a:picLocks noChangeAspect="1" noChangeArrowheads="1"/>
-          </p:cNvPicPr>
-          <p:nvPr/>
-        </p:nvPicPr>
-        <p:blipFill>
-          <a:blip r:embed="rId3">
-            <a:extLst>
-              <a:ext uri="{28A0092B-C50C-407E-A947-70E740481C1C}">
-                <a14:useLocalDpi xmlns:a14="http://schemas.microsoft.com/office/drawing/2010/main"/>
-              </a:ext>
-            </a:extLst>
-          </a:blip>
-          <a:srcRect/>
-          <a:stretch>
-            <a:fillRect/>
-          </a:stretch>
-        </p:blipFill>
-        <p:spPr bwMode="auto">
-          <a:xfrm>
-            <a:off x="11235349" y="149280"/>
-            <a:ext cx="826365" cy="763675"/>
-          </a:xfrm>
-          <a:prstGeom prst="rect">
-            <a:avLst/>
-          </a:prstGeom>
-          <a:noFill/>
-          <a:extLst>
-            <a:ext uri="{909E8E84-426E-40DD-AFC4-6F175D3DCCD1}">
-              <a14:hiddenFill xmlns:a14="http://schemas.microsoft.com/office/drawing/2010/main">
-                <a:solidFill>
-                  <a:srgbClr val="FFFFFF"/>
-                </a:solidFill>
-              </a14:hiddenFill>
-            </a:ext>
-          </a:extLst>
-        </p:spPr>
-      </p:pic>
-      <p:pic>
-        <p:nvPicPr>
-          <p:cNvPr id="10" name="Picture 9"/>
-          <p:cNvPicPr>
-            <a:picLocks noChangeAspect="1"/>
-          </p:cNvPicPr>
-          <p:nvPr/>
-        </p:nvPicPr>
-        <p:blipFill>
-          <a:blip r:embed="rId4" cstate="print">
-            <a:extLst>
-              <a:ext uri="{28A0092B-C50C-407E-A947-70E740481C1C}">
-                <a14:useLocalDpi xmlns:a14="http://schemas.microsoft.com/office/drawing/2010/main"/>
-              </a:ext>
-            </a:extLst>
-          </a:blip>
-          <a:stretch>
-            <a:fillRect/>
-          </a:stretch>
-        </p:blipFill>
-        <p:spPr>
-          <a:xfrm>
-            <a:off x="9983713" y="84817"/>
-            <a:ext cx="910102" cy="892600"/>
-          </a:xfrm>
-          <a:prstGeom prst="rect">
-            <a:avLst/>
-          </a:prstGeom>
-        </p:spPr>
-      </p:pic>
-      <p:sp>
-        <p:nvSpPr>
-          <p:cNvPr id="5" name="Slide Number Placeholder 4"/>
-          <p:cNvSpPr>
-            <a:spLocks noGrp="1"/>
-          </p:cNvSpPr>
-          <p:nvPr>
-            <p:ph type="sldNum" idx="12"/>
-          </p:nvPr>
-        </p:nvSpPr>
-        <p:spPr/>
-        <p:txBody>
-          <a:bodyPr/>
-          <a:lstStyle/>
-          <a:p>
-            <a:fld id="{00000000-1234-1234-1234-123412341234}" type="slidenum">
-              <a:rPr lang="en-PH" smtClean="0"/>
-              <a:pPr/>
-              <a:t>8</a:t>
-            </a:fld>
-            <a:endParaRPr lang="en-PH" dirty="0"/>
-          </a:p>
-        </p:txBody>
-      </p:sp>
-      <p:sp>
-        <p:nvSpPr>
-          <p:cNvPr id="11" name="Shape 114"/>
-          <p:cNvSpPr/>
-          <p:nvPr/>
-        </p:nvSpPr>
-        <p:spPr>
-          <a:xfrm>
-            <a:off x="878557" y="1053895"/>
-            <a:ext cx="8853917" cy="51759"/>
-          </a:xfrm>
-          <a:prstGeom prst="rect">
-            <a:avLst/>
-          </a:prstGeom>
-          <a:solidFill>
-            <a:srgbClr val="AAE4D5"/>
-          </a:solidFill>
-          <a:ln>
-            <a:noFill/>
-          </a:ln>
-        </p:spPr>
-        <p:txBody>
-          <a:bodyPr spcFirstLastPara="1" wrap="square" lIns="91425" tIns="45700" rIns="91425" bIns="45700" anchor="ctr" anchorCtr="0">
-            <a:noAutofit/>
-          </a:bodyPr>
-          <a:lstStyle/>
-          <a:p>
-            <a:pPr marL="0" marR="0" lvl="0" indent="0" algn="ctr" rtl="0">
-              <a:spcBef>
-                <a:spcPts val="0"/>
-              </a:spcBef>
-              <a:spcAft>
-                <a:spcPts val="0"/>
-              </a:spcAft>
-              <a:buNone/>
-            </a:pPr>
-            <a:endParaRPr sz="1800">
-              <a:solidFill>
-                <a:schemeClr val="lt1"/>
-              </a:solidFill>
-              <a:latin typeface="Playfair Display"/>
-              <a:ea typeface="Playfair Display"/>
-              <a:cs typeface="Playfair Display"/>
-              <a:sym typeface="Playfair Display"/>
-            </a:endParaRPr>
-          </a:p>
-        </p:txBody>
-      </p:sp>
-    </p:spTree>
-    <p:extLst>
-      <p:ext uri="{BB962C8B-B14F-4D97-AF65-F5344CB8AC3E}">
-        <p14:creationId xmlns:p14="http://schemas.microsoft.com/office/powerpoint/2010/main" val="3418714155"/>
-      </p:ext>
-    </p:extLst>
-  </p:cSld>
-  <p:clrMapOvr>
-    <a:masterClrMapping/>
-  </p:clrMapOvr>
-  <p:timing>
-    <p:tnLst>
-      <p:par>
-        <p:cTn id="1" dur="indefinite" restart="never" nodeType="tmRoot"/>
-      </p:par>
-    </p:tnLst>
-  </p:timing>
-</p:sld>
-</file>
-
-<file path=ppt/slides/slide9.xml><?xml version="1.0" encoding="utf-8"?>
-<p:sld xmlns:a="http://schemas.openxmlformats.org/drawingml/2006/main" xmlns:r="http://schemas.openxmlformats.org/officeDocument/2006/relationships" xmlns:p="http://schemas.openxmlformats.org/presentationml/2006/main">
-  <p:cSld>
-    <p:bg>
-      <p:bgPr>
-        <a:solidFill>
-          <a:srgbClr val="AAE4D5"/>
-        </a:solidFill>
-        <a:effectLst/>
-      </p:bgPr>
-    </p:bg>
-    <p:spTree>
-      <p:nvGrpSpPr>
-        <p:cNvPr id="1" name="Shape 102"/>
-        <p:cNvGrpSpPr/>
-        <p:nvPr/>
-      </p:nvGrpSpPr>
-      <p:grpSpPr>
-        <a:xfrm>
-          <a:off x="0" y="0"/>
-          <a:ext cx="0" cy="0"/>
-          <a:chOff x="0" y="0"/>
-          <a:chExt cx="0" cy="0"/>
-        </a:xfrm>
-      </p:grpSpPr>
-      <p:sp>
-        <p:nvSpPr>
-          <p:cNvPr id="107" name="Shape 107"/>
-          <p:cNvSpPr txBox="1"/>
-          <p:nvPr/>
-        </p:nvSpPr>
-        <p:spPr>
-          <a:xfrm>
-            <a:off x="0" y="2837154"/>
-            <a:ext cx="12191999" cy="1364759"/>
-          </a:xfrm>
-          <a:prstGeom prst="rect">
-            <a:avLst/>
-          </a:prstGeom>
-          <a:noFill/>
-          <a:ln>
-            <a:noFill/>
-          </a:ln>
-        </p:spPr>
-        <p:txBody>
-          <a:bodyPr spcFirstLastPara="1" wrap="square" lIns="91425" tIns="45700" rIns="91425" bIns="45700" anchor="t" anchorCtr="0">
-            <a:noAutofit/>
-          </a:bodyPr>
-          <a:lstStyle/>
-          <a:p>
-            <a:pPr marL="0" marR="0" lvl="0" indent="0" algn="ctr" rtl="0">
-              <a:spcBef>
-                <a:spcPts val="0"/>
-              </a:spcBef>
-              <a:spcAft>
-                <a:spcPts val="0"/>
-              </a:spcAft>
-              <a:buNone/>
-            </a:pPr>
-            <a:r>
-              <a:rPr lang="ro-RO" sz="7200" dirty="0" smtClean="0">
-                <a:solidFill>
-                  <a:schemeClr val="tx1"/>
-                </a:solidFill>
-                <a:latin typeface="Montserrat"/>
-                <a:sym typeface="Montserrat"/>
-              </a:rPr>
-              <a:t>Demo</a:t>
-            </a:r>
-            <a:endParaRPr sz="2400" dirty="0">
-              <a:solidFill>
-                <a:schemeClr val="tx1"/>
-              </a:solidFill>
-            </a:endParaRPr>
-          </a:p>
-        </p:txBody>
-      </p:sp>
-      <p:pic>
-        <p:nvPicPr>
-          <p:cNvPr id="8" name="Picture 7" descr="C:\Users\dlargu\Desktop\FiiLogo.png"/>
-          <p:cNvPicPr>
-            <a:picLocks noChangeAspect="1" noChangeArrowheads="1"/>
-          </p:cNvPicPr>
-          <p:nvPr/>
-        </p:nvPicPr>
-        <p:blipFill>
-          <a:blip r:embed="rId3">
-            <a:extLst>
-              <a:ext uri="{28A0092B-C50C-407E-A947-70E740481C1C}">
-                <a14:useLocalDpi xmlns:a14="http://schemas.microsoft.com/office/drawing/2010/main"/>
-              </a:ext>
-            </a:extLst>
-          </a:blip>
-          <a:srcRect/>
-          <a:stretch>
-            <a:fillRect/>
-          </a:stretch>
-        </p:blipFill>
-        <p:spPr bwMode="auto">
-          <a:xfrm>
-            <a:off x="11235349" y="149280"/>
-            <a:ext cx="826365" cy="763675"/>
-          </a:xfrm>
-          <a:prstGeom prst="rect">
-            <a:avLst/>
-          </a:prstGeom>
-          <a:noFill/>
-          <a:extLst>
-            <a:ext uri="{909E8E84-426E-40DD-AFC4-6F175D3DCCD1}">
-              <a14:hiddenFill xmlns:a14="http://schemas.microsoft.com/office/drawing/2010/main">
-                <a:solidFill>
-                  <a:srgbClr val="FFFFFF"/>
-                </a:solidFill>
-              </a14:hiddenFill>
-            </a:ext>
-          </a:extLst>
-        </p:spPr>
-      </p:pic>
-      <p:pic>
-        <p:nvPicPr>
-          <p:cNvPr id="9" name="Picture 8"/>
-          <p:cNvPicPr>
-            <a:picLocks noChangeAspect="1"/>
-          </p:cNvPicPr>
-          <p:nvPr/>
-        </p:nvPicPr>
-        <p:blipFill>
-          <a:blip r:embed="rId4" cstate="print">
-            <a:extLst>
-              <a:ext uri="{28A0092B-C50C-407E-A947-70E740481C1C}">
-                <a14:useLocalDpi xmlns:a14="http://schemas.microsoft.com/office/drawing/2010/main"/>
-              </a:ext>
-            </a:extLst>
-          </a:blip>
-          <a:stretch>
-            <a:fillRect/>
-          </a:stretch>
-        </p:blipFill>
-        <p:spPr>
-          <a:xfrm>
-            <a:off x="9983713" y="84817"/>
-            <a:ext cx="910102" cy="892600"/>
-          </a:xfrm>
-          <a:prstGeom prst="rect">
-            <a:avLst/>
-          </a:prstGeom>
-        </p:spPr>
-      </p:pic>
-    </p:spTree>
-    <p:extLst>
-      <p:ext uri="{BB962C8B-B14F-4D97-AF65-F5344CB8AC3E}">
-        <p14:creationId xmlns:p14="http://schemas.microsoft.com/office/powerpoint/2010/main" val="3867347921"/>
       </p:ext>
     </p:extLst>
   </p:cSld>

--- a/Documentation/Presentation.pptx
+++ b/Documentation/Presentation.pptx
@@ -5,54 +5,55 @@
     <p:sldMasterId id="2147483662" r:id="rId1"/>
   </p:sldMasterIdLst>
   <p:notesMasterIdLst>
-    <p:notesMasterId r:id="rId16"/>
+    <p:notesMasterId r:id="rId17"/>
   </p:notesMasterIdLst>
   <p:sldIdLst>
     <p:sldId id="270" r:id="rId2"/>
     <p:sldId id="271" r:id="rId3"/>
     <p:sldId id="279" r:id="rId4"/>
-    <p:sldId id="278" r:id="rId5"/>
-    <p:sldId id="280" r:id="rId6"/>
-    <p:sldId id="281" r:id="rId7"/>
-    <p:sldId id="282" r:id="rId8"/>
-    <p:sldId id="275" r:id="rId9"/>
-    <p:sldId id="276" r:id="rId10"/>
-    <p:sldId id="277" r:id="rId11"/>
-    <p:sldId id="274" r:id="rId12"/>
-    <p:sldId id="273" r:id="rId13"/>
-    <p:sldId id="257" r:id="rId14"/>
-    <p:sldId id="272" r:id="rId15"/>
+    <p:sldId id="283" r:id="rId5"/>
+    <p:sldId id="278" r:id="rId6"/>
+    <p:sldId id="280" r:id="rId7"/>
+    <p:sldId id="281" r:id="rId8"/>
+    <p:sldId id="282" r:id="rId9"/>
+    <p:sldId id="275" r:id="rId10"/>
+    <p:sldId id="276" r:id="rId11"/>
+    <p:sldId id="284" r:id="rId12"/>
+    <p:sldId id="274" r:id="rId13"/>
+    <p:sldId id="273" r:id="rId14"/>
+    <p:sldId id="257" r:id="rId15"/>
+    <p:sldId id="272" r:id="rId16"/>
   </p:sldIdLst>
   <p:sldSz cx="12192000" cy="6858000"/>
   <p:notesSz cx="6858000" cy="9144000"/>
   <p:embeddedFontLst>
     <p:embeddedFont>
       <p:font typeface="Playfair Display" panose="020B0604020202020204" charset="0"/>
-      <p:regular r:id="rId17"/>
-      <p:bold r:id="rId18"/>
-      <p:italic r:id="rId19"/>
-      <p:boldItalic r:id="rId20"/>
+      <p:regular r:id="rId18"/>
+      <p:bold r:id="rId19"/>
+      <p:italic r:id="rId20"/>
+      <p:boldItalic r:id="rId21"/>
+    </p:embeddedFont>
+    <p:embeddedFont>
+      <p:font typeface="Calibri" panose="020F0502020204030204" pitchFamily="34" charset="0"/>
+      <p:regular r:id="rId22"/>
+      <p:bold r:id="rId23"/>
+      <p:italic r:id="rId24"/>
+      <p:boldItalic r:id="rId25"/>
     </p:embeddedFont>
     <p:embeddedFont>
       <p:font typeface="Montserrat" panose="020B0604020202020204" charset="0"/>
-      <p:regular r:id="rId21"/>
-      <p:bold r:id="rId22"/>
-      <p:italic r:id="rId23"/>
-      <p:boldItalic r:id="rId24"/>
-    </p:embeddedFont>
-    <p:embeddedFont>
-      <p:font typeface="Calibri" panose="020F0502020204030204" pitchFamily="34" charset="0"/>
-      <p:regular r:id="rId25"/>
-      <p:bold r:id="rId26"/>
-      <p:italic r:id="rId27"/>
-      <p:boldItalic r:id="rId28"/>
+      <p:regular r:id="rId26"/>
+      <p:bold r:id="rId27"/>
+      <p:italic r:id="rId28"/>
+      <p:boldItalic r:id="rId29"/>
     </p:embeddedFont>
     <p:embeddedFont>
       <p:font typeface="Lato Light" panose="020B0604020202020204" charset="0"/>
-      <p:regular r:id="rId29"/>
-      <p:bold r:id="rId30"/>
-      <p:italic r:id="rId31"/>
-      <p:boldItalic r:id="rId32"/>
+      <p:regular r:id="rId30"/>
+      <p:bold r:id="rId31"/>
+      <p:italic r:id="rId32"/>
+      <p:boldItalic r:id="rId33"/>
     </p:embeddedFont>
   </p:embeddedFontLst>
   <p:defaultTextStyle>
@@ -1537,7 +1538,7 @@
               </a:spcAft>
               <a:buNone/>
             </a:pPr>
-            <a:endParaRPr/>
+            <a:endParaRPr dirty="0"/>
           </a:p>
         </p:txBody>
       </p:sp>
@@ -1600,7 +1601,7 @@
   <p:cSld>
     <p:spTree>
       <p:nvGrpSpPr>
-        <p:cNvPr id="1" name="Shape 99"/>
+        <p:cNvPr id="1" name="Shape 108"/>
         <p:cNvGrpSpPr/>
         <p:nvPr/>
       </p:nvGrpSpPr>
@@ -1614,7 +1615,7 @@
       </p:grpSpPr>
       <p:sp>
         <p:nvSpPr>
-          <p:cNvPr id="100" name="Shape 100"/>
+          <p:cNvPr id="109" name="Shape 109"/>
           <p:cNvSpPr txBox="1">
             <a:spLocks noGrp="1"/>
           </p:cNvSpPr>
@@ -1656,7 +1657,7 @@
       </p:sp>
       <p:sp>
         <p:nvSpPr>
-          <p:cNvPr id="101" name="Shape 101"/>
+          <p:cNvPr id="110" name="Shape 110"/>
           <p:cNvSpPr>
             <a:spLocks noGrp="1" noRot="1" noChangeAspect="1"/>
           </p:cNvSpPr>
@@ -1698,7 +1699,7 @@
     </p:spTree>
     <p:extLst>
       <p:ext uri="{BB962C8B-B14F-4D97-AF65-F5344CB8AC3E}">
-        <p14:creationId xmlns:p14="http://schemas.microsoft.com/office/powerpoint/2010/main" val="1653768091"/>
+        <p14:creationId xmlns:p14="http://schemas.microsoft.com/office/powerpoint/2010/main" val="259770977"/>
       </p:ext>
     </p:extLst>
   </p:cSld>
@@ -1709,6 +1710,119 @@
 </file>
 
 <file path=ppt/notesSlides/notesSlide11.xml><?xml version="1.0" encoding="utf-8"?>
+<p:notes xmlns:a="http://schemas.openxmlformats.org/drawingml/2006/main" xmlns:r="http://schemas.openxmlformats.org/officeDocument/2006/relationships" xmlns:p="http://schemas.openxmlformats.org/presentationml/2006/main" showMasterSp="0" showMasterPhAnim="0">
+  <p:cSld>
+    <p:spTree>
+      <p:nvGrpSpPr>
+        <p:cNvPr id="1" name="Shape 108"/>
+        <p:cNvGrpSpPr/>
+        <p:nvPr/>
+      </p:nvGrpSpPr>
+      <p:grpSpPr>
+        <a:xfrm>
+          <a:off x="0" y="0"/>
+          <a:ext cx="0" cy="0"/>
+          <a:chOff x="0" y="0"/>
+          <a:chExt cx="0" cy="0"/>
+        </a:xfrm>
+      </p:grpSpPr>
+      <p:sp>
+        <p:nvSpPr>
+          <p:cNvPr id="109" name="Shape 109"/>
+          <p:cNvSpPr txBox="1">
+            <a:spLocks noGrp="1"/>
+          </p:cNvSpPr>
+          <p:nvPr>
+            <p:ph type="body" idx="1"/>
+          </p:nvPr>
+        </p:nvSpPr>
+        <p:spPr>
+          <a:xfrm>
+            <a:off x="685800" y="4400550"/>
+            <a:ext cx="5486400" cy="3600450"/>
+          </a:xfrm>
+          <a:prstGeom prst="rect">
+            <a:avLst/>
+          </a:prstGeom>
+          <a:noFill/>
+          <a:ln>
+            <a:noFill/>
+          </a:ln>
+        </p:spPr>
+        <p:txBody>
+          <a:bodyPr spcFirstLastPara="1" wrap="square" lIns="91425" tIns="91425" rIns="91425" bIns="91425" anchor="ctr" anchorCtr="0">
+            <a:noAutofit/>
+          </a:bodyPr>
+          <a:lstStyle/>
+          <a:p>
+            <a:pPr marL="0" lvl="0" indent="0">
+              <a:spcBef>
+                <a:spcPts val="0"/>
+              </a:spcBef>
+              <a:spcAft>
+                <a:spcPts val="0"/>
+              </a:spcAft>
+              <a:buNone/>
+            </a:pPr>
+            <a:endParaRPr/>
+          </a:p>
+        </p:txBody>
+      </p:sp>
+      <p:sp>
+        <p:nvSpPr>
+          <p:cNvPr id="110" name="Shape 110"/>
+          <p:cNvSpPr>
+            <a:spLocks noGrp="1" noRot="1" noChangeAspect="1"/>
+          </p:cNvSpPr>
+          <p:nvPr>
+            <p:ph type="sldImg" idx="2"/>
+          </p:nvPr>
+        </p:nvSpPr>
+        <p:spPr>
+          <a:xfrm>
+            <a:off x="685800" y="1143000"/>
+            <a:ext cx="5486400" cy="3086100"/>
+          </a:xfrm>
+          <a:custGeom>
+            <a:avLst/>
+            <a:gdLst/>
+            <a:ahLst/>
+            <a:cxnLst/>
+            <a:rect l="0" t="0" r="0" b="0"/>
+            <a:pathLst>
+              <a:path w="120000" h="120000" extrusionOk="0">
+                <a:moveTo>
+                  <a:pt x="0" y="0"/>
+                </a:moveTo>
+                <a:lnTo>
+                  <a:pt x="120000" y="0"/>
+                </a:lnTo>
+                <a:lnTo>
+                  <a:pt x="120000" y="120000"/>
+                </a:lnTo>
+                <a:lnTo>
+                  <a:pt x="0" y="120000"/>
+                </a:lnTo>
+                <a:close/>
+              </a:path>
+            </a:pathLst>
+          </a:custGeom>
+        </p:spPr>
+      </p:sp>
+    </p:spTree>
+    <p:extLst>
+      <p:ext uri="{BB962C8B-B14F-4D97-AF65-F5344CB8AC3E}">
+        <p14:creationId xmlns:p14="http://schemas.microsoft.com/office/powerpoint/2010/main" val="3730826979"/>
+      </p:ext>
+    </p:extLst>
+  </p:cSld>
+  <p:clrMapOvr>
+    <a:masterClrMapping/>
+  </p:clrMapOvr>
+</p:notes>
+</file>
+
+<file path=ppt/notesSlides/notesSlide12.xml><?xml version="1.0" encoding="utf-8"?>
 <p:notes xmlns:a="http://schemas.openxmlformats.org/drawingml/2006/main" xmlns:r="http://schemas.openxmlformats.org/officeDocument/2006/relationships" xmlns:p="http://schemas.openxmlformats.org/presentationml/2006/main" showMasterSp="0" showMasterPhAnim="0">
   <p:cSld>
     <p:spTree>
@@ -1821,7 +1935,7 @@
 </p:notes>
 </file>
 
-<file path=ppt/notesSlides/notesSlide12.xml><?xml version="1.0" encoding="utf-8"?>
+<file path=ppt/notesSlides/notesSlide13.xml><?xml version="1.0" encoding="utf-8"?>
 <p:notes xmlns:a="http://schemas.openxmlformats.org/drawingml/2006/main" xmlns:r="http://schemas.openxmlformats.org/officeDocument/2006/relationships" xmlns:p="http://schemas.openxmlformats.org/presentationml/2006/main" showMasterSp="0" showMasterPhAnim="0">
   <p:cSld>
     <p:spTree>
@@ -1934,7 +2048,7 @@
 </p:notes>
 </file>
 
-<file path=ppt/notesSlides/notesSlide13.xml><?xml version="1.0" encoding="utf-8"?>
+<file path=ppt/notesSlides/notesSlide14.xml><?xml version="1.0" encoding="utf-8"?>
 <p:notes xmlns:a="http://schemas.openxmlformats.org/drawingml/2006/main" xmlns:r="http://schemas.openxmlformats.org/officeDocument/2006/relationships" xmlns:p="http://schemas.openxmlformats.org/presentationml/2006/main" showMasterSp="0" showMasterPhAnim="0">
   <p:cSld>
     <p:spTree>
@@ -2047,7 +2161,7 @@
 </p:notes>
 </file>
 
-<file path=ppt/notesSlides/notesSlide14.xml><?xml version="1.0" encoding="utf-8"?>
+<file path=ppt/notesSlides/notesSlide15.xml><?xml version="1.0" encoding="utf-8"?>
 <p:notes xmlns:a="http://schemas.openxmlformats.org/drawingml/2006/main" xmlns:r="http://schemas.openxmlformats.org/officeDocument/2006/relationships" xmlns:p="http://schemas.openxmlformats.org/presentationml/2006/main" showMasterSp="0" showMasterPhAnim="0">
   <p:cSld>
     <p:spTree>
@@ -2489,6 +2603,119 @@
     </p:spTree>
     <p:extLst>
       <p:ext uri="{BB962C8B-B14F-4D97-AF65-F5344CB8AC3E}">
+        <p14:creationId xmlns:p14="http://schemas.microsoft.com/office/powerpoint/2010/main" val="1360766850"/>
+      </p:ext>
+    </p:extLst>
+  </p:cSld>
+  <p:clrMapOvr>
+    <a:masterClrMapping/>
+  </p:clrMapOvr>
+</p:notes>
+</file>
+
+<file path=ppt/notesSlides/notesSlide5.xml><?xml version="1.0" encoding="utf-8"?>
+<p:notes xmlns:a="http://schemas.openxmlformats.org/drawingml/2006/main" xmlns:r="http://schemas.openxmlformats.org/officeDocument/2006/relationships" xmlns:p="http://schemas.openxmlformats.org/presentationml/2006/main" showMasterSp="0" showMasterPhAnim="0">
+  <p:cSld>
+    <p:spTree>
+      <p:nvGrpSpPr>
+        <p:cNvPr id="1" name="Shape 108"/>
+        <p:cNvGrpSpPr/>
+        <p:nvPr/>
+      </p:nvGrpSpPr>
+      <p:grpSpPr>
+        <a:xfrm>
+          <a:off x="0" y="0"/>
+          <a:ext cx="0" cy="0"/>
+          <a:chOff x="0" y="0"/>
+          <a:chExt cx="0" cy="0"/>
+        </a:xfrm>
+      </p:grpSpPr>
+      <p:sp>
+        <p:nvSpPr>
+          <p:cNvPr id="109" name="Shape 109"/>
+          <p:cNvSpPr txBox="1">
+            <a:spLocks noGrp="1"/>
+          </p:cNvSpPr>
+          <p:nvPr>
+            <p:ph type="body" idx="1"/>
+          </p:nvPr>
+        </p:nvSpPr>
+        <p:spPr>
+          <a:xfrm>
+            <a:off x="685800" y="4400550"/>
+            <a:ext cx="5486400" cy="3600450"/>
+          </a:xfrm>
+          <a:prstGeom prst="rect">
+            <a:avLst/>
+          </a:prstGeom>
+          <a:noFill/>
+          <a:ln>
+            <a:noFill/>
+          </a:ln>
+        </p:spPr>
+        <p:txBody>
+          <a:bodyPr spcFirstLastPara="1" wrap="square" lIns="91425" tIns="91425" rIns="91425" bIns="91425" anchor="ctr" anchorCtr="0">
+            <a:noAutofit/>
+          </a:bodyPr>
+          <a:lstStyle/>
+          <a:p>
+            <a:pPr marL="0" lvl="0" indent="0">
+              <a:spcBef>
+                <a:spcPts val="0"/>
+              </a:spcBef>
+              <a:spcAft>
+                <a:spcPts val="0"/>
+              </a:spcAft>
+              <a:buNone/>
+            </a:pPr>
+            <a:endParaRPr/>
+          </a:p>
+        </p:txBody>
+      </p:sp>
+      <p:sp>
+        <p:nvSpPr>
+          <p:cNvPr id="110" name="Shape 110"/>
+          <p:cNvSpPr>
+            <a:spLocks noGrp="1" noRot="1" noChangeAspect="1"/>
+          </p:cNvSpPr>
+          <p:nvPr>
+            <p:ph type="sldImg" idx="2"/>
+          </p:nvPr>
+        </p:nvSpPr>
+        <p:spPr>
+          <a:xfrm>
+            <a:off x="685800" y="1143000"/>
+            <a:ext cx="5486400" cy="3086100"/>
+          </a:xfrm>
+          <a:custGeom>
+            <a:avLst/>
+            <a:gdLst/>
+            <a:ahLst/>
+            <a:cxnLst/>
+            <a:rect l="0" t="0" r="0" b="0"/>
+            <a:pathLst>
+              <a:path w="120000" h="120000" extrusionOk="0">
+                <a:moveTo>
+                  <a:pt x="0" y="0"/>
+                </a:moveTo>
+                <a:lnTo>
+                  <a:pt x="120000" y="0"/>
+                </a:lnTo>
+                <a:lnTo>
+                  <a:pt x="120000" y="120000"/>
+                </a:lnTo>
+                <a:lnTo>
+                  <a:pt x="0" y="120000"/>
+                </a:lnTo>
+                <a:close/>
+              </a:path>
+            </a:pathLst>
+          </a:custGeom>
+        </p:spPr>
+      </p:sp>
+    </p:spTree>
+    <p:extLst>
+      <p:ext uri="{BB962C8B-B14F-4D97-AF65-F5344CB8AC3E}">
         <p14:creationId xmlns:p14="http://schemas.microsoft.com/office/powerpoint/2010/main" val="535654860"/>
       </p:ext>
     </p:extLst>
@@ -2499,7 +2726,7 @@
 </p:notes>
 </file>
 
-<file path=ppt/notesSlides/notesSlide5.xml><?xml version="1.0" encoding="utf-8"?>
+<file path=ppt/notesSlides/notesSlide6.xml><?xml version="1.0" encoding="utf-8"?>
 <p:notes xmlns:a="http://schemas.openxmlformats.org/drawingml/2006/main" xmlns:r="http://schemas.openxmlformats.org/officeDocument/2006/relationships" xmlns:p="http://schemas.openxmlformats.org/presentationml/2006/main" showMasterSp="0" showMasterPhAnim="0">
   <p:cSld>
     <p:spTree>
@@ -2612,7 +2839,7 @@
 </p:notes>
 </file>
 
-<file path=ppt/notesSlides/notesSlide6.xml><?xml version="1.0" encoding="utf-8"?>
+<file path=ppt/notesSlides/notesSlide7.xml><?xml version="1.0" encoding="utf-8"?>
 <p:notes xmlns:a="http://schemas.openxmlformats.org/drawingml/2006/main" xmlns:r="http://schemas.openxmlformats.org/officeDocument/2006/relationships" xmlns:p="http://schemas.openxmlformats.org/presentationml/2006/main" showMasterSp="0" showMasterPhAnim="0">
   <p:cSld>
     <p:spTree>
@@ -2725,7 +2952,7 @@
 </p:notes>
 </file>
 
-<file path=ppt/notesSlides/notesSlide7.xml><?xml version="1.0" encoding="utf-8"?>
+<file path=ppt/notesSlides/notesSlide8.xml><?xml version="1.0" encoding="utf-8"?>
 <p:notes xmlns:a="http://schemas.openxmlformats.org/drawingml/2006/main" xmlns:r="http://schemas.openxmlformats.org/officeDocument/2006/relationships" xmlns:p="http://schemas.openxmlformats.org/presentationml/2006/main" showMasterSp="0" showMasterPhAnim="0">
   <p:cSld>
     <p:spTree>
@@ -2838,7 +3065,7 @@
 </p:notes>
 </file>
 
-<file path=ppt/notesSlides/notesSlide8.xml><?xml version="1.0" encoding="utf-8"?>
+<file path=ppt/notesSlides/notesSlide9.xml><?xml version="1.0" encoding="utf-8"?>
 <p:notes xmlns:a="http://schemas.openxmlformats.org/drawingml/2006/main" xmlns:r="http://schemas.openxmlformats.org/officeDocument/2006/relationships" xmlns:p="http://schemas.openxmlformats.org/presentationml/2006/main" showMasterSp="0" showMasterPhAnim="0">
   <p:cSld>
     <p:spTree>
@@ -2942,119 +3169,6 @@
     <p:extLst>
       <p:ext uri="{BB962C8B-B14F-4D97-AF65-F5344CB8AC3E}">
         <p14:creationId xmlns:p14="http://schemas.microsoft.com/office/powerpoint/2010/main" val="3083195908"/>
-      </p:ext>
-    </p:extLst>
-  </p:cSld>
-  <p:clrMapOvr>
-    <a:masterClrMapping/>
-  </p:clrMapOvr>
-</p:notes>
-</file>
-
-<file path=ppt/notesSlides/notesSlide9.xml><?xml version="1.0" encoding="utf-8"?>
-<p:notes xmlns:a="http://schemas.openxmlformats.org/drawingml/2006/main" xmlns:r="http://schemas.openxmlformats.org/officeDocument/2006/relationships" xmlns:p="http://schemas.openxmlformats.org/presentationml/2006/main" showMasterSp="0" showMasterPhAnim="0">
-  <p:cSld>
-    <p:spTree>
-      <p:nvGrpSpPr>
-        <p:cNvPr id="1" name="Shape 108"/>
-        <p:cNvGrpSpPr/>
-        <p:nvPr/>
-      </p:nvGrpSpPr>
-      <p:grpSpPr>
-        <a:xfrm>
-          <a:off x="0" y="0"/>
-          <a:ext cx="0" cy="0"/>
-          <a:chOff x="0" y="0"/>
-          <a:chExt cx="0" cy="0"/>
-        </a:xfrm>
-      </p:grpSpPr>
-      <p:sp>
-        <p:nvSpPr>
-          <p:cNvPr id="109" name="Shape 109"/>
-          <p:cNvSpPr txBox="1">
-            <a:spLocks noGrp="1"/>
-          </p:cNvSpPr>
-          <p:nvPr>
-            <p:ph type="body" idx="1"/>
-          </p:nvPr>
-        </p:nvSpPr>
-        <p:spPr>
-          <a:xfrm>
-            <a:off x="685800" y="4400550"/>
-            <a:ext cx="5486400" cy="3600450"/>
-          </a:xfrm>
-          <a:prstGeom prst="rect">
-            <a:avLst/>
-          </a:prstGeom>
-          <a:noFill/>
-          <a:ln>
-            <a:noFill/>
-          </a:ln>
-        </p:spPr>
-        <p:txBody>
-          <a:bodyPr spcFirstLastPara="1" wrap="square" lIns="91425" tIns="91425" rIns="91425" bIns="91425" anchor="ctr" anchorCtr="0">
-            <a:noAutofit/>
-          </a:bodyPr>
-          <a:lstStyle/>
-          <a:p>
-            <a:pPr marL="0" lvl="0" indent="0">
-              <a:spcBef>
-                <a:spcPts val="0"/>
-              </a:spcBef>
-              <a:spcAft>
-                <a:spcPts val="0"/>
-              </a:spcAft>
-              <a:buNone/>
-            </a:pPr>
-            <a:endParaRPr/>
-          </a:p>
-        </p:txBody>
-      </p:sp>
-      <p:sp>
-        <p:nvSpPr>
-          <p:cNvPr id="110" name="Shape 110"/>
-          <p:cNvSpPr>
-            <a:spLocks noGrp="1" noRot="1" noChangeAspect="1"/>
-          </p:cNvSpPr>
-          <p:nvPr>
-            <p:ph type="sldImg" idx="2"/>
-          </p:nvPr>
-        </p:nvSpPr>
-        <p:spPr>
-          <a:xfrm>
-            <a:off x="685800" y="1143000"/>
-            <a:ext cx="5486400" cy="3086100"/>
-          </a:xfrm>
-          <a:custGeom>
-            <a:avLst/>
-            <a:gdLst/>
-            <a:ahLst/>
-            <a:cxnLst/>
-            <a:rect l="0" t="0" r="0" b="0"/>
-            <a:pathLst>
-              <a:path w="120000" h="120000" extrusionOk="0">
-                <a:moveTo>
-                  <a:pt x="0" y="0"/>
-                </a:moveTo>
-                <a:lnTo>
-                  <a:pt x="120000" y="0"/>
-                </a:lnTo>
-                <a:lnTo>
-                  <a:pt x="120000" y="120000"/>
-                </a:lnTo>
-                <a:lnTo>
-                  <a:pt x="0" y="120000"/>
-                </a:lnTo>
-                <a:close/>
-              </a:path>
-            </a:pathLst>
-          </a:custGeom>
-        </p:spPr>
-      </p:sp>
-    </p:spTree>
-    <p:extLst>
-      <p:ext uri="{BB962C8B-B14F-4D97-AF65-F5344CB8AC3E}">
-        <p14:creationId xmlns:p14="http://schemas.microsoft.com/office/powerpoint/2010/main" val="259770977"/>
       </p:ext>
     </p:extLst>
   </p:cSld>
@@ -17063,7 +17177,7 @@
         </p:nvSpPr>
         <p:spPr>
           <a:xfrm>
-            <a:off x="7331318" y="5185248"/>
+            <a:off x="2523930" y="5207253"/>
             <a:ext cx="2008890" cy="779647"/>
           </a:xfrm>
           <a:prstGeom prst="rect">
@@ -17099,7 +17213,7 @@
                 <a:cs typeface="Montserrat"/>
                 <a:sym typeface="Montserrat"/>
               </a:rPr>
-              <a:t>Absolvent</a:t>
+              <a:t>Autor</a:t>
             </a:r>
             <a:r>
               <a:rPr lang="en-PH" sz="1800" dirty="0" smtClean="0">
@@ -17257,7 +17371,7 @@
         </p:nvSpPr>
         <p:spPr>
           <a:xfrm>
-            <a:off x="2317404" y="5194628"/>
+            <a:off x="5649080" y="5207253"/>
             <a:ext cx="4189539" cy="797426"/>
           </a:xfrm>
           <a:prstGeom prst="rect">
@@ -17401,27 +17515,7 @@
                 <a:latin typeface="Montserrat"/>
                 <a:sym typeface="Montserrat"/>
               </a:rPr>
-              <a:t>Alexandru </a:t>
-            </a:r>
-            <a:r>
-              <a:rPr lang="ro-RO" sz="2800" dirty="0" smtClean="0">
-                <a:solidFill>
-                  <a:schemeClr val="dk1"/>
-                </a:solidFill>
-                <a:latin typeface="Montserrat"/>
-                <a:sym typeface="Montserrat"/>
-              </a:rPr>
-              <a:t>Ioan </a:t>
-            </a:r>
-            <a:r>
-              <a:rPr lang="ro-RO" sz="2800" dirty="0" smtClean="0">
-                <a:solidFill>
-                  <a:schemeClr val="dk1"/>
-                </a:solidFill>
-                <a:latin typeface="Montserrat"/>
-                <a:sym typeface="Montserrat"/>
-              </a:rPr>
-              <a:t>Cuza</a:t>
+              <a:t>Alexandru Ioan Cuza</a:t>
             </a:r>
             <a:r>
               <a:rPr lang="en-US" sz="2800" dirty="0" smtClean="0">
@@ -17441,17 +17535,7 @@
                 <a:latin typeface="Montserrat"/>
                 <a:sym typeface="Montserrat"/>
               </a:rPr>
-              <a:t> </a:t>
-            </a:r>
-            <a:r>
-              <a:rPr lang="ro-RO" sz="2800" dirty="0" smtClean="0">
-                <a:solidFill>
-                  <a:schemeClr val="dk1"/>
-                </a:solidFill>
-                <a:latin typeface="Montserrat"/>
-                <a:sym typeface="Montserrat"/>
-              </a:rPr>
-              <a:t>Iași</a:t>
+              <a:t> Iași</a:t>
             </a:r>
           </a:p>
           <a:p>
@@ -17500,7 +17584,7 @@
         </p:blipFill>
         <p:spPr>
           <a:xfrm>
-            <a:off x="5233072" y="3090927"/>
+            <a:off x="5133484" y="3118086"/>
             <a:ext cx="1928220" cy="1891139"/>
           </a:xfrm>
           <a:prstGeom prst="rect">
@@ -17531,17 +17615,9 @@
 <file path=ppt/slides/slide10.xml><?xml version="1.0" encoding="utf-8"?>
 <p:sld xmlns:a="http://schemas.openxmlformats.org/drawingml/2006/main" xmlns:r="http://schemas.openxmlformats.org/officeDocument/2006/relationships" xmlns:p="http://schemas.openxmlformats.org/presentationml/2006/main">
   <p:cSld>
-    <p:bg>
-      <p:bgPr>
-        <a:solidFill>
-          <a:srgbClr val="AAE4D5"/>
-        </a:solidFill>
-        <a:effectLst/>
-      </p:bgPr>
-    </p:bg>
     <p:spTree>
       <p:nvGrpSpPr>
-        <p:cNvPr id="1" name="Shape 102"/>
+        <p:cNvPr id="1" name="Shape 111"/>
         <p:cNvGrpSpPr/>
         <p:nvPr/>
       </p:nvGrpSpPr>
@@ -17553,16 +17629,45 @@
           <a:chExt cx="0" cy="0"/>
         </a:xfrm>
       </p:grpSpPr>
+      <p:pic>
+        <p:nvPicPr>
+          <p:cNvPr id="2" name="Picture 1"/>
+          <p:cNvPicPr>
+            <a:picLocks noChangeAspect="1"/>
+          </p:cNvPicPr>
+          <p:nvPr/>
+        </p:nvPicPr>
+        <p:blipFill rotWithShape="1">
+          <a:blip r:embed="rId3" cstate="print">
+            <a:extLst>
+              <a:ext uri="{28A0092B-C50C-407E-A947-70E740481C1C}">
+                <a14:useLocalDpi xmlns:a14="http://schemas.microsoft.com/office/drawing/2010/main"/>
+              </a:ext>
+            </a:extLst>
+          </a:blip>
+          <a:srcRect l="5094" t="19083" r="5241" b="11087"/>
+          <a:stretch/>
+        </p:blipFill>
+        <p:spPr>
+          <a:xfrm>
+            <a:off x="2181842" y="1436508"/>
+            <a:ext cx="3897764" cy="2088088"/>
+          </a:xfrm>
+          <a:prstGeom prst="rect">
+            <a:avLst/>
+          </a:prstGeom>
+        </p:spPr>
+      </p:pic>
       <p:sp>
         <p:nvSpPr>
-          <p:cNvPr id="107" name="Shape 107"/>
+          <p:cNvPr id="112" name="Shape 112"/>
           <p:cNvSpPr txBox="1"/>
           <p:nvPr/>
         </p:nvSpPr>
         <p:spPr>
           <a:xfrm>
-            <a:off x="0" y="2837154"/>
-            <a:ext cx="12191999" cy="1364759"/>
+            <a:off x="774194" y="222898"/>
+            <a:ext cx="8958280" cy="830997"/>
           </a:xfrm>
           <a:prstGeom prst="rect">
             <a:avLst/>
@@ -17578,43 +17683,51 @@
           </a:bodyPr>
           <a:lstStyle/>
           <a:p>
-            <a:pPr marL="0" marR="0" lvl="0" indent="0" algn="ctr" rtl="0">
-              <a:spcBef>
-                <a:spcPts val="0"/>
-              </a:spcBef>
-              <a:spcAft>
-                <a:spcPts val="0"/>
-              </a:spcAft>
-              <a:buNone/>
-            </a:pPr>
+            <a:pPr lvl="0"/>
             <a:r>
-              <a:rPr lang="ro-RO" sz="7200" dirty="0" smtClean="0">
-                <a:solidFill>
-                  <a:schemeClr val="tx1"/>
+              <a:rPr lang="en-US" sz="4800" dirty="0" err="1" smtClean="0">
+                <a:solidFill>
+                  <a:schemeClr val="dk1"/>
                 </a:solidFill>
                 <a:latin typeface="Montserrat"/>
                 <a:sym typeface="Montserrat"/>
               </a:rPr>
-              <a:t>Demo</a:t>
+              <a:t>Dispozitive</a:t>
             </a:r>
-            <a:endParaRPr sz="2400" dirty="0">
-              <a:solidFill>
-                <a:schemeClr val="tx1"/>
-              </a:solidFill>
-            </a:endParaRPr>
+            <a:r>
+              <a:rPr lang="en-US" sz="4800" dirty="0" smtClean="0">
+                <a:solidFill>
+                  <a:schemeClr val="dk1"/>
+                </a:solidFill>
+                <a:latin typeface="Montserrat"/>
+                <a:sym typeface="Montserrat"/>
+              </a:rPr>
+              <a:t> </a:t>
+            </a:r>
+            <a:r>
+              <a:rPr lang="ro-RO" sz="4800" dirty="0">
+                <a:solidFill>
+                  <a:schemeClr val="dk1"/>
+                </a:solidFill>
+                <a:latin typeface="Montserrat"/>
+                <a:sym typeface="Montserrat"/>
+              </a:rPr>
+              <a:t>utilizate</a:t>
+            </a:r>
+            <a:endParaRPr dirty="0"/>
           </a:p>
         </p:txBody>
       </p:sp>
       <p:pic>
         <p:nvPicPr>
-          <p:cNvPr id="8" name="Picture 7" descr="C:\Users\dlargu\Desktop\FiiLogo.png"/>
+          <p:cNvPr id="9" name="Picture 8" descr="C:\Users\dlargu\Desktop\FiiLogo.png"/>
           <p:cNvPicPr>
             <a:picLocks noChangeAspect="1" noChangeArrowheads="1"/>
           </p:cNvPicPr>
           <p:nvPr/>
         </p:nvPicPr>
         <p:blipFill>
-          <a:blip r:embed="rId3">
+          <a:blip r:embed="rId4">
             <a:extLst>
               <a:ext uri="{28A0092B-C50C-407E-A947-70E740481C1C}">
                 <a14:useLocalDpi xmlns:a14="http://schemas.microsoft.com/office/drawing/2010/main"/>
@@ -17648,14 +17761,14 @@
       </p:pic>
       <p:pic>
         <p:nvPicPr>
-          <p:cNvPr id="9" name="Picture 8"/>
+          <p:cNvPr id="10" name="Picture 9"/>
           <p:cNvPicPr>
             <a:picLocks noChangeAspect="1"/>
           </p:cNvPicPr>
           <p:nvPr/>
         </p:nvPicPr>
         <p:blipFill>
-          <a:blip r:embed="rId4" cstate="print">
+          <a:blip r:embed="rId5" cstate="print">
             <a:extLst>
               <a:ext uri="{28A0092B-C50C-407E-A947-70E740481C1C}">
                 <a14:useLocalDpi xmlns:a14="http://schemas.microsoft.com/office/drawing/2010/main"/>
@@ -17676,10 +17789,844 @@
           </a:prstGeom>
         </p:spPr>
       </p:pic>
+      <p:sp>
+        <p:nvSpPr>
+          <p:cNvPr id="11" name="Shape 143"/>
+          <p:cNvSpPr/>
+          <p:nvPr/>
+        </p:nvSpPr>
+        <p:spPr>
+          <a:xfrm>
+            <a:off x="3132464" y="3619190"/>
+            <a:ext cx="2046081" cy="471022"/>
+          </a:xfrm>
+          <a:prstGeom prst="rect">
+            <a:avLst/>
+          </a:prstGeom>
+          <a:noFill/>
+          <a:ln w="19050" cap="flat" cmpd="sng">
+            <a:solidFill>
+              <a:srgbClr val="00B050"/>
+            </a:solidFill>
+            <a:prstDash val="solid"/>
+            <a:miter lim="800000"/>
+            <a:headEnd type="none" w="sm" len="sm"/>
+            <a:tailEnd type="none" w="sm" len="sm"/>
+          </a:ln>
+        </p:spPr>
+        <p:txBody>
+          <a:bodyPr spcFirstLastPara="1" wrap="square" lIns="91425" tIns="45700" rIns="91425" bIns="45700" anchor="ctr" anchorCtr="0">
+            <a:noAutofit/>
+          </a:bodyPr>
+          <a:lstStyle/>
+          <a:p>
+            <a:pPr marL="0" marR="0" lvl="0" indent="0" algn="ctr" rtl="0">
+              <a:spcBef>
+                <a:spcPts val="0"/>
+              </a:spcBef>
+              <a:spcAft>
+                <a:spcPts val="0"/>
+              </a:spcAft>
+              <a:buNone/>
+            </a:pPr>
+            <a:endParaRPr sz="1800">
+              <a:solidFill>
+                <a:schemeClr val="lt1"/>
+              </a:solidFill>
+              <a:latin typeface="Playfair Display"/>
+              <a:ea typeface="Playfair Display"/>
+              <a:cs typeface="Playfair Display"/>
+              <a:sym typeface="Playfair Display"/>
+            </a:endParaRPr>
+          </a:p>
+        </p:txBody>
+      </p:sp>
+      <p:sp>
+        <p:nvSpPr>
+          <p:cNvPr id="14" name="Shape 152"/>
+          <p:cNvSpPr txBox="1"/>
+          <p:nvPr/>
+        </p:nvSpPr>
+        <p:spPr>
+          <a:xfrm>
+            <a:off x="3193140" y="3668137"/>
+            <a:ext cx="1985405" cy="399774"/>
+          </a:xfrm>
+          <a:prstGeom prst="rect">
+            <a:avLst/>
+          </a:prstGeom>
+          <a:noFill/>
+          <a:ln>
+            <a:noFill/>
+          </a:ln>
+        </p:spPr>
+        <p:txBody>
+          <a:bodyPr spcFirstLastPara="1" wrap="square" lIns="91425" tIns="45700" rIns="91425" bIns="45700" anchor="t" anchorCtr="0">
+            <a:noAutofit/>
+          </a:bodyPr>
+          <a:lstStyle/>
+          <a:p>
+            <a:pPr marL="0" marR="0" lvl="0" indent="0" algn="ctr" rtl="0">
+              <a:spcBef>
+                <a:spcPts val="0"/>
+              </a:spcBef>
+              <a:spcAft>
+                <a:spcPts val="0"/>
+              </a:spcAft>
+              <a:buNone/>
+            </a:pPr>
+            <a:r>
+              <a:rPr lang="ro-RO" sz="1800" dirty="0" smtClean="0">
+                <a:solidFill>
+                  <a:schemeClr val="dk1"/>
+                </a:solidFill>
+                <a:latin typeface="Lato Light"/>
+                <a:ea typeface="Lato Light"/>
+                <a:cs typeface="Lato Light"/>
+                <a:sym typeface="Lato Light"/>
+              </a:rPr>
+              <a:t>Încuietoarea  ușii</a:t>
+            </a:r>
+            <a:endParaRPr sz="1800" i="1" dirty="0">
+              <a:solidFill>
+                <a:schemeClr val="dk1"/>
+              </a:solidFill>
+              <a:latin typeface="Lato Light"/>
+              <a:ea typeface="Lato Light"/>
+              <a:cs typeface="Lato Light"/>
+              <a:sym typeface="Lato Light"/>
+            </a:endParaRPr>
+          </a:p>
+        </p:txBody>
+      </p:sp>
+      <p:pic>
+        <p:nvPicPr>
+          <p:cNvPr id="15" name="Picture 14"/>
+          <p:cNvPicPr>
+            <a:picLocks noChangeAspect="1"/>
+          </p:cNvPicPr>
+          <p:nvPr/>
+        </p:nvPicPr>
+        <p:blipFill rotWithShape="1">
+          <a:blip r:embed="rId6" cstate="print">
+            <a:extLst>
+              <a:ext uri="{28A0092B-C50C-407E-A947-70E740481C1C}">
+                <a14:useLocalDpi xmlns:a14="http://schemas.microsoft.com/office/drawing/2010/main"/>
+              </a:ext>
+            </a:extLst>
+          </a:blip>
+          <a:srcRect l="12430" t="20441" r="11502" b="7521"/>
+          <a:stretch/>
+        </p:blipFill>
+        <p:spPr>
+          <a:xfrm>
+            <a:off x="6916823" y="1435688"/>
+            <a:ext cx="4058449" cy="2088908"/>
+          </a:xfrm>
+          <a:prstGeom prst="rect">
+            <a:avLst/>
+          </a:prstGeom>
+        </p:spPr>
+      </p:pic>
+      <p:sp>
+        <p:nvSpPr>
+          <p:cNvPr id="16" name="Shape 143"/>
+          <p:cNvSpPr/>
+          <p:nvPr/>
+        </p:nvSpPr>
+        <p:spPr>
+          <a:xfrm>
+            <a:off x="7541980" y="3644002"/>
+            <a:ext cx="2808134" cy="457339"/>
+          </a:xfrm>
+          <a:prstGeom prst="rect">
+            <a:avLst/>
+          </a:prstGeom>
+          <a:noFill/>
+          <a:ln w="19050" cap="flat" cmpd="sng">
+            <a:solidFill>
+              <a:srgbClr val="00B050"/>
+            </a:solidFill>
+            <a:prstDash val="solid"/>
+            <a:miter lim="800000"/>
+            <a:headEnd type="none" w="sm" len="sm"/>
+            <a:tailEnd type="none" w="sm" len="sm"/>
+          </a:ln>
+        </p:spPr>
+        <p:txBody>
+          <a:bodyPr spcFirstLastPara="1" wrap="square" lIns="91425" tIns="45700" rIns="91425" bIns="45700" anchor="ctr" anchorCtr="0">
+            <a:noAutofit/>
+          </a:bodyPr>
+          <a:lstStyle/>
+          <a:p>
+            <a:pPr marL="0" marR="0" lvl="0" indent="0" algn="ctr" rtl="0">
+              <a:spcBef>
+                <a:spcPts val="0"/>
+              </a:spcBef>
+              <a:spcAft>
+                <a:spcPts val="0"/>
+              </a:spcAft>
+              <a:buNone/>
+            </a:pPr>
+            <a:endParaRPr sz="1800">
+              <a:solidFill>
+                <a:schemeClr val="lt1"/>
+              </a:solidFill>
+              <a:latin typeface="Playfair Display"/>
+              <a:ea typeface="Playfair Display"/>
+              <a:cs typeface="Playfair Display"/>
+              <a:sym typeface="Playfair Display"/>
+            </a:endParaRPr>
+          </a:p>
+        </p:txBody>
+      </p:sp>
+      <p:sp>
+        <p:nvSpPr>
+          <p:cNvPr id="18" name="Shape 152"/>
+          <p:cNvSpPr txBox="1"/>
+          <p:nvPr/>
+        </p:nvSpPr>
+        <p:spPr>
+          <a:xfrm>
+            <a:off x="7541980" y="3659844"/>
+            <a:ext cx="2808134" cy="338554"/>
+          </a:xfrm>
+          <a:prstGeom prst="rect">
+            <a:avLst/>
+          </a:prstGeom>
+          <a:noFill/>
+          <a:ln>
+            <a:noFill/>
+          </a:ln>
+        </p:spPr>
+        <p:txBody>
+          <a:bodyPr spcFirstLastPara="1" wrap="square" lIns="91425" tIns="45700" rIns="91425" bIns="45700" anchor="t" anchorCtr="0">
+            <a:noAutofit/>
+          </a:bodyPr>
+          <a:lstStyle/>
+          <a:p>
+            <a:pPr marL="0" marR="0" lvl="0" indent="0" algn="ctr" rtl="0">
+              <a:spcBef>
+                <a:spcPts val="0"/>
+              </a:spcBef>
+              <a:spcAft>
+                <a:spcPts val="0"/>
+              </a:spcAft>
+              <a:buNone/>
+            </a:pPr>
+            <a:r>
+              <a:rPr lang="en-US" sz="1800" dirty="0" smtClean="0">
+                <a:solidFill>
+                  <a:schemeClr val="dk1"/>
+                </a:solidFill>
+                <a:latin typeface="Lato Light"/>
+                <a:ea typeface="Lato Light"/>
+                <a:cs typeface="Lato Light"/>
+                <a:sym typeface="Lato Light"/>
+              </a:rPr>
+              <a:t>Monitor </a:t>
+            </a:r>
+            <a:r>
+              <a:rPr lang="en-US" sz="1800" dirty="0" err="1" smtClean="0">
+                <a:solidFill>
+                  <a:schemeClr val="dk1"/>
+                </a:solidFill>
+                <a:latin typeface="Lato Light"/>
+                <a:ea typeface="Lato Light"/>
+                <a:cs typeface="Lato Light"/>
+                <a:sym typeface="Lato Light"/>
+              </a:rPr>
+              <a:t>ambian</a:t>
+            </a:r>
+            <a:r>
+              <a:rPr lang="ro-RO" sz="1800" dirty="0" smtClean="0">
+                <a:solidFill>
+                  <a:schemeClr val="dk1"/>
+                </a:solidFill>
+                <a:latin typeface="Lato Light"/>
+                <a:ea typeface="Lato Light"/>
+                <a:cs typeface="Lato Light"/>
+                <a:sym typeface="Lato Light"/>
+              </a:rPr>
+              <a:t>ță locuință</a:t>
+            </a:r>
+            <a:endParaRPr sz="1800" i="1" dirty="0">
+              <a:solidFill>
+                <a:schemeClr val="dk1"/>
+              </a:solidFill>
+              <a:latin typeface="Lato Light"/>
+              <a:ea typeface="Lato Light"/>
+              <a:cs typeface="Lato Light"/>
+              <a:sym typeface="Lato Light"/>
+            </a:endParaRPr>
+          </a:p>
+        </p:txBody>
+      </p:sp>
+      <p:sp>
+        <p:nvSpPr>
+          <p:cNvPr id="3" name="Slide Number Placeholder 2"/>
+          <p:cNvSpPr>
+            <a:spLocks noGrp="1"/>
+          </p:cNvSpPr>
+          <p:nvPr>
+            <p:ph type="sldNum" idx="12"/>
+          </p:nvPr>
+        </p:nvSpPr>
+        <p:spPr/>
+        <p:txBody>
+          <a:bodyPr/>
+          <a:lstStyle/>
+          <a:p>
+            <a:fld id="{00000000-1234-1234-1234-123412341234}" type="slidenum">
+              <a:rPr lang="en-PH" smtClean="0"/>
+              <a:pPr/>
+              <a:t>10</a:t>
+            </a:fld>
+            <a:endParaRPr lang="en-PH" dirty="0"/>
+          </a:p>
+        </p:txBody>
+      </p:sp>
+      <p:sp>
+        <p:nvSpPr>
+          <p:cNvPr id="23" name="Shape 114"/>
+          <p:cNvSpPr/>
+          <p:nvPr/>
+        </p:nvSpPr>
+        <p:spPr>
+          <a:xfrm>
+            <a:off x="878557" y="1053895"/>
+            <a:ext cx="8853917" cy="51759"/>
+          </a:xfrm>
+          <a:prstGeom prst="rect">
+            <a:avLst/>
+          </a:prstGeom>
+          <a:solidFill>
+            <a:srgbClr val="AAE4D5"/>
+          </a:solidFill>
+          <a:ln>
+            <a:noFill/>
+          </a:ln>
+        </p:spPr>
+        <p:txBody>
+          <a:bodyPr spcFirstLastPara="1" wrap="square" lIns="91425" tIns="45700" rIns="91425" bIns="45700" anchor="ctr" anchorCtr="0">
+            <a:noAutofit/>
+          </a:bodyPr>
+          <a:lstStyle/>
+          <a:p>
+            <a:pPr marL="0" marR="0" lvl="0" indent="0" algn="ctr" rtl="0">
+              <a:spcBef>
+                <a:spcPts val="0"/>
+              </a:spcBef>
+              <a:spcAft>
+                <a:spcPts val="0"/>
+              </a:spcAft>
+              <a:buNone/>
+            </a:pPr>
+            <a:endParaRPr sz="1800">
+              <a:solidFill>
+                <a:schemeClr val="lt1"/>
+              </a:solidFill>
+              <a:latin typeface="Playfair Display"/>
+              <a:ea typeface="Playfair Display"/>
+              <a:cs typeface="Playfair Display"/>
+              <a:sym typeface="Playfair Display"/>
+            </a:endParaRPr>
+          </a:p>
+        </p:txBody>
+      </p:sp>
+      <p:pic>
+        <p:nvPicPr>
+          <p:cNvPr id="5" name="Picture 4"/>
+          <p:cNvPicPr>
+            <a:picLocks noChangeAspect="1"/>
+          </p:cNvPicPr>
+          <p:nvPr/>
+        </p:nvPicPr>
+        <p:blipFill rotWithShape="1">
+          <a:blip r:embed="rId7" cstate="print">
+            <a:extLst>
+              <a:ext uri="{28A0092B-C50C-407E-A947-70E740481C1C}">
+                <a14:useLocalDpi xmlns:a14="http://schemas.microsoft.com/office/drawing/2010/main"/>
+              </a:ext>
+            </a:extLst>
+          </a:blip>
+          <a:srcRect/>
+          <a:stretch/>
+        </p:blipFill>
+        <p:spPr>
+          <a:xfrm>
+            <a:off x="3193140" y="4398390"/>
+            <a:ext cx="1926888" cy="1602464"/>
+          </a:xfrm>
+          <a:prstGeom prst="rect">
+            <a:avLst/>
+          </a:prstGeom>
+        </p:spPr>
+      </p:pic>
+      <p:pic>
+        <p:nvPicPr>
+          <p:cNvPr id="6" name="Picture 5"/>
+          <p:cNvPicPr>
+            <a:picLocks noChangeAspect="1"/>
+          </p:cNvPicPr>
+          <p:nvPr/>
+        </p:nvPicPr>
+        <p:blipFill rotWithShape="1">
+          <a:blip r:embed="rId8" cstate="print">
+            <a:extLst>
+              <a:ext uri="{28A0092B-C50C-407E-A947-70E740481C1C}">
+                <a14:useLocalDpi xmlns:a14="http://schemas.microsoft.com/office/drawing/2010/main"/>
+              </a:ext>
+            </a:extLst>
+          </a:blip>
+          <a:srcRect/>
+          <a:stretch/>
+        </p:blipFill>
+        <p:spPr>
+          <a:xfrm>
+            <a:off x="8175276" y="4361515"/>
+            <a:ext cx="1530037" cy="1648201"/>
+          </a:xfrm>
+          <a:prstGeom prst="rect">
+            <a:avLst/>
+          </a:prstGeom>
+        </p:spPr>
+      </p:pic>
+      <p:sp>
+        <p:nvSpPr>
+          <p:cNvPr id="25" name="Shape 114"/>
+          <p:cNvSpPr/>
+          <p:nvPr/>
+        </p:nvSpPr>
+        <p:spPr>
+          <a:xfrm>
+            <a:off x="605444" y="4257450"/>
+            <a:ext cx="11451087" cy="54864"/>
+          </a:xfrm>
+          <a:prstGeom prst="rect">
+            <a:avLst/>
+          </a:prstGeom>
+          <a:solidFill>
+            <a:schemeClr val="accent1">
+              <a:lumMod val="60000"/>
+              <a:lumOff val="40000"/>
+            </a:schemeClr>
+          </a:solidFill>
+          <a:ln>
+            <a:noFill/>
+          </a:ln>
+        </p:spPr>
+        <p:txBody>
+          <a:bodyPr spcFirstLastPara="1" wrap="square" lIns="91425" tIns="45700" rIns="91425" bIns="45700" anchor="ctr" anchorCtr="0">
+            <a:noAutofit/>
+          </a:bodyPr>
+          <a:lstStyle/>
+          <a:p>
+            <a:pPr marL="0" marR="0" lvl="0" indent="0" algn="ctr" rtl="0">
+              <a:spcBef>
+                <a:spcPts val="0"/>
+              </a:spcBef>
+              <a:spcAft>
+                <a:spcPts val="0"/>
+              </a:spcAft>
+              <a:buNone/>
+            </a:pPr>
+            <a:endParaRPr sz="1800">
+              <a:solidFill>
+                <a:schemeClr val="lt1"/>
+              </a:solidFill>
+              <a:latin typeface="Playfair Display"/>
+              <a:ea typeface="Playfair Display"/>
+              <a:cs typeface="Playfair Display"/>
+              <a:sym typeface="Playfair Display"/>
+            </a:endParaRPr>
+          </a:p>
+        </p:txBody>
+      </p:sp>
+      <p:sp>
+        <p:nvSpPr>
+          <p:cNvPr id="26" name="Shape 146"/>
+          <p:cNvSpPr txBox="1"/>
+          <p:nvPr/>
+        </p:nvSpPr>
+        <p:spPr>
+          <a:xfrm>
+            <a:off x="496807" y="3771147"/>
+            <a:ext cx="1711118" cy="369332"/>
+          </a:xfrm>
+          <a:prstGeom prst="rect">
+            <a:avLst/>
+          </a:prstGeom>
+          <a:noFill/>
+          <a:ln>
+            <a:noFill/>
+          </a:ln>
+        </p:spPr>
+        <p:txBody>
+          <a:bodyPr spcFirstLastPara="1" wrap="square" lIns="91425" tIns="45700" rIns="91425" bIns="45700" anchor="t" anchorCtr="0">
+            <a:noAutofit/>
+          </a:bodyPr>
+          <a:lstStyle/>
+          <a:p>
+            <a:pPr marL="0" marR="0" lvl="0" indent="0" algn="ctr" rtl="0">
+              <a:spcBef>
+                <a:spcPts val="0"/>
+              </a:spcBef>
+              <a:spcAft>
+                <a:spcPts val="0"/>
+              </a:spcAft>
+              <a:buNone/>
+            </a:pPr>
+            <a:r>
+              <a:rPr lang="en-US" sz="2400" b="1" dirty="0" err="1" smtClean="0">
+                <a:solidFill>
+                  <a:srgbClr val="00B050"/>
+                </a:solidFill>
+                <a:latin typeface="Montserrat"/>
+                <a:ea typeface="Montserrat"/>
+                <a:cs typeface="Montserrat"/>
+                <a:sym typeface="Montserrat"/>
+              </a:rPr>
+              <a:t>Dispozitiv</a:t>
+            </a:r>
+            <a:endParaRPr sz="2400" b="1" i="1" dirty="0">
+              <a:solidFill>
+                <a:srgbClr val="00B050"/>
+              </a:solidFill>
+              <a:latin typeface="Montserrat"/>
+              <a:ea typeface="Montserrat"/>
+              <a:cs typeface="Montserrat"/>
+              <a:sym typeface="Montserrat"/>
+            </a:endParaRPr>
+          </a:p>
+        </p:txBody>
+      </p:sp>
+      <p:sp>
+        <p:nvSpPr>
+          <p:cNvPr id="27" name="Shape 146"/>
+          <p:cNvSpPr txBox="1"/>
+          <p:nvPr/>
+        </p:nvSpPr>
+        <p:spPr>
+          <a:xfrm>
+            <a:off x="505860" y="4330420"/>
+            <a:ext cx="1702065" cy="369332"/>
+          </a:xfrm>
+          <a:prstGeom prst="rect">
+            <a:avLst/>
+          </a:prstGeom>
+          <a:noFill/>
+          <a:ln>
+            <a:noFill/>
+          </a:ln>
+        </p:spPr>
+        <p:txBody>
+          <a:bodyPr spcFirstLastPara="1" wrap="square" lIns="91425" tIns="45700" rIns="91425" bIns="45700" anchor="t" anchorCtr="0">
+            <a:noAutofit/>
+          </a:bodyPr>
+          <a:lstStyle/>
+          <a:p>
+            <a:pPr marL="0" marR="0" lvl="0" indent="0" algn="ctr" rtl="0">
+              <a:spcBef>
+                <a:spcPts val="0"/>
+              </a:spcBef>
+              <a:spcAft>
+                <a:spcPts val="0"/>
+              </a:spcAft>
+              <a:buNone/>
+            </a:pPr>
+            <a:r>
+              <a:rPr lang="ro-RO" sz="2400" b="1" dirty="0">
+                <a:solidFill>
+                  <a:srgbClr val="002060"/>
+                </a:solidFill>
+                <a:latin typeface="Montserrat"/>
+                <a:ea typeface="Montserrat"/>
+                <a:cs typeface="Montserrat"/>
+                <a:sym typeface="Montserrat"/>
+              </a:rPr>
+              <a:t>H</a:t>
+            </a:r>
+            <a:r>
+              <a:rPr lang="ro-RO" sz="2400" b="1" dirty="0" smtClean="0">
+                <a:solidFill>
+                  <a:srgbClr val="002060"/>
+                </a:solidFill>
+                <a:latin typeface="Montserrat"/>
+                <a:ea typeface="Montserrat"/>
+                <a:cs typeface="Montserrat"/>
+                <a:sym typeface="Montserrat"/>
+              </a:rPr>
+              <a:t>ardware</a:t>
+            </a:r>
+            <a:endParaRPr sz="2400" b="1" i="1" dirty="0">
+              <a:solidFill>
+                <a:srgbClr val="002060"/>
+              </a:solidFill>
+              <a:latin typeface="Montserrat"/>
+              <a:ea typeface="Montserrat"/>
+              <a:cs typeface="Montserrat"/>
+              <a:sym typeface="Montserrat"/>
+            </a:endParaRPr>
+          </a:p>
+        </p:txBody>
+      </p:sp>
+      <p:sp>
+        <p:nvSpPr>
+          <p:cNvPr id="28" name="Shape 143"/>
+          <p:cNvSpPr/>
+          <p:nvPr/>
+        </p:nvSpPr>
+        <p:spPr>
+          <a:xfrm>
+            <a:off x="2890917" y="6071089"/>
+            <a:ext cx="2601056" cy="398892"/>
+          </a:xfrm>
+          <a:prstGeom prst="rect">
+            <a:avLst/>
+          </a:prstGeom>
+          <a:noFill/>
+          <a:ln w="19050" cap="flat" cmpd="sng">
+            <a:solidFill>
+              <a:srgbClr val="002060"/>
+            </a:solidFill>
+            <a:prstDash val="solid"/>
+            <a:miter lim="800000"/>
+            <a:headEnd type="none" w="sm" len="sm"/>
+            <a:tailEnd type="none" w="sm" len="sm"/>
+          </a:ln>
+        </p:spPr>
+        <p:txBody>
+          <a:bodyPr spcFirstLastPara="1" wrap="square" lIns="91425" tIns="45700" rIns="91425" bIns="45700" anchor="ctr" anchorCtr="0">
+            <a:noAutofit/>
+          </a:bodyPr>
+          <a:lstStyle/>
+          <a:p>
+            <a:pPr marL="0" marR="0" lvl="0" indent="0" algn="ctr" rtl="0">
+              <a:spcBef>
+                <a:spcPts val="0"/>
+              </a:spcBef>
+              <a:spcAft>
+                <a:spcPts val="0"/>
+              </a:spcAft>
+              <a:buNone/>
+            </a:pPr>
+            <a:endParaRPr sz="1800">
+              <a:solidFill>
+                <a:schemeClr val="lt1"/>
+              </a:solidFill>
+              <a:latin typeface="Playfair Display"/>
+              <a:ea typeface="Playfair Display"/>
+              <a:cs typeface="Playfair Display"/>
+              <a:sym typeface="Playfair Display"/>
+            </a:endParaRPr>
+          </a:p>
+        </p:txBody>
+      </p:sp>
+      <p:sp>
+        <p:nvSpPr>
+          <p:cNvPr id="29" name="Shape 152"/>
+          <p:cNvSpPr txBox="1"/>
+          <p:nvPr/>
+        </p:nvSpPr>
+        <p:spPr>
+          <a:xfrm>
+            <a:off x="2890916" y="6086930"/>
+            <a:ext cx="2601055" cy="338554"/>
+          </a:xfrm>
+          <a:prstGeom prst="rect">
+            <a:avLst/>
+          </a:prstGeom>
+          <a:noFill/>
+          <a:ln>
+            <a:noFill/>
+          </a:ln>
+        </p:spPr>
+        <p:txBody>
+          <a:bodyPr spcFirstLastPara="1" wrap="square" lIns="91425" tIns="45700" rIns="91425" bIns="45700" anchor="t" anchorCtr="0">
+            <a:noAutofit/>
+          </a:bodyPr>
+          <a:lstStyle/>
+          <a:p>
+            <a:pPr lvl="0" algn="ctr"/>
+            <a:r>
+              <a:rPr lang="en-US" dirty="0">
+                <a:solidFill>
+                  <a:schemeClr val="dk1"/>
+                </a:solidFill>
+                <a:latin typeface="Lato Light"/>
+                <a:ea typeface="Lato Light"/>
+                <a:cs typeface="Lato Light"/>
+                <a:sym typeface="Lato Light"/>
+              </a:rPr>
+              <a:t>KY-019, </a:t>
+            </a:r>
+            <a:r>
+              <a:rPr lang="en-US" dirty="0" err="1">
+                <a:solidFill>
+                  <a:schemeClr val="dk1"/>
+                </a:solidFill>
+                <a:latin typeface="Lato Light"/>
+                <a:ea typeface="Lato Light"/>
+                <a:cs typeface="Lato Light"/>
+                <a:sym typeface="Lato Light"/>
+              </a:rPr>
+              <a:t>Modul</a:t>
+            </a:r>
+            <a:r>
+              <a:rPr lang="en-US" dirty="0">
+                <a:solidFill>
+                  <a:schemeClr val="dk1"/>
+                </a:solidFill>
+                <a:latin typeface="Lato Light"/>
+                <a:ea typeface="Lato Light"/>
+                <a:cs typeface="Lato Light"/>
+                <a:sym typeface="Lato Light"/>
+              </a:rPr>
+              <a:t> </a:t>
+            </a:r>
+            <a:r>
+              <a:rPr lang="en-US" dirty="0" err="1">
+                <a:solidFill>
+                  <a:schemeClr val="dk1"/>
+                </a:solidFill>
+                <a:latin typeface="Lato Light"/>
+                <a:ea typeface="Lato Light"/>
+                <a:cs typeface="Lato Light"/>
+                <a:sym typeface="Lato Light"/>
+              </a:rPr>
+              <a:t>releu</a:t>
+            </a:r>
+            <a:r>
+              <a:rPr lang="en-US" dirty="0">
+                <a:solidFill>
+                  <a:schemeClr val="dk1"/>
+                </a:solidFill>
+                <a:latin typeface="Lato Light"/>
+                <a:ea typeface="Lato Light"/>
+                <a:cs typeface="Lato Light"/>
+                <a:sym typeface="Lato Light"/>
+              </a:rPr>
+              <a:t> 5V</a:t>
+            </a:r>
+            <a:endParaRPr i="1" dirty="0">
+              <a:solidFill>
+                <a:schemeClr val="dk1"/>
+              </a:solidFill>
+              <a:latin typeface="Lato Light"/>
+              <a:ea typeface="Lato Light"/>
+              <a:cs typeface="Lato Light"/>
+              <a:sym typeface="Lato Light"/>
+            </a:endParaRPr>
+          </a:p>
+        </p:txBody>
+      </p:sp>
+      <p:sp>
+        <p:nvSpPr>
+          <p:cNvPr id="30" name="Shape 143"/>
+          <p:cNvSpPr/>
+          <p:nvPr/>
+        </p:nvSpPr>
+        <p:spPr>
+          <a:xfrm>
+            <a:off x="7559638" y="6055172"/>
+            <a:ext cx="2791618" cy="469127"/>
+          </a:xfrm>
+          <a:prstGeom prst="rect">
+            <a:avLst/>
+          </a:prstGeom>
+          <a:noFill/>
+          <a:ln w="19050" cap="flat" cmpd="sng">
+            <a:solidFill>
+              <a:srgbClr val="002060"/>
+            </a:solidFill>
+            <a:prstDash val="solid"/>
+            <a:miter lim="800000"/>
+            <a:headEnd type="none" w="sm" len="sm"/>
+            <a:tailEnd type="none" w="sm" len="sm"/>
+          </a:ln>
+        </p:spPr>
+        <p:txBody>
+          <a:bodyPr spcFirstLastPara="1" wrap="square" lIns="91425" tIns="45700" rIns="91425" bIns="45700" anchor="ctr" anchorCtr="0">
+            <a:noAutofit/>
+          </a:bodyPr>
+          <a:lstStyle/>
+          <a:p>
+            <a:pPr marL="0" marR="0" lvl="0" indent="0" algn="ctr" rtl="0">
+              <a:spcBef>
+                <a:spcPts val="0"/>
+              </a:spcBef>
+              <a:spcAft>
+                <a:spcPts val="0"/>
+              </a:spcAft>
+              <a:buNone/>
+            </a:pPr>
+            <a:endParaRPr sz="1800">
+              <a:solidFill>
+                <a:schemeClr val="lt1"/>
+              </a:solidFill>
+              <a:latin typeface="Playfair Display"/>
+              <a:ea typeface="Playfair Display"/>
+              <a:cs typeface="Playfair Display"/>
+              <a:sym typeface="Playfair Display"/>
+            </a:endParaRPr>
+          </a:p>
+        </p:txBody>
+      </p:sp>
+      <p:sp>
+        <p:nvSpPr>
+          <p:cNvPr id="31" name="Shape 152"/>
+          <p:cNvSpPr txBox="1"/>
+          <p:nvPr/>
+        </p:nvSpPr>
+        <p:spPr>
+          <a:xfrm>
+            <a:off x="7559637" y="6024077"/>
+            <a:ext cx="2791618" cy="473831"/>
+          </a:xfrm>
+          <a:prstGeom prst="rect">
+            <a:avLst/>
+          </a:prstGeom>
+          <a:noFill/>
+          <a:ln>
+            <a:noFill/>
+          </a:ln>
+        </p:spPr>
+        <p:txBody>
+          <a:bodyPr spcFirstLastPara="1" wrap="square" lIns="91425" tIns="45700" rIns="91425" bIns="45700" anchor="t" anchorCtr="0">
+            <a:noAutofit/>
+          </a:bodyPr>
+          <a:lstStyle/>
+          <a:p>
+            <a:pPr lvl="0" algn="ctr"/>
+            <a:r>
+              <a:rPr lang="pt-BR" dirty="0">
+                <a:solidFill>
+                  <a:schemeClr val="dk1"/>
+                </a:solidFill>
+                <a:latin typeface="Lato Light"/>
+                <a:ea typeface="Lato Light"/>
+                <a:cs typeface="Lato Light"/>
+                <a:sym typeface="Lato Light"/>
+              </a:rPr>
+              <a:t>KY-015, Modulul cu senzor de temperatură și umiditate</a:t>
+            </a:r>
+            <a:endParaRPr i="1" dirty="0">
+              <a:solidFill>
+                <a:schemeClr val="dk1"/>
+              </a:solidFill>
+              <a:latin typeface="Lato Light"/>
+              <a:ea typeface="Lato Light"/>
+              <a:cs typeface="Lato Light"/>
+              <a:sym typeface="Lato Light"/>
+            </a:endParaRPr>
+          </a:p>
+        </p:txBody>
+      </p:sp>
     </p:spTree>
     <p:extLst>
       <p:ext uri="{BB962C8B-B14F-4D97-AF65-F5344CB8AC3E}">
-        <p14:creationId xmlns:p14="http://schemas.microsoft.com/office/powerpoint/2010/main" val="3867347921"/>
+        <p14:creationId xmlns:p14="http://schemas.microsoft.com/office/powerpoint/2010/main" val="3092600264"/>
       </p:ext>
     </p:extLst>
   </p:cSld>
@@ -17748,290 +18695,6 @@
               <a:buFontTx/>
               <a:buChar char="-"/>
             </a:pPr>
-            <a:r>
-              <a:rPr lang="ro-RO" sz="2400" dirty="0" smtClean="0">
-                <a:solidFill>
-                  <a:schemeClr val="tx1"/>
-                </a:solidFill>
-                <a:latin typeface="Times New Roman" panose="02020603050405020304" pitchFamily="18" charset="0"/>
-                <a:cs typeface="Times New Roman" panose="02020603050405020304" pitchFamily="18" charset="0"/>
-                <a:sym typeface="Lato Light"/>
-              </a:rPr>
-              <a:t>Creșterea numărului de dispo</a:t>
-            </a:r>
-            <a:r>
-              <a:rPr lang="en-US" sz="2400" dirty="0" smtClean="0">
-                <a:solidFill>
-                  <a:schemeClr val="tx1"/>
-                </a:solidFill>
-                <a:latin typeface="Times New Roman" panose="02020603050405020304" pitchFamily="18" charset="0"/>
-                <a:cs typeface="Times New Roman" panose="02020603050405020304" pitchFamily="18" charset="0"/>
-                <a:sym typeface="Lato Light"/>
-              </a:rPr>
-              <a:t>z</a:t>
-            </a:r>
-            <a:r>
-              <a:rPr lang="ro-RO" sz="2400" dirty="0" smtClean="0">
-                <a:solidFill>
-                  <a:schemeClr val="tx1"/>
-                </a:solidFill>
-                <a:latin typeface="Times New Roman" panose="02020603050405020304" pitchFamily="18" charset="0"/>
-                <a:cs typeface="Times New Roman" panose="02020603050405020304" pitchFamily="18" charset="0"/>
-                <a:sym typeface="Lato Light"/>
-              </a:rPr>
-              <a:t>itive</a:t>
-            </a:r>
-            <a:r>
-              <a:rPr lang="en-US" sz="2400" dirty="0" smtClean="0">
-                <a:solidFill>
-                  <a:schemeClr val="tx1"/>
-                </a:solidFill>
-                <a:latin typeface="Times New Roman" panose="02020603050405020304" pitchFamily="18" charset="0"/>
-                <a:cs typeface="Times New Roman" panose="02020603050405020304" pitchFamily="18" charset="0"/>
-                <a:sym typeface="Lato Light"/>
-              </a:rPr>
-              <a:t>;</a:t>
-            </a:r>
-          </a:p>
-          <a:p>
-            <a:pPr marL="342900" marR="0" lvl="0" indent="-342900" algn="l" rtl="0">
-              <a:spcBef>
-                <a:spcPts val="0"/>
-              </a:spcBef>
-              <a:spcAft>
-                <a:spcPts val="0"/>
-              </a:spcAft>
-              <a:buFontTx/>
-              <a:buChar char="-"/>
-            </a:pPr>
-            <a:r>
-              <a:rPr lang="en-US" sz="2400" dirty="0" err="1" smtClean="0">
-                <a:solidFill>
-                  <a:schemeClr val="tx1"/>
-                </a:solidFill>
-                <a:latin typeface="Times New Roman" panose="02020603050405020304" pitchFamily="18" charset="0"/>
-                <a:cs typeface="Times New Roman" panose="02020603050405020304" pitchFamily="18" charset="0"/>
-                <a:sym typeface="Lato Light"/>
-              </a:rPr>
-              <a:t>Creare</a:t>
-            </a:r>
-            <a:r>
-              <a:rPr lang="en-US" sz="2400" dirty="0" smtClean="0">
-                <a:solidFill>
-                  <a:schemeClr val="tx1"/>
-                </a:solidFill>
-                <a:latin typeface="Times New Roman" panose="02020603050405020304" pitchFamily="18" charset="0"/>
-                <a:cs typeface="Times New Roman" panose="02020603050405020304" pitchFamily="18" charset="0"/>
-                <a:sym typeface="Lato Light"/>
-              </a:rPr>
-              <a:t> a </a:t>
-            </a:r>
-            <a:r>
-              <a:rPr lang="en-US" sz="2400" dirty="0" err="1" smtClean="0">
-                <a:solidFill>
-                  <a:schemeClr val="tx1"/>
-                </a:solidFill>
-                <a:latin typeface="Times New Roman" panose="02020603050405020304" pitchFamily="18" charset="0"/>
-                <a:cs typeface="Times New Roman" panose="02020603050405020304" pitchFamily="18" charset="0"/>
-                <a:sym typeface="Lato Light"/>
-              </a:rPr>
-              <a:t>grupuri</a:t>
-            </a:r>
-            <a:r>
-              <a:rPr lang="en-US" sz="2400" dirty="0" smtClean="0">
-                <a:solidFill>
-                  <a:schemeClr val="tx1"/>
-                </a:solidFill>
-                <a:latin typeface="Times New Roman" panose="02020603050405020304" pitchFamily="18" charset="0"/>
-                <a:cs typeface="Times New Roman" panose="02020603050405020304" pitchFamily="18" charset="0"/>
-                <a:sym typeface="Lato Light"/>
-              </a:rPr>
-              <a:t> de </a:t>
-            </a:r>
-            <a:r>
-              <a:rPr lang="en-US" sz="2400" dirty="0" err="1" smtClean="0">
-                <a:solidFill>
-                  <a:schemeClr val="tx1"/>
-                </a:solidFill>
-                <a:latin typeface="Times New Roman" panose="02020603050405020304" pitchFamily="18" charset="0"/>
-                <a:cs typeface="Times New Roman" panose="02020603050405020304" pitchFamily="18" charset="0"/>
-                <a:sym typeface="Lato Light"/>
-              </a:rPr>
-              <a:t>utilizatori</a:t>
-            </a:r>
-            <a:r>
-              <a:rPr lang="en-US" sz="2400" dirty="0" smtClean="0">
-                <a:solidFill>
-                  <a:schemeClr val="tx1"/>
-                </a:solidFill>
-                <a:latin typeface="Times New Roman" panose="02020603050405020304" pitchFamily="18" charset="0"/>
-                <a:cs typeface="Times New Roman" panose="02020603050405020304" pitchFamily="18" charset="0"/>
-                <a:sym typeface="Lato Light"/>
-              </a:rPr>
-              <a:t>;</a:t>
-            </a:r>
-          </a:p>
-          <a:p>
-            <a:pPr marL="342900" marR="0" lvl="0" indent="-342900" algn="l" rtl="0">
-              <a:spcBef>
-                <a:spcPts val="0"/>
-              </a:spcBef>
-              <a:spcAft>
-                <a:spcPts val="0"/>
-              </a:spcAft>
-              <a:buFontTx/>
-              <a:buChar char="-"/>
-            </a:pPr>
-            <a:r>
-              <a:rPr lang="ro-RO" sz="2400" dirty="0" smtClean="0">
-                <a:solidFill>
-                  <a:schemeClr val="tx1"/>
-                </a:solidFill>
-                <a:latin typeface="Times New Roman" panose="02020603050405020304" pitchFamily="18" charset="0"/>
-                <a:cs typeface="Times New Roman" panose="02020603050405020304" pitchFamily="18" charset="0"/>
-                <a:sym typeface="Lato Light"/>
-              </a:rPr>
-              <a:t>Înlocuirea serverului Java cu o arhitectură bazată pe microservicii</a:t>
-            </a:r>
-            <a:r>
-              <a:rPr lang="en-US" sz="2400" dirty="0">
-                <a:solidFill>
-                  <a:schemeClr val="tx1"/>
-                </a:solidFill>
-                <a:latin typeface="Times New Roman" panose="02020603050405020304" pitchFamily="18" charset="0"/>
-                <a:cs typeface="Times New Roman" panose="02020603050405020304" pitchFamily="18" charset="0"/>
-                <a:sym typeface="Lato Light"/>
-              </a:rPr>
-              <a:t>;</a:t>
-            </a:r>
-            <a:endParaRPr lang="ro-RO" sz="2400" dirty="0" smtClean="0">
-              <a:solidFill>
-                <a:schemeClr val="tx1"/>
-              </a:solidFill>
-              <a:latin typeface="Times New Roman" panose="02020603050405020304" pitchFamily="18" charset="0"/>
-              <a:cs typeface="Times New Roman" panose="02020603050405020304" pitchFamily="18" charset="0"/>
-              <a:sym typeface="Lato Light"/>
-            </a:endParaRPr>
-          </a:p>
-          <a:p>
-            <a:pPr marL="342900" marR="0" lvl="0" indent="-342900" algn="l" rtl="0">
-              <a:spcBef>
-                <a:spcPts val="0"/>
-              </a:spcBef>
-              <a:spcAft>
-                <a:spcPts val="0"/>
-              </a:spcAft>
-              <a:buFontTx/>
-              <a:buChar char="-"/>
-            </a:pPr>
-            <a:r>
-              <a:rPr lang="en-US" sz="2400" dirty="0" err="1" smtClean="0">
-                <a:solidFill>
-                  <a:schemeClr val="tx1"/>
-                </a:solidFill>
-                <a:latin typeface="Times New Roman" panose="02020603050405020304" pitchFamily="18" charset="0"/>
-                <a:cs typeface="Times New Roman" panose="02020603050405020304" pitchFamily="18" charset="0"/>
-                <a:sym typeface="Lato Light"/>
-              </a:rPr>
-              <a:t>Folosire</a:t>
-            </a:r>
-            <a:r>
-              <a:rPr lang="en-US" sz="2400" dirty="0" err="1" smtClean="0">
-                <a:solidFill>
-                  <a:schemeClr val="tx1"/>
-                </a:solidFill>
-                <a:latin typeface="Times New Roman" panose="02020603050405020304" pitchFamily="18" charset="0"/>
-                <a:cs typeface="Times New Roman" panose="02020603050405020304" pitchFamily="18" charset="0"/>
-                <a:sym typeface="Lato Light"/>
-              </a:rPr>
-              <a:t>a</a:t>
-            </a:r>
-            <a:r>
-              <a:rPr lang="en-US" sz="2400" dirty="0" smtClean="0">
-                <a:solidFill>
-                  <a:schemeClr val="tx1"/>
-                </a:solidFill>
-                <a:latin typeface="Times New Roman" panose="02020603050405020304" pitchFamily="18" charset="0"/>
-                <a:cs typeface="Times New Roman" panose="02020603050405020304" pitchFamily="18" charset="0"/>
-                <a:sym typeface="Lato Light"/>
-              </a:rPr>
-              <a:t> </a:t>
-            </a:r>
-            <a:r>
-              <a:rPr lang="en-US" sz="2400" dirty="0" err="1" smtClean="0">
-                <a:solidFill>
-                  <a:schemeClr val="tx1"/>
-                </a:solidFill>
-                <a:latin typeface="Times New Roman" panose="02020603050405020304" pitchFamily="18" charset="0"/>
-                <a:cs typeface="Times New Roman" panose="02020603050405020304" pitchFamily="18" charset="0"/>
-                <a:sym typeface="Lato Light"/>
-              </a:rPr>
-              <a:t>protocolului</a:t>
-            </a:r>
-            <a:r>
-              <a:rPr lang="en-US" sz="2400" dirty="0" smtClean="0">
-                <a:solidFill>
-                  <a:schemeClr val="tx1"/>
-                </a:solidFill>
-                <a:latin typeface="Times New Roman" panose="02020603050405020304" pitchFamily="18" charset="0"/>
-                <a:cs typeface="Times New Roman" panose="02020603050405020304" pitchFamily="18" charset="0"/>
-                <a:sym typeface="Lato Light"/>
-              </a:rPr>
-              <a:t> HTTPS </a:t>
-            </a:r>
-            <a:r>
-              <a:rPr lang="ro-RO" sz="2400" dirty="0">
-                <a:solidFill>
-                  <a:schemeClr val="tx1"/>
-                </a:solidFill>
-                <a:latin typeface="Times New Roman" panose="02020603050405020304" pitchFamily="18" charset="0"/>
-                <a:cs typeface="Times New Roman" panose="02020603050405020304" pitchFamily="18" charset="0"/>
-                <a:sym typeface="Lato Light"/>
-              </a:rPr>
-              <a:t>î</a:t>
-            </a:r>
-            <a:r>
-              <a:rPr lang="ro-RO" sz="2400" dirty="0" smtClean="0">
-                <a:solidFill>
-                  <a:schemeClr val="tx1"/>
-                </a:solidFill>
-                <a:latin typeface="Times New Roman" panose="02020603050405020304" pitchFamily="18" charset="0"/>
-                <a:cs typeface="Times New Roman" panose="02020603050405020304" pitchFamily="18" charset="0"/>
-                <a:sym typeface="Lato Light"/>
-              </a:rPr>
-              <a:t>ntre server și client</a:t>
-            </a:r>
-            <a:r>
-              <a:rPr lang="en-US" sz="2400" dirty="0" smtClean="0">
-                <a:solidFill>
-                  <a:schemeClr val="tx1"/>
-                </a:solidFill>
-                <a:latin typeface="Times New Roman" panose="02020603050405020304" pitchFamily="18" charset="0"/>
-                <a:cs typeface="Times New Roman" panose="02020603050405020304" pitchFamily="18" charset="0"/>
-                <a:sym typeface="Lato Light"/>
-              </a:rPr>
-              <a:t>.</a:t>
-            </a:r>
-            <a:endParaRPr lang="ro-RO" sz="2400" dirty="0" smtClean="0">
-              <a:solidFill>
-                <a:schemeClr val="tx1"/>
-              </a:solidFill>
-              <a:latin typeface="Times New Roman" panose="02020603050405020304" pitchFamily="18" charset="0"/>
-              <a:cs typeface="Times New Roman" panose="02020603050405020304" pitchFamily="18" charset="0"/>
-              <a:sym typeface="Lato Light"/>
-            </a:endParaRPr>
-          </a:p>
-          <a:p>
-            <a:pPr marL="342900" marR="0" lvl="0" indent="-342900" algn="l" rtl="0">
-              <a:spcBef>
-                <a:spcPts val="0"/>
-              </a:spcBef>
-              <a:spcAft>
-                <a:spcPts val="0"/>
-              </a:spcAft>
-              <a:buFontTx/>
-              <a:buChar char="-"/>
-            </a:pPr>
             <a:endParaRPr lang="ro-RO" sz="2400" dirty="0" smtClean="0">
               <a:solidFill>
                 <a:schemeClr val="tx1"/>
@@ -18078,14 +18741,14 @@
               <a:buNone/>
             </a:pPr>
             <a:r>
-              <a:rPr lang="ro-RO" sz="4800" dirty="0" smtClean="0">
+              <a:rPr lang="en-US" sz="4800" dirty="0" smtClean="0">
                 <a:solidFill>
                   <a:schemeClr val="dk1"/>
                 </a:solidFill>
                 <a:latin typeface="Montserrat"/>
                 <a:sym typeface="Montserrat"/>
               </a:rPr>
-              <a:t>7. Direcții de dezvoltare</a:t>
+              <a:t>Demo</a:t>
             </a:r>
             <a:endParaRPr dirty="0"/>
           </a:p>
@@ -18234,10 +18897,39 @@
           </a:p>
         </p:txBody>
       </p:sp>
+      <p:pic>
+        <p:nvPicPr>
+          <p:cNvPr id="2" name="Picture 1"/>
+          <p:cNvPicPr>
+            <a:picLocks noChangeAspect="1"/>
+          </p:cNvPicPr>
+          <p:nvPr/>
+        </p:nvPicPr>
+        <p:blipFill rotWithShape="1">
+          <a:blip r:embed="rId5">
+            <a:extLst>
+              <a:ext uri="{28A0092B-C50C-407E-A947-70E740481C1C}">
+                <a14:useLocalDpi xmlns:a14="http://schemas.microsoft.com/office/drawing/2010/main" val="0"/>
+              </a:ext>
+            </a:extLst>
+          </a:blip>
+          <a:srcRect l="4999" t="8194" r="12366" b="8404"/>
+          <a:stretch/>
+        </p:blipFill>
+        <p:spPr>
+          <a:xfrm rot="16200000">
+            <a:off x="3376944" y="363827"/>
+            <a:ext cx="5359649" cy="7188451"/>
+          </a:xfrm>
+          <a:prstGeom prst="rect">
+            <a:avLst/>
+          </a:prstGeom>
+        </p:spPr>
+      </p:pic>
     </p:spTree>
     <p:extLst>
       <p:ext uri="{BB962C8B-B14F-4D97-AF65-F5344CB8AC3E}">
-        <p14:creationId xmlns:p14="http://schemas.microsoft.com/office/powerpoint/2010/main" val="912383895"/>
+        <p14:creationId xmlns:p14="http://schemas.microsoft.com/office/powerpoint/2010/main" val="2358481247"/>
       </p:ext>
     </p:extLst>
   </p:cSld>
@@ -18273,6 +18965,253 @@
       </p:grpSpPr>
       <p:sp>
         <p:nvSpPr>
+          <p:cNvPr id="113" name="Shape 113"/>
+          <p:cNvSpPr txBox="1"/>
+          <p:nvPr/>
+        </p:nvSpPr>
+        <p:spPr>
+          <a:xfrm>
+            <a:off x="660904" y="1611516"/>
+            <a:ext cx="8652428" cy="4693075"/>
+          </a:xfrm>
+          <a:prstGeom prst="rect">
+            <a:avLst/>
+          </a:prstGeom>
+          <a:noFill/>
+          <a:ln>
+            <a:noFill/>
+          </a:ln>
+        </p:spPr>
+        <p:txBody>
+          <a:bodyPr spcFirstLastPara="1" wrap="square" lIns="91425" tIns="45700" rIns="91425" bIns="45700" anchor="t" anchorCtr="0">
+            <a:noAutofit/>
+          </a:bodyPr>
+          <a:lstStyle/>
+          <a:p>
+            <a:pPr marL="342900" marR="0" lvl="0" indent="-342900" algn="l" rtl="0">
+              <a:spcBef>
+                <a:spcPts val="0"/>
+              </a:spcBef>
+              <a:spcAft>
+                <a:spcPts val="0"/>
+              </a:spcAft>
+              <a:buFontTx/>
+              <a:buChar char="-"/>
+            </a:pPr>
+            <a:r>
+              <a:rPr lang="ro-RO" sz="3200" dirty="0" smtClean="0">
+                <a:solidFill>
+                  <a:schemeClr val="tx1"/>
+                </a:solidFill>
+                <a:latin typeface="Times New Roman" panose="02020603050405020304" pitchFamily="18" charset="0"/>
+                <a:cs typeface="Times New Roman" panose="02020603050405020304" pitchFamily="18" charset="0"/>
+                <a:sym typeface="Lato Light"/>
+              </a:rPr>
+              <a:t>Creșterea numărului de dispo</a:t>
+            </a:r>
+            <a:r>
+              <a:rPr lang="en-US" sz="3200" dirty="0" smtClean="0">
+                <a:solidFill>
+                  <a:schemeClr val="tx1"/>
+                </a:solidFill>
+                <a:latin typeface="Times New Roman" panose="02020603050405020304" pitchFamily="18" charset="0"/>
+                <a:cs typeface="Times New Roman" panose="02020603050405020304" pitchFamily="18" charset="0"/>
+                <a:sym typeface="Lato Light"/>
+              </a:rPr>
+              <a:t>z</a:t>
+            </a:r>
+            <a:r>
+              <a:rPr lang="ro-RO" sz="3200" dirty="0" smtClean="0">
+                <a:solidFill>
+                  <a:schemeClr val="tx1"/>
+                </a:solidFill>
+                <a:latin typeface="Times New Roman" panose="02020603050405020304" pitchFamily="18" charset="0"/>
+                <a:cs typeface="Times New Roman" panose="02020603050405020304" pitchFamily="18" charset="0"/>
+                <a:sym typeface="Lato Light"/>
+              </a:rPr>
+              <a:t>itive</a:t>
+            </a:r>
+            <a:r>
+              <a:rPr lang="en-US" sz="3200" dirty="0" smtClean="0">
+                <a:solidFill>
+                  <a:schemeClr val="tx1"/>
+                </a:solidFill>
+                <a:latin typeface="Times New Roman" panose="02020603050405020304" pitchFamily="18" charset="0"/>
+                <a:cs typeface="Times New Roman" panose="02020603050405020304" pitchFamily="18" charset="0"/>
+                <a:sym typeface="Lato Light"/>
+              </a:rPr>
+              <a:t>;</a:t>
+            </a:r>
+            <a:endParaRPr lang="ro-RO" sz="3200" dirty="0" smtClean="0">
+              <a:solidFill>
+                <a:schemeClr val="tx1"/>
+              </a:solidFill>
+              <a:latin typeface="Times New Roman" panose="02020603050405020304" pitchFamily="18" charset="0"/>
+              <a:cs typeface="Times New Roman" panose="02020603050405020304" pitchFamily="18" charset="0"/>
+              <a:sym typeface="Lato Light"/>
+            </a:endParaRPr>
+          </a:p>
+          <a:p>
+            <a:pPr marL="342900" marR="0" lvl="0" indent="-342900" algn="l" rtl="0">
+              <a:spcBef>
+                <a:spcPts val="0"/>
+              </a:spcBef>
+              <a:spcAft>
+                <a:spcPts val="0"/>
+              </a:spcAft>
+              <a:buFontTx/>
+              <a:buChar char="-"/>
+            </a:pPr>
+            <a:endParaRPr lang="en-US" sz="3200" dirty="0" smtClean="0">
+              <a:solidFill>
+                <a:schemeClr val="tx1"/>
+              </a:solidFill>
+              <a:latin typeface="Times New Roman" panose="02020603050405020304" pitchFamily="18" charset="0"/>
+              <a:cs typeface="Times New Roman" panose="02020603050405020304" pitchFamily="18" charset="0"/>
+              <a:sym typeface="Lato Light"/>
+            </a:endParaRPr>
+          </a:p>
+          <a:p>
+            <a:pPr marL="342900" marR="0" lvl="0" indent="-342900" algn="l" rtl="0">
+              <a:spcBef>
+                <a:spcPts val="0"/>
+              </a:spcBef>
+              <a:spcAft>
+                <a:spcPts val="0"/>
+              </a:spcAft>
+              <a:buFontTx/>
+              <a:buChar char="-"/>
+            </a:pPr>
+            <a:r>
+              <a:rPr lang="en-US" sz="3200" dirty="0" err="1" smtClean="0">
+                <a:solidFill>
+                  <a:schemeClr val="tx1"/>
+                </a:solidFill>
+                <a:latin typeface="Times New Roman" panose="02020603050405020304" pitchFamily="18" charset="0"/>
+                <a:cs typeface="Times New Roman" panose="02020603050405020304" pitchFamily="18" charset="0"/>
+                <a:sym typeface="Lato Light"/>
+              </a:rPr>
+              <a:t>Creare</a:t>
+            </a:r>
+            <a:r>
+              <a:rPr lang="en-US" sz="3200" dirty="0" smtClean="0">
+                <a:solidFill>
+                  <a:schemeClr val="tx1"/>
+                </a:solidFill>
+                <a:latin typeface="Times New Roman" panose="02020603050405020304" pitchFamily="18" charset="0"/>
+                <a:cs typeface="Times New Roman" panose="02020603050405020304" pitchFamily="18" charset="0"/>
+                <a:sym typeface="Lato Light"/>
+              </a:rPr>
+              <a:t> a </a:t>
+            </a:r>
+            <a:r>
+              <a:rPr lang="en-US" sz="3200" dirty="0" err="1" smtClean="0">
+                <a:solidFill>
+                  <a:schemeClr val="tx1"/>
+                </a:solidFill>
+                <a:latin typeface="Times New Roman" panose="02020603050405020304" pitchFamily="18" charset="0"/>
+                <a:cs typeface="Times New Roman" panose="02020603050405020304" pitchFamily="18" charset="0"/>
+                <a:sym typeface="Lato Light"/>
+              </a:rPr>
+              <a:t>grupuri</a:t>
+            </a:r>
+            <a:r>
+              <a:rPr lang="en-US" sz="3200" dirty="0" smtClean="0">
+                <a:solidFill>
+                  <a:schemeClr val="tx1"/>
+                </a:solidFill>
+                <a:latin typeface="Times New Roman" panose="02020603050405020304" pitchFamily="18" charset="0"/>
+                <a:cs typeface="Times New Roman" panose="02020603050405020304" pitchFamily="18" charset="0"/>
+                <a:sym typeface="Lato Light"/>
+              </a:rPr>
+              <a:t> de </a:t>
+            </a:r>
+            <a:r>
+              <a:rPr lang="en-US" sz="3200" dirty="0" err="1" smtClean="0">
+                <a:solidFill>
+                  <a:schemeClr val="tx1"/>
+                </a:solidFill>
+                <a:latin typeface="Times New Roman" panose="02020603050405020304" pitchFamily="18" charset="0"/>
+                <a:cs typeface="Times New Roman" panose="02020603050405020304" pitchFamily="18" charset="0"/>
+                <a:sym typeface="Lato Light"/>
+              </a:rPr>
+              <a:t>utilizatori</a:t>
+            </a:r>
+            <a:r>
+              <a:rPr lang="en-US" sz="3200" dirty="0" smtClean="0">
+                <a:solidFill>
+                  <a:schemeClr val="tx1"/>
+                </a:solidFill>
+                <a:latin typeface="Times New Roman" panose="02020603050405020304" pitchFamily="18" charset="0"/>
+                <a:cs typeface="Times New Roman" panose="02020603050405020304" pitchFamily="18" charset="0"/>
+                <a:sym typeface="Lato Light"/>
+              </a:rPr>
+              <a:t>;</a:t>
+            </a:r>
+            <a:endParaRPr lang="ro-RO" sz="3200" dirty="0" smtClean="0">
+              <a:solidFill>
+                <a:schemeClr val="tx1"/>
+              </a:solidFill>
+              <a:latin typeface="Times New Roman" panose="02020603050405020304" pitchFamily="18" charset="0"/>
+              <a:cs typeface="Times New Roman" panose="02020603050405020304" pitchFamily="18" charset="0"/>
+              <a:sym typeface="Lato Light"/>
+            </a:endParaRPr>
+          </a:p>
+          <a:p>
+            <a:pPr marL="342900" marR="0" lvl="0" indent="-342900" algn="l" rtl="0">
+              <a:spcBef>
+                <a:spcPts val="0"/>
+              </a:spcBef>
+              <a:spcAft>
+                <a:spcPts val="0"/>
+              </a:spcAft>
+              <a:buFontTx/>
+              <a:buChar char="-"/>
+            </a:pPr>
+            <a:endParaRPr lang="ro-RO" sz="3200" dirty="0">
+              <a:solidFill>
+                <a:schemeClr val="tx1"/>
+              </a:solidFill>
+              <a:latin typeface="Times New Roman" panose="02020603050405020304" pitchFamily="18" charset="0"/>
+              <a:cs typeface="Times New Roman" panose="02020603050405020304" pitchFamily="18" charset="0"/>
+              <a:sym typeface="Lato Light"/>
+            </a:endParaRPr>
+          </a:p>
+          <a:p>
+            <a:pPr marL="342900" marR="0" lvl="0" indent="-342900" algn="l" rtl="0">
+              <a:spcBef>
+                <a:spcPts val="0"/>
+              </a:spcBef>
+              <a:spcAft>
+                <a:spcPts val="0"/>
+              </a:spcAft>
+              <a:buFontTx/>
+              <a:buChar char="-"/>
+            </a:pPr>
+            <a:r>
+              <a:rPr lang="ro-RO" sz="3200" dirty="0" smtClean="0">
+                <a:solidFill>
+                  <a:schemeClr val="tx1"/>
+                </a:solidFill>
+                <a:latin typeface="Times New Roman" panose="02020603050405020304" pitchFamily="18" charset="0"/>
+                <a:cs typeface="Times New Roman" panose="02020603050405020304" pitchFamily="18" charset="0"/>
+                <a:sym typeface="Lato Light"/>
+              </a:rPr>
+              <a:t>Folosire HTTPS.</a:t>
+            </a:r>
+            <a:endParaRPr lang="ro-RO" sz="3200" dirty="0" smtClean="0">
+              <a:solidFill>
+                <a:schemeClr val="tx1"/>
+              </a:solidFill>
+              <a:latin typeface="Times New Roman" panose="02020603050405020304" pitchFamily="18" charset="0"/>
+              <a:cs typeface="Times New Roman" panose="02020603050405020304" pitchFamily="18" charset="0"/>
+              <a:sym typeface="Lato Light"/>
+            </a:endParaRPr>
+          </a:p>
+        </p:txBody>
+      </p:sp>
+      <p:sp>
+        <p:nvSpPr>
           <p:cNvPr id="112" name="Shape 112"/>
           <p:cNvSpPr txBox="1"/>
           <p:nvPr/>
@@ -18313,7 +19252,7 @@
                 <a:latin typeface="Montserrat"/>
                 <a:sym typeface="Montserrat"/>
               </a:rPr>
-              <a:t>8.Concluzii</a:t>
+              <a:t>Direcții de dezvoltare</a:t>
             </a:r>
             <a:endParaRPr dirty="0"/>
           </a:p>
@@ -18462,6 +19401,234 @@
           </a:p>
         </p:txBody>
       </p:sp>
+    </p:spTree>
+    <p:extLst>
+      <p:ext uri="{BB962C8B-B14F-4D97-AF65-F5344CB8AC3E}">
+        <p14:creationId xmlns:p14="http://schemas.microsoft.com/office/powerpoint/2010/main" val="912383895"/>
+      </p:ext>
+    </p:extLst>
+  </p:cSld>
+  <p:clrMapOvr>
+    <a:masterClrMapping/>
+  </p:clrMapOvr>
+  <p:timing>
+    <p:tnLst>
+      <p:par>
+        <p:cTn id="1" dur="indefinite" restart="never" nodeType="tmRoot"/>
+      </p:par>
+    </p:tnLst>
+  </p:timing>
+</p:sld>
+</file>
+
+<file path=ppt/slides/slide13.xml><?xml version="1.0" encoding="utf-8"?>
+<p:sld xmlns:a="http://schemas.openxmlformats.org/drawingml/2006/main" xmlns:r="http://schemas.openxmlformats.org/officeDocument/2006/relationships" xmlns:p="http://schemas.openxmlformats.org/presentationml/2006/main">
+  <p:cSld>
+    <p:spTree>
+      <p:nvGrpSpPr>
+        <p:cNvPr id="1" name="Shape 111"/>
+        <p:cNvGrpSpPr/>
+        <p:nvPr/>
+      </p:nvGrpSpPr>
+      <p:grpSpPr>
+        <a:xfrm>
+          <a:off x="0" y="0"/>
+          <a:ext cx="0" cy="0"/>
+          <a:chOff x="0" y="0"/>
+          <a:chExt cx="0" cy="0"/>
+        </a:xfrm>
+      </p:grpSpPr>
+      <p:sp>
+        <p:nvSpPr>
+          <p:cNvPr id="112" name="Shape 112"/>
+          <p:cNvSpPr txBox="1"/>
+          <p:nvPr/>
+        </p:nvSpPr>
+        <p:spPr>
+          <a:xfrm>
+            <a:off x="774194" y="222898"/>
+            <a:ext cx="8958280" cy="830997"/>
+          </a:xfrm>
+          <a:prstGeom prst="rect">
+            <a:avLst/>
+          </a:prstGeom>
+          <a:noFill/>
+          <a:ln>
+            <a:noFill/>
+          </a:ln>
+        </p:spPr>
+        <p:txBody>
+          <a:bodyPr spcFirstLastPara="1" wrap="square" lIns="91425" tIns="45700" rIns="91425" bIns="45700" anchor="t" anchorCtr="0">
+            <a:noAutofit/>
+          </a:bodyPr>
+          <a:lstStyle/>
+          <a:p>
+            <a:pPr marL="0" marR="0" lvl="0" indent="0" algn="l" rtl="0">
+              <a:spcBef>
+                <a:spcPts val="0"/>
+              </a:spcBef>
+              <a:spcAft>
+                <a:spcPts val="0"/>
+              </a:spcAft>
+              <a:buNone/>
+            </a:pPr>
+            <a:r>
+              <a:rPr lang="ro-RO" sz="4800" dirty="0" smtClean="0">
+                <a:solidFill>
+                  <a:schemeClr val="dk1"/>
+                </a:solidFill>
+                <a:latin typeface="Montserrat"/>
+                <a:sym typeface="Montserrat"/>
+              </a:rPr>
+              <a:t>Concluzii</a:t>
+            </a:r>
+            <a:endParaRPr dirty="0"/>
+          </a:p>
+        </p:txBody>
+      </p:sp>
+      <p:pic>
+        <p:nvPicPr>
+          <p:cNvPr id="9" name="Picture 8" descr="C:\Users\dlargu\Desktop\FiiLogo.png"/>
+          <p:cNvPicPr>
+            <a:picLocks noChangeAspect="1" noChangeArrowheads="1"/>
+          </p:cNvPicPr>
+          <p:nvPr/>
+        </p:nvPicPr>
+        <p:blipFill>
+          <a:blip r:embed="rId3">
+            <a:extLst>
+              <a:ext uri="{28A0092B-C50C-407E-A947-70E740481C1C}">
+                <a14:useLocalDpi xmlns:a14="http://schemas.microsoft.com/office/drawing/2010/main"/>
+              </a:ext>
+            </a:extLst>
+          </a:blip>
+          <a:srcRect/>
+          <a:stretch>
+            <a:fillRect/>
+          </a:stretch>
+        </p:blipFill>
+        <p:spPr bwMode="auto">
+          <a:xfrm>
+            <a:off x="11235349" y="149280"/>
+            <a:ext cx="826365" cy="763675"/>
+          </a:xfrm>
+          <a:prstGeom prst="rect">
+            <a:avLst/>
+          </a:prstGeom>
+          <a:noFill/>
+          <a:extLst>
+            <a:ext uri="{909E8E84-426E-40DD-AFC4-6F175D3DCCD1}">
+              <a14:hiddenFill xmlns:a14="http://schemas.microsoft.com/office/drawing/2010/main">
+                <a:solidFill>
+                  <a:srgbClr val="FFFFFF"/>
+                </a:solidFill>
+              </a14:hiddenFill>
+            </a:ext>
+          </a:extLst>
+        </p:spPr>
+      </p:pic>
+      <p:pic>
+        <p:nvPicPr>
+          <p:cNvPr id="10" name="Picture 9"/>
+          <p:cNvPicPr>
+            <a:picLocks noChangeAspect="1"/>
+          </p:cNvPicPr>
+          <p:nvPr/>
+        </p:nvPicPr>
+        <p:blipFill>
+          <a:blip r:embed="rId4" cstate="print">
+            <a:extLst>
+              <a:ext uri="{28A0092B-C50C-407E-A947-70E740481C1C}">
+                <a14:useLocalDpi xmlns:a14="http://schemas.microsoft.com/office/drawing/2010/main"/>
+              </a:ext>
+            </a:extLst>
+          </a:blip>
+          <a:stretch>
+            <a:fillRect/>
+          </a:stretch>
+        </p:blipFill>
+        <p:spPr>
+          <a:xfrm>
+            <a:off x="9983713" y="84817"/>
+            <a:ext cx="910102" cy="892600"/>
+          </a:xfrm>
+          <a:prstGeom prst="rect">
+            <a:avLst/>
+          </a:prstGeom>
+        </p:spPr>
+      </p:pic>
+      <p:sp>
+        <p:nvSpPr>
+          <p:cNvPr id="5" name="Slide Number Placeholder 4"/>
+          <p:cNvSpPr>
+            <a:spLocks noGrp="1"/>
+          </p:cNvSpPr>
+          <p:nvPr>
+            <p:ph type="sldNum" idx="12"/>
+          </p:nvPr>
+        </p:nvSpPr>
+        <p:spPr/>
+        <p:txBody>
+          <a:bodyPr/>
+          <a:lstStyle/>
+          <a:p>
+            <a:fld id="{00000000-1234-1234-1234-123412341234}" type="slidenum">
+              <a:rPr lang="en-PH" smtClean="0"/>
+              <a:pPr/>
+              <a:t>13</a:t>
+            </a:fld>
+            <a:endParaRPr lang="en-PH" dirty="0"/>
+          </a:p>
+        </p:txBody>
+      </p:sp>
+      <p:sp>
+        <p:nvSpPr>
+          <p:cNvPr id="11" name="Shape 114"/>
+          <p:cNvSpPr/>
+          <p:nvPr/>
+        </p:nvSpPr>
+        <p:spPr>
+          <a:xfrm>
+            <a:off x="878557" y="1053895"/>
+            <a:ext cx="8853917" cy="51759"/>
+          </a:xfrm>
+          <a:prstGeom prst="rect">
+            <a:avLst/>
+          </a:prstGeom>
+          <a:solidFill>
+            <a:srgbClr val="AAE4D5"/>
+          </a:solidFill>
+          <a:ln>
+            <a:noFill/>
+          </a:ln>
+        </p:spPr>
+        <p:txBody>
+          <a:bodyPr spcFirstLastPara="1" wrap="square" lIns="91425" tIns="45700" rIns="91425" bIns="45700" anchor="ctr" anchorCtr="0">
+            <a:noAutofit/>
+          </a:bodyPr>
+          <a:lstStyle/>
+          <a:p>
+            <a:pPr marL="0" marR="0" lvl="0" indent="0" algn="ctr" rtl="0">
+              <a:spcBef>
+                <a:spcPts val="0"/>
+              </a:spcBef>
+              <a:spcAft>
+                <a:spcPts val="0"/>
+              </a:spcAft>
+              <a:buNone/>
+            </a:pPr>
+            <a:endParaRPr sz="1800">
+              <a:solidFill>
+                <a:schemeClr val="lt1"/>
+              </a:solidFill>
+              <a:latin typeface="Playfair Display"/>
+              <a:ea typeface="Playfair Display"/>
+              <a:cs typeface="Playfair Display"/>
+              <a:sym typeface="Playfair Display"/>
+            </a:endParaRPr>
+          </a:p>
+        </p:txBody>
+      </p:sp>
       <p:sp>
         <p:nvSpPr>
           <p:cNvPr id="12" name="Shape 113"/>
@@ -18487,18 +19654,12 @@
           </a:bodyPr>
           <a:lstStyle/>
           <a:p>
-            <a:pPr marL="342900" marR="0" lvl="0" indent="-342900" algn="l" rtl="0">
-              <a:spcBef>
-                <a:spcPts val="0"/>
-              </a:spcBef>
-              <a:spcAft>
-                <a:spcPts val="0"/>
-              </a:spcAft>
+            <a:pPr marL="342900" lvl="0" indent="-342900">
               <a:buFontTx/>
               <a:buChar char="-"/>
             </a:pPr>
             <a:r>
-              <a:rPr lang="ro-RO" sz="2400" dirty="0" smtClean="0">
+              <a:rPr lang="ro-RO" sz="3200" dirty="0" smtClean="0">
                 <a:solidFill>
                   <a:schemeClr val="tx1"/>
                 </a:solidFill>
@@ -18506,9 +19667,160 @@
                 <a:cs typeface="Times New Roman" panose="02020603050405020304" pitchFamily="18" charset="0"/>
                 <a:sym typeface="Lato Light"/>
               </a:rPr>
-              <a:t>concluzie</a:t>
+              <a:t>Arhitectură </a:t>
             </a:r>
-            <a:endParaRPr lang="ro-RO" sz="2400" dirty="0" smtClean="0">
+            <a:r>
+              <a:rPr lang="ro-RO" sz="3200" dirty="0">
+                <a:solidFill>
+                  <a:schemeClr val="tx1"/>
+                </a:solidFill>
+                <a:latin typeface="Times New Roman" panose="02020603050405020304" pitchFamily="18" charset="0"/>
+                <a:cs typeface="Times New Roman" panose="02020603050405020304" pitchFamily="18" charset="0"/>
+                <a:sym typeface="Lato Light"/>
+              </a:rPr>
+              <a:t>bine </a:t>
+            </a:r>
+            <a:r>
+              <a:rPr lang="ro-RO" sz="3200" dirty="0" smtClean="0">
+                <a:solidFill>
+                  <a:schemeClr val="tx1"/>
+                </a:solidFill>
+                <a:latin typeface="Times New Roman" panose="02020603050405020304" pitchFamily="18" charset="0"/>
+                <a:cs typeface="Times New Roman" panose="02020603050405020304" pitchFamily="18" charset="0"/>
+                <a:sym typeface="Lato Light"/>
+              </a:rPr>
+              <a:t>construită.</a:t>
+            </a:r>
+          </a:p>
+          <a:p>
+            <a:pPr marL="342900" marR="0" lvl="0" indent="-342900" algn="l" rtl="0">
+              <a:spcBef>
+                <a:spcPts val="0"/>
+              </a:spcBef>
+              <a:spcAft>
+                <a:spcPts val="0"/>
+              </a:spcAft>
+              <a:buFontTx/>
+              <a:buChar char="-"/>
+            </a:pPr>
+            <a:endParaRPr lang="ro-RO" sz="3200" dirty="0" smtClean="0">
+              <a:solidFill>
+                <a:schemeClr val="tx1"/>
+              </a:solidFill>
+              <a:latin typeface="Times New Roman" panose="02020603050405020304" pitchFamily="18" charset="0"/>
+              <a:cs typeface="Times New Roman" panose="02020603050405020304" pitchFamily="18" charset="0"/>
+              <a:sym typeface="Lato Light"/>
+            </a:endParaRPr>
+          </a:p>
+          <a:p>
+            <a:pPr marL="342900" marR="0" lvl="0" indent="-342900" algn="l" rtl="0">
+              <a:spcBef>
+                <a:spcPts val="0"/>
+              </a:spcBef>
+              <a:spcAft>
+                <a:spcPts val="0"/>
+              </a:spcAft>
+              <a:buFontTx/>
+              <a:buChar char="-"/>
+            </a:pPr>
+            <a:r>
+              <a:rPr lang="ro-RO" sz="3200" dirty="0" smtClean="0">
+                <a:solidFill>
+                  <a:schemeClr val="tx1"/>
+                </a:solidFill>
+                <a:latin typeface="Times New Roman" panose="02020603050405020304" pitchFamily="18" charset="0"/>
+                <a:cs typeface="Times New Roman" panose="02020603050405020304" pitchFamily="18" charset="0"/>
+                <a:sym typeface="Lato Light"/>
+              </a:rPr>
+              <a:t>Consider că lucrarea și-a atins scopul.</a:t>
+            </a:r>
+          </a:p>
+          <a:p>
+            <a:pPr marL="342900" marR="0" lvl="0" indent="-342900" algn="l" rtl="0">
+              <a:spcBef>
+                <a:spcPts val="0"/>
+              </a:spcBef>
+              <a:spcAft>
+                <a:spcPts val="0"/>
+              </a:spcAft>
+              <a:buFontTx/>
+              <a:buChar char="-"/>
+            </a:pPr>
+            <a:endParaRPr lang="ro-RO" sz="3200" dirty="0" smtClean="0">
+              <a:solidFill>
+                <a:schemeClr val="tx1"/>
+              </a:solidFill>
+              <a:latin typeface="Times New Roman" panose="02020603050405020304" pitchFamily="18" charset="0"/>
+              <a:cs typeface="Times New Roman" panose="02020603050405020304" pitchFamily="18" charset="0"/>
+              <a:sym typeface="Lato Light"/>
+            </a:endParaRPr>
+          </a:p>
+          <a:p>
+            <a:pPr marL="342900" marR="0" lvl="0" indent="-342900" algn="l" rtl="0">
+              <a:spcBef>
+                <a:spcPts val="0"/>
+              </a:spcBef>
+              <a:spcAft>
+                <a:spcPts val="0"/>
+              </a:spcAft>
+              <a:buFontTx/>
+              <a:buChar char="-"/>
+            </a:pPr>
+            <a:r>
+              <a:rPr lang="ro-RO" sz="3200" dirty="0" smtClean="0">
+                <a:solidFill>
+                  <a:schemeClr val="tx1"/>
+                </a:solidFill>
+                <a:latin typeface="Times New Roman" panose="02020603050405020304" pitchFamily="18" charset="0"/>
+                <a:cs typeface="Times New Roman" panose="02020603050405020304" pitchFamily="18" charset="0"/>
+                <a:sym typeface="Lato Light"/>
+              </a:rPr>
+              <a:t>Demonstrarea avantajelor sistemului.</a:t>
+            </a:r>
+          </a:p>
+          <a:p>
+            <a:pPr marL="342900" marR="0" lvl="0" indent="-342900" algn="l" rtl="0">
+              <a:spcBef>
+                <a:spcPts val="0"/>
+              </a:spcBef>
+              <a:spcAft>
+                <a:spcPts val="0"/>
+              </a:spcAft>
+              <a:buFontTx/>
+              <a:buChar char="-"/>
+            </a:pPr>
+            <a:endParaRPr lang="ro-RO" sz="3200" dirty="0">
+              <a:solidFill>
+                <a:schemeClr val="tx1"/>
+              </a:solidFill>
+              <a:latin typeface="Times New Roman" panose="02020603050405020304" pitchFamily="18" charset="0"/>
+              <a:cs typeface="Times New Roman" panose="02020603050405020304" pitchFamily="18" charset="0"/>
+              <a:sym typeface="Lato Light"/>
+            </a:endParaRPr>
+          </a:p>
+          <a:p>
+            <a:pPr marL="342900" marR="0" lvl="0" indent="-342900" algn="l" rtl="0">
+              <a:spcBef>
+                <a:spcPts val="0"/>
+              </a:spcBef>
+              <a:spcAft>
+                <a:spcPts val="0"/>
+              </a:spcAft>
+              <a:buFontTx/>
+              <a:buChar char="-"/>
+            </a:pPr>
+            <a:r>
+              <a:rPr lang="ro-RO" sz="3200" dirty="0" smtClean="0">
+                <a:solidFill>
+                  <a:schemeClr val="tx1"/>
+                </a:solidFill>
+                <a:latin typeface="Times New Roman" panose="02020603050405020304" pitchFamily="18" charset="0"/>
+                <a:cs typeface="Times New Roman" panose="02020603050405020304" pitchFamily="18" charset="0"/>
+                <a:sym typeface="Lato Light"/>
+              </a:rPr>
+              <a:t>Experiență cu o gamă largă de tehnologii.</a:t>
+            </a:r>
+            <a:endParaRPr lang="ro-RO" sz="3200" dirty="0" smtClean="0">
               <a:solidFill>
                 <a:schemeClr val="tx1"/>
               </a:solidFill>
@@ -18539,7 +19851,7 @@
 </p:sld>
 </file>
 
-<file path=ppt/slides/slide13.xml><?xml version="1.0" encoding="utf-8"?>
+<file path=ppt/slides/slide14.xml><?xml version="1.0" encoding="utf-8"?>
 <p:sld xmlns:a="http://schemas.openxmlformats.org/drawingml/2006/main" xmlns:r="http://schemas.openxmlformats.org/officeDocument/2006/relationships" xmlns:p="http://schemas.openxmlformats.org/presentationml/2006/main">
   <p:cSld>
     <p:spTree>
@@ -18694,7 +20006,7 @@
 </p:sld>
 </file>
 
-<file path=ppt/slides/slide14.xml><?xml version="1.0" encoding="utf-8"?>
+<file path=ppt/slides/slide15.xml><?xml version="1.0" encoding="utf-8"?>
 <p:sld xmlns:a="http://schemas.openxmlformats.org/drawingml/2006/main" xmlns:r="http://schemas.openxmlformats.org/officeDocument/2006/relationships" xmlns:p="http://schemas.openxmlformats.org/presentationml/2006/main">
   <p:cSld>
     <p:spTree>
@@ -18955,52 +20267,72 @@
               </a:spcAft>
             </a:pPr>
             <a:r>
-              <a:rPr lang="ro-RO" sz="2800" dirty="0" smtClean="0">
+              <a:rPr lang="ro-RO" sz="3200" dirty="0" smtClean="0">
                 <a:solidFill>
                   <a:schemeClr val="tx1"/>
                 </a:solidFill>
-                <a:latin typeface="Lato Light"/>
+                <a:latin typeface="Times New Roman" panose="02020603050405020304" pitchFamily="18" charset="0"/>
                 <a:ea typeface="Lato Light"/>
-                <a:cs typeface="Lato Light"/>
+                <a:cs typeface="Times New Roman" panose="02020603050405020304" pitchFamily="18" charset="0"/>
                 <a:sym typeface="Lato Light"/>
               </a:rPr>
-              <a:t>1. Introducere</a:t>
+              <a:t>1</a:t>
             </a:r>
-          </a:p>
-          <a:p>
-            <a:pPr marR="0" lvl="0" algn="l" rtl="0">
-              <a:spcBef>
-                <a:spcPts val="0"/>
-              </a:spcBef>
-              <a:spcAft>
-                <a:spcPts val="0"/>
-              </a:spcAft>
-            </a:pPr>
             <a:r>
-              <a:rPr lang="ro-RO" sz="2800" dirty="0" smtClean="0">
+              <a:rPr lang="ro-RO" sz="3200" dirty="0" smtClean="0">
                 <a:solidFill>
                   <a:schemeClr val="tx1"/>
                 </a:solidFill>
-                <a:latin typeface="Lato Light"/>
+                <a:latin typeface="Times New Roman" panose="02020603050405020304" pitchFamily="18" charset="0"/>
+                <a:ea typeface="Lato Light"/>
+                <a:cs typeface="Times New Roman" panose="02020603050405020304" pitchFamily="18" charset="0"/>
                 <a:sym typeface="Lato Light"/>
               </a:rPr>
-              <a:t>2</a:t>
+              <a:t>.</a:t>
             </a:r>
             <a:r>
-              <a:rPr lang="ro-RO" sz="2800" dirty="0" smtClean="0">
+              <a:rPr lang="en-US" sz="3200" dirty="0" smtClean="0">
                 <a:solidFill>
                   <a:schemeClr val="tx1"/>
                 </a:solidFill>
-                <a:latin typeface="Lato Light"/>
+                <a:latin typeface="Times New Roman" panose="02020603050405020304" pitchFamily="18" charset="0"/>
+                <a:ea typeface="Lato Light"/>
+                <a:cs typeface="Times New Roman" panose="02020603050405020304" pitchFamily="18" charset="0"/>
                 <a:sym typeface="Lato Light"/>
               </a:rPr>
-              <a:t>. Arhitectura sistemului</a:t>
+              <a:t> Motiva</a:t>
             </a:r>
-            <a:endParaRPr lang="en-US" sz="2800" dirty="0" smtClean="0">
+            <a:r>
+              <a:rPr lang="ro-RO" sz="3200" dirty="0" smtClean="0">
+                <a:solidFill>
+                  <a:schemeClr val="tx1"/>
+                </a:solidFill>
+                <a:latin typeface="Times New Roman" panose="02020603050405020304" pitchFamily="18" charset="0"/>
+                <a:ea typeface="Lato Light"/>
+                <a:cs typeface="Times New Roman" panose="02020603050405020304" pitchFamily="18" charset="0"/>
+                <a:sym typeface="Lato Light"/>
+              </a:rPr>
+              <a:t>ție</a:t>
+            </a:r>
+            <a:r>
+              <a:rPr lang="ro-RO" sz="3200" dirty="0" smtClean="0">
+                <a:solidFill>
+                  <a:schemeClr val="tx1"/>
+                </a:solidFill>
+                <a:latin typeface="Times New Roman" panose="02020603050405020304" pitchFamily="18" charset="0"/>
+                <a:ea typeface="Lato Light"/>
+                <a:cs typeface="Times New Roman" panose="02020603050405020304" pitchFamily="18" charset="0"/>
+                <a:sym typeface="Lato Light"/>
+              </a:rPr>
+              <a:t> </a:t>
+            </a:r>
+            <a:endParaRPr lang="en-US" sz="3200" dirty="0" smtClean="0">
               <a:solidFill>
                 <a:schemeClr val="tx1"/>
               </a:solidFill>
-              <a:latin typeface="Lato Light"/>
+              <a:latin typeface="Times New Roman" panose="02020603050405020304" pitchFamily="18" charset="0"/>
+              <a:ea typeface="Lato Light"/>
+              <a:cs typeface="Times New Roman" panose="02020603050405020304" pitchFamily="18" charset="0"/>
               <a:sym typeface="Lato Light"/>
             </a:endParaRPr>
           </a:p>
@@ -19014,40 +20346,280 @@
               </a:spcAft>
             </a:pPr>
             <a:r>
-              <a:rPr lang="en-US" sz="2800" dirty="0" smtClean="0">
+              <a:rPr lang="en-US" sz="3200" dirty="0" smtClean="0">
                 <a:solidFill>
                   <a:schemeClr val="tx1"/>
                 </a:solidFill>
-                <a:latin typeface="Lato Light"/>
+                <a:latin typeface="Times New Roman" panose="02020603050405020304" pitchFamily="18" charset="0"/>
+                <a:ea typeface="Lato Light"/>
+                <a:cs typeface="Times New Roman" panose="02020603050405020304" pitchFamily="18" charset="0"/>
                 <a:sym typeface="Lato Light"/>
               </a:rPr>
-              <a:t>3. </a:t>
+              <a:t>2. </a:t>
             </a:r>
             <a:r>
-              <a:rPr lang="en-US" sz="2800" dirty="0" err="1" smtClean="0">
+              <a:rPr lang="ro-RO" sz="3200" dirty="0" smtClean="0">
                 <a:solidFill>
                   <a:schemeClr val="tx1"/>
                 </a:solidFill>
-                <a:latin typeface="Lato Light"/>
+                <a:latin typeface="Times New Roman" panose="02020603050405020304" pitchFamily="18" charset="0"/>
+                <a:ea typeface="Lato Light"/>
+                <a:cs typeface="Times New Roman" panose="02020603050405020304" pitchFamily="18" charset="0"/>
+                <a:sym typeface="Lato Light"/>
+              </a:rPr>
+              <a:t>Ce este Smart Home?</a:t>
+            </a:r>
+          </a:p>
+          <a:p>
+            <a:pPr marR="0" lvl="0" algn="l" rtl="0">
+              <a:spcBef>
+                <a:spcPts val="0"/>
+              </a:spcBef>
+              <a:spcAft>
+                <a:spcPts val="0"/>
+              </a:spcAft>
+            </a:pPr>
+            <a:r>
+              <a:rPr lang="en-US" sz="3200" dirty="0" smtClean="0">
+                <a:solidFill>
+                  <a:schemeClr val="tx1"/>
+                </a:solidFill>
+                <a:latin typeface="Times New Roman" panose="02020603050405020304" pitchFamily="18" charset="0"/>
+                <a:cs typeface="Times New Roman" panose="02020603050405020304" pitchFamily="18" charset="0"/>
+                <a:sym typeface="Lato Light"/>
+              </a:rPr>
+              <a:t>3.</a:t>
+            </a:r>
+            <a:r>
+              <a:rPr lang="ro-RO" sz="3200" dirty="0" smtClean="0">
+                <a:solidFill>
+                  <a:schemeClr val="tx1"/>
+                </a:solidFill>
+                <a:latin typeface="Times New Roman" panose="02020603050405020304" pitchFamily="18" charset="0"/>
+                <a:cs typeface="Times New Roman" panose="02020603050405020304" pitchFamily="18" charset="0"/>
+                <a:sym typeface="Lato Light"/>
+              </a:rPr>
+              <a:t> </a:t>
+            </a:r>
+            <a:r>
+              <a:rPr lang="ro-RO" sz="3200" dirty="0" smtClean="0">
+                <a:solidFill>
+                  <a:schemeClr val="tx1"/>
+                </a:solidFill>
+                <a:latin typeface="Times New Roman" panose="02020603050405020304" pitchFamily="18" charset="0"/>
+                <a:cs typeface="Times New Roman" panose="02020603050405020304" pitchFamily="18" charset="0"/>
+                <a:sym typeface="Lato Light"/>
+              </a:rPr>
+              <a:t>Arhitectura sistemului</a:t>
+            </a:r>
+            <a:endParaRPr lang="en-US" sz="3200" dirty="0" smtClean="0">
+              <a:solidFill>
+                <a:schemeClr val="tx1"/>
+              </a:solidFill>
+              <a:latin typeface="Times New Roman" panose="02020603050405020304" pitchFamily="18" charset="0"/>
+              <a:cs typeface="Times New Roman" panose="02020603050405020304" pitchFamily="18" charset="0"/>
+              <a:sym typeface="Lato Light"/>
+            </a:endParaRPr>
+          </a:p>
+          <a:p>
+            <a:pPr marR="0" lvl="0" algn="l" rtl="0">
+              <a:spcBef>
+                <a:spcPts val="0"/>
+              </a:spcBef>
+              <a:spcAft>
+                <a:spcPts val="0"/>
+              </a:spcAft>
+            </a:pPr>
+            <a:r>
+              <a:rPr lang="en-US" sz="3200" dirty="0">
+                <a:solidFill>
+                  <a:schemeClr val="tx1"/>
+                </a:solidFill>
+                <a:latin typeface="Times New Roman" panose="02020603050405020304" pitchFamily="18" charset="0"/>
+                <a:cs typeface="Times New Roman" panose="02020603050405020304" pitchFamily="18" charset="0"/>
+                <a:sym typeface="Lato Light"/>
+              </a:rPr>
+              <a:t>4</a:t>
+            </a:r>
+            <a:r>
+              <a:rPr lang="en-US" sz="3200" dirty="0" smtClean="0">
+                <a:solidFill>
+                  <a:schemeClr val="tx1"/>
+                </a:solidFill>
+                <a:latin typeface="Times New Roman" panose="02020603050405020304" pitchFamily="18" charset="0"/>
+                <a:cs typeface="Times New Roman" panose="02020603050405020304" pitchFamily="18" charset="0"/>
+                <a:sym typeface="Lato Light"/>
+              </a:rPr>
+              <a:t>. </a:t>
+            </a:r>
+            <a:r>
+              <a:rPr lang="en-US" sz="3200" dirty="0" err="1" smtClean="0">
+                <a:solidFill>
+                  <a:schemeClr val="tx1"/>
+                </a:solidFill>
+                <a:latin typeface="Times New Roman" panose="02020603050405020304" pitchFamily="18" charset="0"/>
+                <a:cs typeface="Times New Roman" panose="02020603050405020304" pitchFamily="18" charset="0"/>
                 <a:sym typeface="Lato Light"/>
               </a:rPr>
               <a:t>Aplica</a:t>
             </a:r>
             <a:r>
-              <a:rPr lang="ro-RO" sz="2800" dirty="0" smtClean="0">
+              <a:rPr lang="ro-RO" sz="3200" dirty="0" smtClean="0">
                 <a:solidFill>
                   <a:schemeClr val="tx1"/>
                 </a:solidFill>
-                <a:latin typeface="Lato Light"/>
+                <a:latin typeface="Times New Roman" panose="02020603050405020304" pitchFamily="18" charset="0"/>
+                <a:cs typeface="Times New Roman" panose="02020603050405020304" pitchFamily="18" charset="0"/>
                 <a:sym typeface="Lato Light"/>
               </a:rPr>
               <a:t>ția web</a:t>
             </a:r>
-            <a:endParaRPr lang="ro-RO" sz="2800" dirty="0" smtClean="0">
+          </a:p>
+          <a:p>
+            <a:pPr marR="0" lvl="0" algn="l" rtl="0">
+              <a:spcBef>
+                <a:spcPts val="0"/>
+              </a:spcBef>
+              <a:spcAft>
+                <a:spcPts val="0"/>
+              </a:spcAft>
+            </a:pPr>
+            <a:r>
+              <a:rPr lang="en-US" sz="3200" dirty="0">
+                <a:solidFill>
+                  <a:schemeClr val="tx1"/>
+                </a:solidFill>
+                <a:latin typeface="Times New Roman" panose="02020603050405020304" pitchFamily="18" charset="0"/>
+                <a:cs typeface="Times New Roman" panose="02020603050405020304" pitchFamily="18" charset="0"/>
+                <a:sym typeface="Lato Light"/>
+              </a:rPr>
+              <a:t>5</a:t>
+            </a:r>
+            <a:r>
+              <a:rPr lang="ro-RO" sz="3200" dirty="0" smtClean="0">
+                <a:solidFill>
+                  <a:schemeClr val="tx1"/>
+                </a:solidFill>
+                <a:latin typeface="Times New Roman" panose="02020603050405020304" pitchFamily="18" charset="0"/>
+                <a:cs typeface="Times New Roman" panose="02020603050405020304" pitchFamily="18" charset="0"/>
+                <a:sym typeface="Lato Light"/>
+              </a:rPr>
+              <a:t>. </a:t>
+            </a:r>
+            <a:r>
+              <a:rPr lang="ro-RO" sz="3200" dirty="0" smtClean="0">
+                <a:solidFill>
+                  <a:schemeClr val="tx1"/>
+                </a:solidFill>
+                <a:latin typeface="Times New Roman" panose="02020603050405020304" pitchFamily="18" charset="0"/>
+                <a:cs typeface="Times New Roman" panose="02020603050405020304" pitchFamily="18" charset="0"/>
+                <a:sym typeface="Lato Light"/>
+              </a:rPr>
+              <a:t>Server REST Java</a:t>
+            </a:r>
+          </a:p>
+          <a:p>
+            <a:pPr marR="0" lvl="0" algn="l" rtl="0">
+              <a:spcBef>
+                <a:spcPts val="0"/>
+              </a:spcBef>
+              <a:spcAft>
+                <a:spcPts val="0"/>
+              </a:spcAft>
+            </a:pPr>
+            <a:r>
+              <a:rPr lang="en-US" sz="3200" dirty="0">
+                <a:solidFill>
+                  <a:schemeClr val="tx1"/>
+                </a:solidFill>
+                <a:latin typeface="Times New Roman" panose="02020603050405020304" pitchFamily="18" charset="0"/>
+                <a:cs typeface="Times New Roman" panose="02020603050405020304" pitchFamily="18" charset="0"/>
+                <a:sym typeface="Lato Light"/>
+              </a:rPr>
+              <a:t>6</a:t>
+            </a:r>
+            <a:r>
+              <a:rPr lang="ro-RO" sz="3200" dirty="0" smtClean="0">
+                <a:solidFill>
+                  <a:schemeClr val="tx1"/>
+                </a:solidFill>
+                <a:latin typeface="Times New Roman" panose="02020603050405020304" pitchFamily="18" charset="0"/>
+                <a:cs typeface="Times New Roman" panose="02020603050405020304" pitchFamily="18" charset="0"/>
+                <a:sym typeface="Lato Light"/>
+              </a:rPr>
+              <a:t>. </a:t>
+            </a:r>
+            <a:r>
+              <a:rPr lang="ro-RO" sz="3200" dirty="0" smtClean="0">
+                <a:solidFill>
+                  <a:schemeClr val="tx1"/>
+                </a:solidFill>
+                <a:latin typeface="Times New Roman" panose="02020603050405020304" pitchFamily="18" charset="0"/>
+                <a:cs typeface="Times New Roman" panose="02020603050405020304" pitchFamily="18" charset="0"/>
+                <a:sym typeface="Lato Light"/>
+              </a:rPr>
+              <a:t>Dispozitive inteligente</a:t>
+            </a:r>
+          </a:p>
+          <a:p>
+            <a:pPr marR="0" lvl="0" algn="l" rtl="0">
+              <a:spcBef>
+                <a:spcPts val="0"/>
+              </a:spcBef>
+              <a:spcAft>
+                <a:spcPts val="0"/>
+              </a:spcAft>
+            </a:pPr>
+            <a:r>
+              <a:rPr lang="en-US" sz="3200" dirty="0">
+                <a:solidFill>
+                  <a:schemeClr val="tx1"/>
+                </a:solidFill>
+                <a:latin typeface="Times New Roman" panose="02020603050405020304" pitchFamily="18" charset="0"/>
+                <a:cs typeface="Times New Roman" panose="02020603050405020304" pitchFamily="18" charset="0"/>
+                <a:sym typeface="Lato Light"/>
+              </a:rPr>
+              <a:t>7</a:t>
+            </a:r>
+            <a:r>
+              <a:rPr lang="ro-RO" sz="3200" dirty="0" smtClean="0">
+                <a:solidFill>
+                  <a:schemeClr val="tx1"/>
+                </a:solidFill>
+                <a:latin typeface="Times New Roman" panose="02020603050405020304" pitchFamily="18" charset="0"/>
+                <a:cs typeface="Times New Roman" panose="02020603050405020304" pitchFamily="18" charset="0"/>
+                <a:sym typeface="Lato Light"/>
+              </a:rPr>
+              <a:t>. </a:t>
+            </a:r>
+            <a:r>
+              <a:rPr lang="ro-RO" sz="3200" dirty="0" smtClean="0">
+                <a:solidFill>
+                  <a:schemeClr val="tx1"/>
+                </a:solidFill>
+                <a:latin typeface="Times New Roman" panose="02020603050405020304" pitchFamily="18" charset="0"/>
+                <a:cs typeface="Times New Roman" panose="02020603050405020304" pitchFamily="18" charset="0"/>
+                <a:sym typeface="Lato Light"/>
+              </a:rPr>
+              <a:t>Dispozitive </a:t>
+            </a:r>
+            <a:r>
+              <a:rPr lang="ro-RO" sz="3200" dirty="0" smtClean="0">
+                <a:solidFill>
+                  <a:schemeClr val="tx1"/>
+                </a:solidFill>
+                <a:latin typeface="Times New Roman" panose="02020603050405020304" pitchFamily="18" charset="0"/>
+                <a:cs typeface="Times New Roman" panose="02020603050405020304" pitchFamily="18" charset="0"/>
+                <a:sym typeface="Lato Light"/>
+              </a:rPr>
+              <a:t>utilizate</a:t>
+            </a:r>
+            <a:endParaRPr lang="ro-RO" sz="3200" dirty="0" smtClean="0">
               <a:solidFill>
                 <a:schemeClr val="tx1"/>
               </a:solidFill>
-              <a:latin typeface="Lato Light"/>
+              <a:latin typeface="Times New Roman" panose="02020603050405020304" pitchFamily="18" charset="0"/>
+              <a:cs typeface="Times New Roman" panose="02020603050405020304" pitchFamily="18" charset="0"/>
               <a:sym typeface="Lato Light"/>
             </a:endParaRPr>
           </a:p>
@@ -19061,148 +20633,77 @@
               </a:spcAft>
             </a:pPr>
             <a:r>
-              <a:rPr lang="ro-RO" sz="2800" dirty="0">
+              <a:rPr lang="en-US" sz="3200" dirty="0">
                 <a:solidFill>
                   <a:schemeClr val="tx1"/>
                 </a:solidFill>
-                <a:latin typeface="Lato Light"/>
-                <a:sym typeface="Lato Light"/>
-              </a:rPr>
-              <a:t>4</a:t>
-            </a:r>
-            <a:r>
-              <a:rPr lang="ro-RO" sz="2800" dirty="0" smtClean="0">
-                <a:solidFill>
-                  <a:schemeClr val="tx1"/>
-                </a:solidFill>
-                <a:latin typeface="Lato Light"/>
-                <a:sym typeface="Lato Light"/>
-              </a:rPr>
-              <a:t>. Server REST Java</a:t>
-            </a:r>
-          </a:p>
-          <a:p>
-            <a:pPr marR="0" lvl="0" algn="l" rtl="0">
-              <a:spcBef>
-                <a:spcPts val="0"/>
-              </a:spcBef>
-              <a:spcAft>
-                <a:spcPts val="0"/>
-              </a:spcAft>
-            </a:pPr>
-            <a:r>
-              <a:rPr lang="ro-RO" sz="2800" dirty="0" smtClean="0">
-                <a:solidFill>
-                  <a:schemeClr val="tx1"/>
-                </a:solidFill>
-                <a:latin typeface="Lato Light"/>
-                <a:sym typeface="Lato Light"/>
-              </a:rPr>
-              <a:t>5. Dispozitive inteligente</a:t>
-            </a:r>
-          </a:p>
-          <a:p>
-            <a:pPr marR="0" lvl="0" algn="l" rtl="0">
-              <a:spcBef>
-                <a:spcPts val="0"/>
-              </a:spcBef>
-              <a:spcAft>
-                <a:spcPts val="0"/>
-              </a:spcAft>
-            </a:pPr>
-            <a:r>
-              <a:rPr lang="ro-RO" sz="2800" dirty="0" smtClean="0">
-                <a:solidFill>
-                  <a:schemeClr val="tx1"/>
-                </a:solidFill>
-                <a:latin typeface="Lato Light"/>
-                <a:sym typeface="Lato Light"/>
-              </a:rPr>
-              <a:t>6. Dispozitive implementate</a:t>
-            </a:r>
-            <a:endParaRPr lang="ro-RO" sz="2800" dirty="0" smtClean="0">
-              <a:solidFill>
-                <a:schemeClr val="tx1"/>
-              </a:solidFill>
-              <a:latin typeface="Lato Light"/>
-              <a:sym typeface="Lato Light"/>
-            </a:endParaRPr>
-          </a:p>
-          <a:p>
-            <a:pPr marR="0" lvl="0" algn="l" rtl="0">
-              <a:spcBef>
-                <a:spcPts val="0"/>
-              </a:spcBef>
-              <a:spcAft>
-                <a:spcPts val="0"/>
-              </a:spcAft>
-            </a:pPr>
-            <a:r>
-              <a:rPr lang="ro-RO" sz="2800" dirty="0">
-                <a:solidFill>
-                  <a:schemeClr val="tx1"/>
-                </a:solidFill>
-                <a:latin typeface="Lato Light"/>
-                <a:sym typeface="Lato Light"/>
-              </a:rPr>
-              <a:t>7</a:t>
-            </a:r>
-            <a:r>
-              <a:rPr lang="ro-RO" sz="2800" dirty="0" smtClean="0">
-                <a:solidFill>
-                  <a:schemeClr val="tx1"/>
-                </a:solidFill>
-                <a:latin typeface="Lato Light"/>
-                <a:sym typeface="Lato Light"/>
-              </a:rPr>
-              <a:t>. Direcții </a:t>
-            </a:r>
-            <a:r>
-              <a:rPr lang="ro-RO" sz="2800" dirty="0" smtClean="0">
-                <a:solidFill>
-                  <a:schemeClr val="tx1"/>
-                </a:solidFill>
-                <a:latin typeface="Lato Light"/>
-                <a:sym typeface="Lato Light"/>
-              </a:rPr>
-              <a:t>de dezvoltare</a:t>
-            </a:r>
-          </a:p>
-          <a:p>
-            <a:pPr marR="0" lvl="0" algn="l" rtl="0">
-              <a:spcBef>
-                <a:spcPts val="0"/>
-              </a:spcBef>
-              <a:spcAft>
-                <a:spcPts val="0"/>
-              </a:spcAft>
-            </a:pPr>
-            <a:r>
-              <a:rPr lang="ro-RO" sz="2800" dirty="0">
-                <a:solidFill>
-                  <a:schemeClr val="tx1"/>
-                </a:solidFill>
-                <a:latin typeface="Lato Light"/>
+                <a:latin typeface="Times New Roman" panose="02020603050405020304" pitchFamily="18" charset="0"/>
+                <a:cs typeface="Times New Roman" panose="02020603050405020304" pitchFamily="18" charset="0"/>
                 <a:sym typeface="Lato Light"/>
               </a:rPr>
               <a:t>8</a:t>
             </a:r>
             <a:r>
-              <a:rPr lang="ro-RO" sz="2800" dirty="0" smtClean="0">
+              <a:rPr lang="ro-RO" sz="3200" dirty="0" smtClean="0">
                 <a:solidFill>
                   <a:schemeClr val="tx1"/>
                 </a:solidFill>
-                <a:latin typeface="Lato Light"/>
+                <a:latin typeface="Times New Roman" panose="02020603050405020304" pitchFamily="18" charset="0"/>
+                <a:cs typeface="Times New Roman" panose="02020603050405020304" pitchFamily="18" charset="0"/>
                 <a:sym typeface="Lato Light"/>
               </a:rPr>
               <a:t>. </a:t>
             </a:r>
             <a:r>
-              <a:rPr lang="ro-RO" sz="2800" dirty="0" smtClean="0">
+              <a:rPr lang="ro-RO" sz="3200" dirty="0" smtClean="0">
                 <a:solidFill>
                   <a:schemeClr val="tx1"/>
                 </a:solidFill>
-                <a:latin typeface="Lato Light"/>
+                <a:latin typeface="Times New Roman" panose="02020603050405020304" pitchFamily="18" charset="0"/>
+                <a:cs typeface="Times New Roman" panose="02020603050405020304" pitchFamily="18" charset="0"/>
+                <a:sym typeface="Lato Light"/>
+              </a:rPr>
+              <a:t>Direcții de dezvoltare</a:t>
+            </a:r>
+          </a:p>
+          <a:p>
+            <a:pPr marR="0" lvl="0" algn="l" rtl="0">
+              <a:spcBef>
+                <a:spcPts val="0"/>
+              </a:spcBef>
+              <a:spcAft>
+                <a:spcPts val="0"/>
+              </a:spcAft>
+            </a:pPr>
+            <a:r>
+              <a:rPr lang="en-US" sz="3200" dirty="0">
+                <a:solidFill>
+                  <a:schemeClr val="tx1"/>
+                </a:solidFill>
+                <a:latin typeface="Times New Roman" panose="02020603050405020304" pitchFamily="18" charset="0"/>
+                <a:cs typeface="Times New Roman" panose="02020603050405020304" pitchFamily="18" charset="0"/>
+                <a:sym typeface="Lato Light"/>
+              </a:rPr>
+              <a:t>9</a:t>
+            </a:r>
+            <a:r>
+              <a:rPr lang="ro-RO" sz="3200" dirty="0" smtClean="0">
+                <a:solidFill>
+                  <a:schemeClr val="tx1"/>
+                </a:solidFill>
+                <a:latin typeface="Times New Roman" panose="02020603050405020304" pitchFamily="18" charset="0"/>
+                <a:cs typeface="Times New Roman" panose="02020603050405020304" pitchFamily="18" charset="0"/>
+                <a:sym typeface="Lato Light"/>
+              </a:rPr>
+              <a:t>. </a:t>
+            </a:r>
+            <a:r>
+              <a:rPr lang="ro-RO" sz="3200" dirty="0" smtClean="0">
+                <a:solidFill>
+                  <a:schemeClr val="tx1"/>
+                </a:solidFill>
+                <a:latin typeface="Times New Roman" panose="02020603050405020304" pitchFamily="18" charset="0"/>
+                <a:cs typeface="Times New Roman" panose="02020603050405020304" pitchFamily="18" charset="0"/>
                 <a:sym typeface="Lato Light"/>
               </a:rPr>
               <a:t>Concluzii</a:t>
@@ -19218,7 +20719,7 @@
               </a:spcAft>
               <a:buAutoNum type="arabicPeriod"/>
             </a:pPr>
-            <a:endParaRPr sz="3200" dirty="0">
+            <a:endParaRPr sz="3600" dirty="0">
               <a:solidFill>
                 <a:schemeClr val="tx1"/>
               </a:solidFill>
@@ -19406,6 +20907,36 @@
           <a:chExt cx="0" cy="0"/>
         </a:xfrm>
       </p:grpSpPr>
+      <p:pic>
+        <p:nvPicPr>
+          <p:cNvPr id="7" name="Picture 6"/>
+          <p:cNvPicPr>
+            <a:picLocks noChangeAspect="1"/>
+          </p:cNvPicPr>
+          <p:nvPr/>
+        </p:nvPicPr>
+        <p:blipFill>
+          <a:blip r:embed="rId3">
+            <a:extLst>
+              <a:ext uri="{28A0092B-C50C-407E-A947-70E740481C1C}">
+                <a14:useLocalDpi xmlns:a14="http://schemas.microsoft.com/office/drawing/2010/main" val="0"/>
+              </a:ext>
+            </a:extLst>
+          </a:blip>
+          <a:stretch>
+            <a:fillRect/>
+          </a:stretch>
+        </p:blipFill>
+        <p:spPr>
+          <a:xfrm>
+            <a:off x="4021108" y="3271633"/>
+            <a:ext cx="3449842" cy="3449842"/>
+          </a:xfrm>
+          <a:prstGeom prst="rect">
+            <a:avLst/>
+          </a:prstGeom>
+        </p:spPr>
+      </p:pic>
       <p:sp>
         <p:nvSpPr>
           <p:cNvPr id="112" name="Shape 112"/>
@@ -19431,17 +20962,16 @@
           </a:bodyPr>
           <a:lstStyle/>
           <a:p>
-            <a:pPr marL="0" marR="0" lvl="0" indent="0" algn="l" rtl="0">
-              <a:spcBef>
-                <a:spcPts val="0"/>
-              </a:spcBef>
-              <a:spcAft>
-                <a:spcPts val="0"/>
-              </a:spcAft>
-              <a:buNone/>
+            <a:pPr marR="0" lvl="0" algn="l" rtl="0">
+              <a:spcBef>
+                <a:spcPts val="0"/>
+              </a:spcBef>
+              <a:spcAft>
+                <a:spcPts val="0"/>
+              </a:spcAft>
             </a:pPr>
             <a:r>
-              <a:rPr lang="ro-RO" sz="4800" b="0" i="0" u="none" strike="noStrike" cap="none" dirty="0" smtClean="0">
+              <a:rPr lang="en-US" sz="4800" dirty="0">
                 <a:solidFill>
                   <a:schemeClr val="dk1"/>
                 </a:solidFill>
@@ -19450,102 +20980,21 @@
                 <a:cs typeface="Montserrat"/>
                 <a:sym typeface="Montserrat"/>
               </a:rPr>
-              <a:t>1. Introducere</a:t>
+              <a:t>M</a:t>
+            </a:r>
+            <a:r>
+              <a:rPr lang="ro-RO" sz="4800" b="0" i="0" u="none" strike="noStrike" cap="none" dirty="0" smtClean="0">
+                <a:solidFill>
+                  <a:schemeClr val="dk1"/>
+                </a:solidFill>
+                <a:latin typeface="Montserrat"/>
+                <a:ea typeface="Montserrat"/>
+                <a:cs typeface="Montserrat"/>
+                <a:sym typeface="Montserrat"/>
+              </a:rPr>
+              <a:t>otivație</a:t>
             </a:r>
             <a:endParaRPr dirty="0"/>
-          </a:p>
-        </p:txBody>
-      </p:sp>
-      <p:sp>
-        <p:nvSpPr>
-          <p:cNvPr id="113" name="Shape 113"/>
-          <p:cNvSpPr txBox="1"/>
-          <p:nvPr/>
-        </p:nvSpPr>
-        <p:spPr>
-          <a:xfrm>
-            <a:off x="660903" y="1611516"/>
-            <a:ext cx="9322809" cy="4245660"/>
-          </a:xfrm>
-          <a:prstGeom prst="rect">
-            <a:avLst/>
-          </a:prstGeom>
-          <a:noFill/>
-          <a:ln>
-            <a:noFill/>
-          </a:ln>
-        </p:spPr>
-        <p:txBody>
-          <a:bodyPr spcFirstLastPara="1" wrap="square" lIns="91425" tIns="45700" rIns="91425" bIns="45700" anchor="t" anchorCtr="0">
-            <a:noAutofit/>
-          </a:bodyPr>
-          <a:lstStyle/>
-          <a:p>
-            <a:pPr marL="457200" marR="0" lvl="0" indent="-457200" algn="l" rtl="0">
-              <a:spcBef>
-                <a:spcPts val="0"/>
-              </a:spcBef>
-              <a:spcAft>
-                <a:spcPts val="0"/>
-              </a:spcAft>
-              <a:buFontTx/>
-              <a:buChar char="-"/>
-            </a:pPr>
-            <a:r>
-              <a:rPr lang="ro-RO" sz="2800" dirty="0" smtClean="0">
-                <a:solidFill>
-                  <a:schemeClr val="tx1"/>
-                </a:solidFill>
-                <a:latin typeface="Lato Light"/>
-                <a:sym typeface="Lato Light"/>
-              </a:rPr>
-              <a:t>De ce Smart Home?</a:t>
-            </a:r>
-          </a:p>
-          <a:p>
-            <a:pPr marL="457200" marR="0" lvl="0" indent="-457200" algn="l" rtl="0">
-              <a:spcBef>
-                <a:spcPts val="0"/>
-              </a:spcBef>
-              <a:spcAft>
-                <a:spcPts val="0"/>
-              </a:spcAft>
-              <a:buFontTx/>
-              <a:buChar char="-"/>
-            </a:pPr>
-            <a:r>
-              <a:rPr lang="ro-RO" sz="2800" dirty="0" smtClean="0">
-                <a:solidFill>
-                  <a:schemeClr val="tx1"/>
-                </a:solidFill>
-                <a:latin typeface="Lato Light"/>
-                <a:sym typeface="Lato Light"/>
-              </a:rPr>
-              <a:t>etc</a:t>
-            </a:r>
-            <a:endParaRPr lang="ro-RO" sz="2800" dirty="0" smtClean="0">
-              <a:solidFill>
-                <a:schemeClr val="tx1"/>
-              </a:solidFill>
-              <a:latin typeface="Lato Light"/>
-              <a:sym typeface="Lato Light"/>
-            </a:endParaRPr>
-          </a:p>
-          <a:p>
-            <a:pPr marL="342900" marR="0" lvl="0" indent="-342900" algn="l" rtl="0">
-              <a:spcBef>
-                <a:spcPts val="0"/>
-              </a:spcBef>
-              <a:spcAft>
-                <a:spcPts val="0"/>
-              </a:spcAft>
-              <a:buAutoNum type="arabicPeriod"/>
-            </a:pPr>
-            <a:endParaRPr sz="3200" dirty="0">
-              <a:solidFill>
-                <a:schemeClr val="tx1"/>
-              </a:solidFill>
-            </a:endParaRPr>
           </a:p>
         </p:txBody>
       </p:sp>
@@ -19606,7 +21055,7 @@
           <p:nvPr/>
         </p:nvPicPr>
         <p:blipFill>
-          <a:blip r:embed="rId3">
+          <a:blip r:embed="rId4">
             <a:extLst>
               <a:ext uri="{28A0092B-C50C-407E-A947-70E740481C1C}">
                 <a14:useLocalDpi xmlns:a14="http://schemas.microsoft.com/office/drawing/2010/main"/>
@@ -19647,7 +21096,7 @@
           <p:nvPr/>
         </p:nvPicPr>
         <p:blipFill>
-          <a:blip r:embed="rId4" cstate="print">
+          <a:blip r:embed="rId5" cstate="print">
             <a:extLst>
               <a:ext uri="{28A0092B-C50C-407E-A947-70E740481C1C}">
                 <a14:useLocalDpi xmlns:a14="http://schemas.microsoft.com/office/drawing/2010/main"/>
@@ -19689,6 +21138,342 @@
               <a:t>3</a:t>
             </a:fld>
             <a:endParaRPr lang="en-PH" dirty="0"/>
+          </a:p>
+        </p:txBody>
+      </p:sp>
+      <p:sp>
+        <p:nvSpPr>
+          <p:cNvPr id="8" name="Shape 113"/>
+          <p:cNvSpPr txBox="1"/>
+          <p:nvPr/>
+        </p:nvSpPr>
+        <p:spPr>
+          <a:xfrm>
+            <a:off x="660904" y="1549524"/>
+            <a:ext cx="6413132" cy="565818"/>
+          </a:xfrm>
+          <a:prstGeom prst="rect">
+            <a:avLst/>
+          </a:prstGeom>
+          <a:noFill/>
+          <a:ln>
+            <a:noFill/>
+          </a:ln>
+        </p:spPr>
+        <p:txBody>
+          <a:bodyPr spcFirstLastPara="1" wrap="square" lIns="91425" tIns="45700" rIns="91425" bIns="45700" anchor="t" anchorCtr="0">
+            <a:noAutofit/>
+          </a:bodyPr>
+          <a:lstStyle/>
+          <a:p>
+            <a:pPr marL="342900" lvl="0" indent="-342900">
+              <a:buFontTx/>
+              <a:buChar char="-"/>
+            </a:pPr>
+            <a:r>
+              <a:rPr lang="ro-RO" sz="2400" dirty="0" smtClean="0">
+                <a:solidFill>
+                  <a:schemeClr val="tx1"/>
+                </a:solidFill>
+                <a:latin typeface="Times New Roman" panose="02020603050405020304" pitchFamily="18" charset="0"/>
+                <a:cs typeface="Times New Roman" panose="02020603050405020304" pitchFamily="18" charset="0"/>
+                <a:sym typeface="Lato Light"/>
+              </a:rPr>
+              <a:t>L</a:t>
+            </a:r>
+            <a:r>
+              <a:rPr lang="ro-RO" sz="2400" dirty="0" smtClean="0">
+                <a:solidFill>
+                  <a:schemeClr val="tx1"/>
+                </a:solidFill>
+                <a:latin typeface="Times New Roman" panose="02020603050405020304" pitchFamily="18" charset="0"/>
+                <a:cs typeface="Times New Roman" panose="02020603050405020304" pitchFamily="18" charset="0"/>
+                <a:sym typeface="Lato Light"/>
+              </a:rPr>
+              <a:t>iteratura științifico-fantastică - </a:t>
+            </a:r>
+            <a:r>
+              <a:rPr lang="en-US" sz="2400" dirty="0" smtClean="0">
+                <a:solidFill>
+                  <a:schemeClr val="tx1"/>
+                </a:solidFill>
+                <a:latin typeface="Times New Roman" panose="02020603050405020304" pitchFamily="18" charset="0"/>
+                <a:cs typeface="Times New Roman" panose="02020603050405020304" pitchFamily="18" charset="0"/>
+                <a:sym typeface="Lato Light"/>
+              </a:rPr>
+              <a:t>Ray</a:t>
+            </a:r>
+            <a:r>
+              <a:rPr lang="ro-RO" sz="2400" dirty="0" smtClean="0">
+                <a:solidFill>
+                  <a:schemeClr val="tx1"/>
+                </a:solidFill>
+                <a:latin typeface="Times New Roman" panose="02020603050405020304" pitchFamily="18" charset="0"/>
+                <a:cs typeface="Times New Roman" panose="02020603050405020304" pitchFamily="18" charset="0"/>
+                <a:sym typeface="Lato Light"/>
+              </a:rPr>
+              <a:t> </a:t>
+            </a:r>
+            <a:r>
+              <a:rPr lang="en-US" sz="2400" dirty="0" smtClean="0">
+                <a:solidFill>
+                  <a:schemeClr val="tx1"/>
+                </a:solidFill>
+                <a:latin typeface="Times New Roman" panose="02020603050405020304" pitchFamily="18" charset="0"/>
+                <a:cs typeface="Times New Roman" panose="02020603050405020304" pitchFamily="18" charset="0"/>
+                <a:sym typeface="Lato Light"/>
+              </a:rPr>
+              <a:t>Bradbury</a:t>
+            </a:r>
+            <a:r>
+              <a:rPr lang="ro-RO" sz="2400" dirty="0" smtClean="0">
+                <a:solidFill>
+                  <a:schemeClr val="tx1"/>
+                </a:solidFill>
+                <a:latin typeface="Times New Roman" panose="02020603050405020304" pitchFamily="18" charset="0"/>
+                <a:cs typeface="Times New Roman" panose="02020603050405020304" pitchFamily="18" charset="0"/>
+                <a:sym typeface="Lato Light"/>
+              </a:rPr>
+              <a:t>.</a:t>
+            </a:r>
+            <a:endParaRPr lang="ro-RO" sz="2400" dirty="0" smtClean="0">
+              <a:solidFill>
+                <a:schemeClr val="tx1"/>
+              </a:solidFill>
+              <a:latin typeface="Times New Roman" panose="02020603050405020304" pitchFamily="18" charset="0"/>
+              <a:cs typeface="Times New Roman" panose="02020603050405020304" pitchFamily="18" charset="0"/>
+              <a:sym typeface="Lato Light"/>
+            </a:endParaRPr>
+          </a:p>
+        </p:txBody>
+      </p:sp>
+      <p:sp>
+        <p:nvSpPr>
+          <p:cNvPr id="2" name="Cloud Callout 1"/>
+          <p:cNvSpPr/>
+          <p:nvPr/>
+        </p:nvSpPr>
+        <p:spPr>
+          <a:xfrm>
+            <a:off x="5559268" y="2261945"/>
+            <a:ext cx="2397482" cy="1009688"/>
+          </a:xfrm>
+          <a:prstGeom prst="cloudCallout">
+            <a:avLst>
+              <a:gd name="adj1" fmla="val -30511"/>
+              <a:gd name="adj2" fmla="val 100393"/>
+            </a:avLst>
+          </a:prstGeom>
+        </p:spPr>
+        <p:style>
+          <a:lnRef idx="1">
+            <a:schemeClr val="accent3"/>
+          </a:lnRef>
+          <a:fillRef idx="2">
+            <a:schemeClr val="accent3"/>
+          </a:fillRef>
+          <a:effectRef idx="1">
+            <a:schemeClr val="accent3"/>
+          </a:effectRef>
+          <a:fontRef idx="minor">
+            <a:schemeClr val="dk1"/>
+          </a:fontRef>
+        </p:style>
+        <p:txBody>
+          <a:bodyPr rtlCol="0" anchor="ctr"/>
+          <a:lstStyle/>
+          <a:p>
+            <a:pPr algn="ctr"/>
+            <a:endParaRPr lang="en-US" dirty="0"/>
+          </a:p>
+        </p:txBody>
+      </p:sp>
+      <p:sp>
+        <p:nvSpPr>
+          <p:cNvPr id="3" name="TextBox 2"/>
+          <p:cNvSpPr txBox="1"/>
+          <p:nvPr/>
+        </p:nvSpPr>
+        <p:spPr>
+          <a:xfrm>
+            <a:off x="5697534" y="2559212"/>
+            <a:ext cx="2120950" cy="369332"/>
+          </a:xfrm>
+          <a:prstGeom prst="rect">
+            <a:avLst/>
+          </a:prstGeom>
+          <a:noFill/>
+        </p:spPr>
+        <p:txBody>
+          <a:bodyPr wrap="square" rtlCol="0">
+            <a:spAutoFit/>
+          </a:bodyPr>
+          <a:lstStyle/>
+          <a:p>
+            <a:r>
+              <a:rPr lang="ro-RO" sz="1800" dirty="0" smtClean="0"/>
+              <a:t>Am oprit cafetiera?</a:t>
+            </a:r>
+            <a:endParaRPr lang="en-US" sz="1800" dirty="0"/>
+          </a:p>
+        </p:txBody>
+      </p:sp>
+      <p:sp>
+        <p:nvSpPr>
+          <p:cNvPr id="11" name="Cloud Callout 10"/>
+          <p:cNvSpPr/>
+          <p:nvPr/>
+        </p:nvSpPr>
+        <p:spPr>
+          <a:xfrm>
+            <a:off x="7956749" y="2773244"/>
+            <a:ext cx="2391362" cy="996347"/>
+          </a:xfrm>
+          <a:prstGeom prst="cloudCallout">
+            <a:avLst>
+              <a:gd name="adj1" fmla="val -78060"/>
+              <a:gd name="adj2" fmla="val 64602"/>
+            </a:avLst>
+          </a:prstGeom>
+        </p:spPr>
+        <p:style>
+          <a:lnRef idx="1">
+            <a:schemeClr val="accent3"/>
+          </a:lnRef>
+          <a:fillRef idx="2">
+            <a:schemeClr val="accent3"/>
+          </a:fillRef>
+          <a:effectRef idx="1">
+            <a:schemeClr val="accent3"/>
+          </a:effectRef>
+          <a:fontRef idx="minor">
+            <a:schemeClr val="dk1"/>
+          </a:fontRef>
+        </p:style>
+        <p:txBody>
+          <a:bodyPr rtlCol="0" anchor="ctr"/>
+          <a:lstStyle/>
+          <a:p>
+            <a:pPr algn="ctr"/>
+            <a:endParaRPr lang="en-US" dirty="0"/>
+          </a:p>
+        </p:txBody>
+      </p:sp>
+      <p:sp>
+        <p:nvSpPr>
+          <p:cNvPr id="12" name="Cloud Callout 11"/>
+          <p:cNvSpPr/>
+          <p:nvPr/>
+        </p:nvSpPr>
+        <p:spPr>
+          <a:xfrm>
+            <a:off x="1938276" y="2658272"/>
+            <a:ext cx="2680361" cy="861408"/>
+          </a:xfrm>
+          <a:prstGeom prst="cloudCallout">
+            <a:avLst>
+              <a:gd name="adj1" fmla="val 41731"/>
+              <a:gd name="adj2" fmla="val 76163"/>
+            </a:avLst>
+          </a:prstGeom>
+        </p:spPr>
+        <p:style>
+          <a:lnRef idx="1">
+            <a:schemeClr val="accent3"/>
+          </a:lnRef>
+          <a:fillRef idx="2">
+            <a:schemeClr val="accent3"/>
+          </a:fillRef>
+          <a:effectRef idx="1">
+            <a:schemeClr val="accent3"/>
+          </a:effectRef>
+          <a:fontRef idx="minor">
+            <a:schemeClr val="dk1"/>
+          </a:fontRef>
+        </p:style>
+        <p:txBody>
+          <a:bodyPr rtlCol="0" anchor="ctr"/>
+          <a:lstStyle/>
+          <a:p>
+            <a:pPr algn="ctr"/>
+            <a:endParaRPr lang="en-US" dirty="0"/>
+          </a:p>
+        </p:txBody>
+      </p:sp>
+      <p:sp>
+        <p:nvSpPr>
+          <p:cNvPr id="6" name="TextBox 5"/>
+          <p:cNvSpPr txBox="1"/>
+          <p:nvPr/>
+        </p:nvSpPr>
+        <p:spPr>
+          <a:xfrm>
+            <a:off x="8281235" y="2917845"/>
+            <a:ext cx="2064191" cy="646331"/>
+          </a:xfrm>
+          <a:prstGeom prst="rect">
+            <a:avLst/>
+          </a:prstGeom>
+          <a:noFill/>
+        </p:spPr>
+        <p:txBody>
+          <a:bodyPr wrap="square" rtlCol="0">
+            <a:spAutoFit/>
+          </a:bodyPr>
+          <a:lstStyle/>
+          <a:p>
+            <a:r>
+              <a:rPr lang="ro-RO" sz="1800" dirty="0">
+                <a:latin typeface="Times New Roman" panose="02020603050405020304" pitchFamily="18" charset="0"/>
+                <a:cs typeface="Times New Roman" panose="02020603050405020304" pitchFamily="18" charset="0"/>
+              </a:rPr>
+              <a:t>Oare am lăsat apa aprinsă în baie</a:t>
+            </a:r>
+            <a:r>
+              <a:rPr lang="ro-RO" sz="1800" dirty="0" smtClean="0">
+                <a:latin typeface="Times New Roman" panose="02020603050405020304" pitchFamily="18" charset="0"/>
+                <a:cs typeface="Times New Roman" panose="02020603050405020304" pitchFamily="18" charset="0"/>
+              </a:rPr>
+              <a:t>?</a:t>
+            </a:r>
+            <a:endParaRPr lang="ro-RO" sz="1800" dirty="0">
+              <a:solidFill>
+                <a:schemeClr val="tx1"/>
+              </a:solidFill>
+              <a:latin typeface="Times New Roman" panose="02020603050405020304" pitchFamily="18" charset="0"/>
+              <a:cs typeface="Times New Roman" panose="02020603050405020304" pitchFamily="18" charset="0"/>
+              <a:sym typeface="Lato Light"/>
+            </a:endParaRPr>
+          </a:p>
+        </p:txBody>
+      </p:sp>
+      <p:sp>
+        <p:nvSpPr>
+          <p:cNvPr id="4" name="TextBox 3"/>
+          <p:cNvSpPr txBox="1"/>
+          <p:nvPr/>
+        </p:nvSpPr>
+        <p:spPr>
+          <a:xfrm>
+            <a:off x="2480179" y="2768614"/>
+            <a:ext cx="1750266" cy="646331"/>
+          </a:xfrm>
+          <a:prstGeom prst="rect">
+            <a:avLst/>
+          </a:prstGeom>
+          <a:noFill/>
+        </p:spPr>
+        <p:txBody>
+          <a:bodyPr wrap="square" rtlCol="0">
+            <a:spAutoFit/>
+          </a:bodyPr>
+          <a:lstStyle/>
+          <a:p>
+            <a:r>
+              <a:rPr lang="ro-RO" sz="1800" dirty="0" smtClean="0"/>
+              <a:t>Am închis ușa de la intrare?</a:t>
+            </a:r>
+            <a:endParaRPr lang="en-US" sz="1800" dirty="0"/>
           </a:p>
         </p:txBody>
       </p:sp>
@@ -19754,17 +21539,9 @@
           </a:bodyPr>
           <a:lstStyle/>
           <a:p>
-            <a:pPr marL="0" marR="0" lvl="0" indent="0" algn="l" rtl="0">
-              <a:spcBef>
-                <a:spcPts val="0"/>
-              </a:spcBef>
-              <a:spcAft>
-                <a:spcPts val="0"/>
-              </a:spcAft>
-              <a:buNone/>
-            </a:pPr>
+            <a:pPr lvl="0"/>
             <a:r>
-              <a:rPr lang="ro-RO" sz="4800" b="0" i="0" u="none" strike="noStrike" cap="none" dirty="0" smtClean="0">
+              <a:rPr lang="ro-RO" sz="4800" dirty="0" smtClean="0">
                 <a:solidFill>
                   <a:schemeClr val="dk1"/>
                 </a:solidFill>
@@ -19773,7 +21550,7 @@
                 <a:cs typeface="Montserrat"/>
                 <a:sym typeface="Montserrat"/>
               </a:rPr>
-              <a:t>2. Arhitectura sistemului</a:t>
+              <a:t>Ce este Smart Home?</a:t>
             </a:r>
             <a:endParaRPr dirty="0"/>
           </a:p>
@@ -19922,40 +21699,222 @@
           </a:p>
         </p:txBody>
       </p:sp>
-      <p:pic>
-        <p:nvPicPr>
-          <p:cNvPr id="2" name="Picture 1"/>
-          <p:cNvPicPr>
-            <a:picLocks noChangeAspect="1"/>
-          </p:cNvPicPr>
+      <p:sp>
+        <p:nvSpPr>
+          <p:cNvPr id="11" name="Shape 113"/>
+          <p:cNvSpPr txBox="1"/>
           <p:nvPr/>
-        </p:nvPicPr>
-        <p:blipFill>
-          <a:blip r:embed="rId5">
-            <a:extLst>
-              <a:ext uri="{28A0092B-C50C-407E-A947-70E740481C1C}">
-                <a14:useLocalDpi xmlns:a14="http://schemas.microsoft.com/office/drawing/2010/main"/>
-              </a:ext>
-            </a:extLst>
-          </a:blip>
-          <a:stretch>
-            <a:fillRect/>
-          </a:stretch>
-        </p:blipFill>
+        </p:nvSpPr>
         <p:spPr>
           <a:xfrm>
-            <a:off x="1267489" y="1297884"/>
-            <a:ext cx="9641940" cy="5423591"/>
+            <a:off x="660903" y="1549523"/>
+            <a:ext cx="8652428" cy="4693075"/>
           </a:xfrm>
           <a:prstGeom prst="rect">
             <a:avLst/>
           </a:prstGeom>
+          <a:noFill/>
+          <a:ln>
+            <a:noFill/>
+          </a:ln>
         </p:spPr>
-      </p:pic>
+        <p:txBody>
+          <a:bodyPr spcFirstLastPara="1" wrap="square" lIns="91425" tIns="45700" rIns="91425" bIns="45700" anchor="t" anchorCtr="0">
+            <a:noAutofit/>
+          </a:bodyPr>
+          <a:lstStyle/>
+          <a:p>
+            <a:pPr lvl="0"/>
+            <a:r>
+              <a:rPr lang="ro-RO" sz="2800" dirty="0" smtClean="0">
+                <a:solidFill>
+                  <a:schemeClr val="tx1"/>
+                </a:solidFill>
+                <a:latin typeface="Times New Roman" panose="02020603050405020304" pitchFamily="18" charset="0"/>
+                <a:cs typeface="Times New Roman" panose="02020603050405020304" pitchFamily="18" charset="0"/>
+                <a:sym typeface="Lato Light"/>
+              </a:rPr>
+              <a:t>Reședință controlată de la distanță.</a:t>
+            </a:r>
+            <a:endParaRPr lang="en-US" sz="2800" dirty="0" smtClean="0">
+              <a:solidFill>
+                <a:schemeClr val="tx1"/>
+              </a:solidFill>
+              <a:latin typeface="Times New Roman" panose="02020603050405020304" pitchFamily="18" charset="0"/>
+              <a:cs typeface="Times New Roman" panose="02020603050405020304" pitchFamily="18" charset="0"/>
+              <a:sym typeface="Lato Light"/>
+            </a:endParaRPr>
+          </a:p>
+          <a:p>
+            <a:pPr lvl="0"/>
+            <a:endParaRPr lang="ro-RO" sz="2800" dirty="0" smtClean="0">
+              <a:solidFill>
+                <a:schemeClr val="tx1"/>
+              </a:solidFill>
+              <a:latin typeface="Times New Roman" panose="02020603050405020304" pitchFamily="18" charset="0"/>
+              <a:cs typeface="Times New Roman" panose="02020603050405020304" pitchFamily="18" charset="0"/>
+              <a:sym typeface="Lato Light"/>
+            </a:endParaRPr>
+          </a:p>
+          <a:p>
+            <a:pPr lvl="0"/>
+            <a:r>
+              <a:rPr lang="ro-RO" sz="2800" dirty="0" smtClean="0">
+                <a:solidFill>
+                  <a:schemeClr val="tx1"/>
+                </a:solidFill>
+                <a:latin typeface="Times New Roman" panose="02020603050405020304" pitchFamily="18" charset="0"/>
+                <a:cs typeface="Times New Roman" panose="02020603050405020304" pitchFamily="18" charset="0"/>
+                <a:sym typeface="Lato Light"/>
+              </a:rPr>
+              <a:t>Oferă</a:t>
+            </a:r>
+            <a:r>
+              <a:rPr lang="en-US" sz="2800" dirty="0" smtClean="0">
+                <a:solidFill>
+                  <a:schemeClr val="tx1"/>
+                </a:solidFill>
+                <a:latin typeface="Times New Roman" panose="02020603050405020304" pitchFamily="18" charset="0"/>
+                <a:cs typeface="Times New Roman" panose="02020603050405020304" pitchFamily="18" charset="0"/>
+                <a:sym typeface="Lato Light"/>
+              </a:rPr>
+              <a:t>: </a:t>
+            </a:r>
+            <a:endParaRPr lang="ro-RO" sz="2800" dirty="0" smtClean="0">
+              <a:solidFill>
+                <a:schemeClr val="tx1"/>
+              </a:solidFill>
+              <a:latin typeface="Times New Roman" panose="02020603050405020304" pitchFamily="18" charset="0"/>
+              <a:cs typeface="Times New Roman" panose="02020603050405020304" pitchFamily="18" charset="0"/>
+              <a:sym typeface="Lato Light"/>
+            </a:endParaRPr>
+          </a:p>
+          <a:p>
+            <a:pPr marL="342900" lvl="0" indent="-342900">
+              <a:buFontTx/>
+              <a:buChar char="-"/>
+            </a:pPr>
+            <a:r>
+              <a:rPr lang="ro-RO" sz="2800" dirty="0" smtClean="0">
+                <a:solidFill>
+                  <a:schemeClr val="tx1"/>
+                </a:solidFill>
+                <a:latin typeface="Times New Roman" panose="02020603050405020304" pitchFamily="18" charset="0"/>
+                <a:cs typeface="Times New Roman" panose="02020603050405020304" pitchFamily="18" charset="0"/>
+                <a:sym typeface="Lato Light"/>
+              </a:rPr>
+              <a:t>C</a:t>
+            </a:r>
+            <a:r>
+              <a:rPr lang="ro-RO" sz="2800" dirty="0" smtClean="0">
+                <a:solidFill>
+                  <a:schemeClr val="tx1"/>
+                </a:solidFill>
+                <a:latin typeface="Times New Roman" panose="02020603050405020304" pitchFamily="18" charset="0"/>
+                <a:cs typeface="Times New Roman" panose="02020603050405020304" pitchFamily="18" charset="0"/>
+                <a:sym typeface="Lato Light"/>
+              </a:rPr>
+              <a:t>onfort,	</a:t>
+            </a:r>
+          </a:p>
+          <a:p>
+            <a:pPr marL="342900" lvl="0" indent="-342900">
+              <a:buFontTx/>
+              <a:buChar char="-"/>
+            </a:pPr>
+            <a:r>
+              <a:rPr lang="ro-RO" sz="2800" dirty="0" smtClean="0">
+                <a:solidFill>
+                  <a:schemeClr val="tx1"/>
+                </a:solidFill>
+                <a:latin typeface="Times New Roman" panose="02020603050405020304" pitchFamily="18" charset="0"/>
+                <a:cs typeface="Times New Roman" panose="02020603050405020304" pitchFamily="18" charset="0"/>
+                <a:sym typeface="Lato Light"/>
+              </a:rPr>
+              <a:t>Securitate,</a:t>
+            </a:r>
+          </a:p>
+          <a:p>
+            <a:pPr marL="342900" lvl="0" indent="-342900">
+              <a:buFontTx/>
+              <a:buChar char="-"/>
+            </a:pPr>
+            <a:r>
+              <a:rPr lang="ro-RO" sz="2800" dirty="0" smtClean="0">
+                <a:solidFill>
+                  <a:schemeClr val="tx1"/>
+                </a:solidFill>
+                <a:latin typeface="Times New Roman" panose="02020603050405020304" pitchFamily="18" charset="0"/>
+                <a:cs typeface="Times New Roman" panose="02020603050405020304" pitchFamily="18" charset="0"/>
+                <a:sym typeface="Lato Light"/>
+              </a:rPr>
+              <a:t>Economii de timp, bani și energie.</a:t>
+            </a:r>
+            <a:endParaRPr lang="ro-RO" sz="2800" dirty="0">
+              <a:solidFill>
+                <a:schemeClr val="tx1"/>
+              </a:solidFill>
+              <a:latin typeface="Times New Roman" panose="02020603050405020304" pitchFamily="18" charset="0"/>
+              <a:cs typeface="Times New Roman" panose="02020603050405020304" pitchFamily="18" charset="0"/>
+              <a:sym typeface="Lato Light"/>
+            </a:endParaRPr>
+          </a:p>
+          <a:p>
+            <a:pPr lvl="0"/>
+            <a:endParaRPr lang="ro-RO" sz="2800" dirty="0" smtClean="0">
+              <a:solidFill>
+                <a:schemeClr val="tx1"/>
+              </a:solidFill>
+              <a:latin typeface="Times New Roman" panose="02020603050405020304" pitchFamily="18" charset="0"/>
+              <a:cs typeface="Times New Roman" panose="02020603050405020304" pitchFamily="18" charset="0"/>
+              <a:sym typeface="Lato Light"/>
+            </a:endParaRPr>
+          </a:p>
+          <a:p>
+            <a:pPr lvl="0"/>
+            <a:r>
+              <a:rPr lang="ro-RO" sz="2800" dirty="0" smtClean="0">
+                <a:solidFill>
+                  <a:schemeClr val="tx1"/>
+                </a:solidFill>
+                <a:latin typeface="Times New Roman" panose="02020603050405020304" pitchFamily="18" charset="0"/>
+                <a:cs typeface="Times New Roman" panose="02020603050405020304" pitchFamily="18" charset="0"/>
+                <a:sym typeface="Lato Light"/>
+              </a:rPr>
+              <a:t>Software-ul </a:t>
+            </a:r>
+            <a:r>
+              <a:rPr lang="ro-RO" sz="2800" dirty="0" smtClean="0">
+                <a:solidFill>
+                  <a:schemeClr val="tx1"/>
+                </a:solidFill>
+                <a:latin typeface="Times New Roman" panose="02020603050405020304" pitchFamily="18" charset="0"/>
+                <a:cs typeface="Times New Roman" panose="02020603050405020304" pitchFamily="18" charset="0"/>
+                <a:sym typeface="Lato Light"/>
+              </a:rPr>
+              <a:t>de calculator joacă rolul unui agent inteligent.</a:t>
+            </a:r>
+          </a:p>
+          <a:p>
+            <a:pPr marL="342900" lvl="0" indent="-342900">
+              <a:buFontTx/>
+              <a:buChar char="-"/>
+            </a:pPr>
+            <a:endParaRPr lang="ro-RO" sz="2800" dirty="0" smtClean="0">
+              <a:solidFill>
+                <a:schemeClr val="tx1"/>
+              </a:solidFill>
+              <a:latin typeface="Times New Roman" panose="02020603050405020304" pitchFamily="18" charset="0"/>
+              <a:cs typeface="Times New Roman" panose="02020603050405020304" pitchFamily="18" charset="0"/>
+              <a:sym typeface="Lato Light"/>
+            </a:endParaRPr>
+          </a:p>
+        </p:txBody>
+      </p:sp>
     </p:spTree>
     <p:extLst>
       <p:ext uri="{BB962C8B-B14F-4D97-AF65-F5344CB8AC3E}">
-        <p14:creationId xmlns:p14="http://schemas.microsoft.com/office/powerpoint/2010/main" val="3332203242"/>
+        <p14:creationId xmlns:p14="http://schemas.microsoft.com/office/powerpoint/2010/main" val="1905296326"/>
       </p:ext>
     </p:extLst>
   </p:cSld>
@@ -20014,14 +21973,13 @@
           </a:bodyPr>
           <a:lstStyle/>
           <a:p>
-            <a:pPr marL="0" marR="0" lvl="0" indent="0" algn="l" rtl="0">
-              <a:spcBef>
-                <a:spcPts val="0"/>
-              </a:spcBef>
-              <a:spcAft>
-                <a:spcPts val="0"/>
-              </a:spcAft>
-              <a:buNone/>
+            <a:pPr marR="0" lvl="0" algn="l" rtl="0">
+              <a:spcBef>
+                <a:spcPts val="0"/>
+              </a:spcBef>
+              <a:spcAft>
+                <a:spcPts val="0"/>
+              </a:spcAft>
             </a:pPr>
             <a:r>
               <a:rPr lang="ro-RO" sz="4800" b="0" i="0" u="none" strike="noStrike" cap="none" dirty="0" smtClean="0">
@@ -20033,7 +21991,7 @@
                 <a:cs typeface="Montserrat"/>
                 <a:sym typeface="Montserrat"/>
               </a:rPr>
-              <a:t>3. Aplicația web</a:t>
+              <a:t>Arhitectura sistemului</a:t>
             </a:r>
             <a:endParaRPr dirty="0"/>
           </a:p>
@@ -20182,286 +22140,40 @@
           </a:p>
         </p:txBody>
       </p:sp>
-      <p:sp>
-        <p:nvSpPr>
-          <p:cNvPr id="3" name="Rounded Rectangle 2"/>
-          <p:cNvSpPr/>
+      <p:pic>
+        <p:nvPicPr>
+          <p:cNvPr id="3" name="Picture 2"/>
+          <p:cNvPicPr>
+            <a:picLocks noChangeAspect="1"/>
+          </p:cNvPicPr>
           <p:nvPr/>
-        </p:nvSpPr>
+        </p:nvPicPr>
+        <p:blipFill>
+          <a:blip r:embed="rId5">
+            <a:extLst>
+              <a:ext uri="{28A0092B-C50C-407E-A947-70E740481C1C}">
+                <a14:useLocalDpi xmlns:a14="http://schemas.microsoft.com/office/drawing/2010/main" val="0"/>
+              </a:ext>
+            </a:extLst>
+          </a:blip>
+          <a:stretch>
+            <a:fillRect/>
+          </a:stretch>
+        </p:blipFill>
         <p:spPr>
           <a:xfrm>
-            <a:off x="6558415" y="1181100"/>
-            <a:ext cx="852036" cy="428625"/>
+            <a:off x="1379915" y="1305485"/>
+            <a:ext cx="9480649" cy="5332865"/>
           </a:xfrm>
-          <a:prstGeom prst="roundRect">
+          <a:prstGeom prst="rect">
             <a:avLst/>
           </a:prstGeom>
         </p:spPr>
-        <p:style>
-          <a:lnRef idx="2">
-            <a:schemeClr val="accent5">
-              <a:shade val="50000"/>
-            </a:schemeClr>
-          </a:lnRef>
-          <a:fillRef idx="1">
-            <a:schemeClr val="accent5"/>
-          </a:fillRef>
-          <a:effectRef idx="0">
-            <a:schemeClr val="accent5"/>
-          </a:effectRef>
-          <a:fontRef idx="minor">
-            <a:schemeClr val="lt1"/>
-          </a:fontRef>
-        </p:style>
-        <p:txBody>
-          <a:bodyPr rtlCol="0" anchor="ctr"/>
-          <a:lstStyle/>
-          <a:p>
-            <a:pPr algn="ctr"/>
-            <a:r>
-              <a:rPr lang="ro-RO" sz="1800" dirty="0" smtClean="0"/>
-              <a:t>HTML</a:t>
-            </a:r>
-            <a:endParaRPr lang="en-US" sz="1800" dirty="0"/>
-          </a:p>
-        </p:txBody>
-      </p:sp>
-      <p:sp>
-        <p:nvSpPr>
-          <p:cNvPr id="11" name="Rounded Rectangle 10"/>
-          <p:cNvSpPr/>
-          <p:nvPr/>
-        </p:nvSpPr>
-        <p:spPr>
-          <a:xfrm>
-            <a:off x="7542142" y="1181100"/>
-            <a:ext cx="758050" cy="428625"/>
-          </a:xfrm>
-          <a:prstGeom prst="roundRect">
-            <a:avLst/>
-          </a:prstGeom>
-        </p:spPr>
-        <p:style>
-          <a:lnRef idx="2">
-            <a:schemeClr val="accent5">
-              <a:shade val="50000"/>
-            </a:schemeClr>
-          </a:lnRef>
-          <a:fillRef idx="1">
-            <a:schemeClr val="accent5"/>
-          </a:fillRef>
-          <a:effectRef idx="0">
-            <a:schemeClr val="accent5"/>
-          </a:effectRef>
-          <a:fontRef idx="minor">
-            <a:schemeClr val="lt1"/>
-          </a:fontRef>
-        </p:style>
-        <p:txBody>
-          <a:bodyPr rtlCol="0" anchor="ctr"/>
-          <a:lstStyle/>
-          <a:p>
-            <a:pPr algn="ctr"/>
-            <a:r>
-              <a:rPr lang="ro-RO" sz="1800" dirty="0" smtClean="0"/>
-              <a:t>CSS</a:t>
-            </a:r>
-            <a:endParaRPr lang="en-US" sz="1800" dirty="0"/>
-          </a:p>
-        </p:txBody>
-      </p:sp>
-      <p:sp>
-        <p:nvSpPr>
-          <p:cNvPr id="14" name="Rounded Rectangular Callout 13"/>
-          <p:cNvSpPr/>
-          <p:nvPr/>
-        </p:nvSpPr>
-        <p:spPr>
-          <a:xfrm>
-            <a:off x="10019666" y="1181100"/>
-            <a:ext cx="876295" cy="428624"/>
-          </a:xfrm>
-          <a:prstGeom prst="wedgeRoundRectCallout">
-            <a:avLst>
-              <a:gd name="adj1" fmla="val -69343"/>
-              <a:gd name="adj2" fmla="val 4278"/>
-              <a:gd name="adj3" fmla="val 16667"/>
-            </a:avLst>
-          </a:prstGeom>
-        </p:spPr>
-        <p:style>
-          <a:lnRef idx="1">
-            <a:schemeClr val="accent2"/>
-          </a:lnRef>
-          <a:fillRef idx="2">
-            <a:schemeClr val="accent2"/>
-          </a:fillRef>
-          <a:effectRef idx="1">
-            <a:schemeClr val="accent2"/>
-          </a:effectRef>
-          <a:fontRef idx="minor">
-            <a:schemeClr val="dk1"/>
-          </a:fontRef>
-        </p:style>
-        <p:txBody>
-          <a:bodyPr rtlCol="0" anchor="ctr"/>
-          <a:lstStyle/>
-          <a:p>
-            <a:pPr algn="ctr"/>
-            <a:r>
-              <a:rPr lang="ro-RO" dirty="0">
-                <a:latin typeface="Montserrat" panose="020B0604020202020204" charset="0"/>
-              </a:rPr>
-              <a:t>cuvinte </a:t>
-            </a:r>
-            <a:r>
-              <a:rPr lang="ro-RO" dirty="0" smtClean="0">
-                <a:latin typeface="Montserrat" panose="020B0604020202020204" charset="0"/>
-              </a:rPr>
-              <a:t>cheie</a:t>
-            </a:r>
-            <a:endParaRPr lang="en-US" dirty="0">
-              <a:latin typeface="Montserrat" panose="020B0604020202020204" charset="0"/>
-            </a:endParaRPr>
-          </a:p>
-        </p:txBody>
-      </p:sp>
-      <p:sp>
-        <p:nvSpPr>
-          <p:cNvPr id="15" name="Rounded Rectangle 14"/>
-          <p:cNvSpPr/>
-          <p:nvPr/>
-        </p:nvSpPr>
-        <p:spPr>
-          <a:xfrm>
-            <a:off x="3664619" y="1181100"/>
-            <a:ext cx="1255315" cy="428625"/>
-          </a:xfrm>
-          <a:prstGeom prst="roundRect">
-            <a:avLst/>
-          </a:prstGeom>
-        </p:spPr>
-        <p:style>
-          <a:lnRef idx="2">
-            <a:schemeClr val="accent5">
-              <a:shade val="50000"/>
-            </a:schemeClr>
-          </a:lnRef>
-          <a:fillRef idx="1">
-            <a:schemeClr val="accent5"/>
-          </a:fillRef>
-          <a:effectRef idx="0">
-            <a:schemeClr val="accent5"/>
-          </a:effectRef>
-          <a:fontRef idx="minor">
-            <a:schemeClr val="lt1"/>
-          </a:fontRef>
-        </p:style>
-        <p:txBody>
-          <a:bodyPr rtlCol="0" anchor="ctr"/>
-          <a:lstStyle/>
-          <a:p>
-            <a:pPr algn="ctr"/>
-            <a:r>
-              <a:rPr lang="ro-RO" sz="1800" dirty="0" smtClean="0"/>
-              <a:t>Angular 5</a:t>
-            </a:r>
-            <a:endParaRPr lang="en-US" sz="1800" dirty="0"/>
-          </a:p>
-        </p:txBody>
-      </p:sp>
-      <p:sp>
-        <p:nvSpPr>
-          <p:cNvPr id="16" name="Rounded Rectangle 15"/>
-          <p:cNvSpPr/>
-          <p:nvPr/>
-        </p:nvSpPr>
-        <p:spPr>
-          <a:xfrm>
-            <a:off x="5051625" y="1181100"/>
-            <a:ext cx="1375099" cy="428625"/>
-          </a:xfrm>
-          <a:prstGeom prst="roundRect">
-            <a:avLst/>
-          </a:prstGeom>
-        </p:spPr>
-        <p:style>
-          <a:lnRef idx="2">
-            <a:schemeClr val="accent5">
-              <a:shade val="50000"/>
-            </a:schemeClr>
-          </a:lnRef>
-          <a:fillRef idx="1">
-            <a:schemeClr val="accent5"/>
-          </a:fillRef>
-          <a:effectRef idx="0">
-            <a:schemeClr val="accent5"/>
-          </a:effectRef>
-          <a:fontRef idx="minor">
-            <a:schemeClr val="lt1"/>
-          </a:fontRef>
-        </p:style>
-        <p:txBody>
-          <a:bodyPr rtlCol="0" anchor="ctr"/>
-          <a:lstStyle/>
-          <a:p>
-            <a:pPr algn="ctr"/>
-            <a:r>
-              <a:rPr lang="ro-RO" sz="1800" dirty="0" smtClean="0"/>
-              <a:t>Boostrap 4</a:t>
-            </a:r>
-            <a:endParaRPr lang="en-US" sz="1800" dirty="0"/>
-          </a:p>
-        </p:txBody>
-      </p:sp>
-      <p:sp>
-        <p:nvSpPr>
-          <p:cNvPr id="17" name="Rounded Rectangle 16"/>
-          <p:cNvSpPr/>
-          <p:nvPr/>
-        </p:nvSpPr>
-        <p:spPr>
-          <a:xfrm>
-            <a:off x="8431883" y="1181100"/>
-            <a:ext cx="1291066" cy="428625"/>
-          </a:xfrm>
-          <a:prstGeom prst="roundRect">
-            <a:avLst/>
-          </a:prstGeom>
-        </p:spPr>
-        <p:style>
-          <a:lnRef idx="2">
-            <a:schemeClr val="accent5">
-              <a:shade val="50000"/>
-            </a:schemeClr>
-          </a:lnRef>
-          <a:fillRef idx="1">
-            <a:schemeClr val="accent5"/>
-          </a:fillRef>
-          <a:effectRef idx="0">
-            <a:schemeClr val="accent5"/>
-          </a:effectRef>
-          <a:fontRef idx="minor">
-            <a:schemeClr val="lt1"/>
-          </a:fontRef>
-        </p:style>
-        <p:txBody>
-          <a:bodyPr rtlCol="0" anchor="ctr"/>
-          <a:lstStyle/>
-          <a:p>
-            <a:pPr algn="ctr"/>
-            <a:r>
-              <a:rPr lang="ro-RO" sz="1800" dirty="0" smtClean="0"/>
-              <a:t>Typescript</a:t>
-            </a:r>
-            <a:endParaRPr lang="en-US" sz="1800" dirty="0"/>
-          </a:p>
-        </p:txBody>
-      </p:sp>
+      </p:pic>
     </p:spTree>
     <p:extLst>
       <p:ext uri="{BB962C8B-B14F-4D97-AF65-F5344CB8AC3E}">
-        <p14:creationId xmlns:p14="http://schemas.microsoft.com/office/powerpoint/2010/main" val="151961846"/>
+        <p14:creationId xmlns:p14="http://schemas.microsoft.com/office/powerpoint/2010/main" val="3332203242"/>
       </p:ext>
     </p:extLst>
   </p:cSld>
@@ -20539,7 +22251,7 @@
                 <a:cs typeface="Montserrat"/>
                 <a:sym typeface="Montserrat"/>
               </a:rPr>
-              <a:t>4. Server REST Java</a:t>
+              <a:t>Aplicația web</a:t>
             </a:r>
             <a:endParaRPr dirty="0"/>
           </a:p>
@@ -20690,14 +22402,14 @@
       </p:sp>
       <p:sp>
         <p:nvSpPr>
-          <p:cNvPr id="7" name="Rounded Rectangle 6"/>
+          <p:cNvPr id="3" name="Rounded Rectangle 2"/>
           <p:cNvSpPr/>
           <p:nvPr/>
         </p:nvSpPr>
         <p:spPr>
           <a:xfrm>
-            <a:off x="8979998" y="1181099"/>
-            <a:ext cx="745027" cy="428625"/>
+            <a:off x="3788080" y="1181100"/>
+            <a:ext cx="852036" cy="428625"/>
           </a:xfrm>
           <a:prstGeom prst="roundRect">
             <a:avLst/>
@@ -20705,15 +22417,15 @@
         </p:spPr>
         <p:style>
           <a:lnRef idx="2">
-            <a:schemeClr val="accent6">
+            <a:schemeClr val="accent5">
               <a:shade val="50000"/>
             </a:schemeClr>
           </a:lnRef>
           <a:fillRef idx="1">
-            <a:schemeClr val="accent6"/>
+            <a:schemeClr val="accent5"/>
           </a:fillRef>
           <a:effectRef idx="0">
-            <a:schemeClr val="accent6"/>
+            <a:schemeClr val="accent5"/>
           </a:effectRef>
           <a:fontRef idx="minor">
             <a:schemeClr val="lt1"/>
@@ -20726,7 +22438,7 @@
             <a:pPr algn="ctr"/>
             <a:r>
               <a:rPr lang="ro-RO" sz="1800" dirty="0" smtClean="0"/>
-              <a:t>Java</a:t>
+              <a:t>HTML</a:t>
             </a:r>
             <a:endParaRPr lang="en-US" sz="1800" dirty="0"/>
           </a:p>
@@ -20734,14 +22446,14 @@
       </p:sp>
       <p:sp>
         <p:nvSpPr>
-          <p:cNvPr id="8" name="Rounded Rectangle 7"/>
+          <p:cNvPr id="11" name="Rounded Rectangle 10"/>
           <p:cNvSpPr/>
           <p:nvPr/>
         </p:nvSpPr>
         <p:spPr>
           <a:xfrm>
-            <a:off x="6221229" y="1181099"/>
-            <a:ext cx="1328646" cy="428625"/>
+            <a:off x="4771807" y="1181100"/>
+            <a:ext cx="758050" cy="428625"/>
           </a:xfrm>
           <a:prstGeom prst="roundRect">
             <a:avLst/>
@@ -20749,15 +22461,15 @@
         </p:spPr>
         <p:style>
           <a:lnRef idx="2">
-            <a:schemeClr val="accent6">
+            <a:schemeClr val="accent5">
               <a:shade val="50000"/>
             </a:schemeClr>
           </a:lnRef>
           <a:fillRef idx="1">
-            <a:schemeClr val="accent6"/>
+            <a:schemeClr val="accent5"/>
           </a:fillRef>
           <a:effectRef idx="0">
-            <a:schemeClr val="accent6"/>
+            <a:schemeClr val="accent5"/>
           </a:effectRef>
           <a:fontRef idx="minor">
             <a:schemeClr val="lt1"/>
@@ -20770,21 +22482,22 @@
             <a:pPr algn="ctr"/>
             <a:r>
               <a:rPr lang="ro-RO" sz="1800" dirty="0" smtClean="0"/>
-              <a:t>API REST</a:t>
+              <a:t>CSS</a:t>
             </a:r>
+            <a:endParaRPr lang="en-US" sz="1800" dirty="0"/>
           </a:p>
         </p:txBody>
       </p:sp>
       <p:sp>
         <p:nvSpPr>
-          <p:cNvPr id="11" name="Rounded Rectangle 10"/>
+          <p:cNvPr id="15" name="Rounded Rectangle 14"/>
           <p:cNvSpPr/>
           <p:nvPr/>
         </p:nvSpPr>
         <p:spPr>
           <a:xfrm>
-            <a:off x="7692398" y="1181099"/>
-            <a:ext cx="1145077" cy="428625"/>
+            <a:off x="894284" y="1181100"/>
+            <a:ext cx="1255315" cy="428625"/>
           </a:xfrm>
           <a:prstGeom prst="roundRect">
             <a:avLst/>
@@ -20792,15 +22505,15 @@
         </p:spPr>
         <p:style>
           <a:lnRef idx="2">
-            <a:schemeClr val="accent6">
+            <a:schemeClr val="accent5">
               <a:shade val="50000"/>
             </a:schemeClr>
           </a:lnRef>
           <a:fillRef idx="1">
-            <a:schemeClr val="accent6"/>
+            <a:schemeClr val="accent5"/>
           </a:fillRef>
           <a:effectRef idx="0">
-            <a:schemeClr val="accent6"/>
+            <a:schemeClr val="accent5"/>
           </a:effectRef>
           <a:fontRef idx="minor">
             <a:schemeClr val="lt1"/>
@@ -20813,7 +22526,7 @@
             <a:pPr algn="ctr"/>
             <a:r>
               <a:rPr lang="ro-RO" sz="1800" dirty="0" smtClean="0"/>
-              <a:t>SSL/TLS</a:t>
+              <a:t>Angular 5</a:t>
             </a:r>
             <a:endParaRPr lang="en-US" sz="1800" dirty="0"/>
           </a:p>
@@ -20821,35 +22534,33 @@
       </p:sp>
       <p:sp>
         <p:nvSpPr>
-          <p:cNvPr id="18" name="Rounded Rectangular Callout 17"/>
+          <p:cNvPr id="16" name="Rounded Rectangle 15"/>
           <p:cNvSpPr/>
           <p:nvPr/>
         </p:nvSpPr>
         <p:spPr>
           <a:xfrm>
-            <a:off x="10017520" y="1181099"/>
-            <a:ext cx="876295" cy="428624"/>
+            <a:off x="2281290" y="1181100"/>
+            <a:ext cx="1375099" cy="428625"/>
           </a:xfrm>
-          <a:prstGeom prst="wedgeRoundRectCallout">
-            <a:avLst>
-              <a:gd name="adj1" fmla="val -69343"/>
-              <a:gd name="adj2" fmla="val 4278"/>
-              <a:gd name="adj3" fmla="val 16667"/>
-            </a:avLst>
+          <a:prstGeom prst="roundRect">
+            <a:avLst/>
           </a:prstGeom>
         </p:spPr>
         <p:style>
-          <a:lnRef idx="1">
-            <a:schemeClr val="accent2"/>
+          <a:lnRef idx="2">
+            <a:schemeClr val="accent5">
+              <a:shade val="50000"/>
+            </a:schemeClr>
           </a:lnRef>
-          <a:fillRef idx="2">
-            <a:schemeClr val="accent2"/>
+          <a:fillRef idx="1">
+            <a:schemeClr val="accent5"/>
           </a:fillRef>
-          <a:effectRef idx="1">
-            <a:schemeClr val="accent2"/>
+          <a:effectRef idx="0">
+            <a:schemeClr val="accent5"/>
           </a:effectRef>
           <a:fontRef idx="minor">
-            <a:schemeClr val="dk1"/>
+            <a:schemeClr val="lt1"/>
           </a:fontRef>
         </p:style>
         <p:txBody>
@@ -20858,27 +22569,273 @@
           <a:p>
             <a:pPr algn="ctr"/>
             <a:r>
-              <a:rPr lang="ro-RO" dirty="0">
-                <a:latin typeface="Montserrat" panose="020B0604020202020204" charset="0"/>
+              <a:rPr lang="ro-RO" sz="1800" dirty="0" smtClean="0"/>
+              <a:t>Boostrap 4</a:t>
+            </a:r>
+            <a:endParaRPr lang="en-US" sz="1800" dirty="0"/>
+          </a:p>
+        </p:txBody>
+      </p:sp>
+      <p:sp>
+        <p:nvSpPr>
+          <p:cNvPr id="17" name="Rounded Rectangle 16"/>
+          <p:cNvSpPr/>
+          <p:nvPr/>
+        </p:nvSpPr>
+        <p:spPr>
+          <a:xfrm>
+            <a:off x="5661548" y="1181100"/>
+            <a:ext cx="1291066" cy="428625"/>
+          </a:xfrm>
+          <a:prstGeom prst="roundRect">
+            <a:avLst/>
+          </a:prstGeom>
+        </p:spPr>
+        <p:style>
+          <a:lnRef idx="2">
+            <a:schemeClr val="accent5">
+              <a:shade val="50000"/>
+            </a:schemeClr>
+          </a:lnRef>
+          <a:fillRef idx="1">
+            <a:schemeClr val="accent5"/>
+          </a:fillRef>
+          <a:effectRef idx="0">
+            <a:schemeClr val="accent5"/>
+          </a:effectRef>
+          <a:fontRef idx="minor">
+            <a:schemeClr val="lt1"/>
+          </a:fontRef>
+        </p:style>
+        <p:txBody>
+          <a:bodyPr rtlCol="0" anchor="ctr"/>
+          <a:lstStyle/>
+          <a:p>
+            <a:pPr algn="ctr"/>
+            <a:r>
+              <a:rPr lang="ro-RO" sz="1800" dirty="0" smtClean="0"/>
+              <a:t>Typescript</a:t>
+            </a:r>
+            <a:endParaRPr lang="en-US" sz="1800" dirty="0"/>
+          </a:p>
+        </p:txBody>
+      </p:sp>
+      <p:sp>
+        <p:nvSpPr>
+          <p:cNvPr id="18" name="Shape 113"/>
+          <p:cNvSpPr txBox="1"/>
+          <p:nvPr/>
+        </p:nvSpPr>
+        <p:spPr>
+          <a:xfrm>
+            <a:off x="660904" y="1801640"/>
+            <a:ext cx="8652428" cy="4502951"/>
+          </a:xfrm>
+          <a:prstGeom prst="rect">
+            <a:avLst/>
+          </a:prstGeom>
+          <a:noFill/>
+          <a:ln>
+            <a:noFill/>
+          </a:ln>
+        </p:spPr>
+        <p:txBody>
+          <a:bodyPr spcFirstLastPara="1" wrap="square" lIns="91425" tIns="45700" rIns="91425" bIns="45700" anchor="t" anchorCtr="0">
+            <a:noAutofit/>
+          </a:bodyPr>
+          <a:lstStyle/>
+          <a:p>
+            <a:pPr marR="0" lvl="0" algn="l" rtl="0">
+              <a:spcBef>
+                <a:spcPts val="0"/>
+              </a:spcBef>
+              <a:spcAft>
+                <a:spcPts val="0"/>
+              </a:spcAft>
+            </a:pPr>
+            <a:r>
+              <a:rPr lang="ro-RO" sz="2800" dirty="0" smtClean="0">
+                <a:solidFill>
+                  <a:schemeClr val="tx1"/>
+                </a:solidFill>
+                <a:latin typeface="Times New Roman" panose="02020603050405020304" pitchFamily="18" charset="0"/>
+                <a:cs typeface="Times New Roman" panose="02020603050405020304" pitchFamily="18" charset="0"/>
+                <a:sym typeface="Lato Light"/>
               </a:rPr>
-              <a:t>cuvinte </a:t>
+              <a:t>- Design:</a:t>
             </a:r>
+          </a:p>
+          <a:p>
+            <a:pPr marL="569913" marR="0" lvl="0" indent="-225425" algn="l" rtl="0">
+              <a:spcBef>
+                <a:spcPts val="0"/>
+              </a:spcBef>
+              <a:spcAft>
+                <a:spcPts val="0"/>
+              </a:spcAft>
+              <a:buFont typeface="Arial" panose="020B0604020202020204" pitchFamily="34" charset="0"/>
+              <a:buChar char="•"/>
+            </a:pPr>
             <a:r>
-              <a:rPr lang="ro-RO" dirty="0" smtClean="0">
-                <a:latin typeface="Montserrat" panose="020B0604020202020204" charset="0"/>
+              <a:rPr lang="ro-RO" sz="2800" dirty="0" smtClean="0">
+                <a:solidFill>
+                  <a:schemeClr val="tx1"/>
+                </a:solidFill>
+                <a:latin typeface="Times New Roman" panose="02020603050405020304" pitchFamily="18" charset="0"/>
+                <a:cs typeface="Times New Roman" panose="02020603050405020304" pitchFamily="18" charset="0"/>
+                <a:sym typeface="Lato Light"/>
               </a:rPr>
-              <a:t>cheie</a:t>
+              <a:t>Intuitiv</a:t>
             </a:r>
-            <a:endParaRPr lang="en-US" dirty="0">
-              <a:latin typeface="Montserrat" panose="020B0604020202020204" charset="0"/>
+          </a:p>
+          <a:p>
+            <a:pPr marL="569913" marR="0" lvl="0" indent="-225425" algn="l" rtl="0">
+              <a:spcBef>
+                <a:spcPts val="0"/>
+              </a:spcBef>
+              <a:spcAft>
+                <a:spcPts val="0"/>
+              </a:spcAft>
+              <a:buFont typeface="Arial" panose="020B0604020202020204" pitchFamily="34" charset="0"/>
+              <a:buChar char="•"/>
+            </a:pPr>
+            <a:r>
+              <a:rPr lang="ro-RO" sz="2800" dirty="0" smtClean="0">
+                <a:solidFill>
+                  <a:schemeClr val="tx1"/>
+                </a:solidFill>
+                <a:latin typeface="Times New Roman" panose="02020603050405020304" pitchFamily="18" charset="0"/>
+                <a:cs typeface="Times New Roman" panose="02020603050405020304" pitchFamily="18" charset="0"/>
+                <a:sym typeface="Lato Light"/>
+              </a:rPr>
+              <a:t>Modern</a:t>
+            </a:r>
+          </a:p>
+          <a:p>
+            <a:pPr marL="569913" marR="0" lvl="0" indent="-225425" algn="l" rtl="0">
+              <a:spcBef>
+                <a:spcPts val="0"/>
+              </a:spcBef>
+              <a:spcAft>
+                <a:spcPts val="0"/>
+              </a:spcAft>
+              <a:buFont typeface="Arial" panose="020B0604020202020204" pitchFamily="34" charset="0"/>
+              <a:buChar char="•"/>
+            </a:pPr>
+            <a:r>
+              <a:rPr lang="ro-RO" sz="2800" dirty="0" smtClean="0">
+                <a:solidFill>
+                  <a:schemeClr val="tx1"/>
+                </a:solidFill>
+                <a:latin typeface="Times New Roman" panose="02020603050405020304" pitchFamily="18" charset="0"/>
+                <a:cs typeface="Times New Roman" panose="02020603050405020304" pitchFamily="18" charset="0"/>
+                <a:sym typeface="Lato Light"/>
+              </a:rPr>
+              <a:t>Simplist</a:t>
+            </a:r>
+          </a:p>
+          <a:p>
+            <a:pPr marL="569913" marR="0" lvl="0" indent="-225425" algn="l" rtl="0">
+              <a:spcBef>
+                <a:spcPts val="0"/>
+              </a:spcBef>
+              <a:spcAft>
+                <a:spcPts val="0"/>
+              </a:spcAft>
+              <a:buFont typeface="Arial" panose="020B0604020202020204" pitchFamily="34" charset="0"/>
+              <a:buChar char="•"/>
+            </a:pPr>
+            <a:r>
+              <a:rPr lang="ro-RO" sz="2800" dirty="0" smtClean="0">
+                <a:solidFill>
+                  <a:schemeClr val="tx1"/>
+                </a:solidFill>
+                <a:latin typeface="Times New Roman" panose="02020603050405020304" pitchFamily="18" charset="0"/>
+                <a:cs typeface="Times New Roman" panose="02020603050405020304" pitchFamily="18" charset="0"/>
+                <a:sym typeface="Lato Light"/>
+              </a:rPr>
+              <a:t>Responsive</a:t>
+            </a:r>
+          </a:p>
+          <a:p>
+            <a:pPr marL="569913" marR="0" lvl="0" indent="-225425" algn="l" rtl="0">
+              <a:spcBef>
+                <a:spcPts val="0"/>
+              </a:spcBef>
+              <a:spcAft>
+                <a:spcPts val="0"/>
+              </a:spcAft>
+              <a:buFont typeface="Arial" panose="020B0604020202020204" pitchFamily="34" charset="0"/>
+              <a:buChar char="•"/>
+            </a:pPr>
+            <a:endParaRPr lang="ro-RO" sz="2800" dirty="0" smtClean="0">
+              <a:solidFill>
+                <a:schemeClr val="tx1"/>
+              </a:solidFill>
+              <a:latin typeface="Times New Roman" panose="02020603050405020304" pitchFamily="18" charset="0"/>
+              <a:cs typeface="Times New Roman" panose="02020603050405020304" pitchFamily="18" charset="0"/>
+              <a:sym typeface="Lato Light"/>
+            </a:endParaRPr>
+          </a:p>
+          <a:p>
+            <a:pPr marR="0" lvl="0" algn="l" rtl="0">
+              <a:spcBef>
+                <a:spcPts val="0"/>
+              </a:spcBef>
+              <a:spcAft>
+                <a:spcPts val="0"/>
+              </a:spcAft>
+            </a:pPr>
+            <a:r>
+              <a:rPr lang="ro-RO" sz="2800" dirty="0" smtClean="0">
+                <a:solidFill>
+                  <a:schemeClr val="tx1"/>
+                </a:solidFill>
+                <a:latin typeface="Times New Roman" panose="02020603050405020304" pitchFamily="18" charset="0"/>
+                <a:cs typeface="Times New Roman" panose="02020603050405020304" pitchFamily="18" charset="0"/>
+                <a:sym typeface="Lato Light"/>
+              </a:rPr>
+              <a:t>- Comunicare HTTP cu serverul Java.</a:t>
+            </a:r>
+            <a:endParaRPr lang="ro-RO" sz="2800" dirty="0" smtClean="0">
+              <a:solidFill>
+                <a:schemeClr val="tx1"/>
+              </a:solidFill>
+              <a:latin typeface="Times New Roman" panose="02020603050405020304" pitchFamily="18" charset="0"/>
+              <a:cs typeface="Times New Roman" panose="02020603050405020304" pitchFamily="18" charset="0"/>
+              <a:sym typeface="Lato Light"/>
             </a:endParaRPr>
           </a:p>
         </p:txBody>
       </p:sp>
+      <p:pic>
+        <p:nvPicPr>
+          <p:cNvPr id="4" name="Picture 3"/>
+          <p:cNvPicPr>
+            <a:picLocks noChangeAspect="1"/>
+          </p:cNvPicPr>
+          <p:nvPr/>
+        </p:nvPicPr>
+        <p:blipFill>
+          <a:blip r:embed="rId5"/>
+          <a:stretch>
+            <a:fillRect/>
+          </a:stretch>
+        </p:blipFill>
+        <p:spPr>
+          <a:xfrm>
+            <a:off x="7193967" y="1301419"/>
+            <a:ext cx="4816708" cy="4938577"/>
+          </a:xfrm>
+          <a:prstGeom prst="rect">
+            <a:avLst/>
+          </a:prstGeom>
+        </p:spPr>
+      </p:pic>
     </p:spTree>
     <p:extLst>
       <p:ext uri="{BB962C8B-B14F-4D97-AF65-F5344CB8AC3E}">
-        <p14:creationId xmlns:p14="http://schemas.microsoft.com/office/powerpoint/2010/main" val="4164723923"/>
+        <p14:creationId xmlns:p14="http://schemas.microsoft.com/office/powerpoint/2010/main" val="151961846"/>
       </p:ext>
     </p:extLst>
   </p:cSld>
@@ -20947,7 +22904,7 @@
               <a:buNone/>
             </a:pPr>
             <a:r>
-              <a:rPr lang="ro-RO" sz="4800" dirty="0" smtClean="0">
+              <a:rPr lang="ro-RO" sz="4800" b="0" i="0" u="none" strike="noStrike" cap="none" dirty="0" smtClean="0">
                 <a:solidFill>
                   <a:schemeClr val="dk1"/>
                 </a:solidFill>
@@ -20956,19 +22913,7 @@
                 <a:cs typeface="Montserrat"/>
                 <a:sym typeface="Montserrat"/>
               </a:rPr>
-              <a:t>5.</a:t>
-            </a:r>
-            <a:r>
-              <a:rPr lang="ro-RO" sz="4800" b="0" i="0" u="none" strike="noStrike" cap="none" dirty="0" smtClean="0">
-                <a:solidFill>
-                  <a:schemeClr val="dk1"/>
-                </a:solidFill>
-                <a:latin typeface="Montserrat"/>
-                <a:ea typeface="Montserrat"/>
-                <a:cs typeface="Montserrat"/>
-                <a:sym typeface="Montserrat"/>
-              </a:rPr>
-              <a:t>Dispozitive inteligente</a:t>
+              <a:t>Server REST Java</a:t>
             </a:r>
             <a:endParaRPr dirty="0"/>
           </a:p>
@@ -21125,7 +23070,549 @@
         </p:nvSpPr>
         <p:spPr>
           <a:xfrm>
-            <a:off x="8994853" y="1181099"/>
+            <a:off x="3656560" y="1181099"/>
+            <a:ext cx="745027" cy="428625"/>
+          </a:xfrm>
+          <a:prstGeom prst="roundRect">
+            <a:avLst/>
+          </a:prstGeom>
+        </p:spPr>
+        <p:style>
+          <a:lnRef idx="2">
+            <a:schemeClr val="accent6">
+              <a:shade val="50000"/>
+            </a:schemeClr>
+          </a:lnRef>
+          <a:fillRef idx="1">
+            <a:schemeClr val="accent6"/>
+          </a:fillRef>
+          <a:effectRef idx="0">
+            <a:schemeClr val="accent6"/>
+          </a:effectRef>
+          <a:fontRef idx="minor">
+            <a:schemeClr val="lt1"/>
+          </a:fontRef>
+        </p:style>
+        <p:txBody>
+          <a:bodyPr rtlCol="0" anchor="ctr"/>
+          <a:lstStyle/>
+          <a:p>
+            <a:pPr algn="ctr"/>
+            <a:r>
+              <a:rPr lang="ro-RO" sz="1800" dirty="0" smtClean="0"/>
+              <a:t>Java</a:t>
+            </a:r>
+            <a:endParaRPr lang="en-US" sz="1800" dirty="0"/>
+          </a:p>
+        </p:txBody>
+      </p:sp>
+      <p:sp>
+        <p:nvSpPr>
+          <p:cNvPr id="8" name="Rounded Rectangle 7"/>
+          <p:cNvSpPr/>
+          <p:nvPr/>
+        </p:nvSpPr>
+        <p:spPr>
+          <a:xfrm>
+            <a:off x="897791" y="1181099"/>
+            <a:ext cx="1328646" cy="428625"/>
+          </a:xfrm>
+          <a:prstGeom prst="roundRect">
+            <a:avLst/>
+          </a:prstGeom>
+        </p:spPr>
+        <p:style>
+          <a:lnRef idx="2">
+            <a:schemeClr val="accent6">
+              <a:shade val="50000"/>
+            </a:schemeClr>
+          </a:lnRef>
+          <a:fillRef idx="1">
+            <a:schemeClr val="accent6"/>
+          </a:fillRef>
+          <a:effectRef idx="0">
+            <a:schemeClr val="accent6"/>
+          </a:effectRef>
+          <a:fontRef idx="minor">
+            <a:schemeClr val="lt1"/>
+          </a:fontRef>
+        </p:style>
+        <p:txBody>
+          <a:bodyPr rtlCol="0" anchor="ctr"/>
+          <a:lstStyle/>
+          <a:p>
+            <a:pPr algn="ctr"/>
+            <a:r>
+              <a:rPr lang="ro-RO" sz="1800" dirty="0" smtClean="0"/>
+              <a:t>API REST</a:t>
+            </a:r>
+          </a:p>
+        </p:txBody>
+      </p:sp>
+      <p:sp>
+        <p:nvSpPr>
+          <p:cNvPr id="11" name="Rounded Rectangle 10"/>
+          <p:cNvSpPr/>
+          <p:nvPr/>
+        </p:nvSpPr>
+        <p:spPr>
+          <a:xfrm>
+            <a:off x="2368960" y="1181099"/>
+            <a:ext cx="1145077" cy="428625"/>
+          </a:xfrm>
+          <a:prstGeom prst="roundRect">
+            <a:avLst/>
+          </a:prstGeom>
+        </p:spPr>
+        <p:style>
+          <a:lnRef idx="2">
+            <a:schemeClr val="accent6">
+              <a:shade val="50000"/>
+            </a:schemeClr>
+          </a:lnRef>
+          <a:fillRef idx="1">
+            <a:schemeClr val="accent6"/>
+          </a:fillRef>
+          <a:effectRef idx="0">
+            <a:schemeClr val="accent6"/>
+          </a:effectRef>
+          <a:fontRef idx="minor">
+            <a:schemeClr val="lt1"/>
+          </a:fontRef>
+        </p:style>
+        <p:txBody>
+          <a:bodyPr rtlCol="0" anchor="ctr"/>
+          <a:lstStyle/>
+          <a:p>
+            <a:pPr algn="ctr"/>
+            <a:r>
+              <a:rPr lang="ro-RO" sz="1800" dirty="0" smtClean="0"/>
+              <a:t>SSL/TLS</a:t>
+            </a:r>
+            <a:endParaRPr lang="en-US" sz="1800" dirty="0"/>
+          </a:p>
+        </p:txBody>
+      </p:sp>
+      <p:sp>
+        <p:nvSpPr>
+          <p:cNvPr id="12" name="Shape 113"/>
+          <p:cNvSpPr txBox="1"/>
+          <p:nvPr/>
+        </p:nvSpPr>
+        <p:spPr>
+          <a:xfrm>
+            <a:off x="660904" y="2381061"/>
+            <a:ext cx="8652428" cy="3923530"/>
+          </a:xfrm>
+          <a:prstGeom prst="rect">
+            <a:avLst/>
+          </a:prstGeom>
+          <a:noFill/>
+          <a:ln>
+            <a:noFill/>
+          </a:ln>
+        </p:spPr>
+        <p:txBody>
+          <a:bodyPr spcFirstLastPara="1" wrap="square" lIns="91425" tIns="45700" rIns="91425" bIns="45700" anchor="t" anchorCtr="0">
+            <a:noAutofit/>
+          </a:bodyPr>
+          <a:lstStyle/>
+          <a:p>
+            <a:pPr marL="342900" marR="0" lvl="0" indent="-342900" algn="l" rtl="0">
+              <a:spcBef>
+                <a:spcPts val="0"/>
+              </a:spcBef>
+              <a:spcAft>
+                <a:spcPts val="0"/>
+              </a:spcAft>
+              <a:buFontTx/>
+              <a:buChar char="-"/>
+            </a:pPr>
+            <a:r>
+              <a:rPr lang="ro-RO" sz="3200" dirty="0" smtClean="0">
+                <a:solidFill>
+                  <a:schemeClr val="tx1"/>
+                </a:solidFill>
+                <a:latin typeface="Times New Roman" panose="02020603050405020304" pitchFamily="18" charset="0"/>
+                <a:cs typeface="Times New Roman" panose="02020603050405020304" pitchFamily="18" charset="0"/>
+                <a:sym typeface="Lato Light"/>
+              </a:rPr>
+              <a:t>Manager de </a:t>
+            </a:r>
+            <a:r>
+              <a:rPr lang="ro-RO" sz="3200" dirty="0" smtClean="0">
+                <a:solidFill>
+                  <a:schemeClr val="tx1"/>
+                </a:solidFill>
+                <a:latin typeface="Times New Roman" panose="02020603050405020304" pitchFamily="18" charset="0"/>
+                <a:cs typeface="Times New Roman" panose="02020603050405020304" pitchFamily="18" charset="0"/>
+                <a:sym typeface="Lato Light"/>
+              </a:rPr>
+              <a:t>dispozitive</a:t>
+            </a:r>
+          </a:p>
+          <a:p>
+            <a:pPr marL="342900" marR="0" lvl="0" indent="-342900" algn="l" rtl="0">
+              <a:spcBef>
+                <a:spcPts val="0"/>
+              </a:spcBef>
+              <a:spcAft>
+                <a:spcPts val="0"/>
+              </a:spcAft>
+              <a:buFontTx/>
+              <a:buChar char="-"/>
+            </a:pPr>
+            <a:endParaRPr lang="ro-RO" sz="3200" dirty="0" smtClean="0">
+              <a:solidFill>
+                <a:schemeClr val="tx1"/>
+              </a:solidFill>
+              <a:latin typeface="Times New Roman" panose="02020603050405020304" pitchFamily="18" charset="0"/>
+              <a:cs typeface="Times New Roman" panose="02020603050405020304" pitchFamily="18" charset="0"/>
+              <a:sym typeface="Lato Light"/>
+            </a:endParaRPr>
+          </a:p>
+          <a:p>
+            <a:pPr marL="342900" marR="0" lvl="0" indent="-342900" algn="l" rtl="0">
+              <a:spcBef>
+                <a:spcPts val="0"/>
+              </a:spcBef>
+              <a:spcAft>
+                <a:spcPts val="0"/>
+              </a:spcAft>
+              <a:buFontTx/>
+              <a:buChar char="-"/>
+            </a:pPr>
+            <a:r>
+              <a:rPr lang="ro-RO" sz="3200" dirty="0" smtClean="0">
+                <a:solidFill>
+                  <a:schemeClr val="tx1"/>
+                </a:solidFill>
+                <a:latin typeface="Times New Roman" panose="02020603050405020304" pitchFamily="18" charset="0"/>
+                <a:cs typeface="Times New Roman" panose="02020603050405020304" pitchFamily="18" charset="0"/>
+                <a:sym typeface="Lato Light"/>
+              </a:rPr>
+              <a:t>Protocol de comunicare </a:t>
+            </a:r>
+            <a:r>
+              <a:rPr lang="ro-RO" sz="3200" dirty="0" smtClean="0">
+                <a:solidFill>
+                  <a:schemeClr val="tx1"/>
+                </a:solidFill>
+                <a:latin typeface="Times New Roman" panose="02020603050405020304" pitchFamily="18" charset="0"/>
+                <a:cs typeface="Times New Roman" panose="02020603050405020304" pitchFamily="18" charset="0"/>
+                <a:sym typeface="Lato Light"/>
+              </a:rPr>
+              <a:t>personalizat</a:t>
+            </a:r>
+          </a:p>
+          <a:p>
+            <a:pPr marL="342900" marR="0" lvl="0" indent="-342900" algn="l" rtl="0">
+              <a:spcBef>
+                <a:spcPts val="0"/>
+              </a:spcBef>
+              <a:spcAft>
+                <a:spcPts val="0"/>
+              </a:spcAft>
+              <a:buFontTx/>
+              <a:buChar char="-"/>
+            </a:pPr>
+            <a:endParaRPr lang="ro-RO" sz="3200" dirty="0" smtClean="0">
+              <a:solidFill>
+                <a:schemeClr val="tx1"/>
+              </a:solidFill>
+              <a:latin typeface="Times New Roman" panose="02020603050405020304" pitchFamily="18" charset="0"/>
+              <a:cs typeface="Times New Roman" panose="02020603050405020304" pitchFamily="18" charset="0"/>
+              <a:sym typeface="Lato Light"/>
+            </a:endParaRPr>
+          </a:p>
+          <a:p>
+            <a:pPr marL="342900" lvl="0" indent="-342900">
+              <a:buFontTx/>
+              <a:buChar char="-"/>
+            </a:pPr>
+            <a:r>
+              <a:rPr lang="ro-RO" sz="3200" dirty="0" smtClean="0">
+                <a:solidFill>
+                  <a:schemeClr val="tx1"/>
+                </a:solidFill>
+                <a:latin typeface="Times New Roman" panose="02020603050405020304" pitchFamily="18" charset="0"/>
+                <a:cs typeface="Times New Roman" panose="02020603050405020304" pitchFamily="18" charset="0"/>
+                <a:sym typeface="Lato Light"/>
+              </a:rPr>
+              <a:t>Comunicare </a:t>
+            </a:r>
+            <a:r>
+              <a:rPr lang="ro-RO" sz="3200" dirty="0">
+                <a:solidFill>
+                  <a:schemeClr val="tx1"/>
+                </a:solidFill>
+                <a:latin typeface="Times New Roman" panose="02020603050405020304" pitchFamily="18" charset="0"/>
+                <a:cs typeface="Times New Roman" panose="02020603050405020304" pitchFamily="18" charset="0"/>
+                <a:sym typeface="Lato Light"/>
+              </a:rPr>
+              <a:t>securizată cu </a:t>
+            </a:r>
+            <a:r>
+              <a:rPr lang="ro-RO" sz="3200" dirty="0" smtClean="0">
+                <a:solidFill>
+                  <a:schemeClr val="tx1"/>
+                </a:solidFill>
+                <a:latin typeface="Times New Roman" panose="02020603050405020304" pitchFamily="18" charset="0"/>
+                <a:cs typeface="Times New Roman" panose="02020603050405020304" pitchFamily="18" charset="0"/>
+                <a:sym typeface="Lato Light"/>
+              </a:rPr>
+              <a:t>dispozitivele</a:t>
+            </a:r>
+            <a:endParaRPr lang="ro-RO" sz="3200" dirty="0">
+              <a:solidFill>
+                <a:schemeClr val="tx1"/>
+              </a:solidFill>
+              <a:latin typeface="Times New Roman" panose="02020603050405020304" pitchFamily="18" charset="0"/>
+              <a:cs typeface="Times New Roman" panose="02020603050405020304" pitchFamily="18" charset="0"/>
+              <a:sym typeface="Lato Light"/>
+            </a:endParaRPr>
+          </a:p>
+        </p:txBody>
+      </p:sp>
+    </p:spTree>
+    <p:extLst>
+      <p:ext uri="{BB962C8B-B14F-4D97-AF65-F5344CB8AC3E}">
+        <p14:creationId xmlns:p14="http://schemas.microsoft.com/office/powerpoint/2010/main" val="4164723923"/>
+      </p:ext>
+    </p:extLst>
+  </p:cSld>
+  <p:clrMapOvr>
+    <a:masterClrMapping/>
+  </p:clrMapOvr>
+  <p:timing>
+    <p:tnLst>
+      <p:par>
+        <p:cTn id="1" dur="indefinite" restart="never" nodeType="tmRoot"/>
+      </p:par>
+    </p:tnLst>
+  </p:timing>
+</p:sld>
+</file>
+
+<file path=ppt/slides/slide8.xml><?xml version="1.0" encoding="utf-8"?>
+<p:sld xmlns:a="http://schemas.openxmlformats.org/drawingml/2006/main" xmlns:r="http://schemas.openxmlformats.org/officeDocument/2006/relationships" xmlns:p="http://schemas.openxmlformats.org/presentationml/2006/main">
+  <p:cSld>
+    <p:spTree>
+      <p:nvGrpSpPr>
+        <p:cNvPr id="1" name="Shape 111"/>
+        <p:cNvGrpSpPr/>
+        <p:nvPr/>
+      </p:nvGrpSpPr>
+      <p:grpSpPr>
+        <a:xfrm>
+          <a:off x="0" y="0"/>
+          <a:ext cx="0" cy="0"/>
+          <a:chOff x="0" y="0"/>
+          <a:chExt cx="0" cy="0"/>
+        </a:xfrm>
+      </p:grpSpPr>
+      <p:sp>
+        <p:nvSpPr>
+          <p:cNvPr id="112" name="Shape 112"/>
+          <p:cNvSpPr txBox="1"/>
+          <p:nvPr/>
+        </p:nvSpPr>
+        <p:spPr>
+          <a:xfrm>
+            <a:off x="774194" y="222898"/>
+            <a:ext cx="8958280" cy="830997"/>
+          </a:xfrm>
+          <a:prstGeom prst="rect">
+            <a:avLst/>
+          </a:prstGeom>
+          <a:noFill/>
+          <a:ln>
+            <a:noFill/>
+          </a:ln>
+        </p:spPr>
+        <p:txBody>
+          <a:bodyPr spcFirstLastPara="1" wrap="square" lIns="91425" tIns="45700" rIns="91425" bIns="45700" anchor="t" anchorCtr="0">
+            <a:noAutofit/>
+          </a:bodyPr>
+          <a:lstStyle/>
+          <a:p>
+            <a:pPr marL="0" marR="0" lvl="0" indent="0" algn="l" rtl="0">
+              <a:spcBef>
+                <a:spcPts val="0"/>
+              </a:spcBef>
+              <a:spcAft>
+                <a:spcPts val="0"/>
+              </a:spcAft>
+              <a:buNone/>
+            </a:pPr>
+            <a:r>
+              <a:rPr lang="ro-RO" sz="4800" b="0" i="0" u="none" strike="noStrike" cap="none" dirty="0" smtClean="0">
+                <a:solidFill>
+                  <a:schemeClr val="dk1"/>
+                </a:solidFill>
+                <a:latin typeface="Montserrat"/>
+                <a:ea typeface="Montserrat"/>
+                <a:cs typeface="Montserrat"/>
+                <a:sym typeface="Montserrat"/>
+              </a:rPr>
+              <a:t>Dispozitive inteligente</a:t>
+            </a:r>
+            <a:endParaRPr dirty="0"/>
+          </a:p>
+        </p:txBody>
+      </p:sp>
+      <p:sp>
+        <p:nvSpPr>
+          <p:cNvPr id="114" name="Shape 114"/>
+          <p:cNvSpPr/>
+          <p:nvPr/>
+        </p:nvSpPr>
+        <p:spPr>
+          <a:xfrm>
+            <a:off x="878557" y="1053895"/>
+            <a:ext cx="8853917" cy="51759"/>
+          </a:xfrm>
+          <a:prstGeom prst="rect">
+            <a:avLst/>
+          </a:prstGeom>
+          <a:solidFill>
+            <a:srgbClr val="AAE4D5"/>
+          </a:solidFill>
+          <a:ln>
+            <a:noFill/>
+          </a:ln>
+        </p:spPr>
+        <p:txBody>
+          <a:bodyPr spcFirstLastPara="1" wrap="square" lIns="91425" tIns="45700" rIns="91425" bIns="45700" anchor="ctr" anchorCtr="0">
+            <a:noAutofit/>
+          </a:bodyPr>
+          <a:lstStyle/>
+          <a:p>
+            <a:pPr marL="0" marR="0" lvl="0" indent="0" algn="ctr" rtl="0">
+              <a:spcBef>
+                <a:spcPts val="0"/>
+              </a:spcBef>
+              <a:spcAft>
+                <a:spcPts val="0"/>
+              </a:spcAft>
+              <a:buNone/>
+            </a:pPr>
+            <a:endParaRPr sz="1800">
+              <a:solidFill>
+                <a:schemeClr val="lt1"/>
+              </a:solidFill>
+              <a:latin typeface="Playfair Display"/>
+              <a:ea typeface="Playfair Display"/>
+              <a:cs typeface="Playfair Display"/>
+              <a:sym typeface="Playfair Display"/>
+            </a:endParaRPr>
+          </a:p>
+        </p:txBody>
+      </p:sp>
+      <p:pic>
+        <p:nvPicPr>
+          <p:cNvPr id="9" name="Picture 8" descr="C:\Users\dlargu\Desktop\FiiLogo.png"/>
+          <p:cNvPicPr>
+            <a:picLocks noChangeAspect="1" noChangeArrowheads="1"/>
+          </p:cNvPicPr>
+          <p:nvPr/>
+        </p:nvPicPr>
+        <p:blipFill>
+          <a:blip r:embed="rId3">
+            <a:extLst>
+              <a:ext uri="{28A0092B-C50C-407E-A947-70E740481C1C}">
+                <a14:useLocalDpi xmlns:a14="http://schemas.microsoft.com/office/drawing/2010/main"/>
+              </a:ext>
+            </a:extLst>
+          </a:blip>
+          <a:srcRect/>
+          <a:stretch>
+            <a:fillRect/>
+          </a:stretch>
+        </p:blipFill>
+        <p:spPr bwMode="auto">
+          <a:xfrm>
+            <a:off x="11235349" y="149280"/>
+            <a:ext cx="826365" cy="763675"/>
+          </a:xfrm>
+          <a:prstGeom prst="rect">
+            <a:avLst/>
+          </a:prstGeom>
+          <a:noFill/>
+          <a:extLst>
+            <a:ext uri="{909E8E84-426E-40DD-AFC4-6F175D3DCCD1}">
+              <a14:hiddenFill xmlns:a14="http://schemas.microsoft.com/office/drawing/2010/main">
+                <a:solidFill>
+                  <a:srgbClr val="FFFFFF"/>
+                </a:solidFill>
+              </a14:hiddenFill>
+            </a:ext>
+          </a:extLst>
+        </p:spPr>
+      </p:pic>
+      <p:pic>
+        <p:nvPicPr>
+          <p:cNvPr id="10" name="Picture 9"/>
+          <p:cNvPicPr>
+            <a:picLocks noChangeAspect="1"/>
+          </p:cNvPicPr>
+          <p:nvPr/>
+        </p:nvPicPr>
+        <p:blipFill>
+          <a:blip r:embed="rId4" cstate="print">
+            <a:extLst>
+              <a:ext uri="{28A0092B-C50C-407E-A947-70E740481C1C}">
+                <a14:useLocalDpi xmlns:a14="http://schemas.microsoft.com/office/drawing/2010/main"/>
+              </a:ext>
+            </a:extLst>
+          </a:blip>
+          <a:stretch>
+            <a:fillRect/>
+          </a:stretch>
+        </p:blipFill>
+        <p:spPr>
+          <a:xfrm>
+            <a:off x="9983713" y="84817"/>
+            <a:ext cx="910102" cy="892600"/>
+          </a:xfrm>
+          <a:prstGeom prst="rect">
+            <a:avLst/>
+          </a:prstGeom>
+        </p:spPr>
+      </p:pic>
+      <p:sp>
+        <p:nvSpPr>
+          <p:cNvPr id="5" name="Slide Number Placeholder 4"/>
+          <p:cNvSpPr>
+            <a:spLocks noGrp="1"/>
+          </p:cNvSpPr>
+          <p:nvPr>
+            <p:ph type="sldNum" idx="12"/>
+          </p:nvPr>
+        </p:nvSpPr>
+        <p:spPr/>
+        <p:txBody>
+          <a:bodyPr/>
+          <a:lstStyle/>
+          <a:p>
+            <a:fld id="{00000000-1234-1234-1234-123412341234}" type="slidenum">
+              <a:rPr lang="en-PH" smtClean="0"/>
+              <a:pPr/>
+              <a:t>8</a:t>
+            </a:fld>
+            <a:endParaRPr lang="en-PH" dirty="0"/>
+          </a:p>
+        </p:txBody>
+      </p:sp>
+      <p:sp>
+        <p:nvSpPr>
+          <p:cNvPr id="7" name="Rounded Rectangle 6"/>
+          <p:cNvSpPr/>
+          <p:nvPr/>
+        </p:nvSpPr>
+        <p:spPr>
+          <a:xfrm>
+            <a:off x="5943871" y="1181099"/>
             <a:ext cx="716452" cy="400048"/>
           </a:xfrm>
           <a:prstGeom prst="roundRect">
@@ -21169,7 +23656,7 @@
         </p:nvSpPr>
         <p:spPr>
           <a:xfrm>
-            <a:off x="6824054" y="1181099"/>
+            <a:off x="3773072" y="1181099"/>
             <a:ext cx="722673" cy="400048"/>
           </a:xfrm>
           <a:prstGeom prst="roundRect">
@@ -21212,7 +23699,7 @@
         </p:nvSpPr>
         <p:spPr>
           <a:xfrm>
-            <a:off x="7696668" y="1185862"/>
+            <a:off x="4645686" y="1185862"/>
             <a:ext cx="1145077" cy="400048"/>
           </a:xfrm>
           <a:prstGeom prst="roundRect">
@@ -21256,7 +23743,7 @@
         </p:nvSpPr>
         <p:spPr>
           <a:xfrm>
-            <a:off x="3933780" y="1181099"/>
+            <a:off x="882798" y="1181099"/>
             <a:ext cx="1554652" cy="400048"/>
           </a:xfrm>
           <a:prstGeom prst="roundRect">
@@ -21300,7 +23787,7 @@
         </p:nvSpPr>
         <p:spPr>
           <a:xfrm>
-            <a:off x="5640168" y="1181099"/>
+            <a:off x="2589186" y="1181099"/>
             <a:ext cx="1030778" cy="400048"/>
           </a:xfrm>
           <a:prstGeom prst="roundRect">
@@ -21338,56 +23825,111 @@
       </p:sp>
       <p:sp>
         <p:nvSpPr>
-          <p:cNvPr id="24" name="Rounded Rectangular Callout 23"/>
-          <p:cNvSpPr/>
+          <p:cNvPr id="15" name="Shape 113"/>
+          <p:cNvSpPr txBox="1"/>
           <p:nvPr/>
         </p:nvSpPr>
         <p:spPr>
           <a:xfrm>
-            <a:off x="10017520" y="1181099"/>
-            <a:ext cx="876295" cy="428624"/>
+            <a:off x="660904" y="2788467"/>
+            <a:ext cx="8652428" cy="3516124"/>
           </a:xfrm>
-          <a:prstGeom prst="wedgeRoundRectCallout">
-            <a:avLst>
-              <a:gd name="adj1" fmla="val -69343"/>
-              <a:gd name="adj2" fmla="val 4278"/>
-              <a:gd name="adj3" fmla="val 16667"/>
-            </a:avLst>
+          <a:prstGeom prst="rect">
+            <a:avLst/>
           </a:prstGeom>
+          <a:noFill/>
+          <a:ln>
+            <a:noFill/>
+          </a:ln>
         </p:spPr>
-        <p:style>
-          <a:lnRef idx="1">
-            <a:schemeClr val="accent2"/>
-          </a:lnRef>
-          <a:fillRef idx="2">
-            <a:schemeClr val="accent2"/>
-          </a:fillRef>
-          <a:effectRef idx="1">
-            <a:schemeClr val="accent2"/>
-          </a:effectRef>
-          <a:fontRef idx="minor">
-            <a:schemeClr val="dk1"/>
-          </a:fontRef>
-        </p:style>
         <p:txBody>
-          <a:bodyPr rtlCol="0" anchor="ctr"/>
+          <a:bodyPr spcFirstLastPara="1" wrap="square" lIns="91425" tIns="45700" rIns="91425" bIns="45700" anchor="t" anchorCtr="0">
+            <a:noAutofit/>
+          </a:bodyPr>
           <a:lstStyle/>
           <a:p>
-            <a:pPr algn="ctr"/>
+            <a:pPr marL="342900" marR="0" lvl="0" indent="-342900" algn="l" rtl="0">
+              <a:spcBef>
+                <a:spcPts val="0"/>
+              </a:spcBef>
+              <a:spcAft>
+                <a:spcPts val="0"/>
+              </a:spcAft>
+              <a:buFontTx/>
+              <a:buChar char="-"/>
+            </a:pPr>
             <a:r>
-              <a:rPr lang="ro-RO" dirty="0">
-                <a:latin typeface="Montserrat" panose="020B0604020202020204" charset="0"/>
+              <a:rPr lang="ro-RO" sz="3200" dirty="0" smtClean="0">
+                <a:solidFill>
+                  <a:schemeClr val="tx1"/>
+                </a:solidFill>
+                <a:latin typeface="Times New Roman" panose="02020603050405020304" pitchFamily="18" charset="0"/>
+                <a:cs typeface="Times New Roman" panose="02020603050405020304" pitchFamily="18" charset="0"/>
+                <a:sym typeface="Lato Light"/>
               </a:rPr>
-              <a:t>cuvinte </a:t>
+              <a:t>Raspberry </a:t>
             </a:r>
             <a:r>
-              <a:rPr lang="ro-RO" dirty="0" smtClean="0">
-                <a:latin typeface="Montserrat" panose="020B0604020202020204" charset="0"/>
+              <a:rPr lang="ro-RO" sz="3200" dirty="0" smtClean="0">
+                <a:solidFill>
+                  <a:schemeClr val="tx1"/>
+                </a:solidFill>
+                <a:latin typeface="Times New Roman" panose="02020603050405020304" pitchFamily="18" charset="0"/>
+                <a:cs typeface="Times New Roman" panose="02020603050405020304" pitchFamily="18" charset="0"/>
+                <a:sym typeface="Lato Light"/>
               </a:rPr>
-              <a:t>cheie</a:t>
+              <a:t>Pi</a:t>
             </a:r>
-            <a:endParaRPr lang="en-US" dirty="0">
-              <a:latin typeface="Montserrat" panose="020B0604020202020204" charset="0"/>
+          </a:p>
+          <a:p>
+            <a:pPr marL="342900" marR="0" lvl="0" indent="-342900" algn="l" rtl="0">
+              <a:spcBef>
+                <a:spcPts val="0"/>
+              </a:spcBef>
+              <a:spcAft>
+                <a:spcPts val="0"/>
+              </a:spcAft>
+              <a:buFontTx/>
+              <a:buChar char="-"/>
+            </a:pPr>
+            <a:endParaRPr lang="ro-RO" sz="3200" dirty="0" smtClean="0">
+              <a:solidFill>
+                <a:schemeClr val="tx1"/>
+              </a:solidFill>
+              <a:latin typeface="Times New Roman" panose="02020603050405020304" pitchFamily="18" charset="0"/>
+              <a:cs typeface="Times New Roman" panose="02020603050405020304" pitchFamily="18" charset="0"/>
+              <a:sym typeface="Lato Light"/>
+            </a:endParaRPr>
+          </a:p>
+          <a:p>
+            <a:pPr marL="342900" marR="0" lvl="0" indent="-342900" algn="l" rtl="0">
+              <a:spcBef>
+                <a:spcPts val="0"/>
+              </a:spcBef>
+              <a:spcAft>
+                <a:spcPts val="0"/>
+              </a:spcAft>
+              <a:buFontTx/>
+              <a:buChar char="-"/>
+            </a:pPr>
+            <a:r>
+              <a:rPr lang="ro-RO" sz="3200" dirty="0" smtClean="0">
+                <a:solidFill>
+                  <a:schemeClr val="tx1"/>
+                </a:solidFill>
+                <a:latin typeface="Times New Roman" panose="02020603050405020304" pitchFamily="18" charset="0"/>
+                <a:cs typeface="Times New Roman" panose="02020603050405020304" pitchFamily="18" charset="0"/>
+                <a:sym typeface="Lato Light"/>
+              </a:rPr>
+              <a:t>Dinamicitate în expunerea configurărilor dispozitivelelor</a:t>
+            </a:r>
+            <a:endParaRPr lang="ro-RO" sz="3200" dirty="0" smtClean="0">
+              <a:solidFill>
+                <a:schemeClr val="tx1"/>
+              </a:solidFill>
+              <a:latin typeface="Times New Roman" panose="02020603050405020304" pitchFamily="18" charset="0"/>
+              <a:cs typeface="Times New Roman" panose="02020603050405020304" pitchFamily="18" charset="0"/>
+              <a:sym typeface="Lato Light"/>
             </a:endParaRPr>
           </a:p>
         </p:txBody>
@@ -21412,7 +23954,7 @@
 </p:sld>
 </file>
 
-<file path=ppt/slides/slide8.xml><?xml version="1.0" encoding="utf-8"?>
+<file path=ppt/slides/slide9.xml><?xml version="1.0" encoding="utf-8"?>
 <p:sld xmlns:a="http://schemas.openxmlformats.org/drawingml/2006/main" xmlns:r="http://schemas.openxmlformats.org/officeDocument/2006/relationships" xmlns:p="http://schemas.openxmlformats.org/presentationml/2006/main">
   <p:cSld>
     <p:spTree>
@@ -21493,16 +24035,6 @@
               <a:buNone/>
             </a:pPr>
             <a:r>
-              <a:rPr lang="ro-RO" sz="4800" dirty="0" smtClean="0">
-                <a:solidFill>
-                  <a:schemeClr val="dk1"/>
-                </a:solidFill>
-                <a:latin typeface="Montserrat"/>
-                <a:sym typeface="Montserrat"/>
-              </a:rPr>
-              <a:t>6. </a:t>
-            </a:r>
-            <a:r>
               <a:rPr lang="en-US" sz="4800" dirty="0" err="1" smtClean="0">
                 <a:solidFill>
                   <a:schemeClr val="dk1"/>
@@ -21523,14 +24055,14 @@
               <a:t> </a:t>
             </a:r>
             <a:r>
-              <a:rPr lang="en-US" sz="4800" dirty="0" err="1" smtClean="0">
+              <a:rPr lang="ro-RO" sz="4800" dirty="0" smtClean="0">
                 <a:solidFill>
                   <a:schemeClr val="dk1"/>
                 </a:solidFill>
                 <a:latin typeface="Montserrat"/>
                 <a:sym typeface="Montserrat"/>
               </a:rPr>
-              <a:t>implementate</a:t>
+              <a:t>utilizate</a:t>
             </a:r>
             <a:endParaRPr dirty="0"/>
           </a:p>
@@ -22026,7 +24558,7 @@
             <a:fld id="{00000000-1234-1234-1234-123412341234}" type="slidenum">
               <a:rPr lang="en-PH" smtClean="0"/>
               <a:pPr/>
-              <a:t>8</a:t>
+              <a:t>9</a:t>
             </a:fld>
             <a:endParaRPr lang="en-PH" dirty="0"/>
           </a:p>
@@ -22228,7 +24760,7 @@
         <p:spPr>
           <a:xfrm>
             <a:off x="496807" y="3771143"/>
-            <a:ext cx="1576441" cy="369332"/>
+            <a:ext cx="1711118" cy="369332"/>
           </a:xfrm>
           <a:prstGeom prst="rect">
             <a:avLst/>
@@ -22254,7 +24786,7 @@
               <a:buNone/>
             </a:pPr>
             <a:r>
-              <a:rPr lang="ro-RO" sz="2400" b="1" dirty="0" smtClean="0">
+              <a:rPr lang="en-US" sz="2400" b="1" dirty="0" err="1" smtClean="0">
                 <a:solidFill>
                   <a:srgbClr val="00B050"/>
                 </a:solidFill>
@@ -22263,7 +24795,7 @@
                 <a:cs typeface="Montserrat"/>
                 <a:sym typeface="Montserrat"/>
               </a:rPr>
-              <a:t>Software</a:t>
+              <a:t>Dispozitiv</a:t>
             </a:r>
             <a:endParaRPr sz="2400" b="1" i="1" dirty="0">
               <a:solidFill>
@@ -22777,1055 +25309,6 @@
     <p:extLst>
       <p:ext uri="{BB962C8B-B14F-4D97-AF65-F5344CB8AC3E}">
         <p14:creationId xmlns:p14="http://schemas.microsoft.com/office/powerpoint/2010/main" val="311767833"/>
-      </p:ext>
-    </p:extLst>
-  </p:cSld>
-  <p:clrMapOvr>
-    <a:masterClrMapping/>
-  </p:clrMapOvr>
-  <p:timing>
-    <p:tnLst>
-      <p:par>
-        <p:cTn id="1" dur="indefinite" restart="never" nodeType="tmRoot"/>
-      </p:par>
-    </p:tnLst>
-  </p:timing>
-</p:sld>
-</file>
-
-<file path=ppt/slides/slide9.xml><?xml version="1.0" encoding="utf-8"?>
-<p:sld xmlns:a="http://schemas.openxmlformats.org/drawingml/2006/main" xmlns:r="http://schemas.openxmlformats.org/officeDocument/2006/relationships" xmlns:p="http://schemas.openxmlformats.org/presentationml/2006/main">
-  <p:cSld>
-    <p:spTree>
-      <p:nvGrpSpPr>
-        <p:cNvPr id="1" name="Shape 111"/>
-        <p:cNvGrpSpPr/>
-        <p:nvPr/>
-      </p:nvGrpSpPr>
-      <p:grpSpPr>
-        <a:xfrm>
-          <a:off x="0" y="0"/>
-          <a:ext cx="0" cy="0"/>
-          <a:chOff x="0" y="0"/>
-          <a:chExt cx="0" cy="0"/>
-        </a:xfrm>
-      </p:grpSpPr>
-      <p:pic>
-        <p:nvPicPr>
-          <p:cNvPr id="2" name="Picture 1"/>
-          <p:cNvPicPr>
-            <a:picLocks noChangeAspect="1"/>
-          </p:cNvPicPr>
-          <p:nvPr/>
-        </p:nvPicPr>
-        <p:blipFill rotWithShape="1">
-          <a:blip r:embed="rId3" cstate="print">
-            <a:extLst>
-              <a:ext uri="{28A0092B-C50C-407E-A947-70E740481C1C}">
-                <a14:useLocalDpi xmlns:a14="http://schemas.microsoft.com/office/drawing/2010/main"/>
-              </a:ext>
-            </a:extLst>
-          </a:blip>
-          <a:srcRect l="5094" t="19083" r="5241" b="11087"/>
-          <a:stretch/>
-        </p:blipFill>
-        <p:spPr>
-          <a:xfrm>
-            <a:off x="2181842" y="1436508"/>
-            <a:ext cx="3897764" cy="2088088"/>
-          </a:xfrm>
-          <a:prstGeom prst="rect">
-            <a:avLst/>
-          </a:prstGeom>
-        </p:spPr>
-      </p:pic>
-      <p:sp>
-        <p:nvSpPr>
-          <p:cNvPr id="112" name="Shape 112"/>
-          <p:cNvSpPr txBox="1"/>
-          <p:nvPr/>
-        </p:nvSpPr>
-        <p:spPr>
-          <a:xfrm>
-            <a:off x="774194" y="222898"/>
-            <a:ext cx="8958280" cy="830997"/>
-          </a:xfrm>
-          <a:prstGeom prst="rect">
-            <a:avLst/>
-          </a:prstGeom>
-          <a:noFill/>
-          <a:ln>
-            <a:noFill/>
-          </a:ln>
-        </p:spPr>
-        <p:txBody>
-          <a:bodyPr spcFirstLastPara="1" wrap="square" lIns="91425" tIns="45700" rIns="91425" bIns="45700" anchor="t" anchorCtr="0">
-            <a:noAutofit/>
-          </a:bodyPr>
-          <a:lstStyle/>
-          <a:p>
-            <a:pPr marL="0" marR="0" lvl="0" indent="0" algn="l" rtl="0">
-              <a:spcBef>
-                <a:spcPts val="0"/>
-              </a:spcBef>
-              <a:spcAft>
-                <a:spcPts val="0"/>
-              </a:spcAft>
-              <a:buNone/>
-            </a:pPr>
-            <a:r>
-              <a:rPr lang="ro-RO" sz="4800" dirty="0" smtClean="0">
-                <a:solidFill>
-                  <a:schemeClr val="dk1"/>
-                </a:solidFill>
-                <a:latin typeface="Montserrat"/>
-                <a:sym typeface="Montserrat"/>
-              </a:rPr>
-              <a:t>6. </a:t>
-            </a:r>
-            <a:r>
-              <a:rPr lang="en-US" sz="4800" dirty="0" err="1" smtClean="0">
-                <a:solidFill>
-                  <a:schemeClr val="dk1"/>
-                </a:solidFill>
-                <a:latin typeface="Montserrat"/>
-                <a:sym typeface="Montserrat"/>
-              </a:rPr>
-              <a:t>Dispozitive</a:t>
-            </a:r>
-            <a:r>
-              <a:rPr lang="en-US" sz="4800" dirty="0" smtClean="0">
-                <a:solidFill>
-                  <a:schemeClr val="dk1"/>
-                </a:solidFill>
-                <a:latin typeface="Montserrat"/>
-                <a:sym typeface="Montserrat"/>
-              </a:rPr>
-              <a:t> </a:t>
-            </a:r>
-            <a:r>
-              <a:rPr lang="en-US" sz="4800" dirty="0" err="1" smtClean="0">
-                <a:solidFill>
-                  <a:schemeClr val="dk1"/>
-                </a:solidFill>
-                <a:latin typeface="Montserrat"/>
-                <a:sym typeface="Montserrat"/>
-              </a:rPr>
-              <a:t>implementate</a:t>
-            </a:r>
-            <a:endParaRPr dirty="0"/>
-          </a:p>
-        </p:txBody>
-      </p:sp>
-      <p:pic>
-        <p:nvPicPr>
-          <p:cNvPr id="9" name="Picture 8" descr="C:\Users\dlargu\Desktop\FiiLogo.png"/>
-          <p:cNvPicPr>
-            <a:picLocks noChangeAspect="1" noChangeArrowheads="1"/>
-          </p:cNvPicPr>
-          <p:nvPr/>
-        </p:nvPicPr>
-        <p:blipFill>
-          <a:blip r:embed="rId4">
-            <a:extLst>
-              <a:ext uri="{28A0092B-C50C-407E-A947-70E740481C1C}">
-                <a14:useLocalDpi xmlns:a14="http://schemas.microsoft.com/office/drawing/2010/main"/>
-              </a:ext>
-            </a:extLst>
-          </a:blip>
-          <a:srcRect/>
-          <a:stretch>
-            <a:fillRect/>
-          </a:stretch>
-        </p:blipFill>
-        <p:spPr bwMode="auto">
-          <a:xfrm>
-            <a:off x="11235349" y="149280"/>
-            <a:ext cx="826365" cy="763675"/>
-          </a:xfrm>
-          <a:prstGeom prst="rect">
-            <a:avLst/>
-          </a:prstGeom>
-          <a:noFill/>
-          <a:extLst>
-            <a:ext uri="{909E8E84-426E-40DD-AFC4-6F175D3DCCD1}">
-              <a14:hiddenFill xmlns:a14="http://schemas.microsoft.com/office/drawing/2010/main">
-                <a:solidFill>
-                  <a:srgbClr val="FFFFFF"/>
-                </a:solidFill>
-              </a14:hiddenFill>
-            </a:ext>
-          </a:extLst>
-        </p:spPr>
-      </p:pic>
-      <p:pic>
-        <p:nvPicPr>
-          <p:cNvPr id="10" name="Picture 9"/>
-          <p:cNvPicPr>
-            <a:picLocks noChangeAspect="1"/>
-          </p:cNvPicPr>
-          <p:nvPr/>
-        </p:nvPicPr>
-        <p:blipFill>
-          <a:blip r:embed="rId5" cstate="print">
-            <a:extLst>
-              <a:ext uri="{28A0092B-C50C-407E-A947-70E740481C1C}">
-                <a14:useLocalDpi xmlns:a14="http://schemas.microsoft.com/office/drawing/2010/main"/>
-              </a:ext>
-            </a:extLst>
-          </a:blip>
-          <a:stretch>
-            <a:fillRect/>
-          </a:stretch>
-        </p:blipFill>
-        <p:spPr>
-          <a:xfrm>
-            <a:off x="9983713" y="84817"/>
-            <a:ext cx="910102" cy="892600"/>
-          </a:xfrm>
-          <a:prstGeom prst="rect">
-            <a:avLst/>
-          </a:prstGeom>
-        </p:spPr>
-      </p:pic>
-      <p:sp>
-        <p:nvSpPr>
-          <p:cNvPr id="11" name="Shape 143"/>
-          <p:cNvSpPr/>
-          <p:nvPr/>
-        </p:nvSpPr>
-        <p:spPr>
-          <a:xfrm>
-            <a:off x="3132464" y="3619190"/>
-            <a:ext cx="2046081" cy="471022"/>
-          </a:xfrm>
-          <a:prstGeom prst="rect">
-            <a:avLst/>
-          </a:prstGeom>
-          <a:noFill/>
-          <a:ln w="19050" cap="flat" cmpd="sng">
-            <a:solidFill>
-              <a:srgbClr val="00B050"/>
-            </a:solidFill>
-            <a:prstDash val="solid"/>
-            <a:miter lim="800000"/>
-            <a:headEnd type="none" w="sm" len="sm"/>
-            <a:tailEnd type="none" w="sm" len="sm"/>
-          </a:ln>
-        </p:spPr>
-        <p:txBody>
-          <a:bodyPr spcFirstLastPara="1" wrap="square" lIns="91425" tIns="45700" rIns="91425" bIns="45700" anchor="ctr" anchorCtr="0">
-            <a:noAutofit/>
-          </a:bodyPr>
-          <a:lstStyle/>
-          <a:p>
-            <a:pPr marL="0" marR="0" lvl="0" indent="0" algn="ctr" rtl="0">
-              <a:spcBef>
-                <a:spcPts val="0"/>
-              </a:spcBef>
-              <a:spcAft>
-                <a:spcPts val="0"/>
-              </a:spcAft>
-              <a:buNone/>
-            </a:pPr>
-            <a:endParaRPr sz="1800">
-              <a:solidFill>
-                <a:schemeClr val="lt1"/>
-              </a:solidFill>
-              <a:latin typeface="Playfair Display"/>
-              <a:ea typeface="Playfair Display"/>
-              <a:cs typeface="Playfair Display"/>
-              <a:sym typeface="Playfair Display"/>
-            </a:endParaRPr>
-          </a:p>
-        </p:txBody>
-      </p:sp>
-      <p:sp>
-        <p:nvSpPr>
-          <p:cNvPr id="14" name="Shape 152"/>
-          <p:cNvSpPr txBox="1"/>
-          <p:nvPr/>
-        </p:nvSpPr>
-        <p:spPr>
-          <a:xfrm>
-            <a:off x="3193140" y="3668137"/>
-            <a:ext cx="1985405" cy="399774"/>
-          </a:xfrm>
-          <a:prstGeom prst="rect">
-            <a:avLst/>
-          </a:prstGeom>
-          <a:noFill/>
-          <a:ln>
-            <a:noFill/>
-          </a:ln>
-        </p:spPr>
-        <p:txBody>
-          <a:bodyPr spcFirstLastPara="1" wrap="square" lIns="91425" tIns="45700" rIns="91425" bIns="45700" anchor="t" anchorCtr="0">
-            <a:noAutofit/>
-          </a:bodyPr>
-          <a:lstStyle/>
-          <a:p>
-            <a:pPr marL="0" marR="0" lvl="0" indent="0" algn="ctr" rtl="0">
-              <a:spcBef>
-                <a:spcPts val="0"/>
-              </a:spcBef>
-              <a:spcAft>
-                <a:spcPts val="0"/>
-              </a:spcAft>
-              <a:buNone/>
-            </a:pPr>
-            <a:r>
-              <a:rPr lang="ro-RO" sz="1800" dirty="0" smtClean="0">
-                <a:solidFill>
-                  <a:schemeClr val="dk1"/>
-                </a:solidFill>
-                <a:latin typeface="Lato Light"/>
-                <a:ea typeface="Lato Light"/>
-                <a:cs typeface="Lato Light"/>
-                <a:sym typeface="Lato Light"/>
-              </a:rPr>
-              <a:t>Încuietoarea  ușii</a:t>
-            </a:r>
-            <a:endParaRPr sz="1800" i="1" dirty="0">
-              <a:solidFill>
-                <a:schemeClr val="dk1"/>
-              </a:solidFill>
-              <a:latin typeface="Lato Light"/>
-              <a:ea typeface="Lato Light"/>
-              <a:cs typeface="Lato Light"/>
-              <a:sym typeface="Lato Light"/>
-            </a:endParaRPr>
-          </a:p>
-        </p:txBody>
-      </p:sp>
-      <p:pic>
-        <p:nvPicPr>
-          <p:cNvPr id="15" name="Picture 14"/>
-          <p:cNvPicPr>
-            <a:picLocks noChangeAspect="1"/>
-          </p:cNvPicPr>
-          <p:nvPr/>
-        </p:nvPicPr>
-        <p:blipFill rotWithShape="1">
-          <a:blip r:embed="rId6" cstate="print">
-            <a:extLst>
-              <a:ext uri="{28A0092B-C50C-407E-A947-70E740481C1C}">
-                <a14:useLocalDpi xmlns:a14="http://schemas.microsoft.com/office/drawing/2010/main"/>
-              </a:ext>
-            </a:extLst>
-          </a:blip>
-          <a:srcRect l="12430" t="20441" r="11502" b="7521"/>
-          <a:stretch/>
-        </p:blipFill>
-        <p:spPr>
-          <a:xfrm>
-            <a:off x="6916823" y="1435688"/>
-            <a:ext cx="4058449" cy="2088908"/>
-          </a:xfrm>
-          <a:prstGeom prst="rect">
-            <a:avLst/>
-          </a:prstGeom>
-        </p:spPr>
-      </p:pic>
-      <p:sp>
-        <p:nvSpPr>
-          <p:cNvPr id="16" name="Shape 143"/>
-          <p:cNvSpPr/>
-          <p:nvPr/>
-        </p:nvSpPr>
-        <p:spPr>
-          <a:xfrm>
-            <a:off x="7541980" y="3644002"/>
-            <a:ext cx="2808134" cy="457339"/>
-          </a:xfrm>
-          <a:prstGeom prst="rect">
-            <a:avLst/>
-          </a:prstGeom>
-          <a:noFill/>
-          <a:ln w="19050" cap="flat" cmpd="sng">
-            <a:solidFill>
-              <a:srgbClr val="00B050"/>
-            </a:solidFill>
-            <a:prstDash val="solid"/>
-            <a:miter lim="800000"/>
-            <a:headEnd type="none" w="sm" len="sm"/>
-            <a:tailEnd type="none" w="sm" len="sm"/>
-          </a:ln>
-        </p:spPr>
-        <p:txBody>
-          <a:bodyPr spcFirstLastPara="1" wrap="square" lIns="91425" tIns="45700" rIns="91425" bIns="45700" anchor="ctr" anchorCtr="0">
-            <a:noAutofit/>
-          </a:bodyPr>
-          <a:lstStyle/>
-          <a:p>
-            <a:pPr marL="0" marR="0" lvl="0" indent="0" algn="ctr" rtl="0">
-              <a:spcBef>
-                <a:spcPts val="0"/>
-              </a:spcBef>
-              <a:spcAft>
-                <a:spcPts val="0"/>
-              </a:spcAft>
-              <a:buNone/>
-            </a:pPr>
-            <a:endParaRPr sz="1800">
-              <a:solidFill>
-                <a:schemeClr val="lt1"/>
-              </a:solidFill>
-              <a:latin typeface="Playfair Display"/>
-              <a:ea typeface="Playfair Display"/>
-              <a:cs typeface="Playfair Display"/>
-              <a:sym typeface="Playfair Display"/>
-            </a:endParaRPr>
-          </a:p>
-        </p:txBody>
-      </p:sp>
-      <p:sp>
-        <p:nvSpPr>
-          <p:cNvPr id="18" name="Shape 152"/>
-          <p:cNvSpPr txBox="1"/>
-          <p:nvPr/>
-        </p:nvSpPr>
-        <p:spPr>
-          <a:xfrm>
-            <a:off x="7541980" y="3659844"/>
-            <a:ext cx="2808134" cy="338554"/>
-          </a:xfrm>
-          <a:prstGeom prst="rect">
-            <a:avLst/>
-          </a:prstGeom>
-          <a:noFill/>
-          <a:ln>
-            <a:noFill/>
-          </a:ln>
-        </p:spPr>
-        <p:txBody>
-          <a:bodyPr spcFirstLastPara="1" wrap="square" lIns="91425" tIns="45700" rIns="91425" bIns="45700" anchor="t" anchorCtr="0">
-            <a:noAutofit/>
-          </a:bodyPr>
-          <a:lstStyle/>
-          <a:p>
-            <a:pPr marL="0" marR="0" lvl="0" indent="0" algn="ctr" rtl="0">
-              <a:spcBef>
-                <a:spcPts val="0"/>
-              </a:spcBef>
-              <a:spcAft>
-                <a:spcPts val="0"/>
-              </a:spcAft>
-              <a:buNone/>
-            </a:pPr>
-            <a:r>
-              <a:rPr lang="en-US" sz="1800" dirty="0" smtClean="0">
-                <a:solidFill>
-                  <a:schemeClr val="dk1"/>
-                </a:solidFill>
-                <a:latin typeface="Lato Light"/>
-                <a:ea typeface="Lato Light"/>
-                <a:cs typeface="Lato Light"/>
-                <a:sym typeface="Lato Light"/>
-              </a:rPr>
-              <a:t>Monitor </a:t>
-            </a:r>
-            <a:r>
-              <a:rPr lang="en-US" sz="1800" dirty="0" err="1" smtClean="0">
-                <a:solidFill>
-                  <a:schemeClr val="dk1"/>
-                </a:solidFill>
-                <a:latin typeface="Lato Light"/>
-                <a:ea typeface="Lato Light"/>
-                <a:cs typeface="Lato Light"/>
-                <a:sym typeface="Lato Light"/>
-              </a:rPr>
-              <a:t>ambian</a:t>
-            </a:r>
-            <a:r>
-              <a:rPr lang="ro-RO" sz="1800" dirty="0" smtClean="0">
-                <a:solidFill>
-                  <a:schemeClr val="dk1"/>
-                </a:solidFill>
-                <a:latin typeface="Lato Light"/>
-                <a:ea typeface="Lato Light"/>
-                <a:cs typeface="Lato Light"/>
-                <a:sym typeface="Lato Light"/>
-              </a:rPr>
-              <a:t>ță locuință</a:t>
-            </a:r>
-            <a:endParaRPr sz="1800" i="1" dirty="0">
-              <a:solidFill>
-                <a:schemeClr val="dk1"/>
-              </a:solidFill>
-              <a:latin typeface="Lato Light"/>
-              <a:ea typeface="Lato Light"/>
-              <a:cs typeface="Lato Light"/>
-              <a:sym typeface="Lato Light"/>
-            </a:endParaRPr>
-          </a:p>
-        </p:txBody>
-      </p:sp>
-      <p:sp>
-        <p:nvSpPr>
-          <p:cNvPr id="3" name="Slide Number Placeholder 2"/>
-          <p:cNvSpPr>
-            <a:spLocks noGrp="1"/>
-          </p:cNvSpPr>
-          <p:nvPr>
-            <p:ph type="sldNum" idx="12"/>
-          </p:nvPr>
-        </p:nvSpPr>
-        <p:spPr/>
-        <p:txBody>
-          <a:bodyPr/>
-          <a:lstStyle/>
-          <a:p>
-            <a:fld id="{00000000-1234-1234-1234-123412341234}" type="slidenum">
-              <a:rPr lang="en-PH" smtClean="0"/>
-              <a:pPr/>
-              <a:t>9</a:t>
-            </a:fld>
-            <a:endParaRPr lang="en-PH" dirty="0"/>
-          </a:p>
-        </p:txBody>
-      </p:sp>
-      <p:sp>
-        <p:nvSpPr>
-          <p:cNvPr id="23" name="Shape 114"/>
-          <p:cNvSpPr/>
-          <p:nvPr/>
-        </p:nvSpPr>
-        <p:spPr>
-          <a:xfrm>
-            <a:off x="878557" y="1053895"/>
-            <a:ext cx="8853917" cy="51759"/>
-          </a:xfrm>
-          <a:prstGeom prst="rect">
-            <a:avLst/>
-          </a:prstGeom>
-          <a:solidFill>
-            <a:srgbClr val="AAE4D5"/>
-          </a:solidFill>
-          <a:ln>
-            <a:noFill/>
-          </a:ln>
-        </p:spPr>
-        <p:txBody>
-          <a:bodyPr spcFirstLastPara="1" wrap="square" lIns="91425" tIns="45700" rIns="91425" bIns="45700" anchor="ctr" anchorCtr="0">
-            <a:noAutofit/>
-          </a:bodyPr>
-          <a:lstStyle/>
-          <a:p>
-            <a:pPr marL="0" marR="0" lvl="0" indent="0" algn="ctr" rtl="0">
-              <a:spcBef>
-                <a:spcPts val="0"/>
-              </a:spcBef>
-              <a:spcAft>
-                <a:spcPts val="0"/>
-              </a:spcAft>
-              <a:buNone/>
-            </a:pPr>
-            <a:endParaRPr sz="1800">
-              <a:solidFill>
-                <a:schemeClr val="lt1"/>
-              </a:solidFill>
-              <a:latin typeface="Playfair Display"/>
-              <a:ea typeface="Playfair Display"/>
-              <a:cs typeface="Playfair Display"/>
-              <a:sym typeface="Playfair Display"/>
-            </a:endParaRPr>
-          </a:p>
-        </p:txBody>
-      </p:sp>
-      <p:pic>
-        <p:nvPicPr>
-          <p:cNvPr id="5" name="Picture 4"/>
-          <p:cNvPicPr>
-            <a:picLocks noChangeAspect="1"/>
-          </p:cNvPicPr>
-          <p:nvPr/>
-        </p:nvPicPr>
-        <p:blipFill rotWithShape="1">
-          <a:blip r:embed="rId7" cstate="print">
-            <a:extLst>
-              <a:ext uri="{28A0092B-C50C-407E-A947-70E740481C1C}">
-                <a14:useLocalDpi xmlns:a14="http://schemas.microsoft.com/office/drawing/2010/main"/>
-              </a:ext>
-            </a:extLst>
-          </a:blip>
-          <a:srcRect/>
-          <a:stretch/>
-        </p:blipFill>
-        <p:spPr>
-          <a:xfrm>
-            <a:off x="3193140" y="4398390"/>
-            <a:ext cx="1926888" cy="1602464"/>
-          </a:xfrm>
-          <a:prstGeom prst="rect">
-            <a:avLst/>
-          </a:prstGeom>
-        </p:spPr>
-      </p:pic>
-      <p:pic>
-        <p:nvPicPr>
-          <p:cNvPr id="6" name="Picture 5"/>
-          <p:cNvPicPr>
-            <a:picLocks noChangeAspect="1"/>
-          </p:cNvPicPr>
-          <p:nvPr/>
-        </p:nvPicPr>
-        <p:blipFill rotWithShape="1">
-          <a:blip r:embed="rId8" cstate="print">
-            <a:extLst>
-              <a:ext uri="{28A0092B-C50C-407E-A947-70E740481C1C}">
-                <a14:useLocalDpi xmlns:a14="http://schemas.microsoft.com/office/drawing/2010/main"/>
-              </a:ext>
-            </a:extLst>
-          </a:blip>
-          <a:srcRect/>
-          <a:stretch/>
-        </p:blipFill>
-        <p:spPr>
-          <a:xfrm>
-            <a:off x="8175276" y="4361515"/>
-            <a:ext cx="1530037" cy="1648201"/>
-          </a:xfrm>
-          <a:prstGeom prst="rect">
-            <a:avLst/>
-          </a:prstGeom>
-        </p:spPr>
-      </p:pic>
-      <p:sp>
-        <p:nvSpPr>
-          <p:cNvPr id="25" name="Shape 114"/>
-          <p:cNvSpPr/>
-          <p:nvPr/>
-        </p:nvSpPr>
-        <p:spPr>
-          <a:xfrm>
-            <a:off x="605444" y="4257450"/>
-            <a:ext cx="11451087" cy="54864"/>
-          </a:xfrm>
-          <a:prstGeom prst="rect">
-            <a:avLst/>
-          </a:prstGeom>
-          <a:solidFill>
-            <a:schemeClr val="accent1">
-              <a:lumMod val="60000"/>
-              <a:lumOff val="40000"/>
-            </a:schemeClr>
-          </a:solidFill>
-          <a:ln>
-            <a:noFill/>
-          </a:ln>
-        </p:spPr>
-        <p:txBody>
-          <a:bodyPr spcFirstLastPara="1" wrap="square" lIns="91425" tIns="45700" rIns="91425" bIns="45700" anchor="ctr" anchorCtr="0">
-            <a:noAutofit/>
-          </a:bodyPr>
-          <a:lstStyle/>
-          <a:p>
-            <a:pPr marL="0" marR="0" lvl="0" indent="0" algn="ctr" rtl="0">
-              <a:spcBef>
-                <a:spcPts val="0"/>
-              </a:spcBef>
-              <a:spcAft>
-                <a:spcPts val="0"/>
-              </a:spcAft>
-              <a:buNone/>
-            </a:pPr>
-            <a:endParaRPr sz="1800">
-              <a:solidFill>
-                <a:schemeClr val="lt1"/>
-              </a:solidFill>
-              <a:latin typeface="Playfair Display"/>
-              <a:ea typeface="Playfair Display"/>
-              <a:cs typeface="Playfair Display"/>
-              <a:sym typeface="Playfair Display"/>
-            </a:endParaRPr>
-          </a:p>
-        </p:txBody>
-      </p:sp>
-      <p:sp>
-        <p:nvSpPr>
-          <p:cNvPr id="26" name="Shape 146"/>
-          <p:cNvSpPr txBox="1"/>
-          <p:nvPr/>
-        </p:nvSpPr>
-        <p:spPr>
-          <a:xfrm>
-            <a:off x="496807" y="3771147"/>
-            <a:ext cx="1576441" cy="369332"/>
-          </a:xfrm>
-          <a:prstGeom prst="rect">
-            <a:avLst/>
-          </a:prstGeom>
-          <a:noFill/>
-          <a:ln>
-            <a:noFill/>
-          </a:ln>
-        </p:spPr>
-        <p:txBody>
-          <a:bodyPr spcFirstLastPara="1" wrap="square" lIns="91425" tIns="45700" rIns="91425" bIns="45700" anchor="t" anchorCtr="0">
-            <a:noAutofit/>
-          </a:bodyPr>
-          <a:lstStyle/>
-          <a:p>
-            <a:pPr marL="0" marR="0" lvl="0" indent="0" algn="ctr" rtl="0">
-              <a:spcBef>
-                <a:spcPts val="0"/>
-              </a:spcBef>
-              <a:spcAft>
-                <a:spcPts val="0"/>
-              </a:spcAft>
-              <a:buNone/>
-            </a:pPr>
-            <a:r>
-              <a:rPr lang="ro-RO" sz="2400" b="1" dirty="0" smtClean="0">
-                <a:solidFill>
-                  <a:srgbClr val="00B050"/>
-                </a:solidFill>
-                <a:latin typeface="Montserrat"/>
-                <a:ea typeface="Montserrat"/>
-                <a:cs typeface="Montserrat"/>
-                <a:sym typeface="Montserrat"/>
-              </a:rPr>
-              <a:t>Software</a:t>
-            </a:r>
-            <a:endParaRPr sz="2400" b="1" i="1" dirty="0">
-              <a:solidFill>
-                <a:srgbClr val="00B050"/>
-              </a:solidFill>
-              <a:latin typeface="Montserrat"/>
-              <a:ea typeface="Montserrat"/>
-              <a:cs typeface="Montserrat"/>
-              <a:sym typeface="Montserrat"/>
-            </a:endParaRPr>
-          </a:p>
-        </p:txBody>
-      </p:sp>
-      <p:sp>
-        <p:nvSpPr>
-          <p:cNvPr id="27" name="Shape 146"/>
-          <p:cNvSpPr txBox="1"/>
-          <p:nvPr/>
-        </p:nvSpPr>
-        <p:spPr>
-          <a:xfrm>
-            <a:off x="505860" y="4330420"/>
-            <a:ext cx="1702065" cy="369332"/>
-          </a:xfrm>
-          <a:prstGeom prst="rect">
-            <a:avLst/>
-          </a:prstGeom>
-          <a:noFill/>
-          <a:ln>
-            <a:noFill/>
-          </a:ln>
-        </p:spPr>
-        <p:txBody>
-          <a:bodyPr spcFirstLastPara="1" wrap="square" lIns="91425" tIns="45700" rIns="91425" bIns="45700" anchor="t" anchorCtr="0">
-            <a:noAutofit/>
-          </a:bodyPr>
-          <a:lstStyle/>
-          <a:p>
-            <a:pPr marL="0" marR="0" lvl="0" indent="0" algn="ctr" rtl="0">
-              <a:spcBef>
-                <a:spcPts val="0"/>
-              </a:spcBef>
-              <a:spcAft>
-                <a:spcPts val="0"/>
-              </a:spcAft>
-              <a:buNone/>
-            </a:pPr>
-            <a:r>
-              <a:rPr lang="ro-RO" sz="2400" b="1" dirty="0">
-                <a:solidFill>
-                  <a:srgbClr val="002060"/>
-                </a:solidFill>
-                <a:latin typeface="Montserrat"/>
-                <a:ea typeface="Montserrat"/>
-                <a:cs typeface="Montserrat"/>
-                <a:sym typeface="Montserrat"/>
-              </a:rPr>
-              <a:t>H</a:t>
-            </a:r>
-            <a:r>
-              <a:rPr lang="ro-RO" sz="2400" b="1" dirty="0" smtClean="0">
-                <a:solidFill>
-                  <a:srgbClr val="002060"/>
-                </a:solidFill>
-                <a:latin typeface="Montserrat"/>
-                <a:ea typeface="Montserrat"/>
-                <a:cs typeface="Montserrat"/>
-                <a:sym typeface="Montserrat"/>
-              </a:rPr>
-              <a:t>ardware</a:t>
-            </a:r>
-            <a:endParaRPr sz="2400" b="1" i="1" dirty="0">
-              <a:solidFill>
-                <a:srgbClr val="002060"/>
-              </a:solidFill>
-              <a:latin typeface="Montserrat"/>
-              <a:ea typeface="Montserrat"/>
-              <a:cs typeface="Montserrat"/>
-              <a:sym typeface="Montserrat"/>
-            </a:endParaRPr>
-          </a:p>
-        </p:txBody>
-      </p:sp>
-      <p:sp>
-        <p:nvSpPr>
-          <p:cNvPr id="28" name="Shape 143"/>
-          <p:cNvSpPr/>
-          <p:nvPr/>
-        </p:nvSpPr>
-        <p:spPr>
-          <a:xfrm>
-            <a:off x="2890917" y="6071089"/>
-            <a:ext cx="2601056" cy="398892"/>
-          </a:xfrm>
-          <a:prstGeom prst="rect">
-            <a:avLst/>
-          </a:prstGeom>
-          <a:noFill/>
-          <a:ln w="19050" cap="flat" cmpd="sng">
-            <a:solidFill>
-              <a:srgbClr val="002060"/>
-            </a:solidFill>
-            <a:prstDash val="solid"/>
-            <a:miter lim="800000"/>
-            <a:headEnd type="none" w="sm" len="sm"/>
-            <a:tailEnd type="none" w="sm" len="sm"/>
-          </a:ln>
-        </p:spPr>
-        <p:txBody>
-          <a:bodyPr spcFirstLastPara="1" wrap="square" lIns="91425" tIns="45700" rIns="91425" bIns="45700" anchor="ctr" anchorCtr="0">
-            <a:noAutofit/>
-          </a:bodyPr>
-          <a:lstStyle/>
-          <a:p>
-            <a:pPr marL="0" marR="0" lvl="0" indent="0" algn="ctr" rtl="0">
-              <a:spcBef>
-                <a:spcPts val="0"/>
-              </a:spcBef>
-              <a:spcAft>
-                <a:spcPts val="0"/>
-              </a:spcAft>
-              <a:buNone/>
-            </a:pPr>
-            <a:endParaRPr sz="1800">
-              <a:solidFill>
-                <a:schemeClr val="lt1"/>
-              </a:solidFill>
-              <a:latin typeface="Playfair Display"/>
-              <a:ea typeface="Playfair Display"/>
-              <a:cs typeface="Playfair Display"/>
-              <a:sym typeface="Playfair Display"/>
-            </a:endParaRPr>
-          </a:p>
-        </p:txBody>
-      </p:sp>
-      <p:sp>
-        <p:nvSpPr>
-          <p:cNvPr id="29" name="Shape 152"/>
-          <p:cNvSpPr txBox="1"/>
-          <p:nvPr/>
-        </p:nvSpPr>
-        <p:spPr>
-          <a:xfrm>
-            <a:off x="2890916" y="6086930"/>
-            <a:ext cx="2601055" cy="338554"/>
-          </a:xfrm>
-          <a:prstGeom prst="rect">
-            <a:avLst/>
-          </a:prstGeom>
-          <a:noFill/>
-          <a:ln>
-            <a:noFill/>
-          </a:ln>
-        </p:spPr>
-        <p:txBody>
-          <a:bodyPr spcFirstLastPara="1" wrap="square" lIns="91425" tIns="45700" rIns="91425" bIns="45700" anchor="t" anchorCtr="0">
-            <a:noAutofit/>
-          </a:bodyPr>
-          <a:lstStyle/>
-          <a:p>
-            <a:pPr lvl="0" algn="ctr"/>
-            <a:r>
-              <a:rPr lang="en-US" dirty="0">
-                <a:solidFill>
-                  <a:schemeClr val="dk1"/>
-                </a:solidFill>
-                <a:latin typeface="Lato Light"/>
-                <a:ea typeface="Lato Light"/>
-                <a:cs typeface="Lato Light"/>
-                <a:sym typeface="Lato Light"/>
-              </a:rPr>
-              <a:t>KY-019, </a:t>
-            </a:r>
-            <a:r>
-              <a:rPr lang="en-US" dirty="0" err="1">
-                <a:solidFill>
-                  <a:schemeClr val="dk1"/>
-                </a:solidFill>
-                <a:latin typeface="Lato Light"/>
-                <a:ea typeface="Lato Light"/>
-                <a:cs typeface="Lato Light"/>
-                <a:sym typeface="Lato Light"/>
-              </a:rPr>
-              <a:t>Modul</a:t>
-            </a:r>
-            <a:r>
-              <a:rPr lang="en-US" dirty="0">
-                <a:solidFill>
-                  <a:schemeClr val="dk1"/>
-                </a:solidFill>
-                <a:latin typeface="Lato Light"/>
-                <a:ea typeface="Lato Light"/>
-                <a:cs typeface="Lato Light"/>
-                <a:sym typeface="Lato Light"/>
-              </a:rPr>
-              <a:t> </a:t>
-            </a:r>
-            <a:r>
-              <a:rPr lang="en-US" dirty="0" err="1">
-                <a:solidFill>
-                  <a:schemeClr val="dk1"/>
-                </a:solidFill>
-                <a:latin typeface="Lato Light"/>
-                <a:ea typeface="Lato Light"/>
-                <a:cs typeface="Lato Light"/>
-                <a:sym typeface="Lato Light"/>
-              </a:rPr>
-              <a:t>releu</a:t>
-            </a:r>
-            <a:r>
-              <a:rPr lang="en-US" dirty="0">
-                <a:solidFill>
-                  <a:schemeClr val="dk1"/>
-                </a:solidFill>
-                <a:latin typeface="Lato Light"/>
-                <a:ea typeface="Lato Light"/>
-                <a:cs typeface="Lato Light"/>
-                <a:sym typeface="Lato Light"/>
-              </a:rPr>
-              <a:t> 5V</a:t>
-            </a:r>
-            <a:endParaRPr i="1" dirty="0">
-              <a:solidFill>
-                <a:schemeClr val="dk1"/>
-              </a:solidFill>
-              <a:latin typeface="Lato Light"/>
-              <a:ea typeface="Lato Light"/>
-              <a:cs typeface="Lato Light"/>
-              <a:sym typeface="Lato Light"/>
-            </a:endParaRPr>
-          </a:p>
-        </p:txBody>
-      </p:sp>
-      <p:sp>
-        <p:nvSpPr>
-          <p:cNvPr id="30" name="Shape 143"/>
-          <p:cNvSpPr/>
-          <p:nvPr/>
-        </p:nvSpPr>
-        <p:spPr>
-          <a:xfrm>
-            <a:off x="7559638" y="6055172"/>
-            <a:ext cx="2791618" cy="469127"/>
-          </a:xfrm>
-          <a:prstGeom prst="rect">
-            <a:avLst/>
-          </a:prstGeom>
-          <a:noFill/>
-          <a:ln w="19050" cap="flat" cmpd="sng">
-            <a:solidFill>
-              <a:srgbClr val="002060"/>
-            </a:solidFill>
-            <a:prstDash val="solid"/>
-            <a:miter lim="800000"/>
-            <a:headEnd type="none" w="sm" len="sm"/>
-            <a:tailEnd type="none" w="sm" len="sm"/>
-          </a:ln>
-        </p:spPr>
-        <p:txBody>
-          <a:bodyPr spcFirstLastPara="1" wrap="square" lIns="91425" tIns="45700" rIns="91425" bIns="45700" anchor="ctr" anchorCtr="0">
-            <a:noAutofit/>
-          </a:bodyPr>
-          <a:lstStyle/>
-          <a:p>
-            <a:pPr marL="0" marR="0" lvl="0" indent="0" algn="ctr" rtl="0">
-              <a:spcBef>
-                <a:spcPts val="0"/>
-              </a:spcBef>
-              <a:spcAft>
-                <a:spcPts val="0"/>
-              </a:spcAft>
-              <a:buNone/>
-            </a:pPr>
-            <a:endParaRPr sz="1800">
-              <a:solidFill>
-                <a:schemeClr val="lt1"/>
-              </a:solidFill>
-              <a:latin typeface="Playfair Display"/>
-              <a:ea typeface="Playfair Display"/>
-              <a:cs typeface="Playfair Display"/>
-              <a:sym typeface="Playfair Display"/>
-            </a:endParaRPr>
-          </a:p>
-        </p:txBody>
-      </p:sp>
-      <p:sp>
-        <p:nvSpPr>
-          <p:cNvPr id="31" name="Shape 152"/>
-          <p:cNvSpPr txBox="1"/>
-          <p:nvPr/>
-        </p:nvSpPr>
-        <p:spPr>
-          <a:xfrm>
-            <a:off x="7559637" y="6024077"/>
-            <a:ext cx="2791618" cy="473831"/>
-          </a:xfrm>
-          <a:prstGeom prst="rect">
-            <a:avLst/>
-          </a:prstGeom>
-          <a:noFill/>
-          <a:ln>
-            <a:noFill/>
-          </a:ln>
-        </p:spPr>
-        <p:txBody>
-          <a:bodyPr spcFirstLastPara="1" wrap="square" lIns="91425" tIns="45700" rIns="91425" bIns="45700" anchor="t" anchorCtr="0">
-            <a:noAutofit/>
-          </a:bodyPr>
-          <a:lstStyle/>
-          <a:p>
-            <a:pPr lvl="0" algn="ctr"/>
-            <a:r>
-              <a:rPr lang="pt-BR" dirty="0">
-                <a:solidFill>
-                  <a:schemeClr val="dk1"/>
-                </a:solidFill>
-                <a:latin typeface="Lato Light"/>
-                <a:ea typeface="Lato Light"/>
-                <a:cs typeface="Lato Light"/>
-                <a:sym typeface="Lato Light"/>
-              </a:rPr>
-              <a:t>KY-015, Modulul cu senzor de temperatură și umiditate</a:t>
-            </a:r>
-            <a:endParaRPr i="1" dirty="0">
-              <a:solidFill>
-                <a:schemeClr val="dk1"/>
-              </a:solidFill>
-              <a:latin typeface="Lato Light"/>
-              <a:ea typeface="Lato Light"/>
-              <a:cs typeface="Lato Light"/>
-              <a:sym typeface="Lato Light"/>
-            </a:endParaRPr>
-          </a:p>
-        </p:txBody>
-      </p:sp>
-    </p:spTree>
-    <p:extLst>
-      <p:ext uri="{BB962C8B-B14F-4D97-AF65-F5344CB8AC3E}">
-        <p14:creationId xmlns:p14="http://schemas.microsoft.com/office/powerpoint/2010/main" val="3092600264"/>
       </p:ext>
     </p:extLst>
   </p:cSld>

--- a/Documentation/Presentation.pptx
+++ b/Documentation/Presentation.pptx
@@ -28,28 +28,28 @@
   <p:notesSz cx="6858000" cy="9144000"/>
   <p:embeddedFontLst>
     <p:embeddedFont>
-      <p:font typeface="Playfair Display" panose="020B0604020202020204" charset="0"/>
+      <p:font typeface="Calibri" panose="020F0502020204030204" pitchFamily="34" charset="0"/>
       <p:regular r:id="rId18"/>
       <p:bold r:id="rId19"/>
       <p:italic r:id="rId20"/>
       <p:boldItalic r:id="rId21"/>
     </p:embeddedFont>
     <p:embeddedFont>
-      <p:font typeface="Calibri" panose="020F0502020204030204" pitchFamily="34" charset="0"/>
+      <p:font typeface="Montserrat" panose="020B0604020202020204" charset="0"/>
       <p:regular r:id="rId22"/>
       <p:bold r:id="rId23"/>
       <p:italic r:id="rId24"/>
       <p:boldItalic r:id="rId25"/>
     </p:embeddedFont>
     <p:embeddedFont>
-      <p:font typeface="Montserrat" panose="020B0604020202020204" charset="0"/>
+      <p:font typeface="Lato Light" panose="020B0604020202020204" charset="0"/>
       <p:regular r:id="rId26"/>
       <p:bold r:id="rId27"/>
       <p:italic r:id="rId28"/>
       <p:boldItalic r:id="rId29"/>
     </p:embeddedFont>
     <p:embeddedFont>
-      <p:font typeface="Lato Light" panose="020B0604020202020204" charset="0"/>
+      <p:font typeface="Playfair Display" panose="020B0604020202020204" charset="0"/>
       <p:regular r:id="rId30"/>
       <p:bold r:id="rId31"/>
       <p:italic r:id="rId32"/>
@@ -19007,7 +19007,18 @@
                 <a:cs typeface="Times New Roman" panose="02020603050405020304" pitchFamily="18" charset="0"/>
                 <a:sym typeface="Lato Light"/>
               </a:rPr>
-              <a:t>Creșterea numărului de dispo</a:t>
+              <a:t>Creșterea numărului de </a:t>
+            </a:r>
+            <a:r>
+              <a:rPr lang="ro-RO" sz="3200" dirty="0" smtClean="0">
+                <a:solidFill>
+                  <a:schemeClr val="tx1"/>
+                </a:solidFill>
+                <a:latin typeface="Times New Roman" panose="02020603050405020304" pitchFamily="18" charset="0"/>
+                <a:cs typeface="Times New Roman" panose="02020603050405020304" pitchFamily="18" charset="0"/>
+                <a:sym typeface="Lato Light"/>
+              </a:rPr>
+              <a:t>dispo</a:t>
             </a:r>
             <a:r>
               <a:rPr lang="en-US" sz="3200" dirty="0" smtClean="0">
@@ -19032,7 +19043,7 @@
               <a:t>itive</a:t>
             </a:r>
             <a:r>
-              <a:rPr lang="en-US" sz="3200" dirty="0" smtClean="0">
+              <a:rPr lang="en-US" sz="3200" dirty="0">
                 <a:solidFill>
                   <a:schemeClr val="tx1"/>
                 </a:solidFill>
@@ -19040,7 +19051,7 @@
                 <a:cs typeface="Times New Roman" panose="02020603050405020304" pitchFamily="18" charset="0"/>
                 <a:sym typeface="Lato Light"/>
               </a:rPr>
-              <a:t>;</a:t>
+              <a:t>.</a:t>
             </a:r>
             <a:endParaRPr lang="ro-RO" sz="3200" dirty="0" smtClean="0">
               <a:solidFill>
@@ -19138,7 +19149,7 @@
               <a:t>utilizatori</a:t>
             </a:r>
             <a:r>
-              <a:rPr lang="en-US" sz="3200" dirty="0" smtClean="0">
+              <a:rPr lang="en-US" sz="3200" dirty="0">
                 <a:solidFill>
                   <a:schemeClr val="tx1"/>
                 </a:solidFill>
@@ -19146,7 +19157,7 @@
                 <a:cs typeface="Times New Roman" panose="02020603050405020304" pitchFamily="18" charset="0"/>
                 <a:sym typeface="Lato Light"/>
               </a:rPr>
-              <a:t>;</a:t>
+              <a:t>.</a:t>
             </a:r>
             <a:endParaRPr lang="ro-RO" sz="3200" dirty="0" smtClean="0">
               <a:solidFill>
@@ -19199,14 +19210,6 @@
               </a:rPr>
               <a:t>Folosire HTTPS.</a:t>
             </a:r>
-            <a:endParaRPr lang="ro-RO" sz="3200" dirty="0" smtClean="0">
-              <a:solidFill>
-                <a:schemeClr val="tx1"/>
-              </a:solidFill>
-              <a:latin typeface="Times New Roman" panose="02020603050405020304" pitchFamily="18" charset="0"/>
-              <a:cs typeface="Times New Roman" panose="02020603050405020304" pitchFamily="18" charset="0"/>
-              <a:sym typeface="Lato Light"/>
-            </a:endParaRPr>
           </a:p>
         </p:txBody>
       </p:sp>
@@ -19820,14 +19823,6 @@
               </a:rPr>
               <a:t>Experiență cu o gamă largă de tehnologii.</a:t>
             </a:r>
-            <a:endParaRPr lang="ro-RO" sz="3200" dirty="0" smtClean="0">
-              <a:solidFill>
-                <a:schemeClr val="tx1"/>
-              </a:solidFill>
-              <a:latin typeface="Times New Roman" panose="02020603050405020304" pitchFamily="18" charset="0"/>
-              <a:cs typeface="Times New Roman" panose="02020603050405020304" pitchFamily="18" charset="0"/>
-              <a:sym typeface="Lato Light"/>
-            </a:endParaRPr>
           </a:p>
         </p:txBody>
       </p:sp>
@@ -20276,19 +20271,7 @@
                 <a:cs typeface="Times New Roman" panose="02020603050405020304" pitchFamily="18" charset="0"/>
                 <a:sym typeface="Lato Light"/>
               </a:rPr>
-              <a:t>1</a:t>
-            </a:r>
-            <a:r>
-              <a:rPr lang="ro-RO" sz="3200" dirty="0" smtClean="0">
-                <a:solidFill>
-                  <a:schemeClr val="tx1"/>
-                </a:solidFill>
-                <a:latin typeface="Times New Roman" panose="02020603050405020304" pitchFamily="18" charset="0"/>
-                <a:ea typeface="Lato Light"/>
-                <a:cs typeface="Times New Roman" panose="02020603050405020304" pitchFamily="18" charset="0"/>
-                <a:sym typeface="Lato Light"/>
-              </a:rPr>
-              <a:t>.</a:t>
+              <a:t>1.</a:t>
             </a:r>
             <a:r>
               <a:rPr lang="en-US" sz="3200" dirty="0" smtClean="0">
@@ -20312,19 +20295,7 @@
                 <a:cs typeface="Times New Roman" panose="02020603050405020304" pitchFamily="18" charset="0"/>
                 <a:sym typeface="Lato Light"/>
               </a:rPr>
-              <a:t>ție</a:t>
-            </a:r>
-            <a:r>
-              <a:rPr lang="ro-RO" sz="3200" dirty="0" smtClean="0">
-                <a:solidFill>
-                  <a:schemeClr val="tx1"/>
-                </a:solidFill>
-                <a:latin typeface="Times New Roman" panose="02020603050405020304" pitchFamily="18" charset="0"/>
-                <a:ea typeface="Lato Light"/>
-                <a:cs typeface="Times New Roman" panose="02020603050405020304" pitchFamily="18" charset="0"/>
-                <a:sym typeface="Lato Light"/>
-              </a:rPr>
-              <a:t> </a:t>
+              <a:t>ție </a:t>
             </a:r>
             <a:endParaRPr lang="en-US" sz="3200" dirty="0" smtClean="0">
               <a:solidFill>
@@ -20399,18 +20370,7 @@
                 <a:cs typeface="Times New Roman" panose="02020603050405020304" pitchFamily="18" charset="0"/>
                 <a:sym typeface="Lato Light"/>
               </a:rPr>
-              <a:t> </a:t>
-            </a:r>
-            <a:r>
-              <a:rPr lang="ro-RO" sz="3200" dirty="0" smtClean="0">
-                <a:solidFill>
-                  <a:schemeClr val="tx1"/>
-                </a:solidFill>
-                <a:latin typeface="Times New Roman" panose="02020603050405020304" pitchFamily="18" charset="0"/>
-                <a:cs typeface="Times New Roman" panose="02020603050405020304" pitchFamily="18" charset="0"/>
-                <a:sym typeface="Lato Light"/>
-              </a:rPr>
-              <a:t>Arhitectura sistemului</a:t>
+              <a:t> Arhitectura sistemului</a:t>
             </a:r>
             <a:endParaRPr lang="en-US" sz="3200" dirty="0" smtClean="0">
               <a:solidFill>
@@ -20504,18 +20464,7 @@
                 <a:cs typeface="Times New Roman" panose="02020603050405020304" pitchFamily="18" charset="0"/>
                 <a:sym typeface="Lato Light"/>
               </a:rPr>
-              <a:t>. </a:t>
-            </a:r>
-            <a:r>
-              <a:rPr lang="ro-RO" sz="3200" dirty="0" smtClean="0">
-                <a:solidFill>
-                  <a:schemeClr val="tx1"/>
-                </a:solidFill>
-                <a:latin typeface="Times New Roman" panose="02020603050405020304" pitchFamily="18" charset="0"/>
-                <a:cs typeface="Times New Roman" panose="02020603050405020304" pitchFamily="18" charset="0"/>
-                <a:sym typeface="Lato Light"/>
-              </a:rPr>
-              <a:t>Server REST Java</a:t>
+              <a:t>. Server REST Java</a:t>
             </a:r>
           </a:p>
           <a:p>
@@ -20547,18 +20496,7 @@
                 <a:cs typeface="Times New Roman" panose="02020603050405020304" pitchFamily="18" charset="0"/>
                 <a:sym typeface="Lato Light"/>
               </a:rPr>
-              <a:t>. </a:t>
-            </a:r>
-            <a:r>
-              <a:rPr lang="ro-RO" sz="3200" dirty="0" smtClean="0">
-                <a:solidFill>
-                  <a:schemeClr val="tx1"/>
-                </a:solidFill>
-                <a:latin typeface="Times New Roman" panose="02020603050405020304" pitchFamily="18" charset="0"/>
-                <a:cs typeface="Times New Roman" panose="02020603050405020304" pitchFamily="18" charset="0"/>
-                <a:sym typeface="Lato Light"/>
-              </a:rPr>
-              <a:t>Dispozitive inteligente</a:t>
+              <a:t>. Dispozitive inteligente</a:t>
             </a:r>
           </a:p>
           <a:p>
@@ -20590,38 +20528,8 @@
                 <a:cs typeface="Times New Roman" panose="02020603050405020304" pitchFamily="18" charset="0"/>
                 <a:sym typeface="Lato Light"/>
               </a:rPr>
-              <a:t>. </a:t>
+              <a:t>. Dispozitive utilizate</a:t>
             </a:r>
-            <a:r>
-              <a:rPr lang="ro-RO" sz="3200" dirty="0" smtClean="0">
-                <a:solidFill>
-                  <a:schemeClr val="tx1"/>
-                </a:solidFill>
-                <a:latin typeface="Times New Roman" panose="02020603050405020304" pitchFamily="18" charset="0"/>
-                <a:cs typeface="Times New Roman" panose="02020603050405020304" pitchFamily="18" charset="0"/>
-                <a:sym typeface="Lato Light"/>
-              </a:rPr>
-              <a:t>Dispozitive </a:t>
-            </a:r>
-            <a:r>
-              <a:rPr lang="ro-RO" sz="3200" dirty="0" smtClean="0">
-                <a:solidFill>
-                  <a:schemeClr val="tx1"/>
-                </a:solidFill>
-                <a:latin typeface="Times New Roman" panose="02020603050405020304" pitchFamily="18" charset="0"/>
-                <a:cs typeface="Times New Roman" panose="02020603050405020304" pitchFamily="18" charset="0"/>
-                <a:sym typeface="Lato Light"/>
-              </a:rPr>
-              <a:t>utilizate</a:t>
-            </a:r>
-            <a:endParaRPr lang="ro-RO" sz="3200" dirty="0" smtClean="0">
-              <a:solidFill>
-                <a:schemeClr val="tx1"/>
-              </a:solidFill>
-              <a:latin typeface="Times New Roman" panose="02020603050405020304" pitchFamily="18" charset="0"/>
-              <a:cs typeface="Times New Roman" panose="02020603050405020304" pitchFamily="18" charset="0"/>
-              <a:sym typeface="Lato Light"/>
-            </a:endParaRPr>
           </a:p>
           <a:p>
             <a:pPr marR="0" lvl="0" algn="l" rtl="0">
@@ -20652,18 +20560,7 @@
                 <a:cs typeface="Times New Roman" panose="02020603050405020304" pitchFamily="18" charset="0"/>
                 <a:sym typeface="Lato Light"/>
               </a:rPr>
-              <a:t>. </a:t>
-            </a:r>
-            <a:r>
-              <a:rPr lang="ro-RO" sz="3200" dirty="0" smtClean="0">
-                <a:solidFill>
-                  <a:schemeClr val="tx1"/>
-                </a:solidFill>
-                <a:latin typeface="Times New Roman" panose="02020603050405020304" pitchFamily="18" charset="0"/>
-                <a:cs typeface="Times New Roman" panose="02020603050405020304" pitchFamily="18" charset="0"/>
-                <a:sym typeface="Lato Light"/>
-              </a:rPr>
-              <a:t>Direcții de dezvoltare</a:t>
+              <a:t>. Direcții de dezvoltare</a:t>
             </a:r>
           </a:p>
           <a:p>
@@ -20695,18 +20592,7 @@
                 <a:cs typeface="Times New Roman" panose="02020603050405020304" pitchFamily="18" charset="0"/>
                 <a:sym typeface="Lato Light"/>
               </a:rPr>
-              <a:t>. </a:t>
-            </a:r>
-            <a:r>
-              <a:rPr lang="ro-RO" sz="3200" dirty="0" smtClean="0">
-                <a:solidFill>
-                  <a:schemeClr val="tx1"/>
-                </a:solidFill>
-                <a:latin typeface="Times New Roman" panose="02020603050405020304" pitchFamily="18" charset="0"/>
-                <a:cs typeface="Times New Roman" panose="02020603050405020304" pitchFamily="18" charset="0"/>
-                <a:sym typeface="Lato Light"/>
-              </a:rPr>
-              <a:t>Concluzii</a:t>
+              <a:t>. Concluzii</a:t>
             </a:r>
           </a:p>
           <a:p>
@@ -21179,18 +21065,7 @@
                 <a:cs typeface="Times New Roman" panose="02020603050405020304" pitchFamily="18" charset="0"/>
                 <a:sym typeface="Lato Light"/>
               </a:rPr>
-              <a:t>L</a:t>
-            </a:r>
-            <a:r>
-              <a:rPr lang="ro-RO" sz="2400" dirty="0" smtClean="0">
-                <a:solidFill>
-                  <a:schemeClr val="tx1"/>
-                </a:solidFill>
-                <a:latin typeface="Times New Roman" panose="02020603050405020304" pitchFamily="18" charset="0"/>
-                <a:cs typeface="Times New Roman" panose="02020603050405020304" pitchFamily="18" charset="0"/>
-                <a:sym typeface="Lato Light"/>
-              </a:rPr>
-              <a:t>iteratura științifico-fantastică - </a:t>
+              <a:t>Literatura științifico-fantastică - </a:t>
             </a:r>
             <a:r>
               <a:rPr lang="en-US" sz="2400" dirty="0" smtClean="0">
@@ -21236,14 +21111,6 @@
               </a:rPr>
               <a:t>.</a:t>
             </a:r>
-            <a:endParaRPr lang="ro-RO" sz="2400" dirty="0" smtClean="0">
-              <a:solidFill>
-                <a:schemeClr val="tx1"/>
-              </a:solidFill>
-              <a:latin typeface="Times New Roman" panose="02020603050405020304" pitchFamily="18" charset="0"/>
-              <a:cs typeface="Times New Roman" panose="02020603050405020304" pitchFamily="18" charset="0"/>
-              <a:sym typeface="Lato Light"/>
-            </a:endParaRPr>
           </a:p>
         </p:txBody>
       </p:sp>
@@ -21803,18 +21670,7 @@
                 <a:cs typeface="Times New Roman" panose="02020603050405020304" pitchFamily="18" charset="0"/>
                 <a:sym typeface="Lato Light"/>
               </a:rPr>
-              <a:t>C</a:t>
-            </a:r>
-            <a:r>
-              <a:rPr lang="ro-RO" sz="2800" dirty="0" smtClean="0">
-                <a:solidFill>
-                  <a:schemeClr val="tx1"/>
-                </a:solidFill>
-                <a:latin typeface="Times New Roman" panose="02020603050405020304" pitchFamily="18" charset="0"/>
-                <a:cs typeface="Times New Roman" panose="02020603050405020304" pitchFamily="18" charset="0"/>
-                <a:sym typeface="Lato Light"/>
-              </a:rPr>
-              <a:t>onfort,	</a:t>
+              <a:t>Confort,	</a:t>
             </a:r>
           </a:p>
           <a:p>
@@ -21881,18 +21737,7 @@
                 <a:cs typeface="Times New Roman" panose="02020603050405020304" pitchFamily="18" charset="0"/>
                 <a:sym typeface="Lato Light"/>
               </a:rPr>
-              <a:t>Software-ul </a:t>
-            </a:r>
-            <a:r>
-              <a:rPr lang="ro-RO" sz="2800" dirty="0" smtClean="0">
-                <a:solidFill>
-                  <a:schemeClr val="tx1"/>
-                </a:solidFill>
-                <a:latin typeface="Times New Roman" panose="02020603050405020304" pitchFamily="18" charset="0"/>
-                <a:cs typeface="Times New Roman" panose="02020603050405020304" pitchFamily="18" charset="0"/>
-                <a:sym typeface="Lato Light"/>
-              </a:rPr>
-              <a:t>de calculator joacă rolul unui agent inteligent.</a:t>
+              <a:t>Software-ul de calculator joacă rolul unui agent inteligent.</a:t>
             </a:r>
           </a:p>
           <a:p>
@@ -22797,14 +22642,6 @@
               </a:rPr>
               <a:t>- Comunicare HTTP cu serverul Java.</a:t>
             </a:r>
-            <a:endParaRPr lang="ro-RO" sz="2800" dirty="0" smtClean="0">
-              <a:solidFill>
-                <a:schemeClr val="tx1"/>
-              </a:solidFill>
-              <a:latin typeface="Times New Roman" panose="02020603050405020304" pitchFamily="18" charset="0"/>
-              <a:cs typeface="Times New Roman" panose="02020603050405020304" pitchFamily="18" charset="0"/>
-              <a:sym typeface="Lato Light"/>
-            </a:endParaRPr>
           </a:p>
         </p:txBody>
       </p:sp>
@@ -23248,8 +23085,49 @@
                 <a:cs typeface="Times New Roman" panose="02020603050405020304" pitchFamily="18" charset="0"/>
                 <a:sym typeface="Lato Light"/>
               </a:rPr>
-              <a:t>dispozitive</a:t>
+              <a:t>dispo</a:t>
             </a:r>
+            <a:r>
+              <a:rPr lang="en-US" sz="3200" dirty="0" smtClean="0">
+                <a:solidFill>
+                  <a:schemeClr val="tx1"/>
+                </a:solidFill>
+                <a:latin typeface="Times New Roman" panose="02020603050405020304" pitchFamily="18" charset="0"/>
+                <a:cs typeface="Times New Roman" panose="02020603050405020304" pitchFamily="18" charset="0"/>
+                <a:sym typeface="Lato Light"/>
+              </a:rPr>
+              <a:t>z</a:t>
+            </a:r>
+            <a:r>
+              <a:rPr lang="ro-RO" sz="3200" dirty="0" smtClean="0">
+                <a:solidFill>
+                  <a:schemeClr val="tx1"/>
+                </a:solidFill>
+                <a:latin typeface="Times New Roman" panose="02020603050405020304" pitchFamily="18" charset="0"/>
+                <a:cs typeface="Times New Roman" panose="02020603050405020304" pitchFamily="18" charset="0"/>
+                <a:sym typeface="Lato Light"/>
+              </a:rPr>
+              <a:t>itive</a:t>
+            </a:r>
+            <a:r>
+              <a:rPr lang="en-US" sz="3200" dirty="0" smtClean="0">
+                <a:solidFill>
+                  <a:schemeClr val="tx1"/>
+                </a:solidFill>
+                <a:latin typeface="Times New Roman" panose="02020603050405020304" pitchFamily="18" charset="0"/>
+                <a:cs typeface="Times New Roman" panose="02020603050405020304" pitchFamily="18" charset="0"/>
+                <a:sym typeface="Lato Light"/>
+              </a:rPr>
+              <a:t>.</a:t>
+            </a:r>
+            <a:endParaRPr lang="ro-RO" sz="3200" dirty="0" smtClean="0">
+              <a:solidFill>
+                <a:schemeClr val="tx1"/>
+              </a:solidFill>
+              <a:latin typeface="Times New Roman" panose="02020603050405020304" pitchFamily="18" charset="0"/>
+              <a:cs typeface="Times New Roman" panose="02020603050405020304" pitchFamily="18" charset="0"/>
+              <a:sym typeface="Lato Light"/>
+            </a:endParaRPr>
           </a:p>
           <a:p>
             <a:pPr marL="342900" marR="0" lvl="0" indent="-342900" algn="l" rtl="0">
@@ -23304,6 +23182,25 @@
               </a:rPr>
               <a:t>personalizat</a:t>
             </a:r>
+            <a:r>
+              <a:rPr lang="en-US" sz="3200" dirty="0" smtClean="0">
+                <a:solidFill>
+                  <a:schemeClr val="tx1"/>
+                </a:solidFill>
+                <a:latin typeface="Times New Roman" panose="02020603050405020304" pitchFamily="18" charset="0"/>
+                <a:cs typeface="Times New Roman" panose="02020603050405020304" pitchFamily="18" charset="0"/>
+                <a:sym typeface="Lato Light"/>
+              </a:rPr>
+              <a:t>.</a:t>
+            </a:r>
+            <a:endParaRPr lang="ro-RO" sz="3200" dirty="0" smtClean="0">
+              <a:solidFill>
+                <a:schemeClr val="tx1"/>
+              </a:solidFill>
+              <a:latin typeface="Times New Roman" panose="02020603050405020304" pitchFamily="18" charset="0"/>
+              <a:cs typeface="Times New Roman" panose="02020603050405020304" pitchFamily="18" charset="0"/>
+              <a:sym typeface="Lato Light"/>
+            </a:endParaRPr>
           </a:p>
           <a:p>
             <a:pPr marL="342900" marR="0" lvl="0" indent="-342900" algn="l" rtl="0">
@@ -23362,6 +23259,17 @@
                 <a:sym typeface="Lato Light"/>
               </a:rPr>
               <a:t>dispozitivele</a:t>
+            </a:r>
+            <a:r>
+              <a:rPr lang="en-US" sz="3200" dirty="0" smtClean="0">
+                <a:solidFill>
+                  <a:schemeClr val="tx1"/>
+                </a:solidFill>
+                <a:latin typeface="Times New Roman" panose="02020603050405020304" pitchFamily="18" charset="0"/>
+                <a:cs typeface="Times New Roman" panose="02020603050405020304" pitchFamily="18" charset="0"/>
+                <a:sym typeface="Lato Light"/>
+              </a:rPr>
+              <a:t>.</a:t>
             </a:r>
             <a:endParaRPr lang="ro-RO" sz="3200" dirty="0">
               <a:solidFill>
@@ -23880,6 +23788,25 @@
               </a:rPr>
               <a:t>Pi</a:t>
             </a:r>
+            <a:r>
+              <a:rPr lang="en-US" sz="3200" dirty="0" smtClean="0">
+                <a:solidFill>
+                  <a:schemeClr val="tx1"/>
+                </a:solidFill>
+                <a:latin typeface="Times New Roman" panose="02020603050405020304" pitchFamily="18" charset="0"/>
+                <a:cs typeface="Times New Roman" panose="02020603050405020304" pitchFamily="18" charset="0"/>
+                <a:sym typeface="Lato Light"/>
+              </a:rPr>
+              <a:t>.</a:t>
+            </a:r>
+            <a:endParaRPr lang="ro-RO" sz="3200" dirty="0" smtClean="0">
+              <a:solidFill>
+                <a:schemeClr val="tx1"/>
+              </a:solidFill>
+              <a:latin typeface="Times New Roman" panose="02020603050405020304" pitchFamily="18" charset="0"/>
+              <a:cs typeface="Times New Roman" panose="02020603050405020304" pitchFamily="18" charset="0"/>
+              <a:sym typeface="Lato Light"/>
+            </a:endParaRPr>
           </a:p>
           <a:p>
             <a:pPr marL="342900" marR="0" lvl="0" indent="-342900" algn="l" rtl="0">
@@ -23921,7 +23848,29 @@
                 <a:cs typeface="Times New Roman" panose="02020603050405020304" pitchFamily="18" charset="0"/>
                 <a:sym typeface="Lato Light"/>
               </a:rPr>
-              <a:t>Dinamicitate în expunerea configurărilor dispozitivelelor</a:t>
+              <a:t>Dinamicitate în expunerea configurărilor </a:t>
+            </a:r>
+            <a:r>
+              <a:rPr lang="ro-RO" sz="3200" dirty="0" smtClean="0">
+                <a:solidFill>
+                  <a:schemeClr val="tx1"/>
+                </a:solidFill>
+                <a:latin typeface="Times New Roman" panose="02020603050405020304" pitchFamily="18" charset="0"/>
+                <a:cs typeface="Times New Roman" panose="02020603050405020304" pitchFamily="18" charset="0"/>
+                <a:sym typeface="Lato Light"/>
+              </a:rPr>
+              <a:t>dispozitivelelor</a:t>
+            </a:r>
+            <a:r>
+              <a:rPr lang="en-US" sz="3200" dirty="0" smtClean="0">
+                <a:solidFill>
+                  <a:schemeClr val="tx1"/>
+                </a:solidFill>
+                <a:latin typeface="Times New Roman" panose="02020603050405020304" pitchFamily="18" charset="0"/>
+                <a:cs typeface="Times New Roman" panose="02020603050405020304" pitchFamily="18" charset="0"/>
+                <a:sym typeface="Lato Light"/>
+              </a:rPr>
+              <a:t>.</a:t>
             </a:r>
             <a:endParaRPr lang="ro-RO" sz="3200" dirty="0" smtClean="0">
               <a:solidFill>

--- a/Documentation/Presentation.pptx
+++ b/Documentation/Presentation.pptx
@@ -28,28 +28,28 @@
   <p:notesSz cx="6858000" cy="9144000"/>
   <p:embeddedFontLst>
     <p:embeddedFont>
-      <p:font typeface="Calibri" panose="020F0502020204030204" pitchFamily="34" charset="0"/>
+      <p:font typeface="Lato Light" panose="020B0604020202020204" charset="0"/>
       <p:regular r:id="rId18"/>
       <p:bold r:id="rId19"/>
       <p:italic r:id="rId20"/>
       <p:boldItalic r:id="rId21"/>
     </p:embeddedFont>
     <p:embeddedFont>
-      <p:font typeface="Montserrat" panose="020B0604020202020204" charset="0"/>
+      <p:font typeface="Calibri" panose="020F0502020204030204" pitchFamily="34" charset="0"/>
       <p:regular r:id="rId22"/>
       <p:bold r:id="rId23"/>
       <p:italic r:id="rId24"/>
       <p:boldItalic r:id="rId25"/>
     </p:embeddedFont>
     <p:embeddedFont>
-      <p:font typeface="Lato Light" panose="020B0604020202020204" charset="0"/>
+      <p:font typeface="Playfair Display" panose="020B0604020202020204" charset="0"/>
       <p:regular r:id="rId26"/>
       <p:bold r:id="rId27"/>
       <p:italic r:id="rId28"/>
       <p:boldItalic r:id="rId29"/>
     </p:embeddedFont>
     <p:embeddedFont>
-      <p:font typeface="Playfair Display" panose="020B0604020202020204" charset="0"/>
+      <p:font typeface="Montserrat" panose="020B0604020202020204" charset="0"/>
       <p:regular r:id="rId30"/>
       <p:bold r:id="rId31"/>
       <p:italic r:id="rId32"/>
@@ -19007,18 +19007,7 @@
                 <a:cs typeface="Times New Roman" panose="02020603050405020304" pitchFamily="18" charset="0"/>
                 <a:sym typeface="Lato Light"/>
               </a:rPr>
-              <a:t>Creșterea numărului de </a:t>
-            </a:r>
-            <a:r>
-              <a:rPr lang="ro-RO" sz="3200" dirty="0" smtClean="0">
-                <a:solidFill>
-                  <a:schemeClr val="tx1"/>
-                </a:solidFill>
-                <a:latin typeface="Times New Roman" panose="02020603050405020304" pitchFamily="18" charset="0"/>
-                <a:cs typeface="Times New Roman" panose="02020603050405020304" pitchFamily="18" charset="0"/>
-                <a:sym typeface="Lato Light"/>
-              </a:rPr>
-              <a:t>dispo</a:t>
+              <a:t>Creșterea numărului de dispo</a:t>
             </a:r>
             <a:r>
               <a:rPr lang="en-US" sz="3200" dirty="0" smtClean="0">
@@ -20815,7 +20804,7 @@
         </p:blipFill>
         <p:spPr>
           <a:xfrm>
-            <a:off x="4021108" y="3271633"/>
+            <a:off x="4299397" y="2982770"/>
             <a:ext cx="3449842" cy="3449842"/>
           </a:xfrm>
           <a:prstGeom prst="rect">
@@ -21029,100 +21018,13 @@
       </p:sp>
       <p:sp>
         <p:nvSpPr>
-          <p:cNvPr id="8" name="Shape 113"/>
-          <p:cNvSpPr txBox="1"/>
-          <p:nvPr/>
-        </p:nvSpPr>
-        <p:spPr>
-          <a:xfrm>
-            <a:off x="660904" y="1549524"/>
-            <a:ext cx="6413132" cy="565818"/>
-          </a:xfrm>
-          <a:prstGeom prst="rect">
-            <a:avLst/>
-          </a:prstGeom>
-          <a:noFill/>
-          <a:ln>
-            <a:noFill/>
-          </a:ln>
-        </p:spPr>
-        <p:txBody>
-          <a:bodyPr spcFirstLastPara="1" wrap="square" lIns="91425" tIns="45700" rIns="91425" bIns="45700" anchor="t" anchorCtr="0">
-            <a:noAutofit/>
-          </a:bodyPr>
-          <a:lstStyle/>
-          <a:p>
-            <a:pPr marL="342900" lvl="0" indent="-342900">
-              <a:buFontTx/>
-              <a:buChar char="-"/>
-            </a:pPr>
-            <a:r>
-              <a:rPr lang="ro-RO" sz="2400" dirty="0" smtClean="0">
-                <a:solidFill>
-                  <a:schemeClr val="tx1"/>
-                </a:solidFill>
-                <a:latin typeface="Times New Roman" panose="02020603050405020304" pitchFamily="18" charset="0"/>
-                <a:cs typeface="Times New Roman" panose="02020603050405020304" pitchFamily="18" charset="0"/>
-                <a:sym typeface="Lato Light"/>
-              </a:rPr>
-              <a:t>Literatura științifico-fantastică - </a:t>
-            </a:r>
-            <a:r>
-              <a:rPr lang="en-US" sz="2400" dirty="0" smtClean="0">
-                <a:solidFill>
-                  <a:schemeClr val="tx1"/>
-                </a:solidFill>
-                <a:latin typeface="Times New Roman" panose="02020603050405020304" pitchFamily="18" charset="0"/>
-                <a:cs typeface="Times New Roman" panose="02020603050405020304" pitchFamily="18" charset="0"/>
-                <a:sym typeface="Lato Light"/>
-              </a:rPr>
-              <a:t>Ray</a:t>
-            </a:r>
-            <a:r>
-              <a:rPr lang="ro-RO" sz="2400" dirty="0" smtClean="0">
-                <a:solidFill>
-                  <a:schemeClr val="tx1"/>
-                </a:solidFill>
-                <a:latin typeface="Times New Roman" panose="02020603050405020304" pitchFamily="18" charset="0"/>
-                <a:cs typeface="Times New Roman" panose="02020603050405020304" pitchFamily="18" charset="0"/>
-                <a:sym typeface="Lato Light"/>
-              </a:rPr>
-              <a:t> </a:t>
-            </a:r>
-            <a:r>
-              <a:rPr lang="en-US" sz="2400" dirty="0" smtClean="0">
-                <a:solidFill>
-                  <a:schemeClr val="tx1"/>
-                </a:solidFill>
-                <a:latin typeface="Times New Roman" panose="02020603050405020304" pitchFamily="18" charset="0"/>
-                <a:cs typeface="Times New Roman" panose="02020603050405020304" pitchFamily="18" charset="0"/>
-                <a:sym typeface="Lato Light"/>
-              </a:rPr>
-              <a:t>Bradbury</a:t>
-            </a:r>
-            <a:r>
-              <a:rPr lang="ro-RO" sz="2400" dirty="0" smtClean="0">
-                <a:solidFill>
-                  <a:schemeClr val="tx1"/>
-                </a:solidFill>
-                <a:latin typeface="Times New Roman" panose="02020603050405020304" pitchFamily="18" charset="0"/>
-                <a:cs typeface="Times New Roman" panose="02020603050405020304" pitchFamily="18" charset="0"/>
-                <a:sym typeface="Lato Light"/>
-              </a:rPr>
-              <a:t>.</a:t>
-            </a:r>
-          </a:p>
-        </p:txBody>
-      </p:sp>
-      <p:sp>
-        <p:nvSpPr>
           <p:cNvPr id="2" name="Cloud Callout 1"/>
           <p:cNvSpPr/>
           <p:nvPr/>
         </p:nvSpPr>
         <p:spPr>
           <a:xfrm>
-            <a:off x="5559268" y="2261945"/>
+            <a:off x="5514000" y="1718799"/>
             <a:ext cx="2397482" cy="1009688"/>
           </a:xfrm>
           <a:prstGeom prst="cloudCallout">
@@ -21163,7 +21065,7 @@
         </p:nvSpPr>
         <p:spPr>
           <a:xfrm>
-            <a:off x="5697534" y="2559212"/>
+            <a:off x="5652266" y="2016066"/>
             <a:ext cx="2120950" cy="369332"/>
           </a:xfrm>
           <a:prstGeom prst="rect">
@@ -21193,7 +21095,7 @@
         </p:nvSpPr>
         <p:spPr>
           <a:xfrm>
-            <a:off x="7956749" y="2773244"/>
+            <a:off x="7911482" y="2484597"/>
             <a:ext cx="2391362" cy="996347"/>
           </a:xfrm>
           <a:prstGeom prst="cloudCallout">
@@ -21234,7 +21136,7 @@
         </p:nvSpPr>
         <p:spPr>
           <a:xfrm>
-            <a:off x="1938276" y="2658272"/>
+            <a:off x="2191773" y="2414121"/>
             <a:ext cx="2680361" cy="861408"/>
           </a:xfrm>
           <a:prstGeom prst="cloudCallout">
@@ -21275,7 +21177,7 @@
         </p:nvSpPr>
         <p:spPr>
           <a:xfrm>
-            <a:off x="8281235" y="2917845"/>
+            <a:off x="8235968" y="2629198"/>
             <a:ext cx="2064191" cy="646331"/>
           </a:xfrm>
           <a:prstGeom prst="rect">
@@ -21322,7 +21224,7 @@
         </p:nvSpPr>
         <p:spPr>
           <a:xfrm>
-            <a:off x="2480179" y="2768614"/>
+            <a:off x="2733676" y="2524463"/>
             <a:ext cx="1750266" cy="646331"/>
           </a:xfrm>
           <a:prstGeom prst="rect">
@@ -21687,8 +21589,63 @@
                 <a:cs typeface="Times New Roman" panose="02020603050405020304" pitchFamily="18" charset="0"/>
                 <a:sym typeface="Lato Light"/>
               </a:rPr>
-              <a:t>Securitate,</a:t>
+              <a:t>Securitate</a:t>
             </a:r>
+            <a:r>
+              <a:rPr lang="ro-RO" sz="2800" dirty="0" smtClean="0">
+                <a:solidFill>
+                  <a:schemeClr val="tx1"/>
+                </a:solidFill>
+                <a:latin typeface="Times New Roman" panose="02020603050405020304" pitchFamily="18" charset="0"/>
+                <a:cs typeface="Times New Roman" panose="02020603050405020304" pitchFamily="18" charset="0"/>
+                <a:sym typeface="Lato Light"/>
+              </a:rPr>
+              <a:t>,</a:t>
+            </a:r>
+            <a:endParaRPr lang="en-US" sz="2800" dirty="0">
+              <a:solidFill>
+                <a:schemeClr val="tx1"/>
+              </a:solidFill>
+              <a:latin typeface="Times New Roman" panose="02020603050405020304" pitchFamily="18" charset="0"/>
+              <a:cs typeface="Times New Roman" panose="02020603050405020304" pitchFamily="18" charset="0"/>
+              <a:sym typeface="Lato Light"/>
+            </a:endParaRPr>
+          </a:p>
+          <a:p>
+            <a:pPr marL="342900" lvl="0" indent="-342900">
+              <a:buFontTx/>
+              <a:buChar char="-"/>
+            </a:pPr>
+            <a:r>
+              <a:rPr lang="en-US" sz="2800" dirty="0" smtClean="0">
+                <a:solidFill>
+                  <a:schemeClr val="tx1"/>
+                </a:solidFill>
+                <a:latin typeface="Times New Roman" panose="02020603050405020304" pitchFamily="18" charset="0"/>
+                <a:cs typeface="Times New Roman" panose="02020603050405020304" pitchFamily="18" charset="0"/>
+                <a:sym typeface="Lato Light"/>
+              </a:rPr>
+              <a:t>U</a:t>
+            </a:r>
+            <a:r>
+              <a:rPr lang="ro-RO" sz="2800" dirty="0" smtClean="0">
+                <a:solidFill>
+                  <a:schemeClr val="tx1"/>
+                </a:solidFill>
+                <a:latin typeface="Times New Roman" panose="02020603050405020304" pitchFamily="18" charset="0"/>
+                <a:cs typeface="Times New Roman" panose="02020603050405020304" pitchFamily="18" charset="0"/>
+                <a:sym typeface="Lato Light"/>
+              </a:rPr>
+              <a:t>șurință în utilizare,</a:t>
+            </a:r>
+            <a:endParaRPr lang="ro-RO" sz="2800" dirty="0" smtClean="0">
+              <a:solidFill>
+                <a:schemeClr val="tx1"/>
+              </a:solidFill>
+              <a:latin typeface="Times New Roman" panose="02020603050405020304" pitchFamily="18" charset="0"/>
+              <a:cs typeface="Times New Roman" panose="02020603050405020304" pitchFamily="18" charset="0"/>
+              <a:sym typeface="Lato Light"/>
+            </a:endParaRPr>
           </a:p>
           <a:p>
             <a:pPr marL="342900" lvl="0" indent="-342900">
@@ -23074,18 +23031,7 @@
                 <a:cs typeface="Times New Roman" panose="02020603050405020304" pitchFamily="18" charset="0"/>
                 <a:sym typeface="Lato Light"/>
               </a:rPr>
-              <a:t>Manager de </a:t>
-            </a:r>
-            <a:r>
-              <a:rPr lang="ro-RO" sz="3200" dirty="0" smtClean="0">
-                <a:solidFill>
-                  <a:schemeClr val="tx1"/>
-                </a:solidFill>
-                <a:latin typeface="Times New Roman" panose="02020603050405020304" pitchFamily="18" charset="0"/>
-                <a:cs typeface="Times New Roman" panose="02020603050405020304" pitchFamily="18" charset="0"/>
-                <a:sym typeface="Lato Light"/>
-              </a:rPr>
-              <a:t>dispo</a:t>
+              <a:t>Manager de dispo</a:t>
             </a:r>
             <a:r>
               <a:rPr lang="en-US" sz="3200" dirty="0" smtClean="0">
@@ -23169,7 +23115,18 @@
                 <a:cs typeface="Times New Roman" panose="02020603050405020304" pitchFamily="18" charset="0"/>
                 <a:sym typeface="Lato Light"/>
               </a:rPr>
-              <a:t>Protocol de comunicare </a:t>
+              <a:t>Protocol de </a:t>
+            </a:r>
+            <a:r>
+              <a:rPr lang="ro-RO" sz="3200" dirty="0" smtClean="0">
+                <a:solidFill>
+                  <a:schemeClr val="tx1"/>
+                </a:solidFill>
+                <a:latin typeface="Times New Roman" panose="02020603050405020304" pitchFamily="18" charset="0"/>
+                <a:cs typeface="Times New Roman" panose="02020603050405020304" pitchFamily="18" charset="0"/>
+                <a:sym typeface="Lato Light"/>
+              </a:rPr>
+              <a:t>comunicație </a:t>
             </a:r>
             <a:r>
               <a:rPr lang="ro-RO" sz="3200" dirty="0" smtClean="0">
@@ -23236,7 +23193,7 @@
                 <a:cs typeface="Times New Roman" panose="02020603050405020304" pitchFamily="18" charset="0"/>
                 <a:sym typeface="Lato Light"/>
               </a:rPr>
-              <a:t>Comunicare </a:t>
+              <a:t>Securitate în comunicarea </a:t>
             </a:r>
             <a:r>
               <a:rPr lang="ro-RO" sz="3200" dirty="0">
@@ -23247,7 +23204,7 @@
                 <a:cs typeface="Times New Roman" panose="02020603050405020304" pitchFamily="18" charset="0"/>
                 <a:sym typeface="Lato Light"/>
               </a:rPr>
-              <a:t>securizată cu </a:t>
+              <a:t>cu </a:t>
             </a:r>
             <a:r>
               <a:rPr lang="ro-RO" sz="3200" dirty="0" smtClean="0">
@@ -23775,18 +23732,7 @@
                 <a:cs typeface="Times New Roman" panose="02020603050405020304" pitchFamily="18" charset="0"/>
                 <a:sym typeface="Lato Light"/>
               </a:rPr>
-              <a:t>Raspberry </a:t>
-            </a:r>
-            <a:r>
-              <a:rPr lang="ro-RO" sz="3200" dirty="0" smtClean="0">
-                <a:solidFill>
-                  <a:schemeClr val="tx1"/>
-                </a:solidFill>
-                <a:latin typeface="Times New Roman" panose="02020603050405020304" pitchFamily="18" charset="0"/>
-                <a:cs typeface="Times New Roman" panose="02020603050405020304" pitchFamily="18" charset="0"/>
-                <a:sym typeface="Lato Light"/>
-              </a:rPr>
-              <a:t>Pi</a:t>
+              <a:t>Raspberry Pi</a:t>
             </a:r>
             <a:r>
               <a:rPr lang="en-US" sz="3200" dirty="0" smtClean="0">
@@ -23848,18 +23794,7 @@
                 <a:cs typeface="Times New Roman" panose="02020603050405020304" pitchFamily="18" charset="0"/>
                 <a:sym typeface="Lato Light"/>
               </a:rPr>
-              <a:t>Dinamicitate în expunerea configurărilor </a:t>
-            </a:r>
-            <a:r>
-              <a:rPr lang="ro-RO" sz="3200" dirty="0" smtClean="0">
-                <a:solidFill>
-                  <a:schemeClr val="tx1"/>
-                </a:solidFill>
-                <a:latin typeface="Times New Roman" panose="02020603050405020304" pitchFamily="18" charset="0"/>
-                <a:cs typeface="Times New Roman" panose="02020603050405020304" pitchFamily="18" charset="0"/>
-                <a:sym typeface="Lato Light"/>
-              </a:rPr>
-              <a:t>dispozitivelelor</a:t>
+              <a:t>Dinamicitate în expunerea configurărilor dispozitivelelor</a:t>
             </a:r>
             <a:r>
               <a:rPr lang="en-US" sz="3200" dirty="0" smtClean="0">

--- a/Documentation/Presentation.pptx
+++ b/Documentation/Presentation.pptx
@@ -28,7 +28,7 @@
   <p:notesSz cx="6858000" cy="9144000"/>
   <p:embeddedFontLst>
     <p:embeddedFont>
-      <p:font typeface="Lato Light" panose="020B0604020202020204" charset="0"/>
+      <p:font typeface="Montserrat" panose="020B0604020202020204" charset="0"/>
       <p:regular r:id="rId18"/>
       <p:bold r:id="rId19"/>
       <p:italic r:id="rId20"/>
@@ -42,14 +42,14 @@
       <p:boldItalic r:id="rId25"/>
     </p:embeddedFont>
     <p:embeddedFont>
-      <p:font typeface="Playfair Display" panose="020B0604020202020204" charset="0"/>
+      <p:font typeface="Lato Light" panose="020B0604020202020204" charset="0"/>
       <p:regular r:id="rId26"/>
       <p:bold r:id="rId27"/>
       <p:italic r:id="rId28"/>
       <p:boldItalic r:id="rId29"/>
     </p:embeddedFont>
     <p:embeddedFont>
-      <p:font typeface="Montserrat" panose="020B0604020202020204" charset="0"/>
+      <p:font typeface="Playfair Display" panose="020B0604020202020204" charset="0"/>
       <p:regular r:id="rId30"/>
       <p:bold r:id="rId31"/>
       <p:italic r:id="rId32"/>
@@ -21196,7 +21196,35 @@
                 <a:latin typeface="Times New Roman" panose="02020603050405020304" pitchFamily="18" charset="0"/>
                 <a:cs typeface="Times New Roman" panose="02020603050405020304" pitchFamily="18" charset="0"/>
               </a:rPr>
-              <a:t>Oare am lăsat apa aprinsă în baie</a:t>
+              <a:t>Oare am lăsat apa </a:t>
+            </a:r>
+            <a:r>
+              <a:rPr lang="en-US" sz="1800" dirty="0" err="1" smtClean="0">
+                <a:latin typeface="Times New Roman" panose="02020603050405020304" pitchFamily="18" charset="0"/>
+                <a:cs typeface="Times New Roman" panose="02020603050405020304" pitchFamily="18" charset="0"/>
+              </a:rPr>
+              <a:t>deschis</a:t>
+            </a:r>
+            <a:r>
+              <a:rPr lang="ro-RO" sz="1800" dirty="0">
+                <a:latin typeface="Times New Roman" panose="02020603050405020304" pitchFamily="18" charset="0"/>
+                <a:cs typeface="Times New Roman" panose="02020603050405020304" pitchFamily="18" charset="0"/>
+              </a:rPr>
+              <a:t>ă</a:t>
+            </a:r>
+            <a:r>
+              <a:rPr lang="ro-RO" sz="1800" dirty="0" smtClean="0">
+                <a:latin typeface="Times New Roman" panose="02020603050405020304" pitchFamily="18" charset="0"/>
+                <a:cs typeface="Times New Roman" panose="02020603050405020304" pitchFamily="18" charset="0"/>
+              </a:rPr>
+              <a:t> </a:t>
+            </a:r>
+            <a:r>
+              <a:rPr lang="ro-RO" sz="1800" dirty="0">
+                <a:latin typeface="Times New Roman" panose="02020603050405020304" pitchFamily="18" charset="0"/>
+                <a:cs typeface="Times New Roman" panose="02020603050405020304" pitchFamily="18" charset="0"/>
+              </a:rPr>
+              <a:t>în baie</a:t>
             </a:r>
             <a:r>
               <a:rPr lang="ro-RO" sz="1800" dirty="0" smtClean="0">
@@ -21589,18 +21617,7 @@
                 <a:cs typeface="Times New Roman" panose="02020603050405020304" pitchFamily="18" charset="0"/>
                 <a:sym typeface="Lato Light"/>
               </a:rPr>
-              <a:t>Securitate</a:t>
-            </a:r>
-            <a:r>
-              <a:rPr lang="ro-RO" sz="2800" dirty="0" smtClean="0">
-                <a:solidFill>
-                  <a:schemeClr val="tx1"/>
-                </a:solidFill>
-                <a:latin typeface="Times New Roman" panose="02020603050405020304" pitchFamily="18" charset="0"/>
-                <a:cs typeface="Times New Roman" panose="02020603050405020304" pitchFamily="18" charset="0"/>
-                <a:sym typeface="Lato Light"/>
-              </a:rPr>
-              <a:t>,</a:t>
+              <a:t>Securitate,</a:t>
             </a:r>
             <a:endParaRPr lang="en-US" sz="2800" dirty="0">
               <a:solidFill>
@@ -21638,14 +21655,6 @@
               </a:rPr>
               <a:t>șurință în utilizare,</a:t>
             </a:r>
-            <a:endParaRPr lang="ro-RO" sz="2800" dirty="0" smtClean="0">
-              <a:solidFill>
-                <a:schemeClr val="tx1"/>
-              </a:solidFill>
-              <a:latin typeface="Times New Roman" panose="02020603050405020304" pitchFamily="18" charset="0"/>
-              <a:cs typeface="Times New Roman" panose="02020603050405020304" pitchFamily="18" charset="0"/>
-              <a:sym typeface="Lato Light"/>
-            </a:endParaRPr>
           </a:p>
           <a:p>
             <a:pPr marL="342900" lvl="0" indent="-342900">
@@ -23115,29 +23124,7 @@
                 <a:cs typeface="Times New Roman" panose="02020603050405020304" pitchFamily="18" charset="0"/>
                 <a:sym typeface="Lato Light"/>
               </a:rPr>
-              <a:t>Protocol de </a:t>
-            </a:r>
-            <a:r>
-              <a:rPr lang="ro-RO" sz="3200" dirty="0" smtClean="0">
-                <a:solidFill>
-                  <a:schemeClr val="tx1"/>
-                </a:solidFill>
-                <a:latin typeface="Times New Roman" panose="02020603050405020304" pitchFamily="18" charset="0"/>
-                <a:cs typeface="Times New Roman" panose="02020603050405020304" pitchFamily="18" charset="0"/>
-                <a:sym typeface="Lato Light"/>
-              </a:rPr>
-              <a:t>comunicație </a:t>
-            </a:r>
-            <a:r>
-              <a:rPr lang="ro-RO" sz="3200" dirty="0" smtClean="0">
-                <a:solidFill>
-                  <a:schemeClr val="tx1"/>
-                </a:solidFill>
-                <a:latin typeface="Times New Roman" panose="02020603050405020304" pitchFamily="18" charset="0"/>
-                <a:cs typeface="Times New Roman" panose="02020603050405020304" pitchFamily="18" charset="0"/>
-                <a:sym typeface="Lato Light"/>
-              </a:rPr>
-              <a:t>personalizat</a:t>
+              <a:t>Protocol de comunicație personalizat</a:t>
             </a:r>
             <a:r>
               <a:rPr lang="en-US" sz="3200" dirty="0" smtClean="0">

--- a/Documentation/Presentation.pptx
+++ b/Documentation/Presentation.pptx
@@ -15,41 +15,41 @@
     <p:sldId id="278" r:id="rId6"/>
     <p:sldId id="280" r:id="rId7"/>
     <p:sldId id="281" r:id="rId8"/>
-    <p:sldId id="282" r:id="rId9"/>
-    <p:sldId id="275" r:id="rId10"/>
-    <p:sldId id="276" r:id="rId11"/>
-    <p:sldId id="284" r:id="rId12"/>
-    <p:sldId id="274" r:id="rId13"/>
-    <p:sldId id="273" r:id="rId14"/>
-    <p:sldId id="257" r:id="rId15"/>
+    <p:sldId id="285" r:id="rId9"/>
+    <p:sldId id="282" r:id="rId10"/>
+    <p:sldId id="275" r:id="rId11"/>
+    <p:sldId id="276" r:id="rId12"/>
+    <p:sldId id="284" r:id="rId13"/>
+    <p:sldId id="274" r:id="rId14"/>
+    <p:sldId id="273" r:id="rId15"/>
     <p:sldId id="272" r:id="rId16"/>
   </p:sldIdLst>
   <p:sldSz cx="12192000" cy="6858000"/>
   <p:notesSz cx="6858000" cy="9144000"/>
   <p:embeddedFontLst>
     <p:embeddedFont>
-      <p:font typeface="Montserrat" panose="020B0604020202020204" charset="0"/>
+      <p:font typeface="Lato Light" panose="020B0604020202020204" charset="0"/>
       <p:regular r:id="rId18"/>
       <p:bold r:id="rId19"/>
       <p:italic r:id="rId20"/>
       <p:boldItalic r:id="rId21"/>
     </p:embeddedFont>
     <p:embeddedFont>
-      <p:font typeface="Calibri" panose="020F0502020204030204" pitchFamily="34" charset="0"/>
+      <p:font typeface="Playfair Display" panose="020B0604020202020204" charset="0"/>
       <p:regular r:id="rId22"/>
       <p:bold r:id="rId23"/>
       <p:italic r:id="rId24"/>
       <p:boldItalic r:id="rId25"/>
     </p:embeddedFont>
     <p:embeddedFont>
-      <p:font typeface="Lato Light" panose="020B0604020202020204" charset="0"/>
+      <p:font typeface="Montserrat" panose="020B0604020202020204" charset="0"/>
       <p:regular r:id="rId26"/>
       <p:bold r:id="rId27"/>
       <p:italic r:id="rId28"/>
       <p:boldItalic r:id="rId29"/>
     </p:embeddedFont>
     <p:embeddedFont>
-      <p:font typeface="Playfair Display" panose="020B0604020202020204" charset="0"/>
+      <p:font typeface="Calibri" panose="020F0502020204030204" pitchFamily="34" charset="0"/>
       <p:regular r:id="rId30"/>
       <p:bold r:id="rId31"/>
       <p:italic r:id="rId32"/>
@@ -1699,6 +1699,119 @@
     </p:spTree>
     <p:extLst>
       <p:ext uri="{BB962C8B-B14F-4D97-AF65-F5344CB8AC3E}">
+        <p14:creationId xmlns:p14="http://schemas.microsoft.com/office/powerpoint/2010/main" val="3083195908"/>
+      </p:ext>
+    </p:extLst>
+  </p:cSld>
+  <p:clrMapOvr>
+    <a:masterClrMapping/>
+  </p:clrMapOvr>
+</p:notes>
+</file>
+
+<file path=ppt/notesSlides/notesSlide11.xml><?xml version="1.0" encoding="utf-8"?>
+<p:notes xmlns:a="http://schemas.openxmlformats.org/drawingml/2006/main" xmlns:r="http://schemas.openxmlformats.org/officeDocument/2006/relationships" xmlns:p="http://schemas.openxmlformats.org/presentationml/2006/main" showMasterSp="0" showMasterPhAnim="0">
+  <p:cSld>
+    <p:spTree>
+      <p:nvGrpSpPr>
+        <p:cNvPr id="1" name="Shape 108"/>
+        <p:cNvGrpSpPr/>
+        <p:nvPr/>
+      </p:nvGrpSpPr>
+      <p:grpSpPr>
+        <a:xfrm>
+          <a:off x="0" y="0"/>
+          <a:ext cx="0" cy="0"/>
+          <a:chOff x="0" y="0"/>
+          <a:chExt cx="0" cy="0"/>
+        </a:xfrm>
+      </p:grpSpPr>
+      <p:sp>
+        <p:nvSpPr>
+          <p:cNvPr id="109" name="Shape 109"/>
+          <p:cNvSpPr txBox="1">
+            <a:spLocks noGrp="1"/>
+          </p:cNvSpPr>
+          <p:nvPr>
+            <p:ph type="body" idx="1"/>
+          </p:nvPr>
+        </p:nvSpPr>
+        <p:spPr>
+          <a:xfrm>
+            <a:off x="685800" y="4400550"/>
+            <a:ext cx="5486400" cy="3600450"/>
+          </a:xfrm>
+          <a:prstGeom prst="rect">
+            <a:avLst/>
+          </a:prstGeom>
+          <a:noFill/>
+          <a:ln>
+            <a:noFill/>
+          </a:ln>
+        </p:spPr>
+        <p:txBody>
+          <a:bodyPr spcFirstLastPara="1" wrap="square" lIns="91425" tIns="91425" rIns="91425" bIns="91425" anchor="ctr" anchorCtr="0">
+            <a:noAutofit/>
+          </a:bodyPr>
+          <a:lstStyle/>
+          <a:p>
+            <a:pPr marL="0" lvl="0" indent="0">
+              <a:spcBef>
+                <a:spcPts val="0"/>
+              </a:spcBef>
+              <a:spcAft>
+                <a:spcPts val="0"/>
+              </a:spcAft>
+              <a:buNone/>
+            </a:pPr>
+            <a:endParaRPr/>
+          </a:p>
+        </p:txBody>
+      </p:sp>
+      <p:sp>
+        <p:nvSpPr>
+          <p:cNvPr id="110" name="Shape 110"/>
+          <p:cNvSpPr>
+            <a:spLocks noGrp="1" noRot="1" noChangeAspect="1"/>
+          </p:cNvSpPr>
+          <p:nvPr>
+            <p:ph type="sldImg" idx="2"/>
+          </p:nvPr>
+        </p:nvSpPr>
+        <p:spPr>
+          <a:xfrm>
+            <a:off x="685800" y="1143000"/>
+            <a:ext cx="5486400" cy="3086100"/>
+          </a:xfrm>
+          <a:custGeom>
+            <a:avLst/>
+            <a:gdLst/>
+            <a:ahLst/>
+            <a:cxnLst/>
+            <a:rect l="0" t="0" r="0" b="0"/>
+            <a:pathLst>
+              <a:path w="120000" h="120000" extrusionOk="0">
+                <a:moveTo>
+                  <a:pt x="0" y="0"/>
+                </a:moveTo>
+                <a:lnTo>
+                  <a:pt x="120000" y="0"/>
+                </a:lnTo>
+                <a:lnTo>
+                  <a:pt x="120000" y="120000"/>
+                </a:lnTo>
+                <a:lnTo>
+                  <a:pt x="0" y="120000"/>
+                </a:lnTo>
+                <a:close/>
+              </a:path>
+            </a:pathLst>
+          </a:custGeom>
+        </p:spPr>
+      </p:sp>
+    </p:spTree>
+    <p:extLst>
+      <p:ext uri="{BB962C8B-B14F-4D97-AF65-F5344CB8AC3E}">
         <p14:creationId xmlns:p14="http://schemas.microsoft.com/office/powerpoint/2010/main" val="259770977"/>
       </p:ext>
     </p:extLst>
@@ -1709,7 +1822,7 @@
 </p:notes>
 </file>
 
-<file path=ppt/notesSlides/notesSlide11.xml><?xml version="1.0" encoding="utf-8"?>
+<file path=ppt/notesSlides/notesSlide12.xml><?xml version="1.0" encoding="utf-8"?>
 <p:notes xmlns:a="http://schemas.openxmlformats.org/drawingml/2006/main" xmlns:r="http://schemas.openxmlformats.org/officeDocument/2006/relationships" xmlns:p="http://schemas.openxmlformats.org/presentationml/2006/main" showMasterSp="0" showMasterPhAnim="0">
   <p:cSld>
     <p:spTree>
@@ -1822,7 +1935,7 @@
 </p:notes>
 </file>
 
-<file path=ppt/notesSlides/notesSlide12.xml><?xml version="1.0" encoding="utf-8"?>
+<file path=ppt/notesSlides/notesSlide13.xml><?xml version="1.0" encoding="utf-8"?>
 <p:notes xmlns:a="http://schemas.openxmlformats.org/drawingml/2006/main" xmlns:r="http://schemas.openxmlformats.org/officeDocument/2006/relationships" xmlns:p="http://schemas.openxmlformats.org/presentationml/2006/main" showMasterSp="0" showMasterPhAnim="0">
   <p:cSld>
     <p:spTree>
@@ -1935,7 +2048,7 @@
 </p:notes>
 </file>
 
-<file path=ppt/notesSlides/notesSlide13.xml><?xml version="1.0" encoding="utf-8"?>
+<file path=ppt/notesSlides/notesSlide14.xml><?xml version="1.0" encoding="utf-8"?>
 <p:notes xmlns:a="http://schemas.openxmlformats.org/drawingml/2006/main" xmlns:r="http://schemas.openxmlformats.org/officeDocument/2006/relationships" xmlns:p="http://schemas.openxmlformats.org/presentationml/2006/main" showMasterSp="0" showMasterPhAnim="0">
   <p:cSld>
     <p:spTree>
@@ -2039,119 +2152,6 @@
     <p:extLst>
       <p:ext uri="{BB962C8B-B14F-4D97-AF65-F5344CB8AC3E}">
         <p14:creationId xmlns:p14="http://schemas.microsoft.com/office/powerpoint/2010/main" val="1919531824"/>
-      </p:ext>
-    </p:extLst>
-  </p:cSld>
-  <p:clrMapOvr>
-    <a:masterClrMapping/>
-  </p:clrMapOvr>
-</p:notes>
-</file>
-
-<file path=ppt/notesSlides/notesSlide14.xml><?xml version="1.0" encoding="utf-8"?>
-<p:notes xmlns:a="http://schemas.openxmlformats.org/drawingml/2006/main" xmlns:r="http://schemas.openxmlformats.org/officeDocument/2006/relationships" xmlns:p="http://schemas.openxmlformats.org/presentationml/2006/main" showMasterSp="0" showMasterPhAnim="0">
-  <p:cSld>
-    <p:spTree>
-      <p:nvGrpSpPr>
-        <p:cNvPr id="1" name="Shape 99"/>
-        <p:cNvGrpSpPr/>
-        <p:nvPr/>
-      </p:nvGrpSpPr>
-      <p:grpSpPr>
-        <a:xfrm>
-          <a:off x="0" y="0"/>
-          <a:ext cx="0" cy="0"/>
-          <a:chOff x="0" y="0"/>
-          <a:chExt cx="0" cy="0"/>
-        </a:xfrm>
-      </p:grpSpPr>
-      <p:sp>
-        <p:nvSpPr>
-          <p:cNvPr id="100" name="Shape 100"/>
-          <p:cNvSpPr txBox="1">
-            <a:spLocks noGrp="1"/>
-          </p:cNvSpPr>
-          <p:nvPr>
-            <p:ph type="body" idx="1"/>
-          </p:nvPr>
-        </p:nvSpPr>
-        <p:spPr>
-          <a:xfrm>
-            <a:off x="685800" y="4400550"/>
-            <a:ext cx="5486400" cy="3600450"/>
-          </a:xfrm>
-          <a:prstGeom prst="rect">
-            <a:avLst/>
-          </a:prstGeom>
-          <a:noFill/>
-          <a:ln>
-            <a:noFill/>
-          </a:ln>
-        </p:spPr>
-        <p:txBody>
-          <a:bodyPr spcFirstLastPara="1" wrap="square" lIns="91425" tIns="91425" rIns="91425" bIns="91425" anchor="ctr" anchorCtr="0">
-            <a:noAutofit/>
-          </a:bodyPr>
-          <a:lstStyle/>
-          <a:p>
-            <a:pPr marL="0" lvl="0" indent="0">
-              <a:spcBef>
-                <a:spcPts val="0"/>
-              </a:spcBef>
-              <a:spcAft>
-                <a:spcPts val="0"/>
-              </a:spcAft>
-              <a:buNone/>
-            </a:pPr>
-            <a:endParaRPr/>
-          </a:p>
-        </p:txBody>
-      </p:sp>
-      <p:sp>
-        <p:nvSpPr>
-          <p:cNvPr id="101" name="Shape 101"/>
-          <p:cNvSpPr>
-            <a:spLocks noGrp="1" noRot="1" noChangeAspect="1"/>
-          </p:cNvSpPr>
-          <p:nvPr>
-            <p:ph type="sldImg" idx="2"/>
-          </p:nvPr>
-        </p:nvSpPr>
-        <p:spPr>
-          <a:xfrm>
-            <a:off x="685800" y="1143000"/>
-            <a:ext cx="5486400" cy="3086100"/>
-          </a:xfrm>
-          <a:custGeom>
-            <a:avLst/>
-            <a:gdLst/>
-            <a:ahLst/>
-            <a:cxnLst/>
-            <a:rect l="0" t="0" r="0" b="0"/>
-            <a:pathLst>
-              <a:path w="120000" h="120000" extrusionOk="0">
-                <a:moveTo>
-                  <a:pt x="0" y="0"/>
-                </a:moveTo>
-                <a:lnTo>
-                  <a:pt x="120000" y="0"/>
-                </a:lnTo>
-                <a:lnTo>
-                  <a:pt x="120000" y="120000"/>
-                </a:lnTo>
-                <a:lnTo>
-                  <a:pt x="0" y="120000"/>
-                </a:lnTo>
-                <a:close/>
-              </a:path>
-            </a:pathLst>
-          </a:custGeom>
-        </p:spPr>
-      </p:sp>
-    </p:spTree>
-    <p:extLst>
-      <p:ext uri="{BB962C8B-B14F-4D97-AF65-F5344CB8AC3E}">
-        <p14:creationId xmlns:p14="http://schemas.microsoft.com/office/powerpoint/2010/main" val="449664752"/>
       </p:ext>
     </p:extLst>
   </p:cSld>
@@ -3007,7 +3007,7 @@
               </a:spcAft>
               <a:buNone/>
             </a:pPr>
-            <a:endParaRPr/>
+            <a:endParaRPr dirty="0"/>
           </a:p>
         </p:txBody>
       </p:sp>
@@ -3055,7 +3055,7 @@
     </p:spTree>
     <p:extLst>
       <p:ext uri="{BB962C8B-B14F-4D97-AF65-F5344CB8AC3E}">
-        <p14:creationId xmlns:p14="http://schemas.microsoft.com/office/powerpoint/2010/main" val="2191473176"/>
+        <p14:creationId xmlns:p14="http://schemas.microsoft.com/office/powerpoint/2010/main" val="3562317167"/>
       </p:ext>
     </p:extLst>
   </p:cSld>
@@ -3168,7 +3168,7 @@
     </p:spTree>
     <p:extLst>
       <p:ext uri="{BB962C8B-B14F-4D97-AF65-F5344CB8AC3E}">
-        <p14:creationId xmlns:p14="http://schemas.microsoft.com/office/powerpoint/2010/main" val="3083195908"/>
+        <p14:creationId xmlns:p14="http://schemas.microsoft.com/office/powerpoint/2010/main" val="2191473176"/>
       </p:ext>
     </p:extLst>
   </p:cSld>
@@ -17645,6 +17645,1377 @@
               </a:ext>
             </a:extLst>
           </a:blip>
+          <a:srcRect l="10326" t="15635" r="10530" b="10174"/>
+          <a:stretch/>
+        </p:blipFill>
+        <p:spPr>
+          <a:xfrm>
+            <a:off x="1826772" y="1478565"/>
+            <a:ext cx="2515512" cy="2035082"/>
+          </a:xfrm>
+          <a:prstGeom prst="rect">
+            <a:avLst/>
+          </a:prstGeom>
+        </p:spPr>
+      </p:pic>
+      <p:sp>
+        <p:nvSpPr>
+          <p:cNvPr id="112" name="Shape 112"/>
+          <p:cNvSpPr txBox="1"/>
+          <p:nvPr/>
+        </p:nvSpPr>
+        <p:spPr>
+          <a:xfrm>
+            <a:off x="774194" y="222898"/>
+            <a:ext cx="8958280" cy="830997"/>
+          </a:xfrm>
+          <a:prstGeom prst="rect">
+            <a:avLst/>
+          </a:prstGeom>
+          <a:noFill/>
+          <a:ln>
+            <a:noFill/>
+          </a:ln>
+        </p:spPr>
+        <p:txBody>
+          <a:bodyPr spcFirstLastPara="1" wrap="square" lIns="91425" tIns="45700" rIns="91425" bIns="45700" anchor="t" anchorCtr="0">
+            <a:noAutofit/>
+          </a:bodyPr>
+          <a:lstStyle/>
+          <a:p>
+            <a:pPr marL="0" marR="0" lvl="0" indent="0" algn="l" rtl="0">
+              <a:spcBef>
+                <a:spcPts val="0"/>
+              </a:spcBef>
+              <a:spcAft>
+                <a:spcPts val="0"/>
+              </a:spcAft>
+              <a:buNone/>
+            </a:pPr>
+            <a:r>
+              <a:rPr lang="en-US" sz="4800" dirty="0" err="1" smtClean="0">
+                <a:solidFill>
+                  <a:schemeClr val="dk1"/>
+                </a:solidFill>
+                <a:latin typeface="Montserrat"/>
+                <a:sym typeface="Montserrat"/>
+              </a:rPr>
+              <a:t>Dispozitive</a:t>
+            </a:r>
+            <a:r>
+              <a:rPr lang="en-US" sz="4800" dirty="0" smtClean="0">
+                <a:solidFill>
+                  <a:schemeClr val="dk1"/>
+                </a:solidFill>
+                <a:latin typeface="Montserrat"/>
+                <a:sym typeface="Montserrat"/>
+              </a:rPr>
+              <a:t> </a:t>
+            </a:r>
+            <a:r>
+              <a:rPr lang="ro-RO" sz="4800" dirty="0" smtClean="0">
+                <a:solidFill>
+                  <a:schemeClr val="dk1"/>
+                </a:solidFill>
+                <a:latin typeface="Montserrat"/>
+                <a:sym typeface="Montserrat"/>
+              </a:rPr>
+              <a:t>utilizate</a:t>
+            </a:r>
+            <a:endParaRPr dirty="0"/>
+          </a:p>
+        </p:txBody>
+      </p:sp>
+      <p:pic>
+        <p:nvPicPr>
+          <p:cNvPr id="9" name="Picture 8" descr="C:\Users\dlargu\Desktop\FiiLogo.png"/>
+          <p:cNvPicPr>
+            <a:picLocks noChangeAspect="1" noChangeArrowheads="1"/>
+          </p:cNvPicPr>
+          <p:nvPr/>
+        </p:nvPicPr>
+        <p:blipFill>
+          <a:blip r:embed="rId4">
+            <a:extLst>
+              <a:ext uri="{28A0092B-C50C-407E-A947-70E740481C1C}">
+                <a14:useLocalDpi xmlns:a14="http://schemas.microsoft.com/office/drawing/2010/main"/>
+              </a:ext>
+            </a:extLst>
+          </a:blip>
+          <a:srcRect/>
+          <a:stretch>
+            <a:fillRect/>
+          </a:stretch>
+        </p:blipFill>
+        <p:spPr bwMode="auto">
+          <a:xfrm>
+            <a:off x="11235349" y="149280"/>
+            <a:ext cx="826365" cy="763675"/>
+          </a:xfrm>
+          <a:prstGeom prst="rect">
+            <a:avLst/>
+          </a:prstGeom>
+          <a:noFill/>
+          <a:extLst>
+            <a:ext uri="{909E8E84-426E-40DD-AFC4-6F175D3DCCD1}">
+              <a14:hiddenFill xmlns:a14="http://schemas.microsoft.com/office/drawing/2010/main">
+                <a:solidFill>
+                  <a:srgbClr val="FFFFFF"/>
+                </a:solidFill>
+              </a14:hiddenFill>
+            </a:ext>
+          </a:extLst>
+        </p:spPr>
+      </p:pic>
+      <p:pic>
+        <p:nvPicPr>
+          <p:cNvPr id="10" name="Picture 9"/>
+          <p:cNvPicPr>
+            <a:picLocks noChangeAspect="1"/>
+          </p:cNvPicPr>
+          <p:nvPr/>
+        </p:nvPicPr>
+        <p:blipFill>
+          <a:blip r:embed="rId5" cstate="print">
+            <a:extLst>
+              <a:ext uri="{28A0092B-C50C-407E-A947-70E740481C1C}">
+                <a14:useLocalDpi xmlns:a14="http://schemas.microsoft.com/office/drawing/2010/main"/>
+              </a:ext>
+            </a:extLst>
+          </a:blip>
+          <a:stretch>
+            <a:fillRect/>
+          </a:stretch>
+        </p:blipFill>
+        <p:spPr>
+          <a:xfrm>
+            <a:off x="9983713" y="84817"/>
+            <a:ext cx="910102" cy="892600"/>
+          </a:xfrm>
+          <a:prstGeom prst="rect">
+            <a:avLst/>
+          </a:prstGeom>
+        </p:spPr>
+      </p:pic>
+      <p:sp>
+        <p:nvSpPr>
+          <p:cNvPr id="11" name="Shape 143"/>
+          <p:cNvSpPr/>
+          <p:nvPr/>
+        </p:nvSpPr>
+        <p:spPr>
+          <a:xfrm>
+            <a:off x="2631205" y="3641918"/>
+            <a:ext cx="875962" cy="398892"/>
+          </a:xfrm>
+          <a:prstGeom prst="rect">
+            <a:avLst/>
+          </a:prstGeom>
+          <a:noFill/>
+          <a:ln w="19050" cap="flat" cmpd="sng">
+            <a:solidFill>
+              <a:srgbClr val="00B050"/>
+            </a:solidFill>
+            <a:prstDash val="solid"/>
+            <a:miter lim="800000"/>
+            <a:headEnd type="none" w="sm" len="sm"/>
+            <a:tailEnd type="none" w="sm" len="sm"/>
+          </a:ln>
+        </p:spPr>
+        <p:txBody>
+          <a:bodyPr spcFirstLastPara="1" wrap="square" lIns="91425" tIns="45700" rIns="91425" bIns="45700" anchor="ctr" anchorCtr="0">
+            <a:noAutofit/>
+          </a:bodyPr>
+          <a:lstStyle/>
+          <a:p>
+            <a:pPr marL="0" marR="0" lvl="0" indent="0" algn="ctr" rtl="0">
+              <a:spcBef>
+                <a:spcPts val="0"/>
+              </a:spcBef>
+              <a:spcAft>
+                <a:spcPts val="0"/>
+              </a:spcAft>
+              <a:buNone/>
+            </a:pPr>
+            <a:endParaRPr sz="1800">
+              <a:solidFill>
+                <a:schemeClr val="lt1"/>
+              </a:solidFill>
+              <a:latin typeface="Playfair Display"/>
+              <a:ea typeface="Playfair Display"/>
+              <a:cs typeface="Playfair Display"/>
+              <a:sym typeface="Playfair Display"/>
+            </a:endParaRPr>
+          </a:p>
+        </p:txBody>
+      </p:sp>
+      <p:sp>
+        <p:nvSpPr>
+          <p:cNvPr id="14" name="Shape 152"/>
+          <p:cNvSpPr txBox="1"/>
+          <p:nvPr/>
+        </p:nvSpPr>
+        <p:spPr>
+          <a:xfrm>
+            <a:off x="1666067" y="3657759"/>
+            <a:ext cx="2808134" cy="338554"/>
+          </a:xfrm>
+          <a:prstGeom prst="rect">
+            <a:avLst/>
+          </a:prstGeom>
+          <a:noFill/>
+          <a:ln>
+            <a:noFill/>
+          </a:ln>
+        </p:spPr>
+        <p:txBody>
+          <a:bodyPr spcFirstLastPara="1" wrap="square" lIns="91425" tIns="45700" rIns="91425" bIns="45700" anchor="t" anchorCtr="0">
+            <a:noAutofit/>
+          </a:bodyPr>
+          <a:lstStyle/>
+          <a:p>
+            <a:pPr marL="0" marR="0" lvl="0" indent="0" algn="ctr" rtl="0">
+              <a:spcBef>
+                <a:spcPts val="0"/>
+              </a:spcBef>
+              <a:spcAft>
+                <a:spcPts val="0"/>
+              </a:spcAft>
+              <a:buNone/>
+            </a:pPr>
+            <a:r>
+              <a:rPr lang="en-PH" sz="1800" dirty="0" smtClean="0">
+                <a:solidFill>
+                  <a:schemeClr val="dk1"/>
+                </a:solidFill>
+                <a:latin typeface="Lato Light"/>
+                <a:ea typeface="Lato Light"/>
+                <a:cs typeface="Lato Light"/>
+                <a:sym typeface="Lato Light"/>
+              </a:rPr>
+              <a:t>Lamp</a:t>
+            </a:r>
+            <a:r>
+              <a:rPr lang="ro-RO" sz="1800" dirty="0" smtClean="0">
+                <a:solidFill>
+                  <a:schemeClr val="dk1"/>
+                </a:solidFill>
+                <a:latin typeface="Lato Light"/>
+                <a:ea typeface="Lato Light"/>
+                <a:cs typeface="Lato Light"/>
+                <a:sym typeface="Lato Light"/>
+              </a:rPr>
+              <a:t>ă</a:t>
+            </a:r>
+            <a:endParaRPr sz="1800" i="1" dirty="0">
+              <a:solidFill>
+                <a:schemeClr val="dk1"/>
+              </a:solidFill>
+              <a:latin typeface="Lato Light"/>
+              <a:ea typeface="Lato Light"/>
+              <a:cs typeface="Lato Light"/>
+              <a:sym typeface="Lato Light"/>
+            </a:endParaRPr>
+          </a:p>
+        </p:txBody>
+      </p:sp>
+      <p:pic>
+        <p:nvPicPr>
+          <p:cNvPr id="15" name="Picture 14"/>
+          <p:cNvPicPr>
+            <a:picLocks noChangeAspect="1"/>
+          </p:cNvPicPr>
+          <p:nvPr/>
+        </p:nvPicPr>
+        <p:blipFill rotWithShape="1">
+          <a:blip r:embed="rId6" cstate="print">
+            <a:extLst>
+              <a:ext uri="{28A0092B-C50C-407E-A947-70E740481C1C}">
+                <a14:useLocalDpi xmlns:a14="http://schemas.microsoft.com/office/drawing/2010/main"/>
+              </a:ext>
+            </a:extLst>
+          </a:blip>
+          <a:srcRect/>
+          <a:stretch/>
+        </p:blipFill>
+        <p:spPr>
+          <a:xfrm>
+            <a:off x="5222163" y="1488417"/>
+            <a:ext cx="2769156" cy="2035082"/>
+          </a:xfrm>
+          <a:prstGeom prst="rect">
+            <a:avLst/>
+          </a:prstGeom>
+        </p:spPr>
+      </p:pic>
+      <p:sp>
+        <p:nvSpPr>
+          <p:cNvPr id="16" name="Shape 143"/>
+          <p:cNvSpPr/>
+          <p:nvPr/>
+        </p:nvSpPr>
+        <p:spPr>
+          <a:xfrm>
+            <a:off x="6182543" y="3642717"/>
+            <a:ext cx="875962" cy="398892"/>
+          </a:xfrm>
+          <a:prstGeom prst="rect">
+            <a:avLst/>
+          </a:prstGeom>
+          <a:noFill/>
+          <a:ln w="19050" cap="flat" cmpd="sng">
+            <a:solidFill>
+              <a:srgbClr val="00B050"/>
+            </a:solidFill>
+            <a:prstDash val="solid"/>
+            <a:miter lim="800000"/>
+            <a:headEnd type="none" w="sm" len="sm"/>
+            <a:tailEnd type="none" w="sm" len="sm"/>
+          </a:ln>
+        </p:spPr>
+        <p:txBody>
+          <a:bodyPr spcFirstLastPara="1" wrap="square" lIns="91425" tIns="45700" rIns="91425" bIns="45700" anchor="ctr" anchorCtr="0">
+            <a:noAutofit/>
+          </a:bodyPr>
+          <a:lstStyle/>
+          <a:p>
+            <a:pPr marL="0" marR="0" lvl="0" indent="0" algn="ctr" rtl="0">
+              <a:spcBef>
+                <a:spcPts val="0"/>
+              </a:spcBef>
+              <a:spcAft>
+                <a:spcPts val="0"/>
+              </a:spcAft>
+              <a:buNone/>
+            </a:pPr>
+            <a:endParaRPr sz="1800">
+              <a:solidFill>
+                <a:schemeClr val="lt1"/>
+              </a:solidFill>
+              <a:latin typeface="Playfair Display"/>
+              <a:ea typeface="Playfair Display"/>
+              <a:cs typeface="Playfair Display"/>
+              <a:sym typeface="Playfair Display"/>
+            </a:endParaRPr>
+          </a:p>
+        </p:txBody>
+      </p:sp>
+      <p:sp>
+        <p:nvSpPr>
+          <p:cNvPr id="18" name="Shape 152"/>
+          <p:cNvSpPr txBox="1"/>
+          <p:nvPr/>
+        </p:nvSpPr>
+        <p:spPr>
+          <a:xfrm>
+            <a:off x="5217405" y="3658558"/>
+            <a:ext cx="2808134" cy="338554"/>
+          </a:xfrm>
+          <a:prstGeom prst="rect">
+            <a:avLst/>
+          </a:prstGeom>
+          <a:noFill/>
+          <a:ln>
+            <a:noFill/>
+          </a:ln>
+        </p:spPr>
+        <p:txBody>
+          <a:bodyPr spcFirstLastPara="1" wrap="square" lIns="91425" tIns="45700" rIns="91425" bIns="45700" anchor="t" anchorCtr="0">
+            <a:noAutofit/>
+          </a:bodyPr>
+          <a:lstStyle/>
+          <a:p>
+            <a:pPr marL="0" marR="0" lvl="0" indent="0" algn="ctr" rtl="0">
+              <a:spcBef>
+                <a:spcPts val="0"/>
+              </a:spcBef>
+              <a:spcAft>
+                <a:spcPts val="0"/>
+              </a:spcAft>
+              <a:buNone/>
+            </a:pPr>
+            <a:r>
+              <a:rPr lang="ro-RO" sz="1800" dirty="0" smtClean="0">
+                <a:solidFill>
+                  <a:schemeClr val="dk1"/>
+                </a:solidFill>
+                <a:latin typeface="Lato Light"/>
+                <a:ea typeface="Lato Light"/>
+                <a:cs typeface="Lato Light"/>
+                <a:sym typeface="Lato Light"/>
+              </a:rPr>
+              <a:t>Bec</a:t>
+            </a:r>
+            <a:endParaRPr sz="1800" i="1" dirty="0">
+              <a:solidFill>
+                <a:schemeClr val="dk1"/>
+              </a:solidFill>
+              <a:latin typeface="Lato Light"/>
+              <a:ea typeface="Lato Light"/>
+              <a:cs typeface="Lato Light"/>
+              <a:sym typeface="Lato Light"/>
+            </a:endParaRPr>
+          </a:p>
+        </p:txBody>
+      </p:sp>
+      <p:pic>
+        <p:nvPicPr>
+          <p:cNvPr id="19" name="Picture 18"/>
+          <p:cNvPicPr>
+            <a:picLocks noChangeAspect="1"/>
+          </p:cNvPicPr>
+          <p:nvPr/>
+        </p:nvPicPr>
+        <p:blipFill>
+          <a:blip r:embed="rId7" cstate="print">
+            <a:extLst>
+              <a:ext uri="{28A0092B-C50C-407E-A947-70E740481C1C}">
+                <a14:useLocalDpi xmlns:a14="http://schemas.microsoft.com/office/drawing/2010/main"/>
+              </a:ext>
+            </a:extLst>
+          </a:blip>
+          <a:stretch>
+            <a:fillRect/>
+          </a:stretch>
+        </p:blipFill>
+        <p:spPr>
+          <a:xfrm>
+            <a:off x="8914924" y="2407814"/>
+            <a:ext cx="2638211" cy="247332"/>
+          </a:xfrm>
+          <a:prstGeom prst="rect">
+            <a:avLst/>
+          </a:prstGeom>
+        </p:spPr>
+      </p:pic>
+      <p:sp>
+        <p:nvSpPr>
+          <p:cNvPr id="20" name="Shape 143"/>
+          <p:cNvSpPr/>
+          <p:nvPr/>
+        </p:nvSpPr>
+        <p:spPr>
+          <a:xfrm>
+            <a:off x="9135391" y="3641918"/>
+            <a:ext cx="2046083" cy="398892"/>
+          </a:xfrm>
+          <a:prstGeom prst="rect">
+            <a:avLst/>
+          </a:prstGeom>
+          <a:noFill/>
+          <a:ln w="19050" cap="flat" cmpd="sng">
+            <a:solidFill>
+              <a:srgbClr val="00B050"/>
+            </a:solidFill>
+            <a:prstDash val="solid"/>
+            <a:miter lim="800000"/>
+            <a:headEnd type="none" w="sm" len="sm"/>
+            <a:tailEnd type="none" w="sm" len="sm"/>
+          </a:ln>
+        </p:spPr>
+        <p:txBody>
+          <a:bodyPr spcFirstLastPara="1" wrap="square" lIns="91425" tIns="45700" rIns="91425" bIns="45700" anchor="ctr" anchorCtr="0">
+            <a:noAutofit/>
+          </a:bodyPr>
+          <a:lstStyle/>
+          <a:p>
+            <a:pPr marL="0" marR="0" lvl="0" indent="0" algn="ctr" rtl="0">
+              <a:spcBef>
+                <a:spcPts val="0"/>
+              </a:spcBef>
+              <a:spcAft>
+                <a:spcPts val="0"/>
+              </a:spcAft>
+              <a:buNone/>
+            </a:pPr>
+            <a:endParaRPr sz="1800">
+              <a:solidFill>
+                <a:schemeClr val="lt1"/>
+              </a:solidFill>
+              <a:latin typeface="Playfair Display"/>
+              <a:ea typeface="Playfair Display"/>
+              <a:cs typeface="Playfair Display"/>
+              <a:sym typeface="Playfair Display"/>
+            </a:endParaRPr>
+          </a:p>
+        </p:txBody>
+      </p:sp>
+      <p:sp>
+        <p:nvSpPr>
+          <p:cNvPr id="22" name="Shape 152"/>
+          <p:cNvSpPr txBox="1"/>
+          <p:nvPr/>
+        </p:nvSpPr>
+        <p:spPr>
+          <a:xfrm>
+            <a:off x="8737173" y="3643437"/>
+            <a:ext cx="2808134" cy="338554"/>
+          </a:xfrm>
+          <a:prstGeom prst="rect">
+            <a:avLst/>
+          </a:prstGeom>
+          <a:noFill/>
+          <a:ln>
+            <a:noFill/>
+          </a:ln>
+        </p:spPr>
+        <p:txBody>
+          <a:bodyPr spcFirstLastPara="1" wrap="square" lIns="91425" tIns="45700" rIns="91425" bIns="45700" anchor="t" anchorCtr="0">
+            <a:noAutofit/>
+          </a:bodyPr>
+          <a:lstStyle/>
+          <a:p>
+            <a:pPr marL="0" marR="0" lvl="0" indent="0" algn="ctr" rtl="0">
+              <a:spcBef>
+                <a:spcPts val="0"/>
+              </a:spcBef>
+              <a:spcAft>
+                <a:spcPts val="0"/>
+              </a:spcAft>
+              <a:buNone/>
+            </a:pPr>
+            <a:r>
+              <a:rPr lang="ro-RO" sz="1800" dirty="0" smtClean="0">
+                <a:solidFill>
+                  <a:schemeClr val="dk1"/>
+                </a:solidFill>
+                <a:latin typeface="Lato Light"/>
+                <a:ea typeface="Lato Light"/>
+                <a:cs typeface="Lato Light"/>
+                <a:sym typeface="Lato Light"/>
+              </a:rPr>
+              <a:t>Laser de securitate</a:t>
+            </a:r>
+            <a:endParaRPr sz="1800" i="1" dirty="0">
+              <a:solidFill>
+                <a:schemeClr val="dk1"/>
+              </a:solidFill>
+              <a:latin typeface="Lato Light"/>
+              <a:ea typeface="Lato Light"/>
+              <a:cs typeface="Lato Light"/>
+              <a:sym typeface="Lato Light"/>
+            </a:endParaRPr>
+          </a:p>
+        </p:txBody>
+      </p:sp>
+      <p:sp>
+        <p:nvSpPr>
+          <p:cNvPr id="3" name="Slide Number Placeholder 2"/>
+          <p:cNvSpPr>
+            <a:spLocks noGrp="1"/>
+          </p:cNvSpPr>
+          <p:nvPr>
+            <p:ph type="sldNum" idx="12"/>
+          </p:nvPr>
+        </p:nvSpPr>
+        <p:spPr/>
+        <p:txBody>
+          <a:bodyPr/>
+          <a:lstStyle/>
+          <a:p>
+            <a:fld id="{00000000-1234-1234-1234-123412341234}" type="slidenum">
+              <a:rPr lang="en-PH" smtClean="0"/>
+              <a:pPr/>
+              <a:t>10</a:t>
+            </a:fld>
+            <a:endParaRPr lang="en-PH" dirty="0"/>
+          </a:p>
+        </p:txBody>
+      </p:sp>
+      <p:sp>
+        <p:nvSpPr>
+          <p:cNvPr id="23" name="Shape 114"/>
+          <p:cNvSpPr/>
+          <p:nvPr/>
+        </p:nvSpPr>
+        <p:spPr>
+          <a:xfrm>
+            <a:off x="878557" y="1053895"/>
+            <a:ext cx="8853917" cy="51759"/>
+          </a:xfrm>
+          <a:prstGeom prst="rect">
+            <a:avLst/>
+          </a:prstGeom>
+          <a:solidFill>
+            <a:srgbClr val="AAE4D5"/>
+          </a:solidFill>
+          <a:ln>
+            <a:noFill/>
+          </a:ln>
+        </p:spPr>
+        <p:txBody>
+          <a:bodyPr spcFirstLastPara="1" wrap="square" lIns="91425" tIns="45700" rIns="91425" bIns="45700" anchor="ctr" anchorCtr="0">
+            <a:noAutofit/>
+          </a:bodyPr>
+          <a:lstStyle/>
+          <a:p>
+            <a:pPr marL="0" marR="0" lvl="0" indent="0" algn="ctr" rtl="0">
+              <a:spcBef>
+                <a:spcPts val="0"/>
+              </a:spcBef>
+              <a:spcAft>
+                <a:spcPts val="0"/>
+              </a:spcAft>
+              <a:buNone/>
+            </a:pPr>
+            <a:endParaRPr sz="1800">
+              <a:solidFill>
+                <a:schemeClr val="lt1"/>
+              </a:solidFill>
+              <a:latin typeface="Playfair Display"/>
+              <a:ea typeface="Playfair Display"/>
+              <a:cs typeface="Playfair Display"/>
+              <a:sym typeface="Playfair Display"/>
+            </a:endParaRPr>
+          </a:p>
+        </p:txBody>
+      </p:sp>
+      <p:pic>
+        <p:nvPicPr>
+          <p:cNvPr id="5" name="Picture 4"/>
+          <p:cNvPicPr>
+            <a:picLocks noChangeAspect="1"/>
+          </p:cNvPicPr>
+          <p:nvPr/>
+        </p:nvPicPr>
+        <p:blipFill>
+          <a:blip r:embed="rId8">
+            <a:extLst>
+              <a:ext uri="{28A0092B-C50C-407E-A947-70E740481C1C}">
+                <a14:useLocalDpi xmlns:a14="http://schemas.microsoft.com/office/drawing/2010/main"/>
+              </a:ext>
+            </a:extLst>
+          </a:blip>
+          <a:stretch>
+            <a:fillRect/>
+          </a:stretch>
+        </p:blipFill>
+        <p:spPr>
+          <a:xfrm>
+            <a:off x="2374258" y="4467705"/>
+            <a:ext cx="1362424" cy="1162602"/>
+          </a:xfrm>
+          <a:prstGeom prst="rect">
+            <a:avLst/>
+          </a:prstGeom>
+        </p:spPr>
+      </p:pic>
+      <p:pic>
+        <p:nvPicPr>
+          <p:cNvPr id="6" name="Picture 5"/>
+          <p:cNvPicPr>
+            <a:picLocks noChangeAspect="1"/>
+          </p:cNvPicPr>
+          <p:nvPr/>
+        </p:nvPicPr>
+        <p:blipFill rotWithShape="1">
+          <a:blip r:embed="rId9" cstate="print">
+            <a:extLst>
+              <a:ext uri="{28A0092B-C50C-407E-A947-70E740481C1C}">
+                <a14:useLocalDpi xmlns:a14="http://schemas.microsoft.com/office/drawing/2010/main"/>
+              </a:ext>
+            </a:extLst>
+          </a:blip>
+          <a:srcRect/>
+          <a:stretch/>
+        </p:blipFill>
+        <p:spPr>
+          <a:xfrm>
+            <a:off x="6020952" y="4432286"/>
+            <a:ext cx="1171577" cy="1204021"/>
+          </a:xfrm>
+          <a:prstGeom prst="rect">
+            <a:avLst/>
+          </a:prstGeom>
+        </p:spPr>
+      </p:pic>
+      <p:pic>
+        <p:nvPicPr>
+          <p:cNvPr id="7" name="Picture 6"/>
+          <p:cNvPicPr>
+            <a:picLocks noChangeAspect="1"/>
+          </p:cNvPicPr>
+          <p:nvPr/>
+        </p:nvPicPr>
+        <p:blipFill rotWithShape="1">
+          <a:blip r:embed="rId10" cstate="print">
+            <a:extLst>
+              <a:ext uri="{28A0092B-C50C-407E-A947-70E740481C1C}">
+                <a14:useLocalDpi xmlns:a14="http://schemas.microsoft.com/office/drawing/2010/main"/>
+              </a:ext>
+            </a:extLst>
+          </a:blip>
+          <a:srcRect/>
+          <a:stretch/>
+        </p:blipFill>
+        <p:spPr>
+          <a:xfrm>
+            <a:off x="9135391" y="4426410"/>
+            <a:ext cx="1768278" cy="1104314"/>
+          </a:xfrm>
+          <a:prstGeom prst="rect">
+            <a:avLst/>
+          </a:prstGeom>
+        </p:spPr>
+      </p:pic>
+      <p:sp>
+        <p:nvSpPr>
+          <p:cNvPr id="27" name="Shape 114"/>
+          <p:cNvSpPr/>
+          <p:nvPr/>
+        </p:nvSpPr>
+        <p:spPr>
+          <a:xfrm>
+            <a:off x="605444" y="4257458"/>
+            <a:ext cx="11451087" cy="54864"/>
+          </a:xfrm>
+          <a:prstGeom prst="rect">
+            <a:avLst/>
+          </a:prstGeom>
+          <a:solidFill>
+            <a:schemeClr val="accent1">
+              <a:lumMod val="60000"/>
+              <a:lumOff val="40000"/>
+            </a:schemeClr>
+          </a:solidFill>
+          <a:ln>
+            <a:noFill/>
+          </a:ln>
+        </p:spPr>
+        <p:txBody>
+          <a:bodyPr spcFirstLastPara="1" wrap="square" lIns="91425" tIns="45700" rIns="91425" bIns="45700" anchor="ctr" anchorCtr="0">
+            <a:noAutofit/>
+          </a:bodyPr>
+          <a:lstStyle/>
+          <a:p>
+            <a:pPr marL="0" marR="0" lvl="0" indent="0" algn="ctr" rtl="0">
+              <a:spcBef>
+                <a:spcPts val="0"/>
+              </a:spcBef>
+              <a:spcAft>
+                <a:spcPts val="0"/>
+              </a:spcAft>
+              <a:buNone/>
+            </a:pPr>
+            <a:endParaRPr sz="1800">
+              <a:solidFill>
+                <a:schemeClr val="lt1"/>
+              </a:solidFill>
+              <a:latin typeface="Playfair Display"/>
+              <a:ea typeface="Playfair Display"/>
+              <a:cs typeface="Playfair Display"/>
+              <a:sym typeface="Playfair Display"/>
+            </a:endParaRPr>
+          </a:p>
+        </p:txBody>
+      </p:sp>
+      <p:sp>
+        <p:nvSpPr>
+          <p:cNvPr id="28" name="Shape 146"/>
+          <p:cNvSpPr txBox="1"/>
+          <p:nvPr/>
+        </p:nvSpPr>
+        <p:spPr>
+          <a:xfrm>
+            <a:off x="496807" y="3771143"/>
+            <a:ext cx="1711118" cy="369332"/>
+          </a:xfrm>
+          <a:prstGeom prst="rect">
+            <a:avLst/>
+          </a:prstGeom>
+          <a:noFill/>
+          <a:ln>
+            <a:noFill/>
+          </a:ln>
+        </p:spPr>
+        <p:txBody>
+          <a:bodyPr spcFirstLastPara="1" wrap="square" lIns="91425" tIns="45700" rIns="91425" bIns="45700" anchor="t" anchorCtr="0">
+            <a:noAutofit/>
+          </a:bodyPr>
+          <a:lstStyle/>
+          <a:p>
+            <a:pPr marL="0" marR="0" lvl="0" indent="0" algn="ctr" rtl="0">
+              <a:spcBef>
+                <a:spcPts val="0"/>
+              </a:spcBef>
+              <a:spcAft>
+                <a:spcPts val="0"/>
+              </a:spcAft>
+              <a:buNone/>
+            </a:pPr>
+            <a:r>
+              <a:rPr lang="en-US" sz="2400" b="1" dirty="0" err="1" smtClean="0">
+                <a:solidFill>
+                  <a:srgbClr val="00B050"/>
+                </a:solidFill>
+                <a:latin typeface="Montserrat"/>
+                <a:ea typeface="Montserrat"/>
+                <a:cs typeface="Montserrat"/>
+                <a:sym typeface="Montserrat"/>
+              </a:rPr>
+              <a:t>Dispozitiv</a:t>
+            </a:r>
+            <a:endParaRPr sz="2400" b="1" i="1" dirty="0">
+              <a:solidFill>
+                <a:srgbClr val="00B050"/>
+              </a:solidFill>
+              <a:latin typeface="Montserrat"/>
+              <a:ea typeface="Montserrat"/>
+              <a:cs typeface="Montserrat"/>
+              <a:sym typeface="Montserrat"/>
+            </a:endParaRPr>
+          </a:p>
+        </p:txBody>
+      </p:sp>
+      <p:sp>
+        <p:nvSpPr>
+          <p:cNvPr id="30" name="Shape 146"/>
+          <p:cNvSpPr txBox="1"/>
+          <p:nvPr/>
+        </p:nvSpPr>
+        <p:spPr>
+          <a:xfrm>
+            <a:off x="505860" y="4330416"/>
+            <a:ext cx="1702065" cy="369332"/>
+          </a:xfrm>
+          <a:prstGeom prst="rect">
+            <a:avLst/>
+          </a:prstGeom>
+          <a:noFill/>
+          <a:ln>
+            <a:noFill/>
+          </a:ln>
+        </p:spPr>
+        <p:txBody>
+          <a:bodyPr spcFirstLastPara="1" wrap="square" lIns="91425" tIns="45700" rIns="91425" bIns="45700" anchor="t" anchorCtr="0">
+            <a:noAutofit/>
+          </a:bodyPr>
+          <a:lstStyle/>
+          <a:p>
+            <a:pPr marL="0" marR="0" lvl="0" indent="0" algn="ctr" rtl="0">
+              <a:spcBef>
+                <a:spcPts val="0"/>
+              </a:spcBef>
+              <a:spcAft>
+                <a:spcPts val="0"/>
+              </a:spcAft>
+              <a:buNone/>
+            </a:pPr>
+            <a:r>
+              <a:rPr lang="ro-RO" sz="2400" b="1" dirty="0">
+                <a:solidFill>
+                  <a:srgbClr val="002060"/>
+                </a:solidFill>
+                <a:latin typeface="Montserrat"/>
+                <a:ea typeface="Montserrat"/>
+                <a:cs typeface="Montserrat"/>
+                <a:sym typeface="Montserrat"/>
+              </a:rPr>
+              <a:t>H</a:t>
+            </a:r>
+            <a:r>
+              <a:rPr lang="ro-RO" sz="2400" b="1" dirty="0" smtClean="0">
+                <a:solidFill>
+                  <a:srgbClr val="002060"/>
+                </a:solidFill>
+                <a:latin typeface="Montserrat"/>
+                <a:ea typeface="Montserrat"/>
+                <a:cs typeface="Montserrat"/>
+                <a:sym typeface="Montserrat"/>
+              </a:rPr>
+              <a:t>ardware</a:t>
+            </a:r>
+            <a:endParaRPr sz="2400" b="1" i="1" dirty="0">
+              <a:solidFill>
+                <a:srgbClr val="002060"/>
+              </a:solidFill>
+              <a:latin typeface="Montserrat"/>
+              <a:ea typeface="Montserrat"/>
+              <a:cs typeface="Montserrat"/>
+              <a:sym typeface="Montserrat"/>
+            </a:endParaRPr>
+          </a:p>
+        </p:txBody>
+      </p:sp>
+      <p:sp>
+        <p:nvSpPr>
+          <p:cNvPr id="31" name="Shape 143"/>
+          <p:cNvSpPr/>
+          <p:nvPr/>
+        </p:nvSpPr>
+        <p:spPr>
+          <a:xfrm>
+            <a:off x="1790561" y="5875091"/>
+            <a:ext cx="2601056" cy="398892"/>
+          </a:xfrm>
+          <a:prstGeom prst="rect">
+            <a:avLst/>
+          </a:prstGeom>
+          <a:noFill/>
+          <a:ln w="19050" cap="flat" cmpd="sng">
+            <a:solidFill>
+              <a:srgbClr val="002060"/>
+            </a:solidFill>
+            <a:prstDash val="solid"/>
+            <a:miter lim="800000"/>
+            <a:headEnd type="none" w="sm" len="sm"/>
+            <a:tailEnd type="none" w="sm" len="sm"/>
+          </a:ln>
+        </p:spPr>
+        <p:txBody>
+          <a:bodyPr spcFirstLastPara="1" wrap="square" lIns="91425" tIns="45700" rIns="91425" bIns="45700" anchor="ctr" anchorCtr="0">
+            <a:noAutofit/>
+          </a:bodyPr>
+          <a:lstStyle/>
+          <a:p>
+            <a:pPr marL="0" marR="0" lvl="0" indent="0" algn="ctr" rtl="0">
+              <a:spcBef>
+                <a:spcPts val="0"/>
+              </a:spcBef>
+              <a:spcAft>
+                <a:spcPts val="0"/>
+              </a:spcAft>
+              <a:buNone/>
+            </a:pPr>
+            <a:endParaRPr sz="1800">
+              <a:solidFill>
+                <a:schemeClr val="lt1"/>
+              </a:solidFill>
+              <a:latin typeface="Playfair Display"/>
+              <a:ea typeface="Playfair Display"/>
+              <a:cs typeface="Playfair Display"/>
+              <a:sym typeface="Playfair Display"/>
+            </a:endParaRPr>
+          </a:p>
+        </p:txBody>
+      </p:sp>
+      <p:sp>
+        <p:nvSpPr>
+          <p:cNvPr id="32" name="Shape 152"/>
+          <p:cNvSpPr txBox="1"/>
+          <p:nvPr/>
+        </p:nvSpPr>
+        <p:spPr>
+          <a:xfrm>
+            <a:off x="1790560" y="5890932"/>
+            <a:ext cx="2601055" cy="338554"/>
+          </a:xfrm>
+          <a:prstGeom prst="rect">
+            <a:avLst/>
+          </a:prstGeom>
+          <a:noFill/>
+          <a:ln>
+            <a:noFill/>
+          </a:ln>
+        </p:spPr>
+        <p:txBody>
+          <a:bodyPr spcFirstLastPara="1" wrap="square" lIns="91425" tIns="45700" rIns="91425" bIns="45700" anchor="t" anchorCtr="0">
+            <a:noAutofit/>
+          </a:bodyPr>
+          <a:lstStyle/>
+          <a:p>
+            <a:pPr lvl="0" algn="ctr"/>
+            <a:r>
+              <a:rPr lang="en-US" dirty="0">
+                <a:solidFill>
+                  <a:schemeClr val="dk1"/>
+                </a:solidFill>
+                <a:latin typeface="Lato Light"/>
+                <a:ea typeface="Lato Light"/>
+                <a:cs typeface="Lato Light"/>
+                <a:sym typeface="Lato Light"/>
+              </a:rPr>
+              <a:t>KY-016, </a:t>
+            </a:r>
+            <a:r>
+              <a:rPr lang="en-US" dirty="0" err="1">
+                <a:solidFill>
+                  <a:schemeClr val="dk1"/>
+                </a:solidFill>
+                <a:latin typeface="Lato Light"/>
+                <a:ea typeface="Lato Light"/>
+                <a:cs typeface="Lato Light"/>
+                <a:sym typeface="Lato Light"/>
+              </a:rPr>
+              <a:t>Modul</a:t>
+            </a:r>
+            <a:r>
+              <a:rPr lang="en-US" dirty="0">
+                <a:solidFill>
+                  <a:schemeClr val="dk1"/>
+                </a:solidFill>
+                <a:latin typeface="Lato Light"/>
+                <a:ea typeface="Lato Light"/>
+                <a:cs typeface="Lato Light"/>
+                <a:sym typeface="Lato Light"/>
+              </a:rPr>
+              <a:t> LED cu 3 </a:t>
+            </a:r>
+            <a:r>
+              <a:rPr lang="en-US" dirty="0" err="1">
+                <a:solidFill>
+                  <a:schemeClr val="dk1"/>
+                </a:solidFill>
+                <a:latin typeface="Lato Light"/>
+                <a:ea typeface="Lato Light"/>
+                <a:cs typeface="Lato Light"/>
+                <a:sym typeface="Lato Light"/>
+              </a:rPr>
+              <a:t>culori</a:t>
+            </a:r>
+            <a:endParaRPr i="1" dirty="0">
+              <a:solidFill>
+                <a:schemeClr val="dk1"/>
+              </a:solidFill>
+              <a:latin typeface="Lato Light"/>
+              <a:ea typeface="Lato Light"/>
+              <a:cs typeface="Lato Light"/>
+              <a:sym typeface="Lato Light"/>
+            </a:endParaRPr>
+          </a:p>
+        </p:txBody>
+      </p:sp>
+      <p:sp>
+        <p:nvSpPr>
+          <p:cNvPr id="33" name="Shape 143"/>
+          <p:cNvSpPr/>
+          <p:nvPr/>
+        </p:nvSpPr>
+        <p:spPr>
+          <a:xfrm>
+            <a:off x="5275204" y="5869952"/>
+            <a:ext cx="2601056" cy="398892"/>
+          </a:xfrm>
+          <a:prstGeom prst="rect">
+            <a:avLst/>
+          </a:prstGeom>
+          <a:noFill/>
+          <a:ln w="19050" cap="flat" cmpd="sng">
+            <a:solidFill>
+              <a:srgbClr val="002060"/>
+            </a:solidFill>
+            <a:prstDash val="solid"/>
+            <a:miter lim="800000"/>
+            <a:headEnd type="none" w="sm" len="sm"/>
+            <a:tailEnd type="none" w="sm" len="sm"/>
+          </a:ln>
+        </p:spPr>
+        <p:txBody>
+          <a:bodyPr spcFirstLastPara="1" wrap="square" lIns="91425" tIns="45700" rIns="91425" bIns="45700" anchor="ctr" anchorCtr="0">
+            <a:noAutofit/>
+          </a:bodyPr>
+          <a:lstStyle/>
+          <a:p>
+            <a:pPr marL="0" marR="0" lvl="0" indent="0" algn="ctr" rtl="0">
+              <a:spcBef>
+                <a:spcPts val="0"/>
+              </a:spcBef>
+              <a:spcAft>
+                <a:spcPts val="0"/>
+              </a:spcAft>
+              <a:buNone/>
+            </a:pPr>
+            <a:endParaRPr sz="1800">
+              <a:solidFill>
+                <a:schemeClr val="lt1"/>
+              </a:solidFill>
+              <a:latin typeface="Playfair Display"/>
+              <a:ea typeface="Playfair Display"/>
+              <a:cs typeface="Playfair Display"/>
+              <a:sym typeface="Playfair Display"/>
+            </a:endParaRPr>
+          </a:p>
+        </p:txBody>
+      </p:sp>
+      <p:sp>
+        <p:nvSpPr>
+          <p:cNvPr id="34" name="Shape 152"/>
+          <p:cNvSpPr txBox="1"/>
+          <p:nvPr/>
+        </p:nvSpPr>
+        <p:spPr>
+          <a:xfrm>
+            <a:off x="5275203" y="5885793"/>
+            <a:ext cx="2601055" cy="338554"/>
+          </a:xfrm>
+          <a:prstGeom prst="rect">
+            <a:avLst/>
+          </a:prstGeom>
+          <a:noFill/>
+          <a:ln>
+            <a:noFill/>
+          </a:ln>
+        </p:spPr>
+        <p:txBody>
+          <a:bodyPr spcFirstLastPara="1" wrap="square" lIns="91425" tIns="45700" rIns="91425" bIns="45700" anchor="t" anchorCtr="0">
+            <a:noAutofit/>
+          </a:bodyPr>
+          <a:lstStyle/>
+          <a:p>
+            <a:pPr lvl="0" algn="ctr"/>
+            <a:r>
+              <a:rPr lang="en-US" dirty="0">
+                <a:solidFill>
+                  <a:schemeClr val="dk1"/>
+                </a:solidFill>
+                <a:latin typeface="Lato Light"/>
+                <a:ea typeface="Lato Light"/>
+                <a:cs typeface="Lato Light"/>
+                <a:sym typeface="Lato Light"/>
+              </a:rPr>
+              <a:t>KY-011, </a:t>
+            </a:r>
+            <a:r>
+              <a:rPr lang="en-US" dirty="0" err="1">
+                <a:solidFill>
+                  <a:schemeClr val="dk1"/>
+                </a:solidFill>
+                <a:latin typeface="Lato Light"/>
+                <a:ea typeface="Lato Light"/>
+                <a:cs typeface="Lato Light"/>
+                <a:sym typeface="Lato Light"/>
+              </a:rPr>
+              <a:t>Modul</a:t>
+            </a:r>
+            <a:r>
+              <a:rPr lang="en-US" dirty="0">
+                <a:solidFill>
+                  <a:schemeClr val="dk1"/>
+                </a:solidFill>
+                <a:latin typeface="Lato Light"/>
+                <a:ea typeface="Lato Light"/>
+                <a:cs typeface="Lato Light"/>
+                <a:sym typeface="Lato Light"/>
+              </a:rPr>
+              <a:t> LED cu 2 </a:t>
+            </a:r>
+            <a:r>
+              <a:rPr lang="en-US" dirty="0" err="1">
+                <a:solidFill>
+                  <a:schemeClr val="dk1"/>
+                </a:solidFill>
+                <a:latin typeface="Lato Light"/>
+                <a:ea typeface="Lato Light"/>
+                <a:cs typeface="Lato Light"/>
+                <a:sym typeface="Lato Light"/>
+              </a:rPr>
+              <a:t>culori</a:t>
+            </a:r>
+            <a:endParaRPr i="1" dirty="0">
+              <a:solidFill>
+                <a:schemeClr val="dk1"/>
+              </a:solidFill>
+              <a:latin typeface="Lato Light"/>
+              <a:ea typeface="Lato Light"/>
+              <a:cs typeface="Lato Light"/>
+              <a:sym typeface="Lato Light"/>
+            </a:endParaRPr>
+          </a:p>
+        </p:txBody>
+      </p:sp>
+      <p:sp>
+        <p:nvSpPr>
+          <p:cNvPr id="35" name="Shape 143"/>
+          <p:cNvSpPr/>
+          <p:nvPr/>
+        </p:nvSpPr>
+        <p:spPr>
+          <a:xfrm>
+            <a:off x="8914925" y="5866374"/>
+            <a:ext cx="2601056" cy="398892"/>
+          </a:xfrm>
+          <a:prstGeom prst="rect">
+            <a:avLst/>
+          </a:prstGeom>
+          <a:noFill/>
+          <a:ln w="19050" cap="flat" cmpd="sng">
+            <a:solidFill>
+              <a:srgbClr val="002060"/>
+            </a:solidFill>
+            <a:prstDash val="solid"/>
+            <a:miter lim="800000"/>
+            <a:headEnd type="none" w="sm" len="sm"/>
+            <a:tailEnd type="none" w="sm" len="sm"/>
+          </a:ln>
+        </p:spPr>
+        <p:txBody>
+          <a:bodyPr spcFirstLastPara="1" wrap="square" lIns="91425" tIns="45700" rIns="91425" bIns="45700" anchor="ctr" anchorCtr="0">
+            <a:noAutofit/>
+          </a:bodyPr>
+          <a:lstStyle/>
+          <a:p>
+            <a:pPr marL="0" marR="0" lvl="0" indent="0" algn="ctr" rtl="0">
+              <a:spcBef>
+                <a:spcPts val="0"/>
+              </a:spcBef>
+              <a:spcAft>
+                <a:spcPts val="0"/>
+              </a:spcAft>
+              <a:buNone/>
+            </a:pPr>
+            <a:endParaRPr sz="1800">
+              <a:solidFill>
+                <a:schemeClr val="lt1"/>
+              </a:solidFill>
+              <a:latin typeface="Playfair Display"/>
+              <a:ea typeface="Playfair Display"/>
+              <a:cs typeface="Playfair Display"/>
+              <a:sym typeface="Playfair Display"/>
+            </a:endParaRPr>
+          </a:p>
+        </p:txBody>
+      </p:sp>
+      <p:sp>
+        <p:nvSpPr>
+          <p:cNvPr id="36" name="Shape 152"/>
+          <p:cNvSpPr txBox="1"/>
+          <p:nvPr/>
+        </p:nvSpPr>
+        <p:spPr>
+          <a:xfrm>
+            <a:off x="8914924" y="5882215"/>
+            <a:ext cx="2601055" cy="338554"/>
+          </a:xfrm>
+          <a:prstGeom prst="rect">
+            <a:avLst/>
+          </a:prstGeom>
+          <a:noFill/>
+          <a:ln>
+            <a:noFill/>
+          </a:ln>
+        </p:spPr>
+        <p:txBody>
+          <a:bodyPr spcFirstLastPara="1" wrap="square" lIns="91425" tIns="45700" rIns="91425" bIns="45700" anchor="t" anchorCtr="0">
+            <a:noAutofit/>
+          </a:bodyPr>
+          <a:lstStyle/>
+          <a:p>
+            <a:pPr lvl="0" algn="ctr"/>
+            <a:r>
+              <a:rPr lang="en-US" dirty="0">
+                <a:solidFill>
+                  <a:schemeClr val="dk1"/>
+                </a:solidFill>
+                <a:latin typeface="Lato Light"/>
+                <a:ea typeface="Lato Light"/>
+                <a:cs typeface="Lato Light"/>
+                <a:sym typeface="Lato Light"/>
+              </a:rPr>
+              <a:t>KY-008, </a:t>
+            </a:r>
+            <a:r>
+              <a:rPr lang="en-US" dirty="0" err="1">
+                <a:solidFill>
+                  <a:schemeClr val="dk1"/>
+                </a:solidFill>
+                <a:latin typeface="Lato Light"/>
+                <a:ea typeface="Lato Light"/>
+                <a:cs typeface="Lato Light"/>
+                <a:sym typeface="Lato Light"/>
+              </a:rPr>
+              <a:t>Modulul</a:t>
+            </a:r>
+            <a:r>
+              <a:rPr lang="en-US" dirty="0">
+                <a:solidFill>
+                  <a:schemeClr val="dk1"/>
+                </a:solidFill>
+                <a:latin typeface="Lato Light"/>
+                <a:ea typeface="Lato Light"/>
+                <a:cs typeface="Lato Light"/>
+                <a:sym typeface="Lato Light"/>
+              </a:rPr>
+              <a:t> </a:t>
+            </a:r>
+            <a:r>
+              <a:rPr lang="en-US" dirty="0" err="1">
+                <a:solidFill>
+                  <a:schemeClr val="dk1"/>
+                </a:solidFill>
+                <a:latin typeface="Lato Light"/>
+                <a:ea typeface="Lato Light"/>
+                <a:cs typeface="Lato Light"/>
+                <a:sym typeface="Lato Light"/>
+              </a:rPr>
+              <a:t>senzor</a:t>
+            </a:r>
+            <a:r>
+              <a:rPr lang="en-US" dirty="0">
+                <a:solidFill>
+                  <a:schemeClr val="dk1"/>
+                </a:solidFill>
+                <a:latin typeface="Lato Light"/>
+                <a:ea typeface="Lato Light"/>
+                <a:cs typeface="Lato Light"/>
+                <a:sym typeface="Lato Light"/>
+              </a:rPr>
+              <a:t> laser</a:t>
+            </a:r>
+            <a:endParaRPr i="1" dirty="0">
+              <a:solidFill>
+                <a:schemeClr val="dk1"/>
+              </a:solidFill>
+              <a:latin typeface="Lato Light"/>
+              <a:ea typeface="Lato Light"/>
+              <a:cs typeface="Lato Light"/>
+              <a:sym typeface="Lato Light"/>
+            </a:endParaRPr>
+          </a:p>
+        </p:txBody>
+      </p:sp>
+    </p:spTree>
+    <p:extLst>
+      <p:ext uri="{BB962C8B-B14F-4D97-AF65-F5344CB8AC3E}">
+        <p14:creationId xmlns:p14="http://schemas.microsoft.com/office/powerpoint/2010/main" val="311767833"/>
+      </p:ext>
+    </p:extLst>
+  </p:cSld>
+  <p:clrMapOvr>
+    <a:masterClrMapping/>
+  </p:clrMapOvr>
+  <p:timing>
+    <p:tnLst>
+      <p:par>
+        <p:cTn id="1" dur="indefinite" restart="never" nodeType="tmRoot"/>
+      </p:par>
+    </p:tnLst>
+  </p:timing>
+</p:sld>
+</file>
+
+<file path=ppt/slides/slide11.xml><?xml version="1.0" encoding="utf-8"?>
+<p:sld xmlns:a="http://schemas.openxmlformats.org/drawingml/2006/main" xmlns:r="http://schemas.openxmlformats.org/officeDocument/2006/relationships" xmlns:p="http://schemas.openxmlformats.org/presentationml/2006/main">
+  <p:cSld>
+    <p:spTree>
+      <p:nvGrpSpPr>
+        <p:cNvPr id="1" name="Shape 111"/>
+        <p:cNvGrpSpPr/>
+        <p:nvPr/>
+      </p:nvGrpSpPr>
+      <p:grpSpPr>
+        <a:xfrm>
+          <a:off x="0" y="0"/>
+          <a:ext cx="0" cy="0"/>
+          <a:chOff x="0" y="0"/>
+          <a:chExt cx="0" cy="0"/>
+        </a:xfrm>
+      </p:grpSpPr>
+      <p:pic>
+        <p:nvPicPr>
+          <p:cNvPr id="2" name="Picture 1"/>
+          <p:cNvPicPr>
+            <a:picLocks noChangeAspect="1"/>
+          </p:cNvPicPr>
+          <p:nvPr/>
+        </p:nvPicPr>
+        <p:blipFill rotWithShape="1">
+          <a:blip r:embed="rId3" cstate="print">
+            <a:extLst>
+              <a:ext uri="{28A0092B-C50C-407E-A947-70E740481C1C}">
+                <a14:useLocalDpi xmlns:a14="http://schemas.microsoft.com/office/drawing/2010/main"/>
+              </a:ext>
+            </a:extLst>
+          </a:blip>
           <a:srcRect l="5094" t="19083" r="5241" b="11087"/>
           <a:stretch/>
         </p:blipFill>
@@ -18080,7 +19451,7 @@
             <a:fld id="{00000000-1234-1234-1234-123412341234}" type="slidenum">
               <a:rPr lang="en-PH" smtClean="0"/>
               <a:pPr/>
-              <a:t>10</a:t>
+              <a:t>11</a:t>
             </a:fld>
             <a:endParaRPr lang="en-PH" dirty="0"/>
           </a:p>
@@ -18643,309 +20014,6 @@
 </p:sld>
 </file>
 
-<file path=ppt/slides/slide11.xml><?xml version="1.0" encoding="utf-8"?>
-<p:sld xmlns:a="http://schemas.openxmlformats.org/drawingml/2006/main" xmlns:r="http://schemas.openxmlformats.org/officeDocument/2006/relationships" xmlns:p="http://schemas.openxmlformats.org/presentationml/2006/main">
-  <p:cSld>
-    <p:spTree>
-      <p:nvGrpSpPr>
-        <p:cNvPr id="1" name="Shape 111"/>
-        <p:cNvGrpSpPr/>
-        <p:nvPr/>
-      </p:nvGrpSpPr>
-      <p:grpSpPr>
-        <a:xfrm>
-          <a:off x="0" y="0"/>
-          <a:ext cx="0" cy="0"/>
-          <a:chOff x="0" y="0"/>
-          <a:chExt cx="0" cy="0"/>
-        </a:xfrm>
-      </p:grpSpPr>
-      <p:sp>
-        <p:nvSpPr>
-          <p:cNvPr id="113" name="Shape 113"/>
-          <p:cNvSpPr txBox="1"/>
-          <p:nvPr/>
-        </p:nvSpPr>
-        <p:spPr>
-          <a:xfrm>
-            <a:off x="660904" y="1611516"/>
-            <a:ext cx="8652428" cy="4693075"/>
-          </a:xfrm>
-          <a:prstGeom prst="rect">
-            <a:avLst/>
-          </a:prstGeom>
-          <a:noFill/>
-          <a:ln>
-            <a:noFill/>
-          </a:ln>
-        </p:spPr>
-        <p:txBody>
-          <a:bodyPr spcFirstLastPara="1" wrap="square" lIns="91425" tIns="45700" rIns="91425" bIns="45700" anchor="t" anchorCtr="0">
-            <a:noAutofit/>
-          </a:bodyPr>
-          <a:lstStyle/>
-          <a:p>
-            <a:pPr marL="342900" marR="0" lvl="0" indent="-342900" algn="l" rtl="0">
-              <a:spcBef>
-                <a:spcPts val="0"/>
-              </a:spcBef>
-              <a:spcAft>
-                <a:spcPts val="0"/>
-              </a:spcAft>
-              <a:buFontTx/>
-              <a:buChar char="-"/>
-            </a:pPr>
-            <a:endParaRPr lang="ro-RO" sz="2400" dirty="0" smtClean="0">
-              <a:solidFill>
-                <a:schemeClr val="tx1"/>
-              </a:solidFill>
-              <a:latin typeface="Times New Roman" panose="02020603050405020304" pitchFamily="18" charset="0"/>
-              <a:cs typeface="Times New Roman" panose="02020603050405020304" pitchFamily="18" charset="0"/>
-              <a:sym typeface="Lato Light"/>
-            </a:endParaRPr>
-          </a:p>
-        </p:txBody>
-      </p:sp>
-      <p:sp>
-        <p:nvSpPr>
-          <p:cNvPr id="112" name="Shape 112"/>
-          <p:cNvSpPr txBox="1"/>
-          <p:nvPr/>
-        </p:nvSpPr>
-        <p:spPr>
-          <a:xfrm>
-            <a:off x="774194" y="222898"/>
-            <a:ext cx="8958280" cy="830997"/>
-          </a:xfrm>
-          <a:prstGeom prst="rect">
-            <a:avLst/>
-          </a:prstGeom>
-          <a:noFill/>
-          <a:ln>
-            <a:noFill/>
-          </a:ln>
-        </p:spPr>
-        <p:txBody>
-          <a:bodyPr spcFirstLastPara="1" wrap="square" lIns="91425" tIns="45700" rIns="91425" bIns="45700" anchor="t" anchorCtr="0">
-            <a:noAutofit/>
-          </a:bodyPr>
-          <a:lstStyle/>
-          <a:p>
-            <a:pPr marL="0" marR="0" lvl="0" indent="0" algn="l" rtl="0">
-              <a:spcBef>
-                <a:spcPts val="0"/>
-              </a:spcBef>
-              <a:spcAft>
-                <a:spcPts val="0"/>
-              </a:spcAft>
-              <a:buNone/>
-            </a:pPr>
-            <a:r>
-              <a:rPr lang="en-US" sz="4800" dirty="0" smtClean="0">
-                <a:solidFill>
-                  <a:schemeClr val="dk1"/>
-                </a:solidFill>
-                <a:latin typeface="Montserrat"/>
-                <a:sym typeface="Montserrat"/>
-              </a:rPr>
-              <a:t>Demo</a:t>
-            </a:r>
-            <a:endParaRPr dirty="0"/>
-          </a:p>
-        </p:txBody>
-      </p:sp>
-      <p:pic>
-        <p:nvPicPr>
-          <p:cNvPr id="9" name="Picture 8" descr="C:\Users\dlargu\Desktop\FiiLogo.png"/>
-          <p:cNvPicPr>
-            <a:picLocks noChangeAspect="1" noChangeArrowheads="1"/>
-          </p:cNvPicPr>
-          <p:nvPr/>
-        </p:nvPicPr>
-        <p:blipFill>
-          <a:blip r:embed="rId3">
-            <a:extLst>
-              <a:ext uri="{28A0092B-C50C-407E-A947-70E740481C1C}">
-                <a14:useLocalDpi xmlns:a14="http://schemas.microsoft.com/office/drawing/2010/main"/>
-              </a:ext>
-            </a:extLst>
-          </a:blip>
-          <a:srcRect/>
-          <a:stretch>
-            <a:fillRect/>
-          </a:stretch>
-        </p:blipFill>
-        <p:spPr bwMode="auto">
-          <a:xfrm>
-            <a:off x="11235349" y="149280"/>
-            <a:ext cx="826365" cy="763675"/>
-          </a:xfrm>
-          <a:prstGeom prst="rect">
-            <a:avLst/>
-          </a:prstGeom>
-          <a:noFill/>
-          <a:extLst>
-            <a:ext uri="{909E8E84-426E-40DD-AFC4-6F175D3DCCD1}">
-              <a14:hiddenFill xmlns:a14="http://schemas.microsoft.com/office/drawing/2010/main">
-                <a:solidFill>
-                  <a:srgbClr val="FFFFFF"/>
-                </a:solidFill>
-              </a14:hiddenFill>
-            </a:ext>
-          </a:extLst>
-        </p:spPr>
-      </p:pic>
-      <p:pic>
-        <p:nvPicPr>
-          <p:cNvPr id="10" name="Picture 9"/>
-          <p:cNvPicPr>
-            <a:picLocks noChangeAspect="1"/>
-          </p:cNvPicPr>
-          <p:nvPr/>
-        </p:nvPicPr>
-        <p:blipFill>
-          <a:blip r:embed="rId4" cstate="print">
-            <a:extLst>
-              <a:ext uri="{28A0092B-C50C-407E-A947-70E740481C1C}">
-                <a14:useLocalDpi xmlns:a14="http://schemas.microsoft.com/office/drawing/2010/main"/>
-              </a:ext>
-            </a:extLst>
-          </a:blip>
-          <a:stretch>
-            <a:fillRect/>
-          </a:stretch>
-        </p:blipFill>
-        <p:spPr>
-          <a:xfrm>
-            <a:off x="9983713" y="84817"/>
-            <a:ext cx="910102" cy="892600"/>
-          </a:xfrm>
-          <a:prstGeom prst="rect">
-            <a:avLst/>
-          </a:prstGeom>
-        </p:spPr>
-      </p:pic>
-      <p:sp>
-        <p:nvSpPr>
-          <p:cNvPr id="5" name="Slide Number Placeholder 4"/>
-          <p:cNvSpPr>
-            <a:spLocks noGrp="1"/>
-          </p:cNvSpPr>
-          <p:nvPr>
-            <p:ph type="sldNum" idx="12"/>
-          </p:nvPr>
-        </p:nvSpPr>
-        <p:spPr/>
-        <p:txBody>
-          <a:bodyPr/>
-          <a:lstStyle/>
-          <a:p>
-            <a:fld id="{00000000-1234-1234-1234-123412341234}" type="slidenum">
-              <a:rPr lang="en-PH" smtClean="0"/>
-              <a:pPr/>
-              <a:t>11</a:t>
-            </a:fld>
-            <a:endParaRPr lang="en-PH" dirty="0"/>
-          </a:p>
-        </p:txBody>
-      </p:sp>
-      <p:sp>
-        <p:nvSpPr>
-          <p:cNvPr id="11" name="Shape 114"/>
-          <p:cNvSpPr/>
-          <p:nvPr/>
-        </p:nvSpPr>
-        <p:spPr>
-          <a:xfrm>
-            <a:off x="878557" y="1053895"/>
-            <a:ext cx="8853917" cy="51759"/>
-          </a:xfrm>
-          <a:prstGeom prst="rect">
-            <a:avLst/>
-          </a:prstGeom>
-          <a:solidFill>
-            <a:srgbClr val="AAE4D5"/>
-          </a:solidFill>
-          <a:ln>
-            <a:noFill/>
-          </a:ln>
-        </p:spPr>
-        <p:txBody>
-          <a:bodyPr spcFirstLastPara="1" wrap="square" lIns="91425" tIns="45700" rIns="91425" bIns="45700" anchor="ctr" anchorCtr="0">
-            <a:noAutofit/>
-          </a:bodyPr>
-          <a:lstStyle/>
-          <a:p>
-            <a:pPr marL="0" marR="0" lvl="0" indent="0" algn="ctr" rtl="0">
-              <a:spcBef>
-                <a:spcPts val="0"/>
-              </a:spcBef>
-              <a:spcAft>
-                <a:spcPts val="0"/>
-              </a:spcAft>
-              <a:buNone/>
-            </a:pPr>
-            <a:endParaRPr sz="1800">
-              <a:solidFill>
-                <a:schemeClr val="lt1"/>
-              </a:solidFill>
-              <a:latin typeface="Playfair Display"/>
-              <a:ea typeface="Playfair Display"/>
-              <a:cs typeface="Playfair Display"/>
-              <a:sym typeface="Playfair Display"/>
-            </a:endParaRPr>
-          </a:p>
-        </p:txBody>
-      </p:sp>
-      <p:pic>
-        <p:nvPicPr>
-          <p:cNvPr id="2" name="Picture 1"/>
-          <p:cNvPicPr>
-            <a:picLocks noChangeAspect="1"/>
-          </p:cNvPicPr>
-          <p:nvPr/>
-        </p:nvPicPr>
-        <p:blipFill rotWithShape="1">
-          <a:blip r:embed="rId5">
-            <a:extLst>
-              <a:ext uri="{28A0092B-C50C-407E-A947-70E740481C1C}">
-                <a14:useLocalDpi xmlns:a14="http://schemas.microsoft.com/office/drawing/2010/main" val="0"/>
-              </a:ext>
-            </a:extLst>
-          </a:blip>
-          <a:srcRect l="4999" t="8194" r="12366" b="8404"/>
-          <a:stretch/>
-        </p:blipFill>
-        <p:spPr>
-          <a:xfrm rot="16200000">
-            <a:off x="3376944" y="363827"/>
-            <a:ext cx="5359649" cy="7188451"/>
-          </a:xfrm>
-          <a:prstGeom prst="rect">
-            <a:avLst/>
-          </a:prstGeom>
-        </p:spPr>
-      </p:pic>
-    </p:spTree>
-    <p:extLst>
-      <p:ext uri="{BB962C8B-B14F-4D97-AF65-F5344CB8AC3E}">
-        <p14:creationId xmlns:p14="http://schemas.microsoft.com/office/powerpoint/2010/main" val="2358481247"/>
-      </p:ext>
-    </p:extLst>
-  </p:cSld>
-  <p:clrMapOvr>
-    <a:masterClrMapping/>
-  </p:clrMapOvr>
-  <p:timing>
-    <p:tnLst>
-      <p:par>
-        <p:cTn id="1" dur="indefinite" restart="never" nodeType="tmRoot"/>
-      </p:par>
-    </p:tnLst>
-  </p:timing>
-</p:sld>
-</file>
-
 <file path=ppt/slides/slide12.xml><?xml version="1.0" encoding="utf-8"?>
 <p:sld xmlns:a="http://schemas.openxmlformats.org/drawingml/2006/main" xmlns:r="http://schemas.openxmlformats.org/officeDocument/2006/relationships" xmlns:p="http://schemas.openxmlformats.org/presentationml/2006/main">
   <p:cSld>
@@ -18998,51 +20066,7 @@
               <a:buFontTx/>
               <a:buChar char="-"/>
             </a:pPr>
-            <a:r>
-              <a:rPr lang="ro-RO" sz="3200" dirty="0" smtClean="0">
-                <a:solidFill>
-                  <a:schemeClr val="tx1"/>
-                </a:solidFill>
-                <a:latin typeface="Times New Roman" panose="02020603050405020304" pitchFamily="18" charset="0"/>
-                <a:cs typeface="Times New Roman" panose="02020603050405020304" pitchFamily="18" charset="0"/>
-                <a:sym typeface="Lato Light"/>
-              </a:rPr>
-              <a:t>Creșterea numărului de dispo</a:t>
-            </a:r>
-            <a:r>
-              <a:rPr lang="en-US" sz="3200" dirty="0" smtClean="0">
-                <a:solidFill>
-                  <a:schemeClr val="tx1"/>
-                </a:solidFill>
-                <a:latin typeface="Times New Roman" panose="02020603050405020304" pitchFamily="18" charset="0"/>
-                <a:cs typeface="Times New Roman" panose="02020603050405020304" pitchFamily="18" charset="0"/>
-                <a:sym typeface="Lato Light"/>
-              </a:rPr>
-              <a:t>z</a:t>
-            </a:r>
-            <a:r>
-              <a:rPr lang="ro-RO" sz="3200" dirty="0" smtClean="0">
-                <a:solidFill>
-                  <a:schemeClr val="tx1"/>
-                </a:solidFill>
-                <a:latin typeface="Times New Roman" panose="02020603050405020304" pitchFamily="18" charset="0"/>
-                <a:cs typeface="Times New Roman" panose="02020603050405020304" pitchFamily="18" charset="0"/>
-                <a:sym typeface="Lato Light"/>
-              </a:rPr>
-              <a:t>itive</a:t>
-            </a:r>
-            <a:r>
-              <a:rPr lang="en-US" sz="3200" dirty="0">
-                <a:solidFill>
-                  <a:schemeClr val="tx1"/>
-                </a:solidFill>
-                <a:latin typeface="Times New Roman" panose="02020603050405020304" pitchFamily="18" charset="0"/>
-                <a:cs typeface="Times New Roman" panose="02020603050405020304" pitchFamily="18" charset="0"/>
-                <a:sym typeface="Lato Light"/>
-              </a:rPr>
-              <a:t>.</a:t>
-            </a:r>
-            <a:endParaRPr lang="ro-RO" sz="3200" dirty="0" smtClean="0">
+            <a:endParaRPr lang="ro-RO" sz="2400" dirty="0" smtClean="0">
               <a:solidFill>
                 <a:schemeClr val="tx1"/>
               </a:solidFill>
@@ -19050,155 +20074,6 @@
               <a:cs typeface="Times New Roman" panose="02020603050405020304" pitchFamily="18" charset="0"/>
               <a:sym typeface="Lato Light"/>
             </a:endParaRPr>
-          </a:p>
-          <a:p>
-            <a:pPr marL="342900" marR="0" lvl="0" indent="-342900" algn="l" rtl="0">
-              <a:spcBef>
-                <a:spcPts val="0"/>
-              </a:spcBef>
-              <a:spcAft>
-                <a:spcPts val="0"/>
-              </a:spcAft>
-              <a:buFontTx/>
-              <a:buChar char="-"/>
-            </a:pPr>
-            <a:endParaRPr lang="en-US" sz="3200" dirty="0" smtClean="0">
-              <a:solidFill>
-                <a:schemeClr val="tx1"/>
-              </a:solidFill>
-              <a:latin typeface="Times New Roman" panose="02020603050405020304" pitchFamily="18" charset="0"/>
-              <a:cs typeface="Times New Roman" panose="02020603050405020304" pitchFamily="18" charset="0"/>
-              <a:sym typeface="Lato Light"/>
-            </a:endParaRPr>
-          </a:p>
-          <a:p>
-            <a:pPr marL="342900" marR="0" lvl="0" indent="-342900" algn="l" rtl="0">
-              <a:spcBef>
-                <a:spcPts val="0"/>
-              </a:spcBef>
-              <a:spcAft>
-                <a:spcPts val="0"/>
-              </a:spcAft>
-              <a:buFontTx/>
-              <a:buChar char="-"/>
-            </a:pPr>
-            <a:r>
-              <a:rPr lang="en-US" sz="3200" dirty="0" err="1" smtClean="0">
-                <a:solidFill>
-                  <a:schemeClr val="tx1"/>
-                </a:solidFill>
-                <a:latin typeface="Times New Roman" panose="02020603050405020304" pitchFamily="18" charset="0"/>
-                <a:cs typeface="Times New Roman" panose="02020603050405020304" pitchFamily="18" charset="0"/>
-                <a:sym typeface="Lato Light"/>
-              </a:rPr>
-              <a:t>Creare</a:t>
-            </a:r>
-            <a:r>
-              <a:rPr lang="en-US" sz="3200" dirty="0" smtClean="0">
-                <a:solidFill>
-                  <a:schemeClr val="tx1"/>
-                </a:solidFill>
-                <a:latin typeface="Times New Roman" panose="02020603050405020304" pitchFamily="18" charset="0"/>
-                <a:cs typeface="Times New Roman" panose="02020603050405020304" pitchFamily="18" charset="0"/>
-                <a:sym typeface="Lato Light"/>
-              </a:rPr>
-              <a:t> a </a:t>
-            </a:r>
-            <a:r>
-              <a:rPr lang="en-US" sz="3200" dirty="0" err="1" smtClean="0">
-                <a:solidFill>
-                  <a:schemeClr val="tx1"/>
-                </a:solidFill>
-                <a:latin typeface="Times New Roman" panose="02020603050405020304" pitchFamily="18" charset="0"/>
-                <a:cs typeface="Times New Roman" panose="02020603050405020304" pitchFamily="18" charset="0"/>
-                <a:sym typeface="Lato Light"/>
-              </a:rPr>
-              <a:t>grupuri</a:t>
-            </a:r>
-            <a:r>
-              <a:rPr lang="en-US" sz="3200" dirty="0" smtClean="0">
-                <a:solidFill>
-                  <a:schemeClr val="tx1"/>
-                </a:solidFill>
-                <a:latin typeface="Times New Roman" panose="02020603050405020304" pitchFamily="18" charset="0"/>
-                <a:cs typeface="Times New Roman" panose="02020603050405020304" pitchFamily="18" charset="0"/>
-                <a:sym typeface="Lato Light"/>
-              </a:rPr>
-              <a:t> de </a:t>
-            </a:r>
-            <a:r>
-              <a:rPr lang="en-US" sz="3200" dirty="0" err="1" smtClean="0">
-                <a:solidFill>
-                  <a:schemeClr val="tx1"/>
-                </a:solidFill>
-                <a:latin typeface="Times New Roman" panose="02020603050405020304" pitchFamily="18" charset="0"/>
-                <a:cs typeface="Times New Roman" panose="02020603050405020304" pitchFamily="18" charset="0"/>
-                <a:sym typeface="Lato Light"/>
-              </a:rPr>
-              <a:t>utilizatori</a:t>
-            </a:r>
-            <a:r>
-              <a:rPr lang="en-US" sz="3200" dirty="0">
-                <a:solidFill>
-                  <a:schemeClr val="tx1"/>
-                </a:solidFill>
-                <a:latin typeface="Times New Roman" panose="02020603050405020304" pitchFamily="18" charset="0"/>
-                <a:cs typeface="Times New Roman" panose="02020603050405020304" pitchFamily="18" charset="0"/>
-                <a:sym typeface="Lato Light"/>
-              </a:rPr>
-              <a:t>.</a:t>
-            </a:r>
-            <a:endParaRPr lang="ro-RO" sz="3200" dirty="0" smtClean="0">
-              <a:solidFill>
-                <a:schemeClr val="tx1"/>
-              </a:solidFill>
-              <a:latin typeface="Times New Roman" panose="02020603050405020304" pitchFamily="18" charset="0"/>
-              <a:cs typeface="Times New Roman" panose="02020603050405020304" pitchFamily="18" charset="0"/>
-              <a:sym typeface="Lato Light"/>
-            </a:endParaRPr>
-          </a:p>
-          <a:p>
-            <a:pPr marL="342900" marR="0" lvl="0" indent="-342900" algn="l" rtl="0">
-              <a:spcBef>
-                <a:spcPts val="0"/>
-              </a:spcBef>
-              <a:spcAft>
-                <a:spcPts val="0"/>
-              </a:spcAft>
-              <a:buFontTx/>
-              <a:buChar char="-"/>
-            </a:pPr>
-            <a:endParaRPr lang="ro-RO" sz="3200" dirty="0">
-              <a:solidFill>
-                <a:schemeClr val="tx1"/>
-              </a:solidFill>
-              <a:latin typeface="Times New Roman" panose="02020603050405020304" pitchFamily="18" charset="0"/>
-              <a:cs typeface="Times New Roman" panose="02020603050405020304" pitchFamily="18" charset="0"/>
-              <a:sym typeface="Lato Light"/>
-            </a:endParaRPr>
-          </a:p>
-          <a:p>
-            <a:pPr marL="342900" marR="0" lvl="0" indent="-342900" algn="l" rtl="0">
-              <a:spcBef>
-                <a:spcPts val="0"/>
-              </a:spcBef>
-              <a:spcAft>
-                <a:spcPts val="0"/>
-              </a:spcAft>
-              <a:buFontTx/>
-              <a:buChar char="-"/>
-            </a:pPr>
-            <a:r>
-              <a:rPr lang="ro-RO" sz="3200" dirty="0" smtClean="0">
-                <a:solidFill>
-                  <a:schemeClr val="tx1"/>
-                </a:solidFill>
-                <a:latin typeface="Times New Roman" panose="02020603050405020304" pitchFamily="18" charset="0"/>
-                <a:cs typeface="Times New Roman" panose="02020603050405020304" pitchFamily="18" charset="0"/>
-                <a:sym typeface="Lato Light"/>
-              </a:rPr>
-              <a:t>Folosire HTTPS.</a:t>
-            </a:r>
           </a:p>
         </p:txBody>
       </p:sp>
@@ -19237,14 +20112,14 @@
               <a:buNone/>
             </a:pPr>
             <a:r>
-              <a:rPr lang="ro-RO" sz="4800" dirty="0" smtClean="0">
+              <a:rPr lang="en-US" sz="4800" dirty="0" smtClean="0">
                 <a:solidFill>
                   <a:schemeClr val="dk1"/>
                 </a:solidFill>
                 <a:latin typeface="Montserrat"/>
                 <a:sym typeface="Montserrat"/>
               </a:rPr>
-              <a:t>Direcții de dezvoltare</a:t>
+              <a:t>Demo</a:t>
             </a:r>
             <a:endParaRPr dirty="0"/>
           </a:p>
@@ -19393,10 +20268,39 @@
           </a:p>
         </p:txBody>
       </p:sp>
+      <p:pic>
+        <p:nvPicPr>
+          <p:cNvPr id="2" name="Picture 1"/>
+          <p:cNvPicPr>
+            <a:picLocks noChangeAspect="1"/>
+          </p:cNvPicPr>
+          <p:nvPr/>
+        </p:nvPicPr>
+        <p:blipFill rotWithShape="1">
+          <a:blip r:embed="rId5">
+            <a:extLst>
+              <a:ext uri="{28A0092B-C50C-407E-A947-70E740481C1C}">
+                <a14:useLocalDpi xmlns:a14="http://schemas.microsoft.com/office/drawing/2010/main" val="0"/>
+              </a:ext>
+            </a:extLst>
+          </a:blip>
+          <a:srcRect l="4999" t="8194" r="12366" b="8404"/>
+          <a:stretch/>
+        </p:blipFill>
+        <p:spPr>
+          <a:xfrm rot="16200000">
+            <a:off x="3376944" y="363827"/>
+            <a:ext cx="5359649" cy="7188451"/>
+          </a:xfrm>
+          <a:prstGeom prst="rect">
+            <a:avLst/>
+          </a:prstGeom>
+        </p:spPr>
+      </p:pic>
     </p:spTree>
     <p:extLst>
       <p:ext uri="{BB962C8B-B14F-4D97-AF65-F5344CB8AC3E}">
-        <p14:creationId xmlns:p14="http://schemas.microsoft.com/office/powerpoint/2010/main" val="912383895"/>
+        <p14:creationId xmlns:p14="http://schemas.microsoft.com/office/powerpoint/2010/main" val="2358481247"/>
       </p:ext>
     </p:extLst>
   </p:cSld>
@@ -19432,6 +20336,245 @@
       </p:grpSpPr>
       <p:sp>
         <p:nvSpPr>
+          <p:cNvPr id="113" name="Shape 113"/>
+          <p:cNvSpPr txBox="1"/>
+          <p:nvPr/>
+        </p:nvSpPr>
+        <p:spPr>
+          <a:xfrm>
+            <a:off x="660904" y="1611516"/>
+            <a:ext cx="8652428" cy="4693075"/>
+          </a:xfrm>
+          <a:prstGeom prst="rect">
+            <a:avLst/>
+          </a:prstGeom>
+          <a:noFill/>
+          <a:ln>
+            <a:noFill/>
+          </a:ln>
+        </p:spPr>
+        <p:txBody>
+          <a:bodyPr spcFirstLastPara="1" wrap="square" lIns="91425" tIns="45700" rIns="91425" bIns="45700" anchor="t" anchorCtr="0">
+            <a:noAutofit/>
+          </a:bodyPr>
+          <a:lstStyle/>
+          <a:p>
+            <a:pPr marL="342900" marR="0" lvl="0" indent="-342900" algn="l" rtl="0">
+              <a:spcBef>
+                <a:spcPts val="0"/>
+              </a:spcBef>
+              <a:spcAft>
+                <a:spcPts val="0"/>
+              </a:spcAft>
+              <a:buFontTx/>
+              <a:buChar char="-"/>
+            </a:pPr>
+            <a:r>
+              <a:rPr lang="ro-RO" sz="3200" dirty="0" smtClean="0">
+                <a:solidFill>
+                  <a:schemeClr val="tx1"/>
+                </a:solidFill>
+                <a:latin typeface="Times New Roman" panose="02020603050405020304" pitchFamily="18" charset="0"/>
+                <a:cs typeface="Times New Roman" panose="02020603050405020304" pitchFamily="18" charset="0"/>
+                <a:sym typeface="Lato Light"/>
+              </a:rPr>
+              <a:t>Creșterea numărului de dispo</a:t>
+            </a:r>
+            <a:r>
+              <a:rPr lang="en-US" sz="3200" dirty="0" smtClean="0">
+                <a:solidFill>
+                  <a:schemeClr val="tx1"/>
+                </a:solidFill>
+                <a:latin typeface="Times New Roman" panose="02020603050405020304" pitchFamily="18" charset="0"/>
+                <a:cs typeface="Times New Roman" panose="02020603050405020304" pitchFamily="18" charset="0"/>
+                <a:sym typeface="Lato Light"/>
+              </a:rPr>
+              <a:t>z</a:t>
+            </a:r>
+            <a:r>
+              <a:rPr lang="ro-RO" sz="3200" dirty="0" smtClean="0">
+                <a:solidFill>
+                  <a:schemeClr val="tx1"/>
+                </a:solidFill>
+                <a:latin typeface="Times New Roman" panose="02020603050405020304" pitchFamily="18" charset="0"/>
+                <a:cs typeface="Times New Roman" panose="02020603050405020304" pitchFamily="18" charset="0"/>
+                <a:sym typeface="Lato Light"/>
+              </a:rPr>
+              <a:t>itive</a:t>
+            </a:r>
+            <a:r>
+              <a:rPr lang="en-US" sz="3200" dirty="0">
+                <a:solidFill>
+                  <a:schemeClr val="tx1"/>
+                </a:solidFill>
+                <a:latin typeface="Times New Roman" panose="02020603050405020304" pitchFamily="18" charset="0"/>
+                <a:cs typeface="Times New Roman" panose="02020603050405020304" pitchFamily="18" charset="0"/>
+                <a:sym typeface="Lato Light"/>
+              </a:rPr>
+              <a:t>.</a:t>
+            </a:r>
+            <a:endParaRPr lang="ro-RO" sz="3200" dirty="0" smtClean="0">
+              <a:solidFill>
+                <a:schemeClr val="tx1"/>
+              </a:solidFill>
+              <a:latin typeface="Times New Roman" panose="02020603050405020304" pitchFamily="18" charset="0"/>
+              <a:cs typeface="Times New Roman" panose="02020603050405020304" pitchFamily="18" charset="0"/>
+              <a:sym typeface="Lato Light"/>
+            </a:endParaRPr>
+          </a:p>
+          <a:p>
+            <a:pPr marL="342900" marR="0" lvl="0" indent="-342900" algn="l" rtl="0">
+              <a:spcBef>
+                <a:spcPts val="0"/>
+              </a:spcBef>
+              <a:spcAft>
+                <a:spcPts val="0"/>
+              </a:spcAft>
+              <a:buFontTx/>
+              <a:buChar char="-"/>
+            </a:pPr>
+            <a:endParaRPr lang="en-US" sz="3200" dirty="0" smtClean="0">
+              <a:solidFill>
+                <a:schemeClr val="tx1"/>
+              </a:solidFill>
+              <a:latin typeface="Times New Roman" panose="02020603050405020304" pitchFamily="18" charset="0"/>
+              <a:cs typeface="Times New Roman" panose="02020603050405020304" pitchFamily="18" charset="0"/>
+              <a:sym typeface="Lato Light"/>
+            </a:endParaRPr>
+          </a:p>
+          <a:p>
+            <a:pPr marL="342900" marR="0" lvl="0" indent="-342900" algn="l" rtl="0">
+              <a:spcBef>
+                <a:spcPts val="0"/>
+              </a:spcBef>
+              <a:spcAft>
+                <a:spcPts val="0"/>
+              </a:spcAft>
+              <a:buFontTx/>
+              <a:buChar char="-"/>
+            </a:pPr>
+            <a:r>
+              <a:rPr lang="en-US" sz="3200" dirty="0" err="1" smtClean="0">
+                <a:solidFill>
+                  <a:schemeClr val="tx1"/>
+                </a:solidFill>
+                <a:latin typeface="Times New Roman" panose="02020603050405020304" pitchFamily="18" charset="0"/>
+                <a:cs typeface="Times New Roman" panose="02020603050405020304" pitchFamily="18" charset="0"/>
+                <a:sym typeface="Lato Light"/>
+              </a:rPr>
+              <a:t>Creare</a:t>
+            </a:r>
+            <a:r>
+              <a:rPr lang="en-US" sz="3200" dirty="0" smtClean="0">
+                <a:solidFill>
+                  <a:schemeClr val="tx1"/>
+                </a:solidFill>
+                <a:latin typeface="Times New Roman" panose="02020603050405020304" pitchFamily="18" charset="0"/>
+                <a:cs typeface="Times New Roman" panose="02020603050405020304" pitchFamily="18" charset="0"/>
+                <a:sym typeface="Lato Light"/>
+              </a:rPr>
+              <a:t> a </a:t>
+            </a:r>
+            <a:r>
+              <a:rPr lang="en-US" sz="3200" dirty="0" err="1" smtClean="0">
+                <a:solidFill>
+                  <a:schemeClr val="tx1"/>
+                </a:solidFill>
+                <a:latin typeface="Times New Roman" panose="02020603050405020304" pitchFamily="18" charset="0"/>
+                <a:cs typeface="Times New Roman" panose="02020603050405020304" pitchFamily="18" charset="0"/>
+                <a:sym typeface="Lato Light"/>
+              </a:rPr>
+              <a:t>grupuri</a:t>
+            </a:r>
+            <a:r>
+              <a:rPr lang="en-US" sz="3200" dirty="0" smtClean="0">
+                <a:solidFill>
+                  <a:schemeClr val="tx1"/>
+                </a:solidFill>
+                <a:latin typeface="Times New Roman" panose="02020603050405020304" pitchFamily="18" charset="0"/>
+                <a:cs typeface="Times New Roman" panose="02020603050405020304" pitchFamily="18" charset="0"/>
+                <a:sym typeface="Lato Light"/>
+              </a:rPr>
+              <a:t> de </a:t>
+            </a:r>
+            <a:r>
+              <a:rPr lang="en-US" sz="3200" dirty="0" err="1" smtClean="0">
+                <a:solidFill>
+                  <a:schemeClr val="tx1"/>
+                </a:solidFill>
+                <a:latin typeface="Times New Roman" panose="02020603050405020304" pitchFamily="18" charset="0"/>
+                <a:cs typeface="Times New Roman" panose="02020603050405020304" pitchFamily="18" charset="0"/>
+                <a:sym typeface="Lato Light"/>
+              </a:rPr>
+              <a:t>utilizatori</a:t>
+            </a:r>
+            <a:r>
+              <a:rPr lang="en-US" sz="3200" dirty="0">
+                <a:solidFill>
+                  <a:schemeClr val="tx1"/>
+                </a:solidFill>
+                <a:latin typeface="Times New Roman" panose="02020603050405020304" pitchFamily="18" charset="0"/>
+                <a:cs typeface="Times New Roman" panose="02020603050405020304" pitchFamily="18" charset="0"/>
+                <a:sym typeface="Lato Light"/>
+              </a:rPr>
+              <a:t>.</a:t>
+            </a:r>
+            <a:endParaRPr lang="ro-RO" sz="3200" dirty="0" smtClean="0">
+              <a:solidFill>
+                <a:schemeClr val="tx1"/>
+              </a:solidFill>
+              <a:latin typeface="Times New Roman" panose="02020603050405020304" pitchFamily="18" charset="0"/>
+              <a:cs typeface="Times New Roman" panose="02020603050405020304" pitchFamily="18" charset="0"/>
+              <a:sym typeface="Lato Light"/>
+            </a:endParaRPr>
+          </a:p>
+          <a:p>
+            <a:pPr marL="342900" marR="0" lvl="0" indent="-342900" algn="l" rtl="0">
+              <a:spcBef>
+                <a:spcPts val="0"/>
+              </a:spcBef>
+              <a:spcAft>
+                <a:spcPts val="0"/>
+              </a:spcAft>
+              <a:buFontTx/>
+              <a:buChar char="-"/>
+            </a:pPr>
+            <a:endParaRPr lang="ro-RO" sz="3200" dirty="0">
+              <a:solidFill>
+                <a:schemeClr val="tx1"/>
+              </a:solidFill>
+              <a:latin typeface="Times New Roman" panose="02020603050405020304" pitchFamily="18" charset="0"/>
+              <a:cs typeface="Times New Roman" panose="02020603050405020304" pitchFamily="18" charset="0"/>
+              <a:sym typeface="Lato Light"/>
+            </a:endParaRPr>
+          </a:p>
+          <a:p>
+            <a:pPr marL="342900" marR="0" lvl="0" indent="-342900" algn="l" rtl="0">
+              <a:spcBef>
+                <a:spcPts val="0"/>
+              </a:spcBef>
+              <a:spcAft>
+                <a:spcPts val="0"/>
+              </a:spcAft>
+              <a:buFontTx/>
+              <a:buChar char="-"/>
+            </a:pPr>
+            <a:r>
+              <a:rPr lang="ro-RO" sz="3200" dirty="0" smtClean="0">
+                <a:solidFill>
+                  <a:schemeClr val="tx1"/>
+                </a:solidFill>
+                <a:latin typeface="Times New Roman" panose="02020603050405020304" pitchFamily="18" charset="0"/>
+                <a:cs typeface="Times New Roman" panose="02020603050405020304" pitchFamily="18" charset="0"/>
+                <a:sym typeface="Lato Light"/>
+              </a:rPr>
+              <a:t>Folosire HTTPS.</a:t>
+            </a:r>
+          </a:p>
+        </p:txBody>
+      </p:sp>
+      <p:sp>
+        <p:nvSpPr>
           <p:cNvPr id="112" name="Shape 112"/>
           <p:cNvSpPr txBox="1"/>
           <p:nvPr/>
@@ -19472,7 +20615,7 @@
                 <a:latin typeface="Montserrat"/>
                 <a:sym typeface="Montserrat"/>
               </a:rPr>
-              <a:t>Concluzii</a:t>
+              <a:t>Direcții de dezvoltare</a:t>
             </a:r>
             <a:endParaRPr dirty="0"/>
           </a:p>
@@ -19621,6 +20764,234 @@
           </a:p>
         </p:txBody>
       </p:sp>
+    </p:spTree>
+    <p:extLst>
+      <p:ext uri="{BB962C8B-B14F-4D97-AF65-F5344CB8AC3E}">
+        <p14:creationId xmlns:p14="http://schemas.microsoft.com/office/powerpoint/2010/main" val="912383895"/>
+      </p:ext>
+    </p:extLst>
+  </p:cSld>
+  <p:clrMapOvr>
+    <a:masterClrMapping/>
+  </p:clrMapOvr>
+  <p:timing>
+    <p:tnLst>
+      <p:par>
+        <p:cTn id="1" dur="indefinite" restart="never" nodeType="tmRoot"/>
+      </p:par>
+    </p:tnLst>
+  </p:timing>
+</p:sld>
+</file>
+
+<file path=ppt/slides/slide14.xml><?xml version="1.0" encoding="utf-8"?>
+<p:sld xmlns:a="http://schemas.openxmlformats.org/drawingml/2006/main" xmlns:r="http://schemas.openxmlformats.org/officeDocument/2006/relationships" xmlns:p="http://schemas.openxmlformats.org/presentationml/2006/main">
+  <p:cSld>
+    <p:spTree>
+      <p:nvGrpSpPr>
+        <p:cNvPr id="1" name="Shape 111"/>
+        <p:cNvGrpSpPr/>
+        <p:nvPr/>
+      </p:nvGrpSpPr>
+      <p:grpSpPr>
+        <a:xfrm>
+          <a:off x="0" y="0"/>
+          <a:ext cx="0" cy="0"/>
+          <a:chOff x="0" y="0"/>
+          <a:chExt cx="0" cy="0"/>
+        </a:xfrm>
+      </p:grpSpPr>
+      <p:sp>
+        <p:nvSpPr>
+          <p:cNvPr id="112" name="Shape 112"/>
+          <p:cNvSpPr txBox="1"/>
+          <p:nvPr/>
+        </p:nvSpPr>
+        <p:spPr>
+          <a:xfrm>
+            <a:off x="774194" y="222898"/>
+            <a:ext cx="8958280" cy="830997"/>
+          </a:xfrm>
+          <a:prstGeom prst="rect">
+            <a:avLst/>
+          </a:prstGeom>
+          <a:noFill/>
+          <a:ln>
+            <a:noFill/>
+          </a:ln>
+        </p:spPr>
+        <p:txBody>
+          <a:bodyPr spcFirstLastPara="1" wrap="square" lIns="91425" tIns="45700" rIns="91425" bIns="45700" anchor="t" anchorCtr="0">
+            <a:noAutofit/>
+          </a:bodyPr>
+          <a:lstStyle/>
+          <a:p>
+            <a:pPr marL="0" marR="0" lvl="0" indent="0" algn="l" rtl="0">
+              <a:spcBef>
+                <a:spcPts val="0"/>
+              </a:spcBef>
+              <a:spcAft>
+                <a:spcPts val="0"/>
+              </a:spcAft>
+              <a:buNone/>
+            </a:pPr>
+            <a:r>
+              <a:rPr lang="ro-RO" sz="4800" dirty="0" smtClean="0">
+                <a:solidFill>
+                  <a:schemeClr val="dk1"/>
+                </a:solidFill>
+                <a:latin typeface="Montserrat"/>
+                <a:sym typeface="Montserrat"/>
+              </a:rPr>
+              <a:t>Concluzii</a:t>
+            </a:r>
+            <a:endParaRPr dirty="0"/>
+          </a:p>
+        </p:txBody>
+      </p:sp>
+      <p:pic>
+        <p:nvPicPr>
+          <p:cNvPr id="9" name="Picture 8" descr="C:\Users\dlargu\Desktop\FiiLogo.png"/>
+          <p:cNvPicPr>
+            <a:picLocks noChangeAspect="1" noChangeArrowheads="1"/>
+          </p:cNvPicPr>
+          <p:nvPr/>
+        </p:nvPicPr>
+        <p:blipFill>
+          <a:blip r:embed="rId3">
+            <a:extLst>
+              <a:ext uri="{28A0092B-C50C-407E-A947-70E740481C1C}">
+                <a14:useLocalDpi xmlns:a14="http://schemas.microsoft.com/office/drawing/2010/main"/>
+              </a:ext>
+            </a:extLst>
+          </a:blip>
+          <a:srcRect/>
+          <a:stretch>
+            <a:fillRect/>
+          </a:stretch>
+        </p:blipFill>
+        <p:spPr bwMode="auto">
+          <a:xfrm>
+            <a:off x="11235349" y="149280"/>
+            <a:ext cx="826365" cy="763675"/>
+          </a:xfrm>
+          <a:prstGeom prst="rect">
+            <a:avLst/>
+          </a:prstGeom>
+          <a:noFill/>
+          <a:extLst>
+            <a:ext uri="{909E8E84-426E-40DD-AFC4-6F175D3DCCD1}">
+              <a14:hiddenFill xmlns:a14="http://schemas.microsoft.com/office/drawing/2010/main">
+                <a:solidFill>
+                  <a:srgbClr val="FFFFFF"/>
+                </a:solidFill>
+              </a14:hiddenFill>
+            </a:ext>
+          </a:extLst>
+        </p:spPr>
+      </p:pic>
+      <p:pic>
+        <p:nvPicPr>
+          <p:cNvPr id="10" name="Picture 9"/>
+          <p:cNvPicPr>
+            <a:picLocks noChangeAspect="1"/>
+          </p:cNvPicPr>
+          <p:nvPr/>
+        </p:nvPicPr>
+        <p:blipFill>
+          <a:blip r:embed="rId4" cstate="print">
+            <a:extLst>
+              <a:ext uri="{28A0092B-C50C-407E-A947-70E740481C1C}">
+                <a14:useLocalDpi xmlns:a14="http://schemas.microsoft.com/office/drawing/2010/main"/>
+              </a:ext>
+            </a:extLst>
+          </a:blip>
+          <a:stretch>
+            <a:fillRect/>
+          </a:stretch>
+        </p:blipFill>
+        <p:spPr>
+          <a:xfrm>
+            <a:off x="9983713" y="84817"/>
+            <a:ext cx="910102" cy="892600"/>
+          </a:xfrm>
+          <a:prstGeom prst="rect">
+            <a:avLst/>
+          </a:prstGeom>
+        </p:spPr>
+      </p:pic>
+      <p:sp>
+        <p:nvSpPr>
+          <p:cNvPr id="5" name="Slide Number Placeholder 4"/>
+          <p:cNvSpPr>
+            <a:spLocks noGrp="1"/>
+          </p:cNvSpPr>
+          <p:nvPr>
+            <p:ph type="sldNum" idx="12"/>
+          </p:nvPr>
+        </p:nvSpPr>
+        <p:spPr/>
+        <p:txBody>
+          <a:bodyPr/>
+          <a:lstStyle/>
+          <a:p>
+            <a:fld id="{00000000-1234-1234-1234-123412341234}" type="slidenum">
+              <a:rPr lang="en-PH" smtClean="0"/>
+              <a:pPr/>
+              <a:t>14</a:t>
+            </a:fld>
+            <a:endParaRPr lang="en-PH" dirty="0"/>
+          </a:p>
+        </p:txBody>
+      </p:sp>
+      <p:sp>
+        <p:nvSpPr>
+          <p:cNvPr id="11" name="Shape 114"/>
+          <p:cNvSpPr/>
+          <p:nvPr/>
+        </p:nvSpPr>
+        <p:spPr>
+          <a:xfrm>
+            <a:off x="878557" y="1053895"/>
+            <a:ext cx="8853917" cy="51759"/>
+          </a:xfrm>
+          <a:prstGeom prst="rect">
+            <a:avLst/>
+          </a:prstGeom>
+          <a:solidFill>
+            <a:srgbClr val="AAE4D5"/>
+          </a:solidFill>
+          <a:ln>
+            <a:noFill/>
+          </a:ln>
+        </p:spPr>
+        <p:txBody>
+          <a:bodyPr spcFirstLastPara="1" wrap="square" lIns="91425" tIns="45700" rIns="91425" bIns="45700" anchor="ctr" anchorCtr="0">
+            <a:noAutofit/>
+          </a:bodyPr>
+          <a:lstStyle/>
+          <a:p>
+            <a:pPr marL="0" marR="0" lvl="0" indent="0" algn="ctr" rtl="0">
+              <a:spcBef>
+                <a:spcPts val="0"/>
+              </a:spcBef>
+              <a:spcAft>
+                <a:spcPts val="0"/>
+              </a:spcAft>
+              <a:buNone/>
+            </a:pPr>
+            <a:endParaRPr sz="1800">
+              <a:solidFill>
+                <a:schemeClr val="lt1"/>
+              </a:solidFill>
+              <a:latin typeface="Playfair Display"/>
+              <a:ea typeface="Playfair Display"/>
+              <a:cs typeface="Playfair Display"/>
+              <a:sym typeface="Playfair Display"/>
+            </a:endParaRPr>
+          </a:p>
+        </p:txBody>
+      </p:sp>
       <p:sp>
         <p:nvSpPr>
           <p:cNvPr id="12" name="Shape 113"/>
@@ -19821,161 +21192,6 @@
         <p14:creationId xmlns:p14="http://schemas.microsoft.com/office/powerpoint/2010/main" val="3418714155"/>
       </p:ext>
     </p:extLst>
-  </p:cSld>
-  <p:clrMapOvr>
-    <a:masterClrMapping/>
-  </p:clrMapOvr>
-  <p:timing>
-    <p:tnLst>
-      <p:par>
-        <p:cTn id="1" dur="indefinite" restart="never" nodeType="tmRoot"/>
-      </p:par>
-    </p:tnLst>
-  </p:timing>
-</p:sld>
-</file>
-
-<file path=ppt/slides/slide14.xml><?xml version="1.0" encoding="utf-8"?>
-<p:sld xmlns:a="http://schemas.openxmlformats.org/drawingml/2006/main" xmlns:r="http://schemas.openxmlformats.org/officeDocument/2006/relationships" xmlns:p="http://schemas.openxmlformats.org/presentationml/2006/main">
-  <p:cSld>
-    <p:spTree>
-      <p:nvGrpSpPr>
-        <p:cNvPr id="1" name="Shape 102"/>
-        <p:cNvGrpSpPr/>
-        <p:nvPr/>
-      </p:nvGrpSpPr>
-      <p:grpSpPr>
-        <a:xfrm>
-          <a:off x="0" y="0"/>
-          <a:ext cx="0" cy="0"/>
-          <a:chOff x="0" y="0"/>
-          <a:chExt cx="0" cy="0"/>
-        </a:xfrm>
-      </p:grpSpPr>
-      <p:sp>
-        <p:nvSpPr>
-          <p:cNvPr id="107" name="Shape 107"/>
-          <p:cNvSpPr txBox="1"/>
-          <p:nvPr/>
-        </p:nvSpPr>
-        <p:spPr>
-          <a:xfrm>
-            <a:off x="0" y="2837154"/>
-            <a:ext cx="12191999" cy="1364759"/>
-          </a:xfrm>
-          <a:prstGeom prst="rect">
-            <a:avLst/>
-          </a:prstGeom>
-          <a:noFill/>
-          <a:ln>
-            <a:noFill/>
-          </a:ln>
-        </p:spPr>
-        <p:txBody>
-          <a:bodyPr spcFirstLastPara="1" wrap="square" lIns="91425" tIns="45700" rIns="91425" bIns="45700" anchor="t" anchorCtr="0">
-            <a:noAutofit/>
-          </a:bodyPr>
-          <a:lstStyle/>
-          <a:p>
-            <a:pPr marL="0" marR="0" lvl="0" indent="0" algn="ctr" rtl="0">
-              <a:spcBef>
-                <a:spcPts val="0"/>
-              </a:spcBef>
-              <a:spcAft>
-                <a:spcPts val="0"/>
-              </a:spcAft>
-              <a:buNone/>
-            </a:pPr>
-            <a:r>
-              <a:rPr lang="ro-RO" sz="7200" dirty="0" smtClean="0">
-                <a:solidFill>
-                  <a:schemeClr val="tx1"/>
-                </a:solidFill>
-                <a:latin typeface="Montserrat"/>
-                <a:sym typeface="Montserrat"/>
-              </a:rPr>
-              <a:t>Întrebări?</a:t>
-            </a:r>
-            <a:endParaRPr sz="2400" dirty="0">
-              <a:solidFill>
-                <a:schemeClr val="tx1"/>
-              </a:solidFill>
-            </a:endParaRPr>
-          </a:p>
-        </p:txBody>
-      </p:sp>
-      <p:pic>
-        <p:nvPicPr>
-          <p:cNvPr id="8" name="Picture 7" descr="C:\Users\dlargu\Desktop\FiiLogo.png"/>
-          <p:cNvPicPr>
-            <a:picLocks noChangeAspect="1" noChangeArrowheads="1"/>
-          </p:cNvPicPr>
-          <p:nvPr/>
-        </p:nvPicPr>
-        <p:blipFill>
-          <a:blip r:embed="rId3">
-            <a:extLst>
-              <a:ext uri="{28A0092B-C50C-407E-A947-70E740481C1C}">
-                <a14:useLocalDpi xmlns:a14="http://schemas.microsoft.com/office/drawing/2010/main"/>
-              </a:ext>
-            </a:extLst>
-          </a:blip>
-          <a:srcRect/>
-          <a:stretch>
-            <a:fillRect/>
-          </a:stretch>
-        </p:blipFill>
-        <p:spPr bwMode="auto">
-          <a:xfrm>
-            <a:off x="11235349" y="149280"/>
-            <a:ext cx="826365" cy="763675"/>
-          </a:xfrm>
-          <a:prstGeom prst="rect">
-            <a:avLst/>
-          </a:prstGeom>
-          <a:noFill/>
-          <a:extLst>
-            <a:ext uri="{909E8E84-426E-40DD-AFC4-6F175D3DCCD1}">
-              <a14:hiddenFill xmlns:a14="http://schemas.microsoft.com/office/drawing/2010/main">
-                <a:solidFill>
-                  <a:srgbClr val="FFFFFF"/>
-                </a:solidFill>
-              </a14:hiddenFill>
-            </a:ext>
-          </a:extLst>
-        </p:spPr>
-      </p:pic>
-      <p:pic>
-        <p:nvPicPr>
-          <p:cNvPr id="9" name="Picture 8"/>
-          <p:cNvPicPr>
-            <a:picLocks noChangeAspect="1"/>
-          </p:cNvPicPr>
-          <p:nvPr/>
-        </p:nvPicPr>
-        <p:blipFill>
-          <a:blip r:embed="rId4" cstate="print">
-            <a:extLst>
-              <a:ext uri="{28A0092B-C50C-407E-A947-70E740481C1C}">
-                <a14:useLocalDpi xmlns:a14="http://schemas.microsoft.com/office/drawing/2010/main"/>
-              </a:ext>
-            </a:extLst>
-          </a:blip>
-          <a:stretch>
-            <a:fillRect/>
-          </a:stretch>
-        </p:blipFill>
-        <p:spPr>
-          <a:xfrm>
-            <a:off x="9983713" y="84817"/>
-            <a:ext cx="910102" cy="892600"/>
-          </a:xfrm>
-          <a:prstGeom prst="rect">
-            <a:avLst/>
-          </a:prstGeom>
-        </p:spPr>
-      </p:pic>
-    </p:spTree>
   </p:cSld>
   <p:clrMapOvr>
     <a:masterClrMapping/>
@@ -23307,7 +24523,7 @@
                 <a:cs typeface="Montserrat"/>
                 <a:sym typeface="Montserrat"/>
               </a:rPr>
-              <a:t>Dispozitive inteligente</a:t>
+              <a:t>Aspecte de securitate</a:t>
             </a:r>
             <a:endParaRPr dirty="0"/>
           </a:p>
@@ -23451,6 +24667,266 @@
               <a:rPr lang="en-PH" smtClean="0"/>
               <a:pPr/>
               <a:t>8</a:t>
+            </a:fld>
+            <a:endParaRPr lang="en-PH" dirty="0"/>
+          </a:p>
+        </p:txBody>
+      </p:sp>
+      <p:pic>
+        <p:nvPicPr>
+          <p:cNvPr id="2" name="Picture 1"/>
+          <p:cNvPicPr>
+            <a:picLocks noChangeAspect="1"/>
+          </p:cNvPicPr>
+          <p:nvPr/>
+        </p:nvPicPr>
+        <p:blipFill>
+          <a:blip r:embed="rId5">
+            <a:extLst>
+              <a:ext uri="{28A0092B-C50C-407E-A947-70E740481C1C}">
+                <a14:useLocalDpi xmlns:a14="http://schemas.microsoft.com/office/drawing/2010/main" val="0"/>
+              </a:ext>
+            </a:extLst>
+          </a:blip>
+          <a:stretch>
+            <a:fillRect/>
+          </a:stretch>
+        </p:blipFill>
+        <p:spPr>
+          <a:xfrm>
+            <a:off x="1928388" y="1317129"/>
+            <a:ext cx="8631698" cy="5221783"/>
+          </a:xfrm>
+          <a:prstGeom prst="rect">
+            <a:avLst/>
+          </a:prstGeom>
+        </p:spPr>
+      </p:pic>
+    </p:spTree>
+    <p:extLst>
+      <p:ext uri="{BB962C8B-B14F-4D97-AF65-F5344CB8AC3E}">
+        <p14:creationId xmlns:p14="http://schemas.microsoft.com/office/powerpoint/2010/main" val="2010093193"/>
+      </p:ext>
+    </p:extLst>
+  </p:cSld>
+  <p:clrMapOvr>
+    <a:masterClrMapping/>
+  </p:clrMapOvr>
+  <p:timing>
+    <p:tnLst>
+      <p:par>
+        <p:cTn id="1" dur="indefinite" restart="never" nodeType="tmRoot"/>
+      </p:par>
+    </p:tnLst>
+  </p:timing>
+</p:sld>
+</file>
+
+<file path=ppt/slides/slide9.xml><?xml version="1.0" encoding="utf-8"?>
+<p:sld xmlns:a="http://schemas.openxmlformats.org/drawingml/2006/main" xmlns:r="http://schemas.openxmlformats.org/officeDocument/2006/relationships" xmlns:p="http://schemas.openxmlformats.org/presentationml/2006/main">
+  <p:cSld>
+    <p:spTree>
+      <p:nvGrpSpPr>
+        <p:cNvPr id="1" name="Shape 111"/>
+        <p:cNvGrpSpPr/>
+        <p:nvPr/>
+      </p:nvGrpSpPr>
+      <p:grpSpPr>
+        <a:xfrm>
+          <a:off x="0" y="0"/>
+          <a:ext cx="0" cy="0"/>
+          <a:chOff x="0" y="0"/>
+          <a:chExt cx="0" cy="0"/>
+        </a:xfrm>
+      </p:grpSpPr>
+      <p:sp>
+        <p:nvSpPr>
+          <p:cNvPr id="112" name="Shape 112"/>
+          <p:cNvSpPr txBox="1"/>
+          <p:nvPr/>
+        </p:nvSpPr>
+        <p:spPr>
+          <a:xfrm>
+            <a:off x="774194" y="222898"/>
+            <a:ext cx="8958280" cy="830997"/>
+          </a:xfrm>
+          <a:prstGeom prst="rect">
+            <a:avLst/>
+          </a:prstGeom>
+          <a:noFill/>
+          <a:ln>
+            <a:noFill/>
+          </a:ln>
+        </p:spPr>
+        <p:txBody>
+          <a:bodyPr spcFirstLastPara="1" wrap="square" lIns="91425" tIns="45700" rIns="91425" bIns="45700" anchor="t" anchorCtr="0">
+            <a:noAutofit/>
+          </a:bodyPr>
+          <a:lstStyle/>
+          <a:p>
+            <a:pPr marL="0" marR="0" lvl="0" indent="0" algn="l" rtl="0">
+              <a:spcBef>
+                <a:spcPts val="0"/>
+              </a:spcBef>
+              <a:spcAft>
+                <a:spcPts val="0"/>
+              </a:spcAft>
+              <a:buNone/>
+            </a:pPr>
+            <a:r>
+              <a:rPr lang="ro-RO" sz="4800" b="0" i="0" u="none" strike="noStrike" cap="none" dirty="0" smtClean="0">
+                <a:solidFill>
+                  <a:schemeClr val="dk1"/>
+                </a:solidFill>
+                <a:latin typeface="Montserrat"/>
+                <a:ea typeface="Montserrat"/>
+                <a:cs typeface="Montserrat"/>
+                <a:sym typeface="Montserrat"/>
+              </a:rPr>
+              <a:t>Dispozitive inteligente</a:t>
+            </a:r>
+            <a:endParaRPr dirty="0"/>
+          </a:p>
+        </p:txBody>
+      </p:sp>
+      <p:sp>
+        <p:nvSpPr>
+          <p:cNvPr id="114" name="Shape 114"/>
+          <p:cNvSpPr/>
+          <p:nvPr/>
+        </p:nvSpPr>
+        <p:spPr>
+          <a:xfrm>
+            <a:off x="878557" y="1053895"/>
+            <a:ext cx="8853917" cy="51759"/>
+          </a:xfrm>
+          <a:prstGeom prst="rect">
+            <a:avLst/>
+          </a:prstGeom>
+          <a:solidFill>
+            <a:srgbClr val="AAE4D5"/>
+          </a:solidFill>
+          <a:ln>
+            <a:noFill/>
+          </a:ln>
+        </p:spPr>
+        <p:txBody>
+          <a:bodyPr spcFirstLastPara="1" wrap="square" lIns="91425" tIns="45700" rIns="91425" bIns="45700" anchor="ctr" anchorCtr="0">
+            <a:noAutofit/>
+          </a:bodyPr>
+          <a:lstStyle/>
+          <a:p>
+            <a:pPr marL="0" marR="0" lvl="0" indent="0" algn="ctr" rtl="0">
+              <a:spcBef>
+                <a:spcPts val="0"/>
+              </a:spcBef>
+              <a:spcAft>
+                <a:spcPts val="0"/>
+              </a:spcAft>
+              <a:buNone/>
+            </a:pPr>
+            <a:endParaRPr sz="1800">
+              <a:solidFill>
+                <a:schemeClr val="lt1"/>
+              </a:solidFill>
+              <a:latin typeface="Playfair Display"/>
+              <a:ea typeface="Playfair Display"/>
+              <a:cs typeface="Playfair Display"/>
+              <a:sym typeface="Playfair Display"/>
+            </a:endParaRPr>
+          </a:p>
+        </p:txBody>
+      </p:sp>
+      <p:pic>
+        <p:nvPicPr>
+          <p:cNvPr id="9" name="Picture 8" descr="C:\Users\dlargu\Desktop\FiiLogo.png"/>
+          <p:cNvPicPr>
+            <a:picLocks noChangeAspect="1" noChangeArrowheads="1"/>
+          </p:cNvPicPr>
+          <p:nvPr/>
+        </p:nvPicPr>
+        <p:blipFill>
+          <a:blip r:embed="rId3">
+            <a:extLst>
+              <a:ext uri="{28A0092B-C50C-407E-A947-70E740481C1C}">
+                <a14:useLocalDpi xmlns:a14="http://schemas.microsoft.com/office/drawing/2010/main"/>
+              </a:ext>
+            </a:extLst>
+          </a:blip>
+          <a:srcRect/>
+          <a:stretch>
+            <a:fillRect/>
+          </a:stretch>
+        </p:blipFill>
+        <p:spPr bwMode="auto">
+          <a:xfrm>
+            <a:off x="11235349" y="149280"/>
+            <a:ext cx="826365" cy="763675"/>
+          </a:xfrm>
+          <a:prstGeom prst="rect">
+            <a:avLst/>
+          </a:prstGeom>
+          <a:noFill/>
+          <a:extLst>
+            <a:ext uri="{909E8E84-426E-40DD-AFC4-6F175D3DCCD1}">
+              <a14:hiddenFill xmlns:a14="http://schemas.microsoft.com/office/drawing/2010/main">
+                <a:solidFill>
+                  <a:srgbClr val="FFFFFF"/>
+                </a:solidFill>
+              </a14:hiddenFill>
+            </a:ext>
+          </a:extLst>
+        </p:spPr>
+      </p:pic>
+      <p:pic>
+        <p:nvPicPr>
+          <p:cNvPr id="10" name="Picture 9"/>
+          <p:cNvPicPr>
+            <a:picLocks noChangeAspect="1"/>
+          </p:cNvPicPr>
+          <p:nvPr/>
+        </p:nvPicPr>
+        <p:blipFill>
+          <a:blip r:embed="rId4" cstate="print">
+            <a:extLst>
+              <a:ext uri="{28A0092B-C50C-407E-A947-70E740481C1C}">
+                <a14:useLocalDpi xmlns:a14="http://schemas.microsoft.com/office/drawing/2010/main"/>
+              </a:ext>
+            </a:extLst>
+          </a:blip>
+          <a:stretch>
+            <a:fillRect/>
+          </a:stretch>
+        </p:blipFill>
+        <p:spPr>
+          <a:xfrm>
+            <a:off x="9983713" y="84817"/>
+            <a:ext cx="910102" cy="892600"/>
+          </a:xfrm>
+          <a:prstGeom prst="rect">
+            <a:avLst/>
+          </a:prstGeom>
+        </p:spPr>
+      </p:pic>
+      <p:sp>
+        <p:nvSpPr>
+          <p:cNvPr id="5" name="Slide Number Placeholder 4"/>
+          <p:cNvSpPr>
+            <a:spLocks noGrp="1"/>
+          </p:cNvSpPr>
+          <p:nvPr>
+            <p:ph type="sldNum" idx="12"/>
+          </p:nvPr>
+        </p:nvSpPr>
+        <p:spPr/>
+        <p:txBody>
+          <a:bodyPr/>
+          <a:lstStyle/>
+          <a:p>
+            <a:fld id="{00000000-1234-1234-1234-123412341234}" type="slidenum">
+              <a:rPr lang="en-PH" smtClean="0"/>
+              <a:pPr/>
+              <a:t>9</a:t>
             </a:fld>
             <a:endParaRPr lang="en-PH" dirty="0"/>
           </a:p>
@@ -23809,1377 +25285,6 @@
     <p:extLst>
       <p:ext uri="{BB962C8B-B14F-4D97-AF65-F5344CB8AC3E}">
         <p14:creationId xmlns:p14="http://schemas.microsoft.com/office/powerpoint/2010/main" val="1885431833"/>
-      </p:ext>
-    </p:extLst>
-  </p:cSld>
-  <p:clrMapOvr>
-    <a:masterClrMapping/>
-  </p:clrMapOvr>
-  <p:timing>
-    <p:tnLst>
-      <p:par>
-        <p:cTn id="1" dur="indefinite" restart="never" nodeType="tmRoot"/>
-      </p:par>
-    </p:tnLst>
-  </p:timing>
-</p:sld>
-</file>
-
-<file path=ppt/slides/slide9.xml><?xml version="1.0" encoding="utf-8"?>
-<p:sld xmlns:a="http://schemas.openxmlformats.org/drawingml/2006/main" xmlns:r="http://schemas.openxmlformats.org/officeDocument/2006/relationships" xmlns:p="http://schemas.openxmlformats.org/presentationml/2006/main">
-  <p:cSld>
-    <p:spTree>
-      <p:nvGrpSpPr>
-        <p:cNvPr id="1" name="Shape 111"/>
-        <p:cNvGrpSpPr/>
-        <p:nvPr/>
-      </p:nvGrpSpPr>
-      <p:grpSpPr>
-        <a:xfrm>
-          <a:off x="0" y="0"/>
-          <a:ext cx="0" cy="0"/>
-          <a:chOff x="0" y="0"/>
-          <a:chExt cx="0" cy="0"/>
-        </a:xfrm>
-      </p:grpSpPr>
-      <p:pic>
-        <p:nvPicPr>
-          <p:cNvPr id="2" name="Picture 1"/>
-          <p:cNvPicPr>
-            <a:picLocks noChangeAspect="1"/>
-          </p:cNvPicPr>
-          <p:nvPr/>
-        </p:nvPicPr>
-        <p:blipFill rotWithShape="1">
-          <a:blip r:embed="rId3" cstate="print">
-            <a:extLst>
-              <a:ext uri="{28A0092B-C50C-407E-A947-70E740481C1C}">
-                <a14:useLocalDpi xmlns:a14="http://schemas.microsoft.com/office/drawing/2010/main"/>
-              </a:ext>
-            </a:extLst>
-          </a:blip>
-          <a:srcRect l="10326" t="15635" r="10530" b="10174"/>
-          <a:stretch/>
-        </p:blipFill>
-        <p:spPr>
-          <a:xfrm>
-            <a:off x="1826772" y="1478565"/>
-            <a:ext cx="2515512" cy="2035082"/>
-          </a:xfrm>
-          <a:prstGeom prst="rect">
-            <a:avLst/>
-          </a:prstGeom>
-        </p:spPr>
-      </p:pic>
-      <p:sp>
-        <p:nvSpPr>
-          <p:cNvPr id="112" name="Shape 112"/>
-          <p:cNvSpPr txBox="1"/>
-          <p:nvPr/>
-        </p:nvSpPr>
-        <p:spPr>
-          <a:xfrm>
-            <a:off x="774194" y="222898"/>
-            <a:ext cx="8958280" cy="830997"/>
-          </a:xfrm>
-          <a:prstGeom prst="rect">
-            <a:avLst/>
-          </a:prstGeom>
-          <a:noFill/>
-          <a:ln>
-            <a:noFill/>
-          </a:ln>
-        </p:spPr>
-        <p:txBody>
-          <a:bodyPr spcFirstLastPara="1" wrap="square" lIns="91425" tIns="45700" rIns="91425" bIns="45700" anchor="t" anchorCtr="0">
-            <a:noAutofit/>
-          </a:bodyPr>
-          <a:lstStyle/>
-          <a:p>
-            <a:pPr marL="0" marR="0" lvl="0" indent="0" algn="l" rtl="0">
-              <a:spcBef>
-                <a:spcPts val="0"/>
-              </a:spcBef>
-              <a:spcAft>
-                <a:spcPts val="0"/>
-              </a:spcAft>
-              <a:buNone/>
-            </a:pPr>
-            <a:r>
-              <a:rPr lang="en-US" sz="4800" dirty="0" err="1" smtClean="0">
-                <a:solidFill>
-                  <a:schemeClr val="dk1"/>
-                </a:solidFill>
-                <a:latin typeface="Montserrat"/>
-                <a:sym typeface="Montserrat"/>
-              </a:rPr>
-              <a:t>Dispozitive</a:t>
-            </a:r>
-            <a:r>
-              <a:rPr lang="en-US" sz="4800" dirty="0" smtClean="0">
-                <a:solidFill>
-                  <a:schemeClr val="dk1"/>
-                </a:solidFill>
-                <a:latin typeface="Montserrat"/>
-                <a:sym typeface="Montserrat"/>
-              </a:rPr>
-              <a:t> </a:t>
-            </a:r>
-            <a:r>
-              <a:rPr lang="ro-RO" sz="4800" dirty="0" smtClean="0">
-                <a:solidFill>
-                  <a:schemeClr val="dk1"/>
-                </a:solidFill>
-                <a:latin typeface="Montserrat"/>
-                <a:sym typeface="Montserrat"/>
-              </a:rPr>
-              <a:t>utilizate</a:t>
-            </a:r>
-            <a:endParaRPr dirty="0"/>
-          </a:p>
-        </p:txBody>
-      </p:sp>
-      <p:pic>
-        <p:nvPicPr>
-          <p:cNvPr id="9" name="Picture 8" descr="C:\Users\dlargu\Desktop\FiiLogo.png"/>
-          <p:cNvPicPr>
-            <a:picLocks noChangeAspect="1" noChangeArrowheads="1"/>
-          </p:cNvPicPr>
-          <p:nvPr/>
-        </p:nvPicPr>
-        <p:blipFill>
-          <a:blip r:embed="rId4">
-            <a:extLst>
-              <a:ext uri="{28A0092B-C50C-407E-A947-70E740481C1C}">
-                <a14:useLocalDpi xmlns:a14="http://schemas.microsoft.com/office/drawing/2010/main"/>
-              </a:ext>
-            </a:extLst>
-          </a:blip>
-          <a:srcRect/>
-          <a:stretch>
-            <a:fillRect/>
-          </a:stretch>
-        </p:blipFill>
-        <p:spPr bwMode="auto">
-          <a:xfrm>
-            <a:off x="11235349" y="149280"/>
-            <a:ext cx="826365" cy="763675"/>
-          </a:xfrm>
-          <a:prstGeom prst="rect">
-            <a:avLst/>
-          </a:prstGeom>
-          <a:noFill/>
-          <a:extLst>
-            <a:ext uri="{909E8E84-426E-40DD-AFC4-6F175D3DCCD1}">
-              <a14:hiddenFill xmlns:a14="http://schemas.microsoft.com/office/drawing/2010/main">
-                <a:solidFill>
-                  <a:srgbClr val="FFFFFF"/>
-                </a:solidFill>
-              </a14:hiddenFill>
-            </a:ext>
-          </a:extLst>
-        </p:spPr>
-      </p:pic>
-      <p:pic>
-        <p:nvPicPr>
-          <p:cNvPr id="10" name="Picture 9"/>
-          <p:cNvPicPr>
-            <a:picLocks noChangeAspect="1"/>
-          </p:cNvPicPr>
-          <p:nvPr/>
-        </p:nvPicPr>
-        <p:blipFill>
-          <a:blip r:embed="rId5" cstate="print">
-            <a:extLst>
-              <a:ext uri="{28A0092B-C50C-407E-A947-70E740481C1C}">
-                <a14:useLocalDpi xmlns:a14="http://schemas.microsoft.com/office/drawing/2010/main"/>
-              </a:ext>
-            </a:extLst>
-          </a:blip>
-          <a:stretch>
-            <a:fillRect/>
-          </a:stretch>
-        </p:blipFill>
-        <p:spPr>
-          <a:xfrm>
-            <a:off x="9983713" y="84817"/>
-            <a:ext cx="910102" cy="892600"/>
-          </a:xfrm>
-          <a:prstGeom prst="rect">
-            <a:avLst/>
-          </a:prstGeom>
-        </p:spPr>
-      </p:pic>
-      <p:sp>
-        <p:nvSpPr>
-          <p:cNvPr id="11" name="Shape 143"/>
-          <p:cNvSpPr/>
-          <p:nvPr/>
-        </p:nvSpPr>
-        <p:spPr>
-          <a:xfrm>
-            <a:off x="2631205" y="3641918"/>
-            <a:ext cx="875962" cy="398892"/>
-          </a:xfrm>
-          <a:prstGeom prst="rect">
-            <a:avLst/>
-          </a:prstGeom>
-          <a:noFill/>
-          <a:ln w="19050" cap="flat" cmpd="sng">
-            <a:solidFill>
-              <a:srgbClr val="00B050"/>
-            </a:solidFill>
-            <a:prstDash val="solid"/>
-            <a:miter lim="800000"/>
-            <a:headEnd type="none" w="sm" len="sm"/>
-            <a:tailEnd type="none" w="sm" len="sm"/>
-          </a:ln>
-        </p:spPr>
-        <p:txBody>
-          <a:bodyPr spcFirstLastPara="1" wrap="square" lIns="91425" tIns="45700" rIns="91425" bIns="45700" anchor="ctr" anchorCtr="0">
-            <a:noAutofit/>
-          </a:bodyPr>
-          <a:lstStyle/>
-          <a:p>
-            <a:pPr marL="0" marR="0" lvl="0" indent="0" algn="ctr" rtl="0">
-              <a:spcBef>
-                <a:spcPts val="0"/>
-              </a:spcBef>
-              <a:spcAft>
-                <a:spcPts val="0"/>
-              </a:spcAft>
-              <a:buNone/>
-            </a:pPr>
-            <a:endParaRPr sz="1800">
-              <a:solidFill>
-                <a:schemeClr val="lt1"/>
-              </a:solidFill>
-              <a:latin typeface="Playfair Display"/>
-              <a:ea typeface="Playfair Display"/>
-              <a:cs typeface="Playfair Display"/>
-              <a:sym typeface="Playfair Display"/>
-            </a:endParaRPr>
-          </a:p>
-        </p:txBody>
-      </p:sp>
-      <p:sp>
-        <p:nvSpPr>
-          <p:cNvPr id="14" name="Shape 152"/>
-          <p:cNvSpPr txBox="1"/>
-          <p:nvPr/>
-        </p:nvSpPr>
-        <p:spPr>
-          <a:xfrm>
-            <a:off x="1666067" y="3657759"/>
-            <a:ext cx="2808134" cy="338554"/>
-          </a:xfrm>
-          <a:prstGeom prst="rect">
-            <a:avLst/>
-          </a:prstGeom>
-          <a:noFill/>
-          <a:ln>
-            <a:noFill/>
-          </a:ln>
-        </p:spPr>
-        <p:txBody>
-          <a:bodyPr spcFirstLastPara="1" wrap="square" lIns="91425" tIns="45700" rIns="91425" bIns="45700" anchor="t" anchorCtr="0">
-            <a:noAutofit/>
-          </a:bodyPr>
-          <a:lstStyle/>
-          <a:p>
-            <a:pPr marL="0" marR="0" lvl="0" indent="0" algn="ctr" rtl="0">
-              <a:spcBef>
-                <a:spcPts val="0"/>
-              </a:spcBef>
-              <a:spcAft>
-                <a:spcPts val="0"/>
-              </a:spcAft>
-              <a:buNone/>
-            </a:pPr>
-            <a:r>
-              <a:rPr lang="en-PH" sz="1800" dirty="0" smtClean="0">
-                <a:solidFill>
-                  <a:schemeClr val="dk1"/>
-                </a:solidFill>
-                <a:latin typeface="Lato Light"/>
-                <a:ea typeface="Lato Light"/>
-                <a:cs typeface="Lato Light"/>
-                <a:sym typeface="Lato Light"/>
-              </a:rPr>
-              <a:t>Lamp</a:t>
-            </a:r>
-            <a:r>
-              <a:rPr lang="ro-RO" sz="1800" dirty="0" smtClean="0">
-                <a:solidFill>
-                  <a:schemeClr val="dk1"/>
-                </a:solidFill>
-                <a:latin typeface="Lato Light"/>
-                <a:ea typeface="Lato Light"/>
-                <a:cs typeface="Lato Light"/>
-                <a:sym typeface="Lato Light"/>
-              </a:rPr>
-              <a:t>ă</a:t>
-            </a:r>
-            <a:endParaRPr sz="1800" i="1" dirty="0">
-              <a:solidFill>
-                <a:schemeClr val="dk1"/>
-              </a:solidFill>
-              <a:latin typeface="Lato Light"/>
-              <a:ea typeface="Lato Light"/>
-              <a:cs typeface="Lato Light"/>
-              <a:sym typeface="Lato Light"/>
-            </a:endParaRPr>
-          </a:p>
-        </p:txBody>
-      </p:sp>
-      <p:pic>
-        <p:nvPicPr>
-          <p:cNvPr id="15" name="Picture 14"/>
-          <p:cNvPicPr>
-            <a:picLocks noChangeAspect="1"/>
-          </p:cNvPicPr>
-          <p:nvPr/>
-        </p:nvPicPr>
-        <p:blipFill rotWithShape="1">
-          <a:blip r:embed="rId6" cstate="print">
-            <a:extLst>
-              <a:ext uri="{28A0092B-C50C-407E-A947-70E740481C1C}">
-                <a14:useLocalDpi xmlns:a14="http://schemas.microsoft.com/office/drawing/2010/main"/>
-              </a:ext>
-            </a:extLst>
-          </a:blip>
-          <a:srcRect/>
-          <a:stretch/>
-        </p:blipFill>
-        <p:spPr>
-          <a:xfrm>
-            <a:off x="5222163" y="1488417"/>
-            <a:ext cx="2769156" cy="2035082"/>
-          </a:xfrm>
-          <a:prstGeom prst="rect">
-            <a:avLst/>
-          </a:prstGeom>
-        </p:spPr>
-      </p:pic>
-      <p:sp>
-        <p:nvSpPr>
-          <p:cNvPr id="16" name="Shape 143"/>
-          <p:cNvSpPr/>
-          <p:nvPr/>
-        </p:nvSpPr>
-        <p:spPr>
-          <a:xfrm>
-            <a:off x="6182543" y="3642717"/>
-            <a:ext cx="875962" cy="398892"/>
-          </a:xfrm>
-          <a:prstGeom prst="rect">
-            <a:avLst/>
-          </a:prstGeom>
-          <a:noFill/>
-          <a:ln w="19050" cap="flat" cmpd="sng">
-            <a:solidFill>
-              <a:srgbClr val="00B050"/>
-            </a:solidFill>
-            <a:prstDash val="solid"/>
-            <a:miter lim="800000"/>
-            <a:headEnd type="none" w="sm" len="sm"/>
-            <a:tailEnd type="none" w="sm" len="sm"/>
-          </a:ln>
-        </p:spPr>
-        <p:txBody>
-          <a:bodyPr spcFirstLastPara="1" wrap="square" lIns="91425" tIns="45700" rIns="91425" bIns="45700" anchor="ctr" anchorCtr="0">
-            <a:noAutofit/>
-          </a:bodyPr>
-          <a:lstStyle/>
-          <a:p>
-            <a:pPr marL="0" marR="0" lvl="0" indent="0" algn="ctr" rtl="0">
-              <a:spcBef>
-                <a:spcPts val="0"/>
-              </a:spcBef>
-              <a:spcAft>
-                <a:spcPts val="0"/>
-              </a:spcAft>
-              <a:buNone/>
-            </a:pPr>
-            <a:endParaRPr sz="1800">
-              <a:solidFill>
-                <a:schemeClr val="lt1"/>
-              </a:solidFill>
-              <a:latin typeface="Playfair Display"/>
-              <a:ea typeface="Playfair Display"/>
-              <a:cs typeface="Playfair Display"/>
-              <a:sym typeface="Playfair Display"/>
-            </a:endParaRPr>
-          </a:p>
-        </p:txBody>
-      </p:sp>
-      <p:sp>
-        <p:nvSpPr>
-          <p:cNvPr id="18" name="Shape 152"/>
-          <p:cNvSpPr txBox="1"/>
-          <p:nvPr/>
-        </p:nvSpPr>
-        <p:spPr>
-          <a:xfrm>
-            <a:off x="5217405" y="3658558"/>
-            <a:ext cx="2808134" cy="338554"/>
-          </a:xfrm>
-          <a:prstGeom prst="rect">
-            <a:avLst/>
-          </a:prstGeom>
-          <a:noFill/>
-          <a:ln>
-            <a:noFill/>
-          </a:ln>
-        </p:spPr>
-        <p:txBody>
-          <a:bodyPr spcFirstLastPara="1" wrap="square" lIns="91425" tIns="45700" rIns="91425" bIns="45700" anchor="t" anchorCtr="0">
-            <a:noAutofit/>
-          </a:bodyPr>
-          <a:lstStyle/>
-          <a:p>
-            <a:pPr marL="0" marR="0" lvl="0" indent="0" algn="ctr" rtl="0">
-              <a:spcBef>
-                <a:spcPts val="0"/>
-              </a:spcBef>
-              <a:spcAft>
-                <a:spcPts val="0"/>
-              </a:spcAft>
-              <a:buNone/>
-            </a:pPr>
-            <a:r>
-              <a:rPr lang="ro-RO" sz="1800" dirty="0" smtClean="0">
-                <a:solidFill>
-                  <a:schemeClr val="dk1"/>
-                </a:solidFill>
-                <a:latin typeface="Lato Light"/>
-                <a:ea typeface="Lato Light"/>
-                <a:cs typeface="Lato Light"/>
-                <a:sym typeface="Lato Light"/>
-              </a:rPr>
-              <a:t>Bec</a:t>
-            </a:r>
-            <a:endParaRPr sz="1800" i="1" dirty="0">
-              <a:solidFill>
-                <a:schemeClr val="dk1"/>
-              </a:solidFill>
-              <a:latin typeface="Lato Light"/>
-              <a:ea typeface="Lato Light"/>
-              <a:cs typeface="Lato Light"/>
-              <a:sym typeface="Lato Light"/>
-            </a:endParaRPr>
-          </a:p>
-        </p:txBody>
-      </p:sp>
-      <p:pic>
-        <p:nvPicPr>
-          <p:cNvPr id="19" name="Picture 18"/>
-          <p:cNvPicPr>
-            <a:picLocks noChangeAspect="1"/>
-          </p:cNvPicPr>
-          <p:nvPr/>
-        </p:nvPicPr>
-        <p:blipFill>
-          <a:blip r:embed="rId7" cstate="print">
-            <a:extLst>
-              <a:ext uri="{28A0092B-C50C-407E-A947-70E740481C1C}">
-                <a14:useLocalDpi xmlns:a14="http://schemas.microsoft.com/office/drawing/2010/main"/>
-              </a:ext>
-            </a:extLst>
-          </a:blip>
-          <a:stretch>
-            <a:fillRect/>
-          </a:stretch>
-        </p:blipFill>
-        <p:spPr>
-          <a:xfrm>
-            <a:off x="8914924" y="2407814"/>
-            <a:ext cx="2638211" cy="247332"/>
-          </a:xfrm>
-          <a:prstGeom prst="rect">
-            <a:avLst/>
-          </a:prstGeom>
-        </p:spPr>
-      </p:pic>
-      <p:sp>
-        <p:nvSpPr>
-          <p:cNvPr id="20" name="Shape 143"/>
-          <p:cNvSpPr/>
-          <p:nvPr/>
-        </p:nvSpPr>
-        <p:spPr>
-          <a:xfrm>
-            <a:off x="9135391" y="3641918"/>
-            <a:ext cx="2046083" cy="398892"/>
-          </a:xfrm>
-          <a:prstGeom prst="rect">
-            <a:avLst/>
-          </a:prstGeom>
-          <a:noFill/>
-          <a:ln w="19050" cap="flat" cmpd="sng">
-            <a:solidFill>
-              <a:srgbClr val="00B050"/>
-            </a:solidFill>
-            <a:prstDash val="solid"/>
-            <a:miter lim="800000"/>
-            <a:headEnd type="none" w="sm" len="sm"/>
-            <a:tailEnd type="none" w="sm" len="sm"/>
-          </a:ln>
-        </p:spPr>
-        <p:txBody>
-          <a:bodyPr spcFirstLastPara="1" wrap="square" lIns="91425" tIns="45700" rIns="91425" bIns="45700" anchor="ctr" anchorCtr="0">
-            <a:noAutofit/>
-          </a:bodyPr>
-          <a:lstStyle/>
-          <a:p>
-            <a:pPr marL="0" marR="0" lvl="0" indent="0" algn="ctr" rtl="0">
-              <a:spcBef>
-                <a:spcPts val="0"/>
-              </a:spcBef>
-              <a:spcAft>
-                <a:spcPts val="0"/>
-              </a:spcAft>
-              <a:buNone/>
-            </a:pPr>
-            <a:endParaRPr sz="1800">
-              <a:solidFill>
-                <a:schemeClr val="lt1"/>
-              </a:solidFill>
-              <a:latin typeface="Playfair Display"/>
-              <a:ea typeface="Playfair Display"/>
-              <a:cs typeface="Playfair Display"/>
-              <a:sym typeface="Playfair Display"/>
-            </a:endParaRPr>
-          </a:p>
-        </p:txBody>
-      </p:sp>
-      <p:sp>
-        <p:nvSpPr>
-          <p:cNvPr id="22" name="Shape 152"/>
-          <p:cNvSpPr txBox="1"/>
-          <p:nvPr/>
-        </p:nvSpPr>
-        <p:spPr>
-          <a:xfrm>
-            <a:off x="8737173" y="3643437"/>
-            <a:ext cx="2808134" cy="338554"/>
-          </a:xfrm>
-          <a:prstGeom prst="rect">
-            <a:avLst/>
-          </a:prstGeom>
-          <a:noFill/>
-          <a:ln>
-            <a:noFill/>
-          </a:ln>
-        </p:spPr>
-        <p:txBody>
-          <a:bodyPr spcFirstLastPara="1" wrap="square" lIns="91425" tIns="45700" rIns="91425" bIns="45700" anchor="t" anchorCtr="0">
-            <a:noAutofit/>
-          </a:bodyPr>
-          <a:lstStyle/>
-          <a:p>
-            <a:pPr marL="0" marR="0" lvl="0" indent="0" algn="ctr" rtl="0">
-              <a:spcBef>
-                <a:spcPts val="0"/>
-              </a:spcBef>
-              <a:spcAft>
-                <a:spcPts val="0"/>
-              </a:spcAft>
-              <a:buNone/>
-            </a:pPr>
-            <a:r>
-              <a:rPr lang="ro-RO" sz="1800" dirty="0" smtClean="0">
-                <a:solidFill>
-                  <a:schemeClr val="dk1"/>
-                </a:solidFill>
-                <a:latin typeface="Lato Light"/>
-                <a:ea typeface="Lato Light"/>
-                <a:cs typeface="Lato Light"/>
-                <a:sym typeface="Lato Light"/>
-              </a:rPr>
-              <a:t>Laser de securitate</a:t>
-            </a:r>
-            <a:endParaRPr sz="1800" i="1" dirty="0">
-              <a:solidFill>
-                <a:schemeClr val="dk1"/>
-              </a:solidFill>
-              <a:latin typeface="Lato Light"/>
-              <a:ea typeface="Lato Light"/>
-              <a:cs typeface="Lato Light"/>
-              <a:sym typeface="Lato Light"/>
-            </a:endParaRPr>
-          </a:p>
-        </p:txBody>
-      </p:sp>
-      <p:sp>
-        <p:nvSpPr>
-          <p:cNvPr id="3" name="Slide Number Placeholder 2"/>
-          <p:cNvSpPr>
-            <a:spLocks noGrp="1"/>
-          </p:cNvSpPr>
-          <p:nvPr>
-            <p:ph type="sldNum" idx="12"/>
-          </p:nvPr>
-        </p:nvSpPr>
-        <p:spPr/>
-        <p:txBody>
-          <a:bodyPr/>
-          <a:lstStyle/>
-          <a:p>
-            <a:fld id="{00000000-1234-1234-1234-123412341234}" type="slidenum">
-              <a:rPr lang="en-PH" smtClean="0"/>
-              <a:pPr/>
-              <a:t>9</a:t>
-            </a:fld>
-            <a:endParaRPr lang="en-PH" dirty="0"/>
-          </a:p>
-        </p:txBody>
-      </p:sp>
-      <p:sp>
-        <p:nvSpPr>
-          <p:cNvPr id="23" name="Shape 114"/>
-          <p:cNvSpPr/>
-          <p:nvPr/>
-        </p:nvSpPr>
-        <p:spPr>
-          <a:xfrm>
-            <a:off x="878557" y="1053895"/>
-            <a:ext cx="8853917" cy="51759"/>
-          </a:xfrm>
-          <a:prstGeom prst="rect">
-            <a:avLst/>
-          </a:prstGeom>
-          <a:solidFill>
-            <a:srgbClr val="AAE4D5"/>
-          </a:solidFill>
-          <a:ln>
-            <a:noFill/>
-          </a:ln>
-        </p:spPr>
-        <p:txBody>
-          <a:bodyPr spcFirstLastPara="1" wrap="square" lIns="91425" tIns="45700" rIns="91425" bIns="45700" anchor="ctr" anchorCtr="0">
-            <a:noAutofit/>
-          </a:bodyPr>
-          <a:lstStyle/>
-          <a:p>
-            <a:pPr marL="0" marR="0" lvl="0" indent="0" algn="ctr" rtl="0">
-              <a:spcBef>
-                <a:spcPts val="0"/>
-              </a:spcBef>
-              <a:spcAft>
-                <a:spcPts val="0"/>
-              </a:spcAft>
-              <a:buNone/>
-            </a:pPr>
-            <a:endParaRPr sz="1800">
-              <a:solidFill>
-                <a:schemeClr val="lt1"/>
-              </a:solidFill>
-              <a:latin typeface="Playfair Display"/>
-              <a:ea typeface="Playfair Display"/>
-              <a:cs typeface="Playfair Display"/>
-              <a:sym typeface="Playfair Display"/>
-            </a:endParaRPr>
-          </a:p>
-        </p:txBody>
-      </p:sp>
-      <p:pic>
-        <p:nvPicPr>
-          <p:cNvPr id="5" name="Picture 4"/>
-          <p:cNvPicPr>
-            <a:picLocks noChangeAspect="1"/>
-          </p:cNvPicPr>
-          <p:nvPr/>
-        </p:nvPicPr>
-        <p:blipFill>
-          <a:blip r:embed="rId8">
-            <a:extLst>
-              <a:ext uri="{28A0092B-C50C-407E-A947-70E740481C1C}">
-                <a14:useLocalDpi xmlns:a14="http://schemas.microsoft.com/office/drawing/2010/main"/>
-              </a:ext>
-            </a:extLst>
-          </a:blip>
-          <a:stretch>
-            <a:fillRect/>
-          </a:stretch>
-        </p:blipFill>
-        <p:spPr>
-          <a:xfrm>
-            <a:off x="2374258" y="4467705"/>
-            <a:ext cx="1362424" cy="1162602"/>
-          </a:xfrm>
-          <a:prstGeom prst="rect">
-            <a:avLst/>
-          </a:prstGeom>
-        </p:spPr>
-      </p:pic>
-      <p:pic>
-        <p:nvPicPr>
-          <p:cNvPr id="6" name="Picture 5"/>
-          <p:cNvPicPr>
-            <a:picLocks noChangeAspect="1"/>
-          </p:cNvPicPr>
-          <p:nvPr/>
-        </p:nvPicPr>
-        <p:blipFill rotWithShape="1">
-          <a:blip r:embed="rId9" cstate="print">
-            <a:extLst>
-              <a:ext uri="{28A0092B-C50C-407E-A947-70E740481C1C}">
-                <a14:useLocalDpi xmlns:a14="http://schemas.microsoft.com/office/drawing/2010/main"/>
-              </a:ext>
-            </a:extLst>
-          </a:blip>
-          <a:srcRect/>
-          <a:stretch/>
-        </p:blipFill>
-        <p:spPr>
-          <a:xfrm>
-            <a:off x="6020952" y="4432286"/>
-            <a:ext cx="1171577" cy="1204021"/>
-          </a:xfrm>
-          <a:prstGeom prst="rect">
-            <a:avLst/>
-          </a:prstGeom>
-        </p:spPr>
-      </p:pic>
-      <p:pic>
-        <p:nvPicPr>
-          <p:cNvPr id="7" name="Picture 6"/>
-          <p:cNvPicPr>
-            <a:picLocks noChangeAspect="1"/>
-          </p:cNvPicPr>
-          <p:nvPr/>
-        </p:nvPicPr>
-        <p:blipFill rotWithShape="1">
-          <a:blip r:embed="rId10" cstate="print">
-            <a:extLst>
-              <a:ext uri="{28A0092B-C50C-407E-A947-70E740481C1C}">
-                <a14:useLocalDpi xmlns:a14="http://schemas.microsoft.com/office/drawing/2010/main"/>
-              </a:ext>
-            </a:extLst>
-          </a:blip>
-          <a:srcRect/>
-          <a:stretch/>
-        </p:blipFill>
-        <p:spPr>
-          <a:xfrm>
-            <a:off x="9135391" y="4426410"/>
-            <a:ext cx="1768278" cy="1104314"/>
-          </a:xfrm>
-          <a:prstGeom prst="rect">
-            <a:avLst/>
-          </a:prstGeom>
-        </p:spPr>
-      </p:pic>
-      <p:sp>
-        <p:nvSpPr>
-          <p:cNvPr id="27" name="Shape 114"/>
-          <p:cNvSpPr/>
-          <p:nvPr/>
-        </p:nvSpPr>
-        <p:spPr>
-          <a:xfrm>
-            <a:off x="605444" y="4257458"/>
-            <a:ext cx="11451087" cy="54864"/>
-          </a:xfrm>
-          <a:prstGeom prst="rect">
-            <a:avLst/>
-          </a:prstGeom>
-          <a:solidFill>
-            <a:schemeClr val="accent1">
-              <a:lumMod val="60000"/>
-              <a:lumOff val="40000"/>
-            </a:schemeClr>
-          </a:solidFill>
-          <a:ln>
-            <a:noFill/>
-          </a:ln>
-        </p:spPr>
-        <p:txBody>
-          <a:bodyPr spcFirstLastPara="1" wrap="square" lIns="91425" tIns="45700" rIns="91425" bIns="45700" anchor="ctr" anchorCtr="0">
-            <a:noAutofit/>
-          </a:bodyPr>
-          <a:lstStyle/>
-          <a:p>
-            <a:pPr marL="0" marR="0" lvl="0" indent="0" algn="ctr" rtl="0">
-              <a:spcBef>
-                <a:spcPts val="0"/>
-              </a:spcBef>
-              <a:spcAft>
-                <a:spcPts val="0"/>
-              </a:spcAft>
-              <a:buNone/>
-            </a:pPr>
-            <a:endParaRPr sz="1800">
-              <a:solidFill>
-                <a:schemeClr val="lt1"/>
-              </a:solidFill>
-              <a:latin typeface="Playfair Display"/>
-              <a:ea typeface="Playfair Display"/>
-              <a:cs typeface="Playfair Display"/>
-              <a:sym typeface="Playfair Display"/>
-            </a:endParaRPr>
-          </a:p>
-        </p:txBody>
-      </p:sp>
-      <p:sp>
-        <p:nvSpPr>
-          <p:cNvPr id="28" name="Shape 146"/>
-          <p:cNvSpPr txBox="1"/>
-          <p:nvPr/>
-        </p:nvSpPr>
-        <p:spPr>
-          <a:xfrm>
-            <a:off x="496807" y="3771143"/>
-            <a:ext cx="1711118" cy="369332"/>
-          </a:xfrm>
-          <a:prstGeom prst="rect">
-            <a:avLst/>
-          </a:prstGeom>
-          <a:noFill/>
-          <a:ln>
-            <a:noFill/>
-          </a:ln>
-        </p:spPr>
-        <p:txBody>
-          <a:bodyPr spcFirstLastPara="1" wrap="square" lIns="91425" tIns="45700" rIns="91425" bIns="45700" anchor="t" anchorCtr="0">
-            <a:noAutofit/>
-          </a:bodyPr>
-          <a:lstStyle/>
-          <a:p>
-            <a:pPr marL="0" marR="0" lvl="0" indent="0" algn="ctr" rtl="0">
-              <a:spcBef>
-                <a:spcPts val="0"/>
-              </a:spcBef>
-              <a:spcAft>
-                <a:spcPts val="0"/>
-              </a:spcAft>
-              <a:buNone/>
-            </a:pPr>
-            <a:r>
-              <a:rPr lang="en-US" sz="2400" b="1" dirty="0" err="1" smtClean="0">
-                <a:solidFill>
-                  <a:srgbClr val="00B050"/>
-                </a:solidFill>
-                <a:latin typeface="Montserrat"/>
-                <a:ea typeface="Montserrat"/>
-                <a:cs typeface="Montserrat"/>
-                <a:sym typeface="Montserrat"/>
-              </a:rPr>
-              <a:t>Dispozitiv</a:t>
-            </a:r>
-            <a:endParaRPr sz="2400" b="1" i="1" dirty="0">
-              <a:solidFill>
-                <a:srgbClr val="00B050"/>
-              </a:solidFill>
-              <a:latin typeface="Montserrat"/>
-              <a:ea typeface="Montserrat"/>
-              <a:cs typeface="Montserrat"/>
-              <a:sym typeface="Montserrat"/>
-            </a:endParaRPr>
-          </a:p>
-        </p:txBody>
-      </p:sp>
-      <p:sp>
-        <p:nvSpPr>
-          <p:cNvPr id="30" name="Shape 146"/>
-          <p:cNvSpPr txBox="1"/>
-          <p:nvPr/>
-        </p:nvSpPr>
-        <p:spPr>
-          <a:xfrm>
-            <a:off x="505860" y="4330416"/>
-            <a:ext cx="1702065" cy="369332"/>
-          </a:xfrm>
-          <a:prstGeom prst="rect">
-            <a:avLst/>
-          </a:prstGeom>
-          <a:noFill/>
-          <a:ln>
-            <a:noFill/>
-          </a:ln>
-        </p:spPr>
-        <p:txBody>
-          <a:bodyPr spcFirstLastPara="1" wrap="square" lIns="91425" tIns="45700" rIns="91425" bIns="45700" anchor="t" anchorCtr="0">
-            <a:noAutofit/>
-          </a:bodyPr>
-          <a:lstStyle/>
-          <a:p>
-            <a:pPr marL="0" marR="0" lvl="0" indent="0" algn="ctr" rtl="0">
-              <a:spcBef>
-                <a:spcPts val="0"/>
-              </a:spcBef>
-              <a:spcAft>
-                <a:spcPts val="0"/>
-              </a:spcAft>
-              <a:buNone/>
-            </a:pPr>
-            <a:r>
-              <a:rPr lang="ro-RO" sz="2400" b="1" dirty="0">
-                <a:solidFill>
-                  <a:srgbClr val="002060"/>
-                </a:solidFill>
-                <a:latin typeface="Montserrat"/>
-                <a:ea typeface="Montserrat"/>
-                <a:cs typeface="Montserrat"/>
-                <a:sym typeface="Montserrat"/>
-              </a:rPr>
-              <a:t>H</a:t>
-            </a:r>
-            <a:r>
-              <a:rPr lang="ro-RO" sz="2400" b="1" dirty="0" smtClean="0">
-                <a:solidFill>
-                  <a:srgbClr val="002060"/>
-                </a:solidFill>
-                <a:latin typeface="Montserrat"/>
-                <a:ea typeface="Montserrat"/>
-                <a:cs typeface="Montserrat"/>
-                <a:sym typeface="Montserrat"/>
-              </a:rPr>
-              <a:t>ardware</a:t>
-            </a:r>
-            <a:endParaRPr sz="2400" b="1" i="1" dirty="0">
-              <a:solidFill>
-                <a:srgbClr val="002060"/>
-              </a:solidFill>
-              <a:latin typeface="Montserrat"/>
-              <a:ea typeface="Montserrat"/>
-              <a:cs typeface="Montserrat"/>
-              <a:sym typeface="Montserrat"/>
-            </a:endParaRPr>
-          </a:p>
-        </p:txBody>
-      </p:sp>
-      <p:sp>
-        <p:nvSpPr>
-          <p:cNvPr id="31" name="Shape 143"/>
-          <p:cNvSpPr/>
-          <p:nvPr/>
-        </p:nvSpPr>
-        <p:spPr>
-          <a:xfrm>
-            <a:off x="1790561" y="5875091"/>
-            <a:ext cx="2601056" cy="398892"/>
-          </a:xfrm>
-          <a:prstGeom prst="rect">
-            <a:avLst/>
-          </a:prstGeom>
-          <a:noFill/>
-          <a:ln w="19050" cap="flat" cmpd="sng">
-            <a:solidFill>
-              <a:srgbClr val="002060"/>
-            </a:solidFill>
-            <a:prstDash val="solid"/>
-            <a:miter lim="800000"/>
-            <a:headEnd type="none" w="sm" len="sm"/>
-            <a:tailEnd type="none" w="sm" len="sm"/>
-          </a:ln>
-        </p:spPr>
-        <p:txBody>
-          <a:bodyPr spcFirstLastPara="1" wrap="square" lIns="91425" tIns="45700" rIns="91425" bIns="45700" anchor="ctr" anchorCtr="0">
-            <a:noAutofit/>
-          </a:bodyPr>
-          <a:lstStyle/>
-          <a:p>
-            <a:pPr marL="0" marR="0" lvl="0" indent="0" algn="ctr" rtl="0">
-              <a:spcBef>
-                <a:spcPts val="0"/>
-              </a:spcBef>
-              <a:spcAft>
-                <a:spcPts val="0"/>
-              </a:spcAft>
-              <a:buNone/>
-            </a:pPr>
-            <a:endParaRPr sz="1800">
-              <a:solidFill>
-                <a:schemeClr val="lt1"/>
-              </a:solidFill>
-              <a:latin typeface="Playfair Display"/>
-              <a:ea typeface="Playfair Display"/>
-              <a:cs typeface="Playfair Display"/>
-              <a:sym typeface="Playfair Display"/>
-            </a:endParaRPr>
-          </a:p>
-        </p:txBody>
-      </p:sp>
-      <p:sp>
-        <p:nvSpPr>
-          <p:cNvPr id="32" name="Shape 152"/>
-          <p:cNvSpPr txBox="1"/>
-          <p:nvPr/>
-        </p:nvSpPr>
-        <p:spPr>
-          <a:xfrm>
-            <a:off x="1790560" y="5890932"/>
-            <a:ext cx="2601055" cy="338554"/>
-          </a:xfrm>
-          <a:prstGeom prst="rect">
-            <a:avLst/>
-          </a:prstGeom>
-          <a:noFill/>
-          <a:ln>
-            <a:noFill/>
-          </a:ln>
-        </p:spPr>
-        <p:txBody>
-          <a:bodyPr spcFirstLastPara="1" wrap="square" lIns="91425" tIns="45700" rIns="91425" bIns="45700" anchor="t" anchorCtr="0">
-            <a:noAutofit/>
-          </a:bodyPr>
-          <a:lstStyle/>
-          <a:p>
-            <a:pPr lvl="0" algn="ctr"/>
-            <a:r>
-              <a:rPr lang="en-US" dirty="0">
-                <a:solidFill>
-                  <a:schemeClr val="dk1"/>
-                </a:solidFill>
-                <a:latin typeface="Lato Light"/>
-                <a:ea typeface="Lato Light"/>
-                <a:cs typeface="Lato Light"/>
-                <a:sym typeface="Lato Light"/>
-              </a:rPr>
-              <a:t>KY-016, </a:t>
-            </a:r>
-            <a:r>
-              <a:rPr lang="en-US" dirty="0" err="1">
-                <a:solidFill>
-                  <a:schemeClr val="dk1"/>
-                </a:solidFill>
-                <a:latin typeface="Lato Light"/>
-                <a:ea typeface="Lato Light"/>
-                <a:cs typeface="Lato Light"/>
-                <a:sym typeface="Lato Light"/>
-              </a:rPr>
-              <a:t>Modul</a:t>
-            </a:r>
-            <a:r>
-              <a:rPr lang="en-US" dirty="0">
-                <a:solidFill>
-                  <a:schemeClr val="dk1"/>
-                </a:solidFill>
-                <a:latin typeface="Lato Light"/>
-                <a:ea typeface="Lato Light"/>
-                <a:cs typeface="Lato Light"/>
-                <a:sym typeface="Lato Light"/>
-              </a:rPr>
-              <a:t> LED cu 3 </a:t>
-            </a:r>
-            <a:r>
-              <a:rPr lang="en-US" dirty="0" err="1">
-                <a:solidFill>
-                  <a:schemeClr val="dk1"/>
-                </a:solidFill>
-                <a:latin typeface="Lato Light"/>
-                <a:ea typeface="Lato Light"/>
-                <a:cs typeface="Lato Light"/>
-                <a:sym typeface="Lato Light"/>
-              </a:rPr>
-              <a:t>culori</a:t>
-            </a:r>
-            <a:endParaRPr i="1" dirty="0">
-              <a:solidFill>
-                <a:schemeClr val="dk1"/>
-              </a:solidFill>
-              <a:latin typeface="Lato Light"/>
-              <a:ea typeface="Lato Light"/>
-              <a:cs typeface="Lato Light"/>
-              <a:sym typeface="Lato Light"/>
-            </a:endParaRPr>
-          </a:p>
-        </p:txBody>
-      </p:sp>
-      <p:sp>
-        <p:nvSpPr>
-          <p:cNvPr id="33" name="Shape 143"/>
-          <p:cNvSpPr/>
-          <p:nvPr/>
-        </p:nvSpPr>
-        <p:spPr>
-          <a:xfrm>
-            <a:off x="5275204" y="5869952"/>
-            <a:ext cx="2601056" cy="398892"/>
-          </a:xfrm>
-          <a:prstGeom prst="rect">
-            <a:avLst/>
-          </a:prstGeom>
-          <a:noFill/>
-          <a:ln w="19050" cap="flat" cmpd="sng">
-            <a:solidFill>
-              <a:srgbClr val="002060"/>
-            </a:solidFill>
-            <a:prstDash val="solid"/>
-            <a:miter lim="800000"/>
-            <a:headEnd type="none" w="sm" len="sm"/>
-            <a:tailEnd type="none" w="sm" len="sm"/>
-          </a:ln>
-        </p:spPr>
-        <p:txBody>
-          <a:bodyPr spcFirstLastPara="1" wrap="square" lIns="91425" tIns="45700" rIns="91425" bIns="45700" anchor="ctr" anchorCtr="0">
-            <a:noAutofit/>
-          </a:bodyPr>
-          <a:lstStyle/>
-          <a:p>
-            <a:pPr marL="0" marR="0" lvl="0" indent="0" algn="ctr" rtl="0">
-              <a:spcBef>
-                <a:spcPts val="0"/>
-              </a:spcBef>
-              <a:spcAft>
-                <a:spcPts val="0"/>
-              </a:spcAft>
-              <a:buNone/>
-            </a:pPr>
-            <a:endParaRPr sz="1800">
-              <a:solidFill>
-                <a:schemeClr val="lt1"/>
-              </a:solidFill>
-              <a:latin typeface="Playfair Display"/>
-              <a:ea typeface="Playfair Display"/>
-              <a:cs typeface="Playfair Display"/>
-              <a:sym typeface="Playfair Display"/>
-            </a:endParaRPr>
-          </a:p>
-        </p:txBody>
-      </p:sp>
-      <p:sp>
-        <p:nvSpPr>
-          <p:cNvPr id="34" name="Shape 152"/>
-          <p:cNvSpPr txBox="1"/>
-          <p:nvPr/>
-        </p:nvSpPr>
-        <p:spPr>
-          <a:xfrm>
-            <a:off x="5275203" y="5885793"/>
-            <a:ext cx="2601055" cy="338554"/>
-          </a:xfrm>
-          <a:prstGeom prst="rect">
-            <a:avLst/>
-          </a:prstGeom>
-          <a:noFill/>
-          <a:ln>
-            <a:noFill/>
-          </a:ln>
-        </p:spPr>
-        <p:txBody>
-          <a:bodyPr spcFirstLastPara="1" wrap="square" lIns="91425" tIns="45700" rIns="91425" bIns="45700" anchor="t" anchorCtr="0">
-            <a:noAutofit/>
-          </a:bodyPr>
-          <a:lstStyle/>
-          <a:p>
-            <a:pPr lvl="0" algn="ctr"/>
-            <a:r>
-              <a:rPr lang="en-US" dirty="0">
-                <a:solidFill>
-                  <a:schemeClr val="dk1"/>
-                </a:solidFill>
-                <a:latin typeface="Lato Light"/>
-                <a:ea typeface="Lato Light"/>
-                <a:cs typeface="Lato Light"/>
-                <a:sym typeface="Lato Light"/>
-              </a:rPr>
-              <a:t>KY-011, </a:t>
-            </a:r>
-            <a:r>
-              <a:rPr lang="en-US" dirty="0" err="1">
-                <a:solidFill>
-                  <a:schemeClr val="dk1"/>
-                </a:solidFill>
-                <a:latin typeface="Lato Light"/>
-                <a:ea typeface="Lato Light"/>
-                <a:cs typeface="Lato Light"/>
-                <a:sym typeface="Lato Light"/>
-              </a:rPr>
-              <a:t>Modul</a:t>
-            </a:r>
-            <a:r>
-              <a:rPr lang="en-US" dirty="0">
-                <a:solidFill>
-                  <a:schemeClr val="dk1"/>
-                </a:solidFill>
-                <a:latin typeface="Lato Light"/>
-                <a:ea typeface="Lato Light"/>
-                <a:cs typeface="Lato Light"/>
-                <a:sym typeface="Lato Light"/>
-              </a:rPr>
-              <a:t> LED cu 2 </a:t>
-            </a:r>
-            <a:r>
-              <a:rPr lang="en-US" dirty="0" err="1">
-                <a:solidFill>
-                  <a:schemeClr val="dk1"/>
-                </a:solidFill>
-                <a:latin typeface="Lato Light"/>
-                <a:ea typeface="Lato Light"/>
-                <a:cs typeface="Lato Light"/>
-                <a:sym typeface="Lato Light"/>
-              </a:rPr>
-              <a:t>culori</a:t>
-            </a:r>
-            <a:endParaRPr i="1" dirty="0">
-              <a:solidFill>
-                <a:schemeClr val="dk1"/>
-              </a:solidFill>
-              <a:latin typeface="Lato Light"/>
-              <a:ea typeface="Lato Light"/>
-              <a:cs typeface="Lato Light"/>
-              <a:sym typeface="Lato Light"/>
-            </a:endParaRPr>
-          </a:p>
-        </p:txBody>
-      </p:sp>
-      <p:sp>
-        <p:nvSpPr>
-          <p:cNvPr id="35" name="Shape 143"/>
-          <p:cNvSpPr/>
-          <p:nvPr/>
-        </p:nvSpPr>
-        <p:spPr>
-          <a:xfrm>
-            <a:off x="8914925" y="5866374"/>
-            <a:ext cx="2601056" cy="398892"/>
-          </a:xfrm>
-          <a:prstGeom prst="rect">
-            <a:avLst/>
-          </a:prstGeom>
-          <a:noFill/>
-          <a:ln w="19050" cap="flat" cmpd="sng">
-            <a:solidFill>
-              <a:srgbClr val="002060"/>
-            </a:solidFill>
-            <a:prstDash val="solid"/>
-            <a:miter lim="800000"/>
-            <a:headEnd type="none" w="sm" len="sm"/>
-            <a:tailEnd type="none" w="sm" len="sm"/>
-          </a:ln>
-        </p:spPr>
-        <p:txBody>
-          <a:bodyPr spcFirstLastPara="1" wrap="square" lIns="91425" tIns="45700" rIns="91425" bIns="45700" anchor="ctr" anchorCtr="0">
-            <a:noAutofit/>
-          </a:bodyPr>
-          <a:lstStyle/>
-          <a:p>
-            <a:pPr marL="0" marR="0" lvl="0" indent="0" algn="ctr" rtl="0">
-              <a:spcBef>
-                <a:spcPts val="0"/>
-              </a:spcBef>
-              <a:spcAft>
-                <a:spcPts val="0"/>
-              </a:spcAft>
-              <a:buNone/>
-            </a:pPr>
-            <a:endParaRPr sz="1800">
-              <a:solidFill>
-                <a:schemeClr val="lt1"/>
-              </a:solidFill>
-              <a:latin typeface="Playfair Display"/>
-              <a:ea typeface="Playfair Display"/>
-              <a:cs typeface="Playfair Display"/>
-              <a:sym typeface="Playfair Display"/>
-            </a:endParaRPr>
-          </a:p>
-        </p:txBody>
-      </p:sp>
-      <p:sp>
-        <p:nvSpPr>
-          <p:cNvPr id="36" name="Shape 152"/>
-          <p:cNvSpPr txBox="1"/>
-          <p:nvPr/>
-        </p:nvSpPr>
-        <p:spPr>
-          <a:xfrm>
-            <a:off x="8914924" y="5882215"/>
-            <a:ext cx="2601055" cy="338554"/>
-          </a:xfrm>
-          <a:prstGeom prst="rect">
-            <a:avLst/>
-          </a:prstGeom>
-          <a:noFill/>
-          <a:ln>
-            <a:noFill/>
-          </a:ln>
-        </p:spPr>
-        <p:txBody>
-          <a:bodyPr spcFirstLastPara="1" wrap="square" lIns="91425" tIns="45700" rIns="91425" bIns="45700" anchor="t" anchorCtr="0">
-            <a:noAutofit/>
-          </a:bodyPr>
-          <a:lstStyle/>
-          <a:p>
-            <a:pPr lvl="0" algn="ctr"/>
-            <a:r>
-              <a:rPr lang="en-US" dirty="0">
-                <a:solidFill>
-                  <a:schemeClr val="dk1"/>
-                </a:solidFill>
-                <a:latin typeface="Lato Light"/>
-                <a:ea typeface="Lato Light"/>
-                <a:cs typeface="Lato Light"/>
-                <a:sym typeface="Lato Light"/>
-              </a:rPr>
-              <a:t>KY-008, </a:t>
-            </a:r>
-            <a:r>
-              <a:rPr lang="en-US" dirty="0" err="1">
-                <a:solidFill>
-                  <a:schemeClr val="dk1"/>
-                </a:solidFill>
-                <a:latin typeface="Lato Light"/>
-                <a:ea typeface="Lato Light"/>
-                <a:cs typeface="Lato Light"/>
-                <a:sym typeface="Lato Light"/>
-              </a:rPr>
-              <a:t>Modulul</a:t>
-            </a:r>
-            <a:r>
-              <a:rPr lang="en-US" dirty="0">
-                <a:solidFill>
-                  <a:schemeClr val="dk1"/>
-                </a:solidFill>
-                <a:latin typeface="Lato Light"/>
-                <a:ea typeface="Lato Light"/>
-                <a:cs typeface="Lato Light"/>
-                <a:sym typeface="Lato Light"/>
-              </a:rPr>
-              <a:t> </a:t>
-            </a:r>
-            <a:r>
-              <a:rPr lang="en-US" dirty="0" err="1">
-                <a:solidFill>
-                  <a:schemeClr val="dk1"/>
-                </a:solidFill>
-                <a:latin typeface="Lato Light"/>
-                <a:ea typeface="Lato Light"/>
-                <a:cs typeface="Lato Light"/>
-                <a:sym typeface="Lato Light"/>
-              </a:rPr>
-              <a:t>senzor</a:t>
-            </a:r>
-            <a:r>
-              <a:rPr lang="en-US" dirty="0">
-                <a:solidFill>
-                  <a:schemeClr val="dk1"/>
-                </a:solidFill>
-                <a:latin typeface="Lato Light"/>
-                <a:ea typeface="Lato Light"/>
-                <a:cs typeface="Lato Light"/>
-                <a:sym typeface="Lato Light"/>
-              </a:rPr>
-              <a:t> laser</a:t>
-            </a:r>
-            <a:endParaRPr i="1" dirty="0">
-              <a:solidFill>
-                <a:schemeClr val="dk1"/>
-              </a:solidFill>
-              <a:latin typeface="Lato Light"/>
-              <a:ea typeface="Lato Light"/>
-              <a:cs typeface="Lato Light"/>
-              <a:sym typeface="Lato Light"/>
-            </a:endParaRPr>
-          </a:p>
-        </p:txBody>
-      </p:sp>
-    </p:spTree>
-    <p:extLst>
-      <p:ext uri="{BB962C8B-B14F-4D97-AF65-F5344CB8AC3E}">
-        <p14:creationId xmlns:p14="http://schemas.microsoft.com/office/powerpoint/2010/main" val="311767833"/>
       </p:ext>
     </p:extLst>
   </p:cSld>
